--- a/Slides/Symbol Tuning.pptx
+++ b/Slides/Symbol Tuning.pptx
@@ -5,7 +5,7 @@
     <p:sldMasterId id="2147483648" r:id="rId1"/>
   </p:sldMasterIdLst>
   <p:notesMasterIdLst>
-    <p:notesMasterId r:id="rId36"/>
+    <p:notesMasterId r:id="rId47"/>
   </p:notesMasterIdLst>
   <p:sldIdLst>
     <p:sldId id="276" r:id="rId2"/>
@@ -42,6 +42,17 @@
     <p:sldId id="307" r:id="rId33"/>
     <p:sldId id="308" r:id="rId34"/>
     <p:sldId id="309" r:id="rId35"/>
+    <p:sldId id="310" r:id="rId36"/>
+    <p:sldId id="311" r:id="rId37"/>
+    <p:sldId id="312" r:id="rId38"/>
+    <p:sldId id="313" r:id="rId39"/>
+    <p:sldId id="314" r:id="rId40"/>
+    <p:sldId id="315" r:id="rId41"/>
+    <p:sldId id="316" r:id="rId42"/>
+    <p:sldId id="317" r:id="rId43"/>
+    <p:sldId id="318" r:id="rId44"/>
+    <p:sldId id="319" r:id="rId45"/>
+    <p:sldId id="320" r:id="rId46"/>
   </p:sldIdLst>
   <p:sldSz cx="12192000" cy="6858000"/>
   <p:notesSz cx="6858000" cy="9144000"/>
@@ -2647,6 +2658,1040 @@
 </c:chartSpace>
 </file>
 
+<file path=ppt/charts/chart6.xml><?xml version="1.0" encoding="utf-8"?>
+<c:chartSpace xmlns:c="http://schemas.openxmlformats.org/drawingml/2006/chart" xmlns:a="http://schemas.openxmlformats.org/drawingml/2006/main" xmlns:r="http://schemas.openxmlformats.org/officeDocument/2006/relationships" xmlns:c16r2="http://schemas.microsoft.com/office/drawing/2015/06/chart">
+  <c:date1904 val="0"/>
+  <c:lang val="en-US"/>
+  <c:roundedCorners val="0"/>
+  <mc:AlternateContent xmlns:mc="http://schemas.openxmlformats.org/markup-compatibility/2006">
+    <mc:Choice xmlns:c14="http://schemas.microsoft.com/office/drawing/2007/8/2/chart" Requires="c14">
+      <c14:style val="102"/>
+    </mc:Choice>
+    <mc:Fallback>
+      <c:style val="2"/>
+    </mc:Fallback>
+  </mc:AlternateContent>
+  <c:chart>
+    <c:title>
+      <c:tx>
+        <c:rich>
+          <a:bodyPr rot="0" spcFirstLastPara="1" vertOverflow="ellipsis" vert="horz" wrap="square" anchor="ctr" anchorCtr="1"/>
+          <a:lstStyle/>
+          <a:p>
+            <a:pPr>
+              <a:defRPr sz="1862" b="0" i="0" u="none" strike="noStrike" kern="1200" spc="0" baseline="0">
+                <a:solidFill>
+                  <a:schemeClr val="tx1">
+                    <a:lumMod val="65000"/>
+                    <a:lumOff val="35000"/>
+                  </a:schemeClr>
+                </a:solidFill>
+                <a:latin typeface="Times New Roman" panose="02020603050405020304" pitchFamily="18" charset="0"/>
+                <a:ea typeface="+mn-ea"/>
+                <a:cs typeface="Times New Roman" panose="02020603050405020304" pitchFamily="18" charset="0"/>
+              </a:defRPr>
+            </a:pPr>
+            <a:r>
+              <a:rPr lang="en-US" sz="1600" i="1" dirty="0"/>
+              <a:t>Number of Labels Generated Compression</a:t>
+            </a:r>
+          </a:p>
+        </c:rich>
+      </c:tx>
+      <c:overlay val="0"/>
+      <c:spPr>
+        <a:noFill/>
+        <a:ln>
+          <a:noFill/>
+        </a:ln>
+        <a:effectLst/>
+      </c:spPr>
+      <c:txPr>
+        <a:bodyPr rot="0" spcFirstLastPara="1" vertOverflow="ellipsis" vert="horz" wrap="square" anchor="ctr" anchorCtr="1"/>
+        <a:lstStyle/>
+        <a:p>
+          <a:pPr>
+            <a:defRPr sz="1862" b="0" i="0" u="none" strike="noStrike" kern="1200" spc="0" baseline="0">
+              <a:solidFill>
+                <a:schemeClr val="tx1">
+                  <a:lumMod val="65000"/>
+                  <a:lumOff val="35000"/>
+                </a:schemeClr>
+              </a:solidFill>
+              <a:latin typeface="Times New Roman" panose="02020603050405020304" pitchFamily="18" charset="0"/>
+              <a:ea typeface="+mn-ea"/>
+              <a:cs typeface="Times New Roman" panose="02020603050405020304" pitchFamily="18" charset="0"/>
+            </a:defRPr>
+          </a:pPr>
+          <a:endParaRPr lang="en-US"/>
+        </a:p>
+      </c:txPr>
+    </c:title>
+    <c:autoTitleDeleted val="0"/>
+    <c:plotArea>
+      <c:layout/>
+      <c:lineChart>
+        <c:grouping val="standard"/>
+        <c:varyColors val="0"/>
+        <c:ser>
+          <c:idx val="0"/>
+          <c:order val="0"/>
+          <c:tx>
+            <c:strRef>
+              <c:f>Sheet1!$B$1</c:f>
+              <c:strCache>
+                <c:ptCount val="1"/>
+                <c:pt idx="0">
+                  <c:v># of '58' Label</c:v>
+                </c:pt>
+              </c:strCache>
+            </c:strRef>
+          </c:tx>
+          <c:spPr>
+            <a:ln w="28575" cap="rnd">
+              <a:solidFill>
+                <a:schemeClr val="accent1"/>
+              </a:solidFill>
+              <a:round/>
+            </a:ln>
+            <a:effectLst/>
+          </c:spPr>
+          <c:marker>
+            <c:symbol val="none"/>
+          </c:marker>
+          <c:cat>
+            <c:strRef>
+              <c:f>Sheet1!$A$2:$A$6</c:f>
+              <c:strCache>
+                <c:ptCount val="5"/>
+                <c:pt idx="0">
+                  <c:v>k = 0</c:v>
+                </c:pt>
+                <c:pt idx="1">
+                  <c:v>k = 1</c:v>
+                </c:pt>
+                <c:pt idx="2">
+                  <c:v>k = 5</c:v>
+                </c:pt>
+                <c:pt idx="3">
+                  <c:v>k = 20</c:v>
+                </c:pt>
+                <c:pt idx="4">
+                  <c:v>k = 50</c:v>
+                </c:pt>
+              </c:strCache>
+            </c:strRef>
+          </c:cat>
+          <c:val>
+            <c:numRef>
+              <c:f>Sheet1!$B$2:$B$6</c:f>
+              <c:numCache>
+                <c:formatCode>General</c:formatCode>
+                <c:ptCount val="5"/>
+                <c:pt idx="0">
+                  <c:v>363</c:v>
+                </c:pt>
+                <c:pt idx="1">
+                  <c:v>293</c:v>
+                </c:pt>
+                <c:pt idx="2">
+                  <c:v>249</c:v>
+                </c:pt>
+                <c:pt idx="3">
+                  <c:v>202</c:v>
+                </c:pt>
+                <c:pt idx="4">
+                  <c:v>180</c:v>
+                </c:pt>
+              </c:numCache>
+            </c:numRef>
+          </c:val>
+          <c:smooth val="0"/>
+          <c:extLst>
+            <c:ext xmlns:c16="http://schemas.microsoft.com/office/drawing/2014/chart" uri="{C3380CC4-5D6E-409C-BE32-E72D297353CC}">
+              <c16:uniqueId val="{00000000-A6F0-438E-952C-4C0191585590}"/>
+            </c:ext>
+          </c:extLst>
+        </c:ser>
+        <c:ser>
+          <c:idx val="1"/>
+          <c:order val="1"/>
+          <c:tx>
+            <c:strRef>
+              <c:f>Sheet1!$C$1</c:f>
+              <c:strCache>
+                <c:ptCount val="1"/>
+                <c:pt idx="0">
+                  <c:v># of '47' Labels</c:v>
+                </c:pt>
+              </c:strCache>
+            </c:strRef>
+          </c:tx>
+          <c:spPr>
+            <a:ln w="28575" cap="rnd">
+              <a:solidFill>
+                <a:schemeClr val="accent2"/>
+              </a:solidFill>
+              <a:round/>
+            </a:ln>
+            <a:effectLst/>
+          </c:spPr>
+          <c:marker>
+            <c:symbol val="none"/>
+          </c:marker>
+          <c:cat>
+            <c:strRef>
+              <c:f>Sheet1!$A$2:$A$6</c:f>
+              <c:strCache>
+                <c:ptCount val="5"/>
+                <c:pt idx="0">
+                  <c:v>k = 0</c:v>
+                </c:pt>
+                <c:pt idx="1">
+                  <c:v>k = 1</c:v>
+                </c:pt>
+                <c:pt idx="2">
+                  <c:v>k = 5</c:v>
+                </c:pt>
+                <c:pt idx="3">
+                  <c:v>k = 20</c:v>
+                </c:pt>
+                <c:pt idx="4">
+                  <c:v>k = 50</c:v>
+                </c:pt>
+              </c:strCache>
+            </c:strRef>
+          </c:cat>
+          <c:val>
+            <c:numRef>
+              <c:f>Sheet1!$C$2:$C$6</c:f>
+              <c:numCache>
+                <c:formatCode>General</c:formatCode>
+                <c:ptCount val="5"/>
+                <c:pt idx="0">
+                  <c:v>38</c:v>
+                </c:pt>
+                <c:pt idx="1">
+                  <c:v>108</c:v>
+                </c:pt>
+                <c:pt idx="2">
+                  <c:v>152</c:v>
+                </c:pt>
+                <c:pt idx="3">
+                  <c:v>199</c:v>
+                </c:pt>
+                <c:pt idx="4">
+                  <c:v>221</c:v>
+                </c:pt>
+              </c:numCache>
+            </c:numRef>
+          </c:val>
+          <c:smooth val="0"/>
+          <c:extLst>
+            <c:ext xmlns:c16="http://schemas.microsoft.com/office/drawing/2014/chart" uri="{C3380CC4-5D6E-409C-BE32-E72D297353CC}">
+              <c16:uniqueId val="{00000001-A6F0-438E-952C-4C0191585590}"/>
+            </c:ext>
+          </c:extLst>
+        </c:ser>
+        <c:ser>
+          <c:idx val="2"/>
+          <c:order val="2"/>
+          <c:tx>
+            <c:strRef>
+              <c:f>Sheet1!$D$1</c:f>
+              <c:strCache>
+                <c:ptCount val="1"/>
+                <c:pt idx="0">
+                  <c:v># of '1' True Labels</c:v>
+                </c:pt>
+              </c:strCache>
+            </c:strRef>
+          </c:tx>
+          <c:spPr>
+            <a:ln w="28575" cap="rnd">
+              <a:solidFill>
+                <a:schemeClr val="accent3"/>
+              </a:solidFill>
+              <a:prstDash val="sysDash"/>
+              <a:round/>
+            </a:ln>
+            <a:effectLst/>
+          </c:spPr>
+          <c:marker>
+            <c:symbol val="none"/>
+          </c:marker>
+          <c:cat>
+            <c:strRef>
+              <c:f>Sheet1!$A$2:$A$6</c:f>
+              <c:strCache>
+                <c:ptCount val="5"/>
+                <c:pt idx="0">
+                  <c:v>k = 0</c:v>
+                </c:pt>
+                <c:pt idx="1">
+                  <c:v>k = 1</c:v>
+                </c:pt>
+                <c:pt idx="2">
+                  <c:v>k = 5</c:v>
+                </c:pt>
+                <c:pt idx="3">
+                  <c:v>k = 20</c:v>
+                </c:pt>
+                <c:pt idx="4">
+                  <c:v>k = 50</c:v>
+                </c:pt>
+              </c:strCache>
+            </c:strRef>
+          </c:cat>
+          <c:val>
+            <c:numRef>
+              <c:f>Sheet1!$D$2:$D$6</c:f>
+              <c:numCache>
+                <c:formatCode>General</c:formatCode>
+                <c:ptCount val="5"/>
+                <c:pt idx="0">
+                  <c:v>77</c:v>
+                </c:pt>
+                <c:pt idx="1">
+                  <c:v>77</c:v>
+                </c:pt>
+                <c:pt idx="2">
+                  <c:v>77</c:v>
+                </c:pt>
+                <c:pt idx="3">
+                  <c:v>77</c:v>
+                </c:pt>
+                <c:pt idx="4">
+                  <c:v>77</c:v>
+                </c:pt>
+              </c:numCache>
+            </c:numRef>
+          </c:val>
+          <c:smooth val="0"/>
+          <c:extLst>
+            <c:ext xmlns:c16="http://schemas.microsoft.com/office/drawing/2014/chart" uri="{C3380CC4-5D6E-409C-BE32-E72D297353CC}">
+              <c16:uniqueId val="{00000001-D87E-4EE7-8C6E-AA19262E9FD8}"/>
+            </c:ext>
+          </c:extLst>
+        </c:ser>
+        <c:dLbls>
+          <c:showLegendKey val="0"/>
+          <c:showVal val="0"/>
+          <c:showCatName val="0"/>
+          <c:showSerName val="0"/>
+          <c:showPercent val="0"/>
+          <c:showBubbleSize val="0"/>
+        </c:dLbls>
+        <c:smooth val="0"/>
+        <c:axId val="1064535471"/>
+        <c:axId val="1064525391"/>
+      </c:lineChart>
+      <c:catAx>
+        <c:axId val="1064535471"/>
+        <c:scaling>
+          <c:orientation val="minMax"/>
+        </c:scaling>
+        <c:delete val="0"/>
+        <c:axPos val="b"/>
+        <c:numFmt formatCode="General" sourceLinked="1"/>
+        <c:majorTickMark val="none"/>
+        <c:minorTickMark val="none"/>
+        <c:tickLblPos val="nextTo"/>
+        <c:spPr>
+          <a:noFill/>
+          <a:ln w="9525" cap="flat" cmpd="sng" algn="ctr">
+            <a:solidFill>
+              <a:schemeClr val="tx1">
+                <a:lumMod val="15000"/>
+                <a:lumOff val="85000"/>
+              </a:schemeClr>
+            </a:solidFill>
+            <a:round/>
+          </a:ln>
+          <a:effectLst/>
+        </c:spPr>
+        <c:txPr>
+          <a:bodyPr rot="-60000000" spcFirstLastPara="1" vertOverflow="ellipsis" vert="horz" wrap="square" anchor="ctr" anchorCtr="1"/>
+          <a:lstStyle/>
+          <a:p>
+            <a:pPr>
+              <a:defRPr sz="1197" b="0" i="0" u="none" strike="noStrike" kern="1200" baseline="0">
+                <a:solidFill>
+                  <a:schemeClr val="tx1">
+                    <a:lumMod val="65000"/>
+                    <a:lumOff val="35000"/>
+                  </a:schemeClr>
+                </a:solidFill>
+                <a:latin typeface="Times New Roman" panose="02020603050405020304" pitchFamily="18" charset="0"/>
+                <a:ea typeface="+mn-ea"/>
+                <a:cs typeface="Times New Roman" panose="02020603050405020304" pitchFamily="18" charset="0"/>
+              </a:defRPr>
+            </a:pPr>
+            <a:endParaRPr lang="en-US"/>
+          </a:p>
+        </c:txPr>
+        <c:crossAx val="1064525391"/>
+        <c:crosses val="autoZero"/>
+        <c:auto val="1"/>
+        <c:lblAlgn val="ctr"/>
+        <c:lblOffset val="100"/>
+        <c:noMultiLvlLbl val="0"/>
+      </c:catAx>
+      <c:valAx>
+        <c:axId val="1064525391"/>
+        <c:scaling>
+          <c:orientation val="minMax"/>
+          <c:max val="400"/>
+        </c:scaling>
+        <c:delete val="0"/>
+        <c:axPos val="l"/>
+        <c:majorGridlines>
+          <c:spPr>
+            <a:ln w="9525" cap="flat" cmpd="sng" algn="ctr">
+              <a:solidFill>
+                <a:schemeClr val="tx1">
+                  <a:lumMod val="15000"/>
+                  <a:lumOff val="85000"/>
+                </a:schemeClr>
+              </a:solidFill>
+              <a:round/>
+            </a:ln>
+            <a:effectLst/>
+          </c:spPr>
+        </c:majorGridlines>
+        <c:numFmt formatCode="General" sourceLinked="1"/>
+        <c:majorTickMark val="none"/>
+        <c:minorTickMark val="none"/>
+        <c:tickLblPos val="nextTo"/>
+        <c:spPr>
+          <a:noFill/>
+          <a:ln>
+            <a:noFill/>
+          </a:ln>
+          <a:effectLst/>
+        </c:spPr>
+        <c:txPr>
+          <a:bodyPr rot="-60000000" spcFirstLastPara="1" vertOverflow="ellipsis" vert="horz" wrap="square" anchor="ctr" anchorCtr="1"/>
+          <a:lstStyle/>
+          <a:p>
+            <a:pPr>
+              <a:defRPr sz="1197" b="0" i="0" u="none" strike="noStrike" kern="1200" baseline="0">
+                <a:solidFill>
+                  <a:schemeClr val="tx1">
+                    <a:lumMod val="65000"/>
+                    <a:lumOff val="35000"/>
+                  </a:schemeClr>
+                </a:solidFill>
+                <a:latin typeface="Times New Roman" panose="02020603050405020304" pitchFamily="18" charset="0"/>
+                <a:ea typeface="+mn-ea"/>
+                <a:cs typeface="Times New Roman" panose="02020603050405020304" pitchFamily="18" charset="0"/>
+              </a:defRPr>
+            </a:pPr>
+            <a:endParaRPr lang="en-US"/>
+          </a:p>
+        </c:txPr>
+        <c:crossAx val="1064535471"/>
+        <c:crosses val="autoZero"/>
+        <c:crossBetween val="between"/>
+      </c:valAx>
+      <c:spPr>
+        <a:noFill/>
+        <a:ln>
+          <a:noFill/>
+        </a:ln>
+        <a:effectLst/>
+      </c:spPr>
+    </c:plotArea>
+    <c:legend>
+      <c:legendPos val="b"/>
+      <c:overlay val="0"/>
+      <c:spPr>
+        <a:noFill/>
+        <a:ln>
+          <a:noFill/>
+        </a:ln>
+        <a:effectLst/>
+      </c:spPr>
+      <c:txPr>
+        <a:bodyPr rot="0" spcFirstLastPara="1" vertOverflow="ellipsis" vert="horz" wrap="square" anchor="ctr" anchorCtr="1"/>
+        <a:lstStyle/>
+        <a:p>
+          <a:pPr>
+            <a:defRPr sz="1197" b="0" i="0" u="none" strike="noStrike" kern="1200" baseline="0">
+              <a:solidFill>
+                <a:schemeClr val="tx1">
+                  <a:lumMod val="65000"/>
+                  <a:lumOff val="35000"/>
+                </a:schemeClr>
+              </a:solidFill>
+              <a:latin typeface="Times New Roman" panose="02020603050405020304" pitchFamily="18" charset="0"/>
+              <a:ea typeface="+mn-ea"/>
+              <a:cs typeface="Times New Roman" panose="02020603050405020304" pitchFamily="18" charset="0"/>
+            </a:defRPr>
+          </a:pPr>
+          <a:endParaRPr lang="en-US"/>
+        </a:p>
+      </c:txPr>
+    </c:legend>
+    <c:plotVisOnly val="1"/>
+    <c:dispBlanksAs val="gap"/>
+    <c:extLst>
+      <c:ext xmlns:c16r3="http://schemas.microsoft.com/office/drawing/2017/03/chart" uri="{56B9EC1D-385E-4148-901F-78D8002777C0}">
+        <c16r3:dataDisplayOptions16>
+          <c16r3:dispNaAsBlank val="1"/>
+        </c16r3:dataDisplayOptions16>
+      </c:ext>
+    </c:extLst>
+    <c:showDLblsOverMax val="0"/>
+  </c:chart>
+  <c:spPr>
+    <a:noFill/>
+    <a:ln>
+      <a:noFill/>
+    </a:ln>
+    <a:effectLst/>
+  </c:spPr>
+  <c:txPr>
+    <a:bodyPr/>
+    <a:lstStyle/>
+    <a:p>
+      <a:pPr>
+        <a:defRPr>
+          <a:latin typeface="Times New Roman" panose="02020603050405020304" pitchFamily="18" charset="0"/>
+          <a:cs typeface="Times New Roman" panose="02020603050405020304" pitchFamily="18" charset="0"/>
+        </a:defRPr>
+      </a:pPr>
+      <a:endParaRPr lang="en-US"/>
+    </a:p>
+  </c:txPr>
+  <c:externalData r:id="rId3">
+    <c:autoUpdate val="0"/>
+  </c:externalData>
+</c:chartSpace>
+</file>
+
+<file path=ppt/charts/chart7.xml><?xml version="1.0" encoding="utf-8"?>
+<c:chartSpace xmlns:c="http://schemas.openxmlformats.org/drawingml/2006/chart" xmlns:a="http://schemas.openxmlformats.org/drawingml/2006/main" xmlns:r="http://schemas.openxmlformats.org/officeDocument/2006/relationships" xmlns:c16r2="http://schemas.microsoft.com/office/drawing/2015/06/chart">
+  <c:date1904 val="0"/>
+  <c:lang val="en-US"/>
+  <c:roundedCorners val="0"/>
+  <mc:AlternateContent xmlns:mc="http://schemas.openxmlformats.org/markup-compatibility/2006">
+    <mc:Choice xmlns:c14="http://schemas.microsoft.com/office/drawing/2007/8/2/chart" Requires="c14">
+      <c14:style val="102"/>
+    </mc:Choice>
+    <mc:Fallback>
+      <c:style val="2"/>
+    </mc:Fallback>
+  </mc:AlternateContent>
+  <c:chart>
+    <c:title>
+      <c:tx>
+        <c:rich>
+          <a:bodyPr rot="0" spcFirstLastPara="1" vertOverflow="ellipsis" vert="horz" wrap="square" anchor="ctr" anchorCtr="1"/>
+          <a:lstStyle/>
+          <a:p>
+            <a:pPr>
+              <a:defRPr sz="1862" b="0" i="0" u="none" strike="noStrike" kern="1200" spc="0" baseline="0">
+                <a:solidFill>
+                  <a:schemeClr val="tx1">
+                    <a:lumMod val="65000"/>
+                    <a:lumOff val="35000"/>
+                  </a:schemeClr>
+                </a:solidFill>
+                <a:latin typeface="Times New Roman" panose="02020603050405020304" pitchFamily="18" charset="0"/>
+                <a:ea typeface="+mn-ea"/>
+                <a:cs typeface="Times New Roman" panose="02020603050405020304" pitchFamily="18" charset="0"/>
+              </a:defRPr>
+            </a:pPr>
+            <a:r>
+              <a:rPr lang="en-US" sz="1600" i="1" dirty="0"/>
+              <a:t>Metrics</a:t>
+            </a:r>
+          </a:p>
+        </c:rich>
+      </c:tx>
+      <c:overlay val="0"/>
+      <c:spPr>
+        <a:noFill/>
+        <a:ln>
+          <a:noFill/>
+        </a:ln>
+        <a:effectLst/>
+      </c:spPr>
+      <c:txPr>
+        <a:bodyPr rot="0" spcFirstLastPara="1" vertOverflow="ellipsis" vert="horz" wrap="square" anchor="ctr" anchorCtr="1"/>
+        <a:lstStyle/>
+        <a:p>
+          <a:pPr>
+            <a:defRPr sz="1862" b="0" i="0" u="none" strike="noStrike" kern="1200" spc="0" baseline="0">
+              <a:solidFill>
+                <a:schemeClr val="tx1">
+                  <a:lumMod val="65000"/>
+                  <a:lumOff val="35000"/>
+                </a:schemeClr>
+              </a:solidFill>
+              <a:latin typeface="Times New Roman" panose="02020603050405020304" pitchFamily="18" charset="0"/>
+              <a:ea typeface="+mn-ea"/>
+              <a:cs typeface="Times New Roman" panose="02020603050405020304" pitchFamily="18" charset="0"/>
+            </a:defRPr>
+          </a:pPr>
+          <a:endParaRPr lang="en-US"/>
+        </a:p>
+      </c:txPr>
+    </c:title>
+    <c:autoTitleDeleted val="0"/>
+    <c:plotArea>
+      <c:layout/>
+      <c:lineChart>
+        <c:grouping val="standard"/>
+        <c:varyColors val="0"/>
+        <c:ser>
+          <c:idx val="0"/>
+          <c:order val="0"/>
+          <c:tx>
+            <c:strRef>
+              <c:f>Sheet1!$B$1</c:f>
+              <c:strCache>
+                <c:ptCount val="1"/>
+                <c:pt idx="0">
+                  <c:v>Accuracy</c:v>
+                </c:pt>
+              </c:strCache>
+            </c:strRef>
+          </c:tx>
+          <c:spPr>
+            <a:ln w="28575" cap="rnd">
+              <a:solidFill>
+                <a:schemeClr val="accent5">
+                  <a:lumMod val="60000"/>
+                  <a:lumOff val="40000"/>
+                </a:schemeClr>
+              </a:solidFill>
+              <a:round/>
+            </a:ln>
+            <a:effectLst/>
+          </c:spPr>
+          <c:marker>
+            <c:symbol val="none"/>
+          </c:marker>
+          <c:cat>
+            <c:strRef>
+              <c:f>Sheet1!$A$2:$A$6</c:f>
+              <c:strCache>
+                <c:ptCount val="5"/>
+                <c:pt idx="0">
+                  <c:v>k = 0</c:v>
+                </c:pt>
+                <c:pt idx="1">
+                  <c:v>k = 1</c:v>
+                </c:pt>
+                <c:pt idx="2">
+                  <c:v>k = 5</c:v>
+                </c:pt>
+                <c:pt idx="3">
+                  <c:v>k = 20</c:v>
+                </c:pt>
+                <c:pt idx="4">
+                  <c:v>k = 50</c:v>
+                </c:pt>
+              </c:strCache>
+            </c:strRef>
+          </c:cat>
+          <c:val>
+            <c:numRef>
+              <c:f>Sheet1!$B$2:$B$6</c:f>
+              <c:numCache>
+                <c:formatCode>0%</c:formatCode>
+                <c:ptCount val="5"/>
+                <c:pt idx="0">
+                  <c:v>0.27</c:v>
+                </c:pt>
+                <c:pt idx="1">
+                  <c:v>0.41</c:v>
+                </c:pt>
+                <c:pt idx="2">
+                  <c:v>0.46</c:v>
+                </c:pt>
+                <c:pt idx="3">
+                  <c:v>0.57999999999999996</c:v>
+                </c:pt>
+                <c:pt idx="4">
+                  <c:v>0.56999999999999995</c:v>
+                </c:pt>
+              </c:numCache>
+            </c:numRef>
+          </c:val>
+          <c:smooth val="0"/>
+          <c:extLst>
+            <c:ext xmlns:c16="http://schemas.microsoft.com/office/drawing/2014/chart" uri="{C3380CC4-5D6E-409C-BE32-E72D297353CC}">
+              <c16:uniqueId val="{00000000-A6F0-438E-952C-4C0191585590}"/>
+            </c:ext>
+          </c:extLst>
+        </c:ser>
+        <c:ser>
+          <c:idx val="1"/>
+          <c:order val="1"/>
+          <c:tx>
+            <c:strRef>
+              <c:f>Sheet1!$C$1</c:f>
+              <c:strCache>
+                <c:ptCount val="1"/>
+                <c:pt idx="0">
+                  <c:v>Recall</c:v>
+                </c:pt>
+              </c:strCache>
+            </c:strRef>
+          </c:tx>
+          <c:spPr>
+            <a:ln w="28575" cap="rnd">
+              <a:solidFill>
+                <a:schemeClr val="accent1">
+                  <a:lumMod val="60000"/>
+                  <a:lumOff val="40000"/>
+                </a:schemeClr>
+              </a:solidFill>
+              <a:round/>
+            </a:ln>
+            <a:effectLst/>
+          </c:spPr>
+          <c:marker>
+            <c:symbol val="none"/>
+          </c:marker>
+          <c:cat>
+            <c:strRef>
+              <c:f>Sheet1!$A$2:$A$6</c:f>
+              <c:strCache>
+                <c:ptCount val="5"/>
+                <c:pt idx="0">
+                  <c:v>k = 0</c:v>
+                </c:pt>
+                <c:pt idx="1">
+                  <c:v>k = 1</c:v>
+                </c:pt>
+                <c:pt idx="2">
+                  <c:v>k = 5</c:v>
+                </c:pt>
+                <c:pt idx="3">
+                  <c:v>k = 20</c:v>
+                </c:pt>
+                <c:pt idx="4">
+                  <c:v>k = 50</c:v>
+                </c:pt>
+              </c:strCache>
+            </c:strRef>
+          </c:cat>
+          <c:val>
+            <c:numRef>
+              <c:f>Sheet1!$C$2:$C$6</c:f>
+              <c:numCache>
+                <c:formatCode>0%</c:formatCode>
+                <c:ptCount val="5"/>
+                <c:pt idx="0">
+                  <c:v>0.95</c:v>
+                </c:pt>
+                <c:pt idx="1">
+                  <c:v>0.86</c:v>
+                </c:pt>
+                <c:pt idx="2">
+                  <c:v>0.71</c:v>
+                </c:pt>
+                <c:pt idx="3">
+                  <c:v>0.69</c:v>
+                </c:pt>
+                <c:pt idx="4">
+                  <c:v>0.56000000000000005</c:v>
+                </c:pt>
+              </c:numCache>
+            </c:numRef>
+          </c:val>
+          <c:smooth val="0"/>
+          <c:extLst>
+            <c:ext xmlns:c16="http://schemas.microsoft.com/office/drawing/2014/chart" uri="{C3380CC4-5D6E-409C-BE32-E72D297353CC}">
+              <c16:uniqueId val="{00000001-A6F0-438E-952C-4C0191585590}"/>
+            </c:ext>
+          </c:extLst>
+        </c:ser>
+        <c:ser>
+          <c:idx val="2"/>
+          <c:order val="2"/>
+          <c:tx>
+            <c:strRef>
+              <c:f>Sheet1!$D$1</c:f>
+              <c:strCache>
+                <c:ptCount val="1"/>
+                <c:pt idx="0">
+                  <c:v>F1-Score</c:v>
+                </c:pt>
+              </c:strCache>
+            </c:strRef>
+          </c:tx>
+          <c:spPr>
+            <a:ln w="28575" cap="rnd" cmpd="sng">
+              <a:solidFill>
+                <a:schemeClr val="accent6">
+                  <a:lumMod val="75000"/>
+                </a:schemeClr>
+              </a:solidFill>
+              <a:prstDash val="solid"/>
+              <a:round/>
+              <a:headEnd type="none"/>
+              <a:tailEnd type="none"/>
+            </a:ln>
+            <a:effectLst/>
+          </c:spPr>
+          <c:marker>
+            <c:symbol val="none"/>
+          </c:marker>
+          <c:cat>
+            <c:strRef>
+              <c:f>Sheet1!$A$2:$A$6</c:f>
+              <c:strCache>
+                <c:ptCount val="5"/>
+                <c:pt idx="0">
+                  <c:v>k = 0</c:v>
+                </c:pt>
+                <c:pt idx="1">
+                  <c:v>k = 1</c:v>
+                </c:pt>
+                <c:pt idx="2">
+                  <c:v>k = 5</c:v>
+                </c:pt>
+                <c:pt idx="3">
+                  <c:v>k = 20</c:v>
+                </c:pt>
+                <c:pt idx="4">
+                  <c:v>k = 50</c:v>
+                </c:pt>
+              </c:strCache>
+            </c:strRef>
+          </c:cat>
+          <c:val>
+            <c:numRef>
+              <c:f>Sheet1!$D$2:$D$6</c:f>
+              <c:numCache>
+                <c:formatCode>0%</c:formatCode>
+                <c:ptCount val="5"/>
+                <c:pt idx="0">
+                  <c:v>0.33</c:v>
+                </c:pt>
+                <c:pt idx="1">
+                  <c:v>0.36</c:v>
+                </c:pt>
+                <c:pt idx="2">
+                  <c:v>0.34</c:v>
+                </c:pt>
+                <c:pt idx="3">
+                  <c:v>0.38</c:v>
+                </c:pt>
+                <c:pt idx="4">
+                  <c:v>0.33</c:v>
+                </c:pt>
+              </c:numCache>
+            </c:numRef>
+          </c:val>
+          <c:smooth val="0"/>
+          <c:extLst>
+            <c:ext xmlns:c16="http://schemas.microsoft.com/office/drawing/2014/chart" uri="{C3380CC4-5D6E-409C-BE32-E72D297353CC}">
+              <c16:uniqueId val="{00000001-D87E-4EE7-8C6E-AA19262E9FD8}"/>
+            </c:ext>
+          </c:extLst>
+        </c:ser>
+        <c:dLbls>
+          <c:showLegendKey val="0"/>
+          <c:showVal val="0"/>
+          <c:showCatName val="0"/>
+          <c:showSerName val="0"/>
+          <c:showPercent val="0"/>
+          <c:showBubbleSize val="0"/>
+        </c:dLbls>
+        <c:smooth val="0"/>
+        <c:axId val="1064535471"/>
+        <c:axId val="1064525391"/>
+      </c:lineChart>
+      <c:catAx>
+        <c:axId val="1064535471"/>
+        <c:scaling>
+          <c:orientation val="minMax"/>
+        </c:scaling>
+        <c:delete val="0"/>
+        <c:axPos val="b"/>
+        <c:numFmt formatCode="General" sourceLinked="1"/>
+        <c:majorTickMark val="none"/>
+        <c:minorTickMark val="none"/>
+        <c:tickLblPos val="nextTo"/>
+        <c:spPr>
+          <a:noFill/>
+          <a:ln w="9525" cap="flat" cmpd="sng" algn="ctr">
+            <a:solidFill>
+              <a:schemeClr val="tx1">
+                <a:lumMod val="15000"/>
+                <a:lumOff val="85000"/>
+              </a:schemeClr>
+            </a:solidFill>
+            <a:round/>
+          </a:ln>
+          <a:effectLst/>
+        </c:spPr>
+        <c:txPr>
+          <a:bodyPr rot="-60000000" spcFirstLastPara="1" vertOverflow="ellipsis" vert="horz" wrap="square" anchor="ctr" anchorCtr="1"/>
+          <a:lstStyle/>
+          <a:p>
+            <a:pPr>
+              <a:defRPr sz="1197" b="0" i="0" u="none" strike="noStrike" kern="1200" baseline="0">
+                <a:solidFill>
+                  <a:schemeClr val="tx1">
+                    <a:lumMod val="65000"/>
+                    <a:lumOff val="35000"/>
+                  </a:schemeClr>
+                </a:solidFill>
+                <a:latin typeface="Times New Roman" panose="02020603050405020304" pitchFamily="18" charset="0"/>
+                <a:ea typeface="+mn-ea"/>
+                <a:cs typeface="Times New Roman" panose="02020603050405020304" pitchFamily="18" charset="0"/>
+              </a:defRPr>
+            </a:pPr>
+            <a:endParaRPr lang="en-US"/>
+          </a:p>
+        </c:txPr>
+        <c:crossAx val="1064525391"/>
+        <c:crosses val="autoZero"/>
+        <c:auto val="1"/>
+        <c:lblAlgn val="ctr"/>
+        <c:lblOffset val="100"/>
+        <c:noMultiLvlLbl val="0"/>
+      </c:catAx>
+      <c:valAx>
+        <c:axId val="1064525391"/>
+        <c:scaling>
+          <c:orientation val="minMax"/>
+          <c:max val="1"/>
+        </c:scaling>
+        <c:delete val="0"/>
+        <c:axPos val="l"/>
+        <c:majorGridlines>
+          <c:spPr>
+            <a:ln w="9525" cap="flat" cmpd="sng" algn="ctr">
+              <a:solidFill>
+                <a:schemeClr val="tx1">
+                  <a:lumMod val="15000"/>
+                  <a:lumOff val="85000"/>
+                </a:schemeClr>
+              </a:solidFill>
+              <a:round/>
+            </a:ln>
+            <a:effectLst/>
+          </c:spPr>
+        </c:majorGridlines>
+        <c:numFmt formatCode="0%" sourceLinked="1"/>
+        <c:majorTickMark val="none"/>
+        <c:minorTickMark val="none"/>
+        <c:tickLblPos val="nextTo"/>
+        <c:spPr>
+          <a:noFill/>
+          <a:ln>
+            <a:noFill/>
+          </a:ln>
+          <a:effectLst/>
+        </c:spPr>
+        <c:txPr>
+          <a:bodyPr rot="-60000000" spcFirstLastPara="1" vertOverflow="ellipsis" vert="horz" wrap="square" anchor="ctr" anchorCtr="1"/>
+          <a:lstStyle/>
+          <a:p>
+            <a:pPr>
+              <a:defRPr sz="1197" b="0" i="0" u="none" strike="noStrike" kern="1200" baseline="0">
+                <a:solidFill>
+                  <a:schemeClr val="tx1">
+                    <a:lumMod val="65000"/>
+                    <a:lumOff val="35000"/>
+                  </a:schemeClr>
+                </a:solidFill>
+                <a:latin typeface="Times New Roman" panose="02020603050405020304" pitchFamily="18" charset="0"/>
+                <a:ea typeface="+mn-ea"/>
+                <a:cs typeface="Times New Roman" panose="02020603050405020304" pitchFamily="18" charset="0"/>
+              </a:defRPr>
+            </a:pPr>
+            <a:endParaRPr lang="en-US"/>
+          </a:p>
+        </c:txPr>
+        <c:crossAx val="1064535471"/>
+        <c:crosses val="autoZero"/>
+        <c:crossBetween val="between"/>
+      </c:valAx>
+      <c:spPr>
+        <a:noFill/>
+        <a:ln>
+          <a:noFill/>
+        </a:ln>
+        <a:effectLst/>
+      </c:spPr>
+    </c:plotArea>
+    <c:legend>
+      <c:legendPos val="b"/>
+      <c:overlay val="0"/>
+      <c:spPr>
+        <a:noFill/>
+        <a:ln>
+          <a:noFill/>
+        </a:ln>
+        <a:effectLst/>
+      </c:spPr>
+      <c:txPr>
+        <a:bodyPr rot="0" spcFirstLastPara="1" vertOverflow="ellipsis" vert="horz" wrap="square" anchor="ctr" anchorCtr="1"/>
+        <a:lstStyle/>
+        <a:p>
+          <a:pPr>
+            <a:defRPr sz="1197" b="0" i="0" u="none" strike="noStrike" kern="1200" baseline="0">
+              <a:solidFill>
+                <a:schemeClr val="tx1">
+                  <a:lumMod val="65000"/>
+                  <a:lumOff val="35000"/>
+                </a:schemeClr>
+              </a:solidFill>
+              <a:latin typeface="Times New Roman" panose="02020603050405020304" pitchFamily="18" charset="0"/>
+              <a:ea typeface="+mn-ea"/>
+              <a:cs typeface="Times New Roman" panose="02020603050405020304" pitchFamily="18" charset="0"/>
+            </a:defRPr>
+          </a:pPr>
+          <a:endParaRPr lang="en-US"/>
+        </a:p>
+      </c:txPr>
+    </c:legend>
+    <c:plotVisOnly val="1"/>
+    <c:dispBlanksAs val="gap"/>
+    <c:extLst>
+      <c:ext xmlns:c16r3="http://schemas.microsoft.com/office/drawing/2017/03/chart" uri="{56B9EC1D-385E-4148-901F-78D8002777C0}">
+        <c16r3:dataDisplayOptions16>
+          <c16r3:dispNaAsBlank val="1"/>
+        </c16r3:dataDisplayOptions16>
+      </c:ext>
+    </c:extLst>
+    <c:showDLblsOverMax val="0"/>
+  </c:chart>
+  <c:spPr>
+    <a:noFill/>
+    <a:ln>
+      <a:noFill/>
+    </a:ln>
+    <a:effectLst/>
+  </c:spPr>
+  <c:txPr>
+    <a:bodyPr/>
+    <a:lstStyle/>
+    <a:p>
+      <a:pPr>
+        <a:defRPr>
+          <a:latin typeface="Times New Roman" panose="02020603050405020304" pitchFamily="18" charset="0"/>
+          <a:cs typeface="Times New Roman" panose="02020603050405020304" pitchFamily="18" charset="0"/>
+        </a:defRPr>
+      </a:pPr>
+      <a:endParaRPr lang="en-US"/>
+    </a:p>
+  </c:txPr>
+  <c:externalData r:id="rId3">
+    <c:autoUpdate val="0"/>
+  </c:externalData>
+</c:chartSpace>
+</file>
+
 <file path=ppt/charts/colors1.xml><?xml version="1.0" encoding="utf-8"?>
 <cs:colorStyle xmlns:cs="http://schemas.microsoft.com/office/drawing/2012/chartStyle" xmlns:a="http://schemas.openxmlformats.org/drawingml/2006/main" meth="cycle" id="10">
   <a:schemeClr val="accent1"/>
@@ -2808,6 +3853,86 @@
 </file>
 
 <file path=ppt/charts/colors5.xml><?xml version="1.0" encoding="utf-8"?>
+<cs:colorStyle xmlns:cs="http://schemas.microsoft.com/office/drawing/2012/chartStyle" xmlns:a="http://schemas.openxmlformats.org/drawingml/2006/main" meth="cycle" id="10">
+  <a:schemeClr val="accent1"/>
+  <a:schemeClr val="accent2"/>
+  <a:schemeClr val="accent3"/>
+  <a:schemeClr val="accent4"/>
+  <a:schemeClr val="accent5"/>
+  <a:schemeClr val="accent6"/>
+  <cs:variation/>
+  <cs:variation>
+    <a:lumMod val="60000"/>
+  </cs:variation>
+  <cs:variation>
+    <a:lumMod val="80000"/>
+    <a:lumOff val="20000"/>
+  </cs:variation>
+  <cs:variation>
+    <a:lumMod val="80000"/>
+  </cs:variation>
+  <cs:variation>
+    <a:lumMod val="60000"/>
+    <a:lumOff val="40000"/>
+  </cs:variation>
+  <cs:variation>
+    <a:lumMod val="50000"/>
+  </cs:variation>
+  <cs:variation>
+    <a:lumMod val="70000"/>
+    <a:lumOff val="30000"/>
+  </cs:variation>
+  <cs:variation>
+    <a:lumMod val="70000"/>
+  </cs:variation>
+  <cs:variation>
+    <a:lumMod val="50000"/>
+    <a:lumOff val="50000"/>
+  </cs:variation>
+</cs:colorStyle>
+</file>
+
+<file path=ppt/charts/colors6.xml><?xml version="1.0" encoding="utf-8"?>
+<cs:colorStyle xmlns:cs="http://schemas.microsoft.com/office/drawing/2012/chartStyle" xmlns:a="http://schemas.openxmlformats.org/drawingml/2006/main" meth="cycle" id="10">
+  <a:schemeClr val="accent1"/>
+  <a:schemeClr val="accent2"/>
+  <a:schemeClr val="accent3"/>
+  <a:schemeClr val="accent4"/>
+  <a:schemeClr val="accent5"/>
+  <a:schemeClr val="accent6"/>
+  <cs:variation/>
+  <cs:variation>
+    <a:lumMod val="60000"/>
+  </cs:variation>
+  <cs:variation>
+    <a:lumMod val="80000"/>
+    <a:lumOff val="20000"/>
+  </cs:variation>
+  <cs:variation>
+    <a:lumMod val="80000"/>
+  </cs:variation>
+  <cs:variation>
+    <a:lumMod val="60000"/>
+    <a:lumOff val="40000"/>
+  </cs:variation>
+  <cs:variation>
+    <a:lumMod val="50000"/>
+  </cs:variation>
+  <cs:variation>
+    <a:lumMod val="70000"/>
+    <a:lumOff val="30000"/>
+  </cs:variation>
+  <cs:variation>
+    <a:lumMod val="70000"/>
+  </cs:variation>
+  <cs:variation>
+    <a:lumMod val="50000"/>
+    <a:lumOff val="50000"/>
+  </cs:variation>
+</cs:colorStyle>
+</file>
+
+<file path=ppt/charts/colors7.xml><?xml version="1.0" encoding="utf-8"?>
 <cs:colorStyle xmlns:cs="http://schemas.microsoft.com/office/drawing/2012/chartStyle" xmlns:a="http://schemas.openxmlformats.org/drawingml/2006/main" meth="cycle" id="10">
   <a:schemeClr val="accent1"/>
   <a:schemeClr val="accent2"/>
@@ -5427,6 +6552,1038 @@
 </cs:chartStyle>
 </file>
 
+<file path=ppt/charts/style6.xml><?xml version="1.0" encoding="utf-8"?>
+<cs:chartStyle xmlns:cs="http://schemas.microsoft.com/office/drawing/2012/chartStyle" xmlns:a="http://schemas.openxmlformats.org/drawingml/2006/main" id="227">
+  <cs:axisTitle>
+    <cs:lnRef idx="0"/>
+    <cs:fillRef idx="0"/>
+    <cs:effectRef idx="0"/>
+    <cs:fontRef idx="minor">
+      <a:schemeClr val="tx1">
+        <a:lumMod val="65000"/>
+        <a:lumOff val="35000"/>
+      </a:schemeClr>
+    </cs:fontRef>
+    <cs:defRPr sz="1330" kern="1200"/>
+  </cs:axisTitle>
+  <cs:categoryAxis>
+    <cs:lnRef idx="0"/>
+    <cs:fillRef idx="0"/>
+    <cs:effectRef idx="0"/>
+    <cs:fontRef idx="minor">
+      <a:schemeClr val="tx1">
+        <a:lumMod val="65000"/>
+        <a:lumOff val="35000"/>
+      </a:schemeClr>
+    </cs:fontRef>
+    <cs:spPr>
+      <a:ln w="9525" cap="flat" cmpd="sng" algn="ctr">
+        <a:solidFill>
+          <a:schemeClr val="tx1">
+            <a:lumMod val="15000"/>
+            <a:lumOff val="85000"/>
+          </a:schemeClr>
+        </a:solidFill>
+        <a:round/>
+      </a:ln>
+    </cs:spPr>
+    <cs:defRPr sz="1197" kern="1200"/>
+  </cs:categoryAxis>
+  <cs:chartArea mods="allowNoFillOverride allowNoLineOverride">
+    <cs:lnRef idx="0"/>
+    <cs:fillRef idx="0"/>
+    <cs:effectRef idx="0"/>
+    <cs:fontRef idx="minor">
+      <a:schemeClr val="tx1"/>
+    </cs:fontRef>
+    <cs:spPr>
+      <a:solidFill>
+        <a:schemeClr val="bg1"/>
+      </a:solidFill>
+      <a:ln w="9525" cap="flat" cmpd="sng" algn="ctr">
+        <a:solidFill>
+          <a:schemeClr val="tx1">
+            <a:lumMod val="15000"/>
+            <a:lumOff val="85000"/>
+          </a:schemeClr>
+        </a:solidFill>
+        <a:round/>
+      </a:ln>
+    </cs:spPr>
+    <cs:defRPr sz="1330" kern="1200"/>
+  </cs:chartArea>
+  <cs:dataLabel>
+    <cs:lnRef idx="0"/>
+    <cs:fillRef idx="0"/>
+    <cs:effectRef idx="0"/>
+    <cs:fontRef idx="minor">
+      <a:schemeClr val="tx1">
+        <a:lumMod val="75000"/>
+        <a:lumOff val="25000"/>
+      </a:schemeClr>
+    </cs:fontRef>
+    <cs:defRPr sz="1197" kern="1200"/>
+  </cs:dataLabel>
+  <cs:dataLabelCallout>
+    <cs:lnRef idx="0"/>
+    <cs:fillRef idx="0"/>
+    <cs:effectRef idx="0"/>
+    <cs:fontRef idx="minor">
+      <a:schemeClr val="dk1">
+        <a:lumMod val="65000"/>
+        <a:lumOff val="35000"/>
+      </a:schemeClr>
+    </cs:fontRef>
+    <cs:spPr>
+      <a:solidFill>
+        <a:schemeClr val="lt1"/>
+      </a:solidFill>
+      <a:ln>
+        <a:solidFill>
+          <a:schemeClr val="dk1">
+            <a:lumMod val="25000"/>
+            <a:lumOff val="75000"/>
+          </a:schemeClr>
+        </a:solidFill>
+      </a:ln>
+    </cs:spPr>
+    <cs:defRPr sz="1197" kern="1200"/>
+    <cs:bodyPr rot="0" spcFirstLastPara="1" vertOverflow="clip" horzOverflow="clip" vert="horz" wrap="square" lIns="36576" tIns="18288" rIns="36576" bIns="18288" anchor="ctr" anchorCtr="1">
+      <a:spAutoFit/>
+    </cs:bodyPr>
+  </cs:dataLabelCallout>
+  <cs:dataPoint>
+    <cs:lnRef idx="0"/>
+    <cs:fillRef idx="1">
+      <cs:styleClr val="auto"/>
+    </cs:fillRef>
+    <cs:effectRef idx="0"/>
+    <cs:fontRef idx="minor">
+      <a:schemeClr val="tx1"/>
+    </cs:fontRef>
+    <cs:spPr>
+      <a:solidFill>
+        <a:schemeClr val="phClr"/>
+      </a:solidFill>
+    </cs:spPr>
+  </cs:dataPoint>
+  <cs:dataPoint3D>
+    <cs:lnRef idx="0"/>
+    <cs:fillRef idx="1">
+      <cs:styleClr val="auto"/>
+    </cs:fillRef>
+    <cs:effectRef idx="0"/>
+    <cs:fontRef idx="minor">
+      <a:schemeClr val="tx1"/>
+    </cs:fontRef>
+    <cs:spPr>
+      <a:solidFill>
+        <a:schemeClr val="phClr"/>
+      </a:solidFill>
+    </cs:spPr>
+  </cs:dataPoint3D>
+  <cs:dataPointLine>
+    <cs:lnRef idx="0">
+      <cs:styleClr val="auto"/>
+    </cs:lnRef>
+    <cs:fillRef idx="1"/>
+    <cs:effectRef idx="0"/>
+    <cs:fontRef idx="minor">
+      <a:schemeClr val="tx1"/>
+    </cs:fontRef>
+    <cs:spPr>
+      <a:ln w="28575" cap="rnd">
+        <a:solidFill>
+          <a:schemeClr val="phClr"/>
+        </a:solidFill>
+        <a:round/>
+      </a:ln>
+    </cs:spPr>
+  </cs:dataPointLine>
+  <cs:dataPointMarker>
+    <cs:lnRef idx="0">
+      <cs:styleClr val="auto"/>
+    </cs:lnRef>
+    <cs:fillRef idx="1">
+      <cs:styleClr val="auto"/>
+    </cs:fillRef>
+    <cs:effectRef idx="0"/>
+    <cs:fontRef idx="minor">
+      <a:schemeClr val="tx1"/>
+    </cs:fontRef>
+    <cs:spPr>
+      <a:solidFill>
+        <a:schemeClr val="phClr"/>
+      </a:solidFill>
+      <a:ln w="9525">
+        <a:solidFill>
+          <a:schemeClr val="phClr"/>
+        </a:solidFill>
+      </a:ln>
+    </cs:spPr>
+  </cs:dataPointMarker>
+  <cs:dataPointMarkerLayout symbol="circle" size="5"/>
+  <cs:dataPointWireframe>
+    <cs:lnRef idx="0">
+      <cs:styleClr val="auto"/>
+    </cs:lnRef>
+    <cs:fillRef idx="1"/>
+    <cs:effectRef idx="0"/>
+    <cs:fontRef idx="minor">
+      <a:schemeClr val="tx1"/>
+    </cs:fontRef>
+    <cs:spPr>
+      <a:ln w="9525" cap="rnd">
+        <a:solidFill>
+          <a:schemeClr val="phClr"/>
+        </a:solidFill>
+        <a:round/>
+      </a:ln>
+    </cs:spPr>
+  </cs:dataPointWireframe>
+  <cs:dataTable>
+    <cs:lnRef idx="0"/>
+    <cs:fillRef idx="0"/>
+    <cs:effectRef idx="0"/>
+    <cs:fontRef idx="minor">
+      <a:schemeClr val="tx1">
+        <a:lumMod val="65000"/>
+        <a:lumOff val="35000"/>
+      </a:schemeClr>
+    </cs:fontRef>
+    <cs:spPr>
+      <a:noFill/>
+      <a:ln w="9525" cap="flat" cmpd="sng" algn="ctr">
+        <a:solidFill>
+          <a:schemeClr val="tx1">
+            <a:lumMod val="15000"/>
+            <a:lumOff val="85000"/>
+          </a:schemeClr>
+        </a:solidFill>
+        <a:round/>
+      </a:ln>
+    </cs:spPr>
+    <cs:defRPr sz="1197" kern="1200"/>
+  </cs:dataTable>
+  <cs:downBar>
+    <cs:lnRef idx="0"/>
+    <cs:fillRef idx="0"/>
+    <cs:effectRef idx="0"/>
+    <cs:fontRef idx="minor">
+      <a:schemeClr val="dk1"/>
+    </cs:fontRef>
+    <cs:spPr>
+      <a:solidFill>
+        <a:schemeClr val="dk1">
+          <a:lumMod val="65000"/>
+          <a:lumOff val="35000"/>
+        </a:schemeClr>
+      </a:solidFill>
+      <a:ln w="9525">
+        <a:solidFill>
+          <a:schemeClr val="tx1">
+            <a:lumMod val="65000"/>
+            <a:lumOff val="35000"/>
+          </a:schemeClr>
+        </a:solidFill>
+      </a:ln>
+    </cs:spPr>
+  </cs:downBar>
+  <cs:dropLine>
+    <cs:lnRef idx="0"/>
+    <cs:fillRef idx="0"/>
+    <cs:effectRef idx="0"/>
+    <cs:fontRef idx="minor">
+      <a:schemeClr val="tx1"/>
+    </cs:fontRef>
+    <cs:spPr>
+      <a:ln w="9525" cap="flat" cmpd="sng" algn="ctr">
+        <a:solidFill>
+          <a:schemeClr val="tx1">
+            <a:lumMod val="35000"/>
+            <a:lumOff val="65000"/>
+          </a:schemeClr>
+        </a:solidFill>
+        <a:round/>
+      </a:ln>
+    </cs:spPr>
+  </cs:dropLine>
+  <cs:errorBar>
+    <cs:lnRef idx="0"/>
+    <cs:fillRef idx="0"/>
+    <cs:effectRef idx="0"/>
+    <cs:fontRef idx="minor">
+      <a:schemeClr val="tx1"/>
+    </cs:fontRef>
+    <cs:spPr>
+      <a:ln w="9525" cap="flat" cmpd="sng" algn="ctr">
+        <a:solidFill>
+          <a:schemeClr val="tx1">
+            <a:lumMod val="65000"/>
+            <a:lumOff val="35000"/>
+          </a:schemeClr>
+        </a:solidFill>
+        <a:round/>
+      </a:ln>
+    </cs:spPr>
+  </cs:errorBar>
+  <cs:floor>
+    <cs:lnRef idx="0"/>
+    <cs:fillRef idx="0"/>
+    <cs:effectRef idx="0"/>
+    <cs:fontRef idx="minor">
+      <a:schemeClr val="tx1"/>
+    </cs:fontRef>
+    <cs:spPr>
+      <a:noFill/>
+      <a:ln>
+        <a:noFill/>
+      </a:ln>
+    </cs:spPr>
+  </cs:floor>
+  <cs:gridlineMajor>
+    <cs:lnRef idx="0"/>
+    <cs:fillRef idx="0"/>
+    <cs:effectRef idx="0"/>
+    <cs:fontRef idx="minor">
+      <a:schemeClr val="tx1"/>
+    </cs:fontRef>
+    <cs:spPr>
+      <a:ln w="9525" cap="flat" cmpd="sng" algn="ctr">
+        <a:solidFill>
+          <a:schemeClr val="tx1">
+            <a:lumMod val="15000"/>
+            <a:lumOff val="85000"/>
+          </a:schemeClr>
+        </a:solidFill>
+        <a:round/>
+      </a:ln>
+    </cs:spPr>
+  </cs:gridlineMajor>
+  <cs:gridlineMinor>
+    <cs:lnRef idx="0"/>
+    <cs:fillRef idx="0"/>
+    <cs:effectRef idx="0"/>
+    <cs:fontRef idx="minor">
+      <a:schemeClr val="tx1"/>
+    </cs:fontRef>
+    <cs:spPr>
+      <a:ln w="9525" cap="flat" cmpd="sng" algn="ctr">
+        <a:solidFill>
+          <a:schemeClr val="tx1">
+            <a:lumMod val="5000"/>
+            <a:lumOff val="95000"/>
+          </a:schemeClr>
+        </a:solidFill>
+        <a:round/>
+      </a:ln>
+    </cs:spPr>
+  </cs:gridlineMinor>
+  <cs:hiLoLine>
+    <cs:lnRef idx="0"/>
+    <cs:fillRef idx="0"/>
+    <cs:effectRef idx="0"/>
+    <cs:fontRef idx="minor">
+      <a:schemeClr val="tx1"/>
+    </cs:fontRef>
+    <cs:spPr>
+      <a:ln w="9525" cap="flat" cmpd="sng" algn="ctr">
+        <a:solidFill>
+          <a:schemeClr val="tx1">
+            <a:lumMod val="75000"/>
+            <a:lumOff val="25000"/>
+          </a:schemeClr>
+        </a:solidFill>
+        <a:round/>
+      </a:ln>
+    </cs:spPr>
+  </cs:hiLoLine>
+  <cs:leaderLine>
+    <cs:lnRef idx="0"/>
+    <cs:fillRef idx="0"/>
+    <cs:effectRef idx="0"/>
+    <cs:fontRef idx="minor">
+      <a:schemeClr val="tx1"/>
+    </cs:fontRef>
+    <cs:spPr>
+      <a:ln w="9525" cap="flat" cmpd="sng" algn="ctr">
+        <a:solidFill>
+          <a:schemeClr val="tx1">
+            <a:lumMod val="35000"/>
+            <a:lumOff val="65000"/>
+          </a:schemeClr>
+        </a:solidFill>
+        <a:round/>
+      </a:ln>
+    </cs:spPr>
+  </cs:leaderLine>
+  <cs:legend>
+    <cs:lnRef idx="0"/>
+    <cs:fillRef idx="0"/>
+    <cs:effectRef idx="0"/>
+    <cs:fontRef idx="minor">
+      <a:schemeClr val="tx1">
+        <a:lumMod val="65000"/>
+        <a:lumOff val="35000"/>
+      </a:schemeClr>
+    </cs:fontRef>
+    <cs:defRPr sz="1197" kern="1200"/>
+  </cs:legend>
+  <cs:plotArea mods="allowNoFillOverride allowNoLineOverride">
+    <cs:lnRef idx="0"/>
+    <cs:fillRef idx="0"/>
+    <cs:effectRef idx="0"/>
+    <cs:fontRef idx="minor">
+      <a:schemeClr val="tx1"/>
+    </cs:fontRef>
+  </cs:plotArea>
+  <cs:plotArea3D mods="allowNoFillOverride allowNoLineOverride">
+    <cs:lnRef idx="0"/>
+    <cs:fillRef idx="0"/>
+    <cs:effectRef idx="0"/>
+    <cs:fontRef idx="minor">
+      <a:schemeClr val="tx1"/>
+    </cs:fontRef>
+  </cs:plotArea3D>
+  <cs:seriesAxis>
+    <cs:lnRef idx="0"/>
+    <cs:fillRef idx="0"/>
+    <cs:effectRef idx="0"/>
+    <cs:fontRef idx="minor">
+      <a:schemeClr val="tx1">
+        <a:lumMod val="65000"/>
+        <a:lumOff val="35000"/>
+      </a:schemeClr>
+    </cs:fontRef>
+    <cs:defRPr sz="1197" kern="1200"/>
+  </cs:seriesAxis>
+  <cs:seriesLine>
+    <cs:lnRef idx="0"/>
+    <cs:fillRef idx="0"/>
+    <cs:effectRef idx="0"/>
+    <cs:fontRef idx="minor">
+      <a:schemeClr val="tx1"/>
+    </cs:fontRef>
+    <cs:spPr>
+      <a:ln w="9525" cap="flat" cmpd="sng" algn="ctr">
+        <a:solidFill>
+          <a:schemeClr val="tx1">
+            <a:lumMod val="35000"/>
+            <a:lumOff val="65000"/>
+          </a:schemeClr>
+        </a:solidFill>
+        <a:round/>
+      </a:ln>
+    </cs:spPr>
+  </cs:seriesLine>
+  <cs:title>
+    <cs:lnRef idx="0"/>
+    <cs:fillRef idx="0"/>
+    <cs:effectRef idx="0"/>
+    <cs:fontRef idx="minor">
+      <a:schemeClr val="tx1">
+        <a:lumMod val="65000"/>
+        <a:lumOff val="35000"/>
+      </a:schemeClr>
+    </cs:fontRef>
+    <cs:defRPr sz="1862" b="0" kern="1200" spc="0" baseline="0"/>
+  </cs:title>
+  <cs:trendline>
+    <cs:lnRef idx="0">
+      <cs:styleClr val="auto"/>
+    </cs:lnRef>
+    <cs:fillRef idx="0"/>
+    <cs:effectRef idx="0"/>
+    <cs:fontRef idx="minor">
+      <a:schemeClr val="tx1"/>
+    </cs:fontRef>
+    <cs:spPr>
+      <a:ln w="19050" cap="rnd">
+        <a:solidFill>
+          <a:schemeClr val="phClr"/>
+        </a:solidFill>
+        <a:prstDash val="sysDot"/>
+      </a:ln>
+    </cs:spPr>
+  </cs:trendline>
+  <cs:trendlineLabel>
+    <cs:lnRef idx="0"/>
+    <cs:fillRef idx="0"/>
+    <cs:effectRef idx="0"/>
+    <cs:fontRef idx="minor">
+      <a:schemeClr val="tx1">
+        <a:lumMod val="65000"/>
+        <a:lumOff val="35000"/>
+      </a:schemeClr>
+    </cs:fontRef>
+    <cs:defRPr sz="1197" kern="1200"/>
+  </cs:trendlineLabel>
+  <cs:upBar>
+    <cs:lnRef idx="0"/>
+    <cs:fillRef idx="0"/>
+    <cs:effectRef idx="0"/>
+    <cs:fontRef idx="minor">
+      <a:schemeClr val="dk1"/>
+    </cs:fontRef>
+    <cs:spPr>
+      <a:solidFill>
+        <a:schemeClr val="lt1"/>
+      </a:solidFill>
+      <a:ln w="9525">
+        <a:solidFill>
+          <a:schemeClr val="tx1">
+            <a:lumMod val="15000"/>
+            <a:lumOff val="85000"/>
+          </a:schemeClr>
+        </a:solidFill>
+      </a:ln>
+    </cs:spPr>
+  </cs:upBar>
+  <cs:valueAxis>
+    <cs:lnRef idx="0"/>
+    <cs:fillRef idx="0"/>
+    <cs:effectRef idx="0"/>
+    <cs:fontRef idx="minor">
+      <a:schemeClr val="tx1">
+        <a:lumMod val="65000"/>
+        <a:lumOff val="35000"/>
+      </a:schemeClr>
+    </cs:fontRef>
+    <cs:defRPr sz="1197" kern="1200"/>
+  </cs:valueAxis>
+  <cs:wall>
+    <cs:lnRef idx="0"/>
+    <cs:fillRef idx="0"/>
+    <cs:effectRef idx="0"/>
+    <cs:fontRef idx="minor">
+      <a:schemeClr val="tx1"/>
+    </cs:fontRef>
+    <cs:spPr>
+      <a:noFill/>
+      <a:ln>
+        <a:noFill/>
+      </a:ln>
+    </cs:spPr>
+  </cs:wall>
+</cs:chartStyle>
+</file>
+
+<file path=ppt/charts/style7.xml><?xml version="1.0" encoding="utf-8"?>
+<cs:chartStyle xmlns:cs="http://schemas.microsoft.com/office/drawing/2012/chartStyle" xmlns:a="http://schemas.openxmlformats.org/drawingml/2006/main" id="227">
+  <cs:axisTitle>
+    <cs:lnRef idx="0"/>
+    <cs:fillRef idx="0"/>
+    <cs:effectRef idx="0"/>
+    <cs:fontRef idx="minor">
+      <a:schemeClr val="tx1">
+        <a:lumMod val="65000"/>
+        <a:lumOff val="35000"/>
+      </a:schemeClr>
+    </cs:fontRef>
+    <cs:defRPr sz="1330" kern="1200"/>
+  </cs:axisTitle>
+  <cs:categoryAxis>
+    <cs:lnRef idx="0"/>
+    <cs:fillRef idx="0"/>
+    <cs:effectRef idx="0"/>
+    <cs:fontRef idx="minor">
+      <a:schemeClr val="tx1">
+        <a:lumMod val="65000"/>
+        <a:lumOff val="35000"/>
+      </a:schemeClr>
+    </cs:fontRef>
+    <cs:spPr>
+      <a:ln w="9525" cap="flat" cmpd="sng" algn="ctr">
+        <a:solidFill>
+          <a:schemeClr val="tx1">
+            <a:lumMod val="15000"/>
+            <a:lumOff val="85000"/>
+          </a:schemeClr>
+        </a:solidFill>
+        <a:round/>
+      </a:ln>
+    </cs:spPr>
+    <cs:defRPr sz="1197" kern="1200"/>
+  </cs:categoryAxis>
+  <cs:chartArea mods="allowNoFillOverride allowNoLineOverride">
+    <cs:lnRef idx="0"/>
+    <cs:fillRef idx="0"/>
+    <cs:effectRef idx="0"/>
+    <cs:fontRef idx="minor">
+      <a:schemeClr val="tx1"/>
+    </cs:fontRef>
+    <cs:spPr>
+      <a:solidFill>
+        <a:schemeClr val="bg1"/>
+      </a:solidFill>
+      <a:ln w="9525" cap="flat" cmpd="sng" algn="ctr">
+        <a:solidFill>
+          <a:schemeClr val="tx1">
+            <a:lumMod val="15000"/>
+            <a:lumOff val="85000"/>
+          </a:schemeClr>
+        </a:solidFill>
+        <a:round/>
+      </a:ln>
+    </cs:spPr>
+    <cs:defRPr sz="1330" kern="1200"/>
+  </cs:chartArea>
+  <cs:dataLabel>
+    <cs:lnRef idx="0"/>
+    <cs:fillRef idx="0"/>
+    <cs:effectRef idx="0"/>
+    <cs:fontRef idx="minor">
+      <a:schemeClr val="tx1">
+        <a:lumMod val="75000"/>
+        <a:lumOff val="25000"/>
+      </a:schemeClr>
+    </cs:fontRef>
+    <cs:defRPr sz="1197" kern="1200"/>
+  </cs:dataLabel>
+  <cs:dataLabelCallout>
+    <cs:lnRef idx="0"/>
+    <cs:fillRef idx="0"/>
+    <cs:effectRef idx="0"/>
+    <cs:fontRef idx="minor">
+      <a:schemeClr val="dk1">
+        <a:lumMod val="65000"/>
+        <a:lumOff val="35000"/>
+      </a:schemeClr>
+    </cs:fontRef>
+    <cs:spPr>
+      <a:solidFill>
+        <a:schemeClr val="lt1"/>
+      </a:solidFill>
+      <a:ln>
+        <a:solidFill>
+          <a:schemeClr val="dk1">
+            <a:lumMod val="25000"/>
+            <a:lumOff val="75000"/>
+          </a:schemeClr>
+        </a:solidFill>
+      </a:ln>
+    </cs:spPr>
+    <cs:defRPr sz="1197" kern="1200"/>
+    <cs:bodyPr rot="0" spcFirstLastPara="1" vertOverflow="clip" horzOverflow="clip" vert="horz" wrap="square" lIns="36576" tIns="18288" rIns="36576" bIns="18288" anchor="ctr" anchorCtr="1">
+      <a:spAutoFit/>
+    </cs:bodyPr>
+  </cs:dataLabelCallout>
+  <cs:dataPoint>
+    <cs:lnRef idx="0"/>
+    <cs:fillRef idx="1">
+      <cs:styleClr val="auto"/>
+    </cs:fillRef>
+    <cs:effectRef idx="0"/>
+    <cs:fontRef idx="minor">
+      <a:schemeClr val="tx1"/>
+    </cs:fontRef>
+    <cs:spPr>
+      <a:solidFill>
+        <a:schemeClr val="phClr"/>
+      </a:solidFill>
+    </cs:spPr>
+  </cs:dataPoint>
+  <cs:dataPoint3D>
+    <cs:lnRef idx="0"/>
+    <cs:fillRef idx="1">
+      <cs:styleClr val="auto"/>
+    </cs:fillRef>
+    <cs:effectRef idx="0"/>
+    <cs:fontRef idx="minor">
+      <a:schemeClr val="tx1"/>
+    </cs:fontRef>
+    <cs:spPr>
+      <a:solidFill>
+        <a:schemeClr val="phClr"/>
+      </a:solidFill>
+    </cs:spPr>
+  </cs:dataPoint3D>
+  <cs:dataPointLine>
+    <cs:lnRef idx="0">
+      <cs:styleClr val="auto"/>
+    </cs:lnRef>
+    <cs:fillRef idx="1"/>
+    <cs:effectRef idx="0"/>
+    <cs:fontRef idx="minor">
+      <a:schemeClr val="tx1"/>
+    </cs:fontRef>
+    <cs:spPr>
+      <a:ln w="28575" cap="rnd">
+        <a:solidFill>
+          <a:schemeClr val="phClr"/>
+        </a:solidFill>
+        <a:round/>
+      </a:ln>
+    </cs:spPr>
+  </cs:dataPointLine>
+  <cs:dataPointMarker>
+    <cs:lnRef idx="0">
+      <cs:styleClr val="auto"/>
+    </cs:lnRef>
+    <cs:fillRef idx="1">
+      <cs:styleClr val="auto"/>
+    </cs:fillRef>
+    <cs:effectRef idx="0"/>
+    <cs:fontRef idx="minor">
+      <a:schemeClr val="tx1"/>
+    </cs:fontRef>
+    <cs:spPr>
+      <a:solidFill>
+        <a:schemeClr val="phClr"/>
+      </a:solidFill>
+      <a:ln w="9525">
+        <a:solidFill>
+          <a:schemeClr val="phClr"/>
+        </a:solidFill>
+      </a:ln>
+    </cs:spPr>
+  </cs:dataPointMarker>
+  <cs:dataPointMarkerLayout symbol="circle" size="5"/>
+  <cs:dataPointWireframe>
+    <cs:lnRef idx="0">
+      <cs:styleClr val="auto"/>
+    </cs:lnRef>
+    <cs:fillRef idx="1"/>
+    <cs:effectRef idx="0"/>
+    <cs:fontRef idx="minor">
+      <a:schemeClr val="tx1"/>
+    </cs:fontRef>
+    <cs:spPr>
+      <a:ln w="9525" cap="rnd">
+        <a:solidFill>
+          <a:schemeClr val="phClr"/>
+        </a:solidFill>
+        <a:round/>
+      </a:ln>
+    </cs:spPr>
+  </cs:dataPointWireframe>
+  <cs:dataTable>
+    <cs:lnRef idx="0"/>
+    <cs:fillRef idx="0"/>
+    <cs:effectRef idx="0"/>
+    <cs:fontRef idx="minor">
+      <a:schemeClr val="tx1">
+        <a:lumMod val="65000"/>
+        <a:lumOff val="35000"/>
+      </a:schemeClr>
+    </cs:fontRef>
+    <cs:spPr>
+      <a:noFill/>
+      <a:ln w="9525" cap="flat" cmpd="sng" algn="ctr">
+        <a:solidFill>
+          <a:schemeClr val="tx1">
+            <a:lumMod val="15000"/>
+            <a:lumOff val="85000"/>
+          </a:schemeClr>
+        </a:solidFill>
+        <a:round/>
+      </a:ln>
+    </cs:spPr>
+    <cs:defRPr sz="1197" kern="1200"/>
+  </cs:dataTable>
+  <cs:downBar>
+    <cs:lnRef idx="0"/>
+    <cs:fillRef idx="0"/>
+    <cs:effectRef idx="0"/>
+    <cs:fontRef idx="minor">
+      <a:schemeClr val="dk1"/>
+    </cs:fontRef>
+    <cs:spPr>
+      <a:solidFill>
+        <a:schemeClr val="dk1">
+          <a:lumMod val="65000"/>
+          <a:lumOff val="35000"/>
+        </a:schemeClr>
+      </a:solidFill>
+      <a:ln w="9525">
+        <a:solidFill>
+          <a:schemeClr val="tx1">
+            <a:lumMod val="65000"/>
+            <a:lumOff val="35000"/>
+          </a:schemeClr>
+        </a:solidFill>
+      </a:ln>
+    </cs:spPr>
+  </cs:downBar>
+  <cs:dropLine>
+    <cs:lnRef idx="0"/>
+    <cs:fillRef idx="0"/>
+    <cs:effectRef idx="0"/>
+    <cs:fontRef idx="minor">
+      <a:schemeClr val="tx1"/>
+    </cs:fontRef>
+    <cs:spPr>
+      <a:ln w="9525" cap="flat" cmpd="sng" algn="ctr">
+        <a:solidFill>
+          <a:schemeClr val="tx1">
+            <a:lumMod val="35000"/>
+            <a:lumOff val="65000"/>
+          </a:schemeClr>
+        </a:solidFill>
+        <a:round/>
+      </a:ln>
+    </cs:spPr>
+  </cs:dropLine>
+  <cs:errorBar>
+    <cs:lnRef idx="0"/>
+    <cs:fillRef idx="0"/>
+    <cs:effectRef idx="0"/>
+    <cs:fontRef idx="minor">
+      <a:schemeClr val="tx1"/>
+    </cs:fontRef>
+    <cs:spPr>
+      <a:ln w="9525" cap="flat" cmpd="sng" algn="ctr">
+        <a:solidFill>
+          <a:schemeClr val="tx1">
+            <a:lumMod val="65000"/>
+            <a:lumOff val="35000"/>
+          </a:schemeClr>
+        </a:solidFill>
+        <a:round/>
+      </a:ln>
+    </cs:spPr>
+  </cs:errorBar>
+  <cs:floor>
+    <cs:lnRef idx="0"/>
+    <cs:fillRef idx="0"/>
+    <cs:effectRef idx="0"/>
+    <cs:fontRef idx="minor">
+      <a:schemeClr val="tx1"/>
+    </cs:fontRef>
+    <cs:spPr>
+      <a:noFill/>
+      <a:ln>
+        <a:noFill/>
+      </a:ln>
+    </cs:spPr>
+  </cs:floor>
+  <cs:gridlineMajor>
+    <cs:lnRef idx="0"/>
+    <cs:fillRef idx="0"/>
+    <cs:effectRef idx="0"/>
+    <cs:fontRef idx="minor">
+      <a:schemeClr val="tx1"/>
+    </cs:fontRef>
+    <cs:spPr>
+      <a:ln w="9525" cap="flat" cmpd="sng" algn="ctr">
+        <a:solidFill>
+          <a:schemeClr val="tx1">
+            <a:lumMod val="15000"/>
+            <a:lumOff val="85000"/>
+          </a:schemeClr>
+        </a:solidFill>
+        <a:round/>
+      </a:ln>
+    </cs:spPr>
+  </cs:gridlineMajor>
+  <cs:gridlineMinor>
+    <cs:lnRef idx="0"/>
+    <cs:fillRef idx="0"/>
+    <cs:effectRef idx="0"/>
+    <cs:fontRef idx="minor">
+      <a:schemeClr val="tx1"/>
+    </cs:fontRef>
+    <cs:spPr>
+      <a:ln w="9525" cap="flat" cmpd="sng" algn="ctr">
+        <a:solidFill>
+          <a:schemeClr val="tx1">
+            <a:lumMod val="5000"/>
+            <a:lumOff val="95000"/>
+          </a:schemeClr>
+        </a:solidFill>
+        <a:round/>
+      </a:ln>
+    </cs:spPr>
+  </cs:gridlineMinor>
+  <cs:hiLoLine>
+    <cs:lnRef idx="0"/>
+    <cs:fillRef idx="0"/>
+    <cs:effectRef idx="0"/>
+    <cs:fontRef idx="minor">
+      <a:schemeClr val="tx1"/>
+    </cs:fontRef>
+    <cs:spPr>
+      <a:ln w="9525" cap="flat" cmpd="sng" algn="ctr">
+        <a:solidFill>
+          <a:schemeClr val="tx1">
+            <a:lumMod val="75000"/>
+            <a:lumOff val="25000"/>
+          </a:schemeClr>
+        </a:solidFill>
+        <a:round/>
+      </a:ln>
+    </cs:spPr>
+  </cs:hiLoLine>
+  <cs:leaderLine>
+    <cs:lnRef idx="0"/>
+    <cs:fillRef idx="0"/>
+    <cs:effectRef idx="0"/>
+    <cs:fontRef idx="minor">
+      <a:schemeClr val="tx1"/>
+    </cs:fontRef>
+    <cs:spPr>
+      <a:ln w="9525" cap="flat" cmpd="sng" algn="ctr">
+        <a:solidFill>
+          <a:schemeClr val="tx1">
+            <a:lumMod val="35000"/>
+            <a:lumOff val="65000"/>
+          </a:schemeClr>
+        </a:solidFill>
+        <a:round/>
+      </a:ln>
+    </cs:spPr>
+  </cs:leaderLine>
+  <cs:legend>
+    <cs:lnRef idx="0"/>
+    <cs:fillRef idx="0"/>
+    <cs:effectRef idx="0"/>
+    <cs:fontRef idx="minor">
+      <a:schemeClr val="tx1">
+        <a:lumMod val="65000"/>
+        <a:lumOff val="35000"/>
+      </a:schemeClr>
+    </cs:fontRef>
+    <cs:defRPr sz="1197" kern="1200"/>
+  </cs:legend>
+  <cs:plotArea mods="allowNoFillOverride allowNoLineOverride">
+    <cs:lnRef idx="0"/>
+    <cs:fillRef idx="0"/>
+    <cs:effectRef idx="0"/>
+    <cs:fontRef idx="minor">
+      <a:schemeClr val="tx1"/>
+    </cs:fontRef>
+  </cs:plotArea>
+  <cs:plotArea3D mods="allowNoFillOverride allowNoLineOverride">
+    <cs:lnRef idx="0"/>
+    <cs:fillRef idx="0"/>
+    <cs:effectRef idx="0"/>
+    <cs:fontRef idx="minor">
+      <a:schemeClr val="tx1"/>
+    </cs:fontRef>
+  </cs:plotArea3D>
+  <cs:seriesAxis>
+    <cs:lnRef idx="0"/>
+    <cs:fillRef idx="0"/>
+    <cs:effectRef idx="0"/>
+    <cs:fontRef idx="minor">
+      <a:schemeClr val="tx1">
+        <a:lumMod val="65000"/>
+        <a:lumOff val="35000"/>
+      </a:schemeClr>
+    </cs:fontRef>
+    <cs:defRPr sz="1197" kern="1200"/>
+  </cs:seriesAxis>
+  <cs:seriesLine>
+    <cs:lnRef idx="0"/>
+    <cs:fillRef idx="0"/>
+    <cs:effectRef idx="0"/>
+    <cs:fontRef idx="minor">
+      <a:schemeClr val="tx1"/>
+    </cs:fontRef>
+    <cs:spPr>
+      <a:ln w="9525" cap="flat" cmpd="sng" algn="ctr">
+        <a:solidFill>
+          <a:schemeClr val="tx1">
+            <a:lumMod val="35000"/>
+            <a:lumOff val="65000"/>
+          </a:schemeClr>
+        </a:solidFill>
+        <a:round/>
+      </a:ln>
+    </cs:spPr>
+  </cs:seriesLine>
+  <cs:title>
+    <cs:lnRef idx="0"/>
+    <cs:fillRef idx="0"/>
+    <cs:effectRef idx="0"/>
+    <cs:fontRef idx="minor">
+      <a:schemeClr val="tx1">
+        <a:lumMod val="65000"/>
+        <a:lumOff val="35000"/>
+      </a:schemeClr>
+    </cs:fontRef>
+    <cs:defRPr sz="1862" b="0" kern="1200" spc="0" baseline="0"/>
+  </cs:title>
+  <cs:trendline>
+    <cs:lnRef idx="0">
+      <cs:styleClr val="auto"/>
+    </cs:lnRef>
+    <cs:fillRef idx="0"/>
+    <cs:effectRef idx="0"/>
+    <cs:fontRef idx="minor">
+      <a:schemeClr val="tx1"/>
+    </cs:fontRef>
+    <cs:spPr>
+      <a:ln w="19050" cap="rnd">
+        <a:solidFill>
+          <a:schemeClr val="phClr"/>
+        </a:solidFill>
+        <a:prstDash val="sysDot"/>
+      </a:ln>
+    </cs:spPr>
+  </cs:trendline>
+  <cs:trendlineLabel>
+    <cs:lnRef idx="0"/>
+    <cs:fillRef idx="0"/>
+    <cs:effectRef idx="0"/>
+    <cs:fontRef idx="minor">
+      <a:schemeClr val="tx1">
+        <a:lumMod val="65000"/>
+        <a:lumOff val="35000"/>
+      </a:schemeClr>
+    </cs:fontRef>
+    <cs:defRPr sz="1197" kern="1200"/>
+  </cs:trendlineLabel>
+  <cs:upBar>
+    <cs:lnRef idx="0"/>
+    <cs:fillRef idx="0"/>
+    <cs:effectRef idx="0"/>
+    <cs:fontRef idx="minor">
+      <a:schemeClr val="dk1"/>
+    </cs:fontRef>
+    <cs:spPr>
+      <a:solidFill>
+        <a:schemeClr val="lt1"/>
+      </a:solidFill>
+      <a:ln w="9525">
+        <a:solidFill>
+          <a:schemeClr val="tx1">
+            <a:lumMod val="15000"/>
+            <a:lumOff val="85000"/>
+          </a:schemeClr>
+        </a:solidFill>
+      </a:ln>
+    </cs:spPr>
+  </cs:upBar>
+  <cs:valueAxis>
+    <cs:lnRef idx="0"/>
+    <cs:fillRef idx="0"/>
+    <cs:effectRef idx="0"/>
+    <cs:fontRef idx="minor">
+      <a:schemeClr val="tx1">
+        <a:lumMod val="65000"/>
+        <a:lumOff val="35000"/>
+      </a:schemeClr>
+    </cs:fontRef>
+    <cs:defRPr sz="1197" kern="1200"/>
+  </cs:valueAxis>
+  <cs:wall>
+    <cs:lnRef idx="0"/>
+    <cs:fillRef idx="0"/>
+    <cs:effectRef idx="0"/>
+    <cs:fontRef idx="minor">
+      <a:schemeClr val="tx1"/>
+    </cs:fontRef>
+    <cs:spPr>
+      <a:noFill/>
+      <a:ln>
+        <a:noFill/>
+      </a:ln>
+    </cs:spPr>
+  </cs:wall>
+</cs:chartStyle>
+</file>
+
 <file path=ppt/notesMasters/notesMaster1.xml><?xml version="1.0" encoding="utf-8"?>
 <p:notesMaster xmlns:a="http://schemas.openxmlformats.org/drawingml/2006/main" xmlns:r="http://schemas.openxmlformats.org/officeDocument/2006/relationships" xmlns:p="http://schemas.openxmlformats.org/presentationml/2006/main">
   <p:cSld>
@@ -5509,7 +7666,7 @@
           <a:p>
             <a:fld id="{90EA4D55-0F48-48F2-8B8B-CD81BA2373CB}" type="datetimeFigureOut">
               <a:rPr lang="en-US" smtClean="0"/>
-              <a:t>04-Aug-24</a:t>
+              <a:t>05-Aug-24</a:t>
             </a:fld>
             <a:endParaRPr lang="en-US"/>
           </a:p>
@@ -8044,6 +10201,510 @@
 </p:notes>
 </file>
 
+<file path=ppt/notesSlides/notesSlide34.xml><?xml version="1.0" encoding="utf-8"?>
+<p:notes xmlns:a="http://schemas.openxmlformats.org/drawingml/2006/main" xmlns:r="http://schemas.openxmlformats.org/officeDocument/2006/relationships" xmlns:p="http://schemas.openxmlformats.org/presentationml/2006/main">
+  <p:cSld>
+    <p:spTree>
+      <p:nvGrpSpPr>
+        <p:cNvPr id="1" name=""/>
+        <p:cNvGrpSpPr/>
+        <p:nvPr/>
+      </p:nvGrpSpPr>
+      <p:grpSpPr>
+        <a:xfrm>
+          <a:off x="0" y="0"/>
+          <a:ext cx="0" cy="0"/>
+          <a:chOff x="0" y="0"/>
+          <a:chExt cx="0" cy="0"/>
+        </a:xfrm>
+      </p:grpSpPr>
+      <p:sp>
+        <p:nvSpPr>
+          <p:cNvPr id="2" name="Slide Image Placeholder 1"/>
+          <p:cNvSpPr>
+            <a:spLocks noGrp="1" noRot="1" noChangeAspect="1"/>
+          </p:cNvSpPr>
+          <p:nvPr>
+            <p:ph type="sldImg"/>
+          </p:nvPr>
+        </p:nvSpPr>
+        <p:spPr/>
+      </p:sp>
+      <p:sp>
+        <p:nvSpPr>
+          <p:cNvPr id="3" name="Notes Placeholder 2"/>
+          <p:cNvSpPr>
+            <a:spLocks noGrp="1"/>
+          </p:cNvSpPr>
+          <p:nvPr>
+            <p:ph type="body" idx="1"/>
+          </p:nvPr>
+        </p:nvSpPr>
+        <p:spPr/>
+        <p:txBody>
+          <a:bodyPr/>
+          <a:lstStyle/>
+          <a:p>
+            <a:endParaRPr lang="en-US" dirty="0"/>
+          </a:p>
+        </p:txBody>
+      </p:sp>
+      <p:sp>
+        <p:nvSpPr>
+          <p:cNvPr id="4" name="Slide Number Placeholder 3"/>
+          <p:cNvSpPr>
+            <a:spLocks noGrp="1"/>
+          </p:cNvSpPr>
+          <p:nvPr>
+            <p:ph type="sldNum" sz="quarter" idx="5"/>
+          </p:nvPr>
+        </p:nvSpPr>
+        <p:spPr/>
+        <p:txBody>
+          <a:bodyPr/>
+          <a:lstStyle/>
+          <a:p>
+            <a:fld id="{3E4A7109-D3E0-47BA-A045-9A99591D35D8}" type="slidenum">
+              <a:rPr lang="en-US" smtClean="0"/>
+              <a:t>35</a:t>
+            </a:fld>
+            <a:endParaRPr lang="en-US"/>
+          </a:p>
+        </p:txBody>
+      </p:sp>
+    </p:spTree>
+    <p:extLst>
+      <p:ext uri="{BB962C8B-B14F-4D97-AF65-F5344CB8AC3E}">
+        <p14:creationId xmlns:p14="http://schemas.microsoft.com/office/powerpoint/2010/main" val="1761334974"/>
+      </p:ext>
+    </p:extLst>
+  </p:cSld>
+  <p:clrMapOvr>
+    <a:masterClrMapping/>
+  </p:clrMapOvr>
+</p:notes>
+</file>
+
+<file path=ppt/notesSlides/notesSlide35.xml><?xml version="1.0" encoding="utf-8"?>
+<p:notes xmlns:a="http://schemas.openxmlformats.org/drawingml/2006/main" xmlns:r="http://schemas.openxmlformats.org/officeDocument/2006/relationships" xmlns:p="http://schemas.openxmlformats.org/presentationml/2006/main">
+  <p:cSld>
+    <p:spTree>
+      <p:nvGrpSpPr>
+        <p:cNvPr id="1" name=""/>
+        <p:cNvGrpSpPr/>
+        <p:nvPr/>
+      </p:nvGrpSpPr>
+      <p:grpSpPr>
+        <a:xfrm>
+          <a:off x="0" y="0"/>
+          <a:ext cx="0" cy="0"/>
+          <a:chOff x="0" y="0"/>
+          <a:chExt cx="0" cy="0"/>
+        </a:xfrm>
+      </p:grpSpPr>
+      <p:sp>
+        <p:nvSpPr>
+          <p:cNvPr id="2" name="Slide Image Placeholder 1"/>
+          <p:cNvSpPr>
+            <a:spLocks noGrp="1" noRot="1" noChangeAspect="1"/>
+          </p:cNvSpPr>
+          <p:nvPr>
+            <p:ph type="sldImg"/>
+          </p:nvPr>
+        </p:nvSpPr>
+        <p:spPr/>
+      </p:sp>
+      <p:sp>
+        <p:nvSpPr>
+          <p:cNvPr id="3" name="Notes Placeholder 2"/>
+          <p:cNvSpPr>
+            <a:spLocks noGrp="1"/>
+          </p:cNvSpPr>
+          <p:nvPr>
+            <p:ph type="body" idx="1"/>
+          </p:nvPr>
+        </p:nvSpPr>
+        <p:spPr/>
+        <p:txBody>
+          <a:bodyPr/>
+          <a:lstStyle/>
+          <a:p>
+            <a:endParaRPr lang="en-US" dirty="0"/>
+          </a:p>
+        </p:txBody>
+      </p:sp>
+      <p:sp>
+        <p:nvSpPr>
+          <p:cNvPr id="4" name="Slide Number Placeholder 3"/>
+          <p:cNvSpPr>
+            <a:spLocks noGrp="1"/>
+          </p:cNvSpPr>
+          <p:nvPr>
+            <p:ph type="sldNum" sz="quarter" idx="5"/>
+          </p:nvPr>
+        </p:nvSpPr>
+        <p:spPr/>
+        <p:txBody>
+          <a:bodyPr/>
+          <a:lstStyle/>
+          <a:p>
+            <a:fld id="{3E4A7109-D3E0-47BA-A045-9A99591D35D8}" type="slidenum">
+              <a:rPr lang="en-US" smtClean="0"/>
+              <a:t>36</a:t>
+            </a:fld>
+            <a:endParaRPr lang="en-US"/>
+          </a:p>
+        </p:txBody>
+      </p:sp>
+    </p:spTree>
+    <p:extLst>
+      <p:ext uri="{BB962C8B-B14F-4D97-AF65-F5344CB8AC3E}">
+        <p14:creationId xmlns:p14="http://schemas.microsoft.com/office/powerpoint/2010/main" val="261306214"/>
+      </p:ext>
+    </p:extLst>
+  </p:cSld>
+  <p:clrMapOvr>
+    <a:masterClrMapping/>
+  </p:clrMapOvr>
+</p:notes>
+</file>
+
+<file path=ppt/notesSlides/notesSlide36.xml><?xml version="1.0" encoding="utf-8"?>
+<p:notes xmlns:a="http://schemas.openxmlformats.org/drawingml/2006/main" xmlns:r="http://schemas.openxmlformats.org/officeDocument/2006/relationships" xmlns:p="http://schemas.openxmlformats.org/presentationml/2006/main">
+  <p:cSld>
+    <p:spTree>
+      <p:nvGrpSpPr>
+        <p:cNvPr id="1" name=""/>
+        <p:cNvGrpSpPr/>
+        <p:nvPr/>
+      </p:nvGrpSpPr>
+      <p:grpSpPr>
+        <a:xfrm>
+          <a:off x="0" y="0"/>
+          <a:ext cx="0" cy="0"/>
+          <a:chOff x="0" y="0"/>
+          <a:chExt cx="0" cy="0"/>
+        </a:xfrm>
+      </p:grpSpPr>
+      <p:sp>
+        <p:nvSpPr>
+          <p:cNvPr id="2" name="Slide Image Placeholder 1"/>
+          <p:cNvSpPr>
+            <a:spLocks noGrp="1" noRot="1" noChangeAspect="1"/>
+          </p:cNvSpPr>
+          <p:nvPr>
+            <p:ph type="sldImg"/>
+          </p:nvPr>
+        </p:nvSpPr>
+        <p:spPr/>
+      </p:sp>
+      <p:sp>
+        <p:nvSpPr>
+          <p:cNvPr id="3" name="Notes Placeholder 2"/>
+          <p:cNvSpPr>
+            <a:spLocks noGrp="1"/>
+          </p:cNvSpPr>
+          <p:nvPr>
+            <p:ph type="body" idx="1"/>
+          </p:nvPr>
+        </p:nvSpPr>
+        <p:spPr/>
+        <p:txBody>
+          <a:bodyPr/>
+          <a:lstStyle/>
+          <a:p>
+            <a:endParaRPr lang="en-US" dirty="0"/>
+          </a:p>
+        </p:txBody>
+      </p:sp>
+      <p:sp>
+        <p:nvSpPr>
+          <p:cNvPr id="4" name="Slide Number Placeholder 3"/>
+          <p:cNvSpPr>
+            <a:spLocks noGrp="1"/>
+          </p:cNvSpPr>
+          <p:nvPr>
+            <p:ph type="sldNum" sz="quarter" idx="5"/>
+          </p:nvPr>
+        </p:nvSpPr>
+        <p:spPr/>
+        <p:txBody>
+          <a:bodyPr/>
+          <a:lstStyle/>
+          <a:p>
+            <a:fld id="{3E4A7109-D3E0-47BA-A045-9A99591D35D8}" type="slidenum">
+              <a:rPr lang="en-US" smtClean="0"/>
+              <a:t>37</a:t>
+            </a:fld>
+            <a:endParaRPr lang="en-US"/>
+          </a:p>
+        </p:txBody>
+      </p:sp>
+    </p:spTree>
+    <p:extLst>
+      <p:ext uri="{BB962C8B-B14F-4D97-AF65-F5344CB8AC3E}">
+        <p14:creationId xmlns:p14="http://schemas.microsoft.com/office/powerpoint/2010/main" val="418423982"/>
+      </p:ext>
+    </p:extLst>
+  </p:cSld>
+  <p:clrMapOvr>
+    <a:masterClrMapping/>
+  </p:clrMapOvr>
+</p:notes>
+</file>
+
+<file path=ppt/notesSlides/notesSlide37.xml><?xml version="1.0" encoding="utf-8"?>
+<p:notes xmlns:a="http://schemas.openxmlformats.org/drawingml/2006/main" xmlns:r="http://schemas.openxmlformats.org/officeDocument/2006/relationships" xmlns:p="http://schemas.openxmlformats.org/presentationml/2006/main">
+  <p:cSld>
+    <p:spTree>
+      <p:nvGrpSpPr>
+        <p:cNvPr id="1" name=""/>
+        <p:cNvGrpSpPr/>
+        <p:nvPr/>
+      </p:nvGrpSpPr>
+      <p:grpSpPr>
+        <a:xfrm>
+          <a:off x="0" y="0"/>
+          <a:ext cx="0" cy="0"/>
+          <a:chOff x="0" y="0"/>
+          <a:chExt cx="0" cy="0"/>
+        </a:xfrm>
+      </p:grpSpPr>
+      <p:sp>
+        <p:nvSpPr>
+          <p:cNvPr id="2" name="Slide Image Placeholder 1"/>
+          <p:cNvSpPr>
+            <a:spLocks noGrp="1" noRot="1" noChangeAspect="1"/>
+          </p:cNvSpPr>
+          <p:nvPr>
+            <p:ph type="sldImg"/>
+          </p:nvPr>
+        </p:nvSpPr>
+        <p:spPr/>
+      </p:sp>
+      <p:sp>
+        <p:nvSpPr>
+          <p:cNvPr id="3" name="Notes Placeholder 2"/>
+          <p:cNvSpPr>
+            <a:spLocks noGrp="1"/>
+          </p:cNvSpPr>
+          <p:nvPr>
+            <p:ph type="body" idx="1"/>
+          </p:nvPr>
+        </p:nvSpPr>
+        <p:spPr/>
+        <p:txBody>
+          <a:bodyPr/>
+          <a:lstStyle/>
+          <a:p>
+            <a:endParaRPr lang="en-US" dirty="0"/>
+          </a:p>
+        </p:txBody>
+      </p:sp>
+      <p:sp>
+        <p:nvSpPr>
+          <p:cNvPr id="4" name="Slide Number Placeholder 3"/>
+          <p:cNvSpPr>
+            <a:spLocks noGrp="1"/>
+          </p:cNvSpPr>
+          <p:nvPr>
+            <p:ph type="sldNum" sz="quarter" idx="5"/>
+          </p:nvPr>
+        </p:nvSpPr>
+        <p:spPr/>
+        <p:txBody>
+          <a:bodyPr/>
+          <a:lstStyle/>
+          <a:p>
+            <a:fld id="{3E4A7109-D3E0-47BA-A045-9A99591D35D8}" type="slidenum">
+              <a:rPr lang="en-US" smtClean="0"/>
+              <a:t>38</a:t>
+            </a:fld>
+            <a:endParaRPr lang="en-US"/>
+          </a:p>
+        </p:txBody>
+      </p:sp>
+    </p:spTree>
+    <p:extLst>
+      <p:ext uri="{BB962C8B-B14F-4D97-AF65-F5344CB8AC3E}">
+        <p14:creationId xmlns:p14="http://schemas.microsoft.com/office/powerpoint/2010/main" val="2827204569"/>
+      </p:ext>
+    </p:extLst>
+  </p:cSld>
+  <p:clrMapOvr>
+    <a:masterClrMapping/>
+  </p:clrMapOvr>
+</p:notes>
+</file>
+
+<file path=ppt/notesSlides/notesSlide38.xml><?xml version="1.0" encoding="utf-8"?>
+<p:notes xmlns:a="http://schemas.openxmlformats.org/drawingml/2006/main" xmlns:r="http://schemas.openxmlformats.org/officeDocument/2006/relationships" xmlns:p="http://schemas.openxmlformats.org/presentationml/2006/main">
+  <p:cSld>
+    <p:spTree>
+      <p:nvGrpSpPr>
+        <p:cNvPr id="1" name=""/>
+        <p:cNvGrpSpPr/>
+        <p:nvPr/>
+      </p:nvGrpSpPr>
+      <p:grpSpPr>
+        <a:xfrm>
+          <a:off x="0" y="0"/>
+          <a:ext cx="0" cy="0"/>
+          <a:chOff x="0" y="0"/>
+          <a:chExt cx="0" cy="0"/>
+        </a:xfrm>
+      </p:grpSpPr>
+      <p:sp>
+        <p:nvSpPr>
+          <p:cNvPr id="2" name="Slide Image Placeholder 1"/>
+          <p:cNvSpPr>
+            <a:spLocks noGrp="1" noRot="1" noChangeAspect="1"/>
+          </p:cNvSpPr>
+          <p:nvPr>
+            <p:ph type="sldImg"/>
+          </p:nvPr>
+        </p:nvSpPr>
+        <p:spPr/>
+      </p:sp>
+      <p:sp>
+        <p:nvSpPr>
+          <p:cNvPr id="3" name="Notes Placeholder 2"/>
+          <p:cNvSpPr>
+            <a:spLocks noGrp="1"/>
+          </p:cNvSpPr>
+          <p:nvPr>
+            <p:ph type="body" idx="1"/>
+          </p:nvPr>
+        </p:nvSpPr>
+        <p:spPr/>
+        <p:txBody>
+          <a:bodyPr/>
+          <a:lstStyle/>
+          <a:p>
+            <a:endParaRPr lang="en-US" dirty="0"/>
+          </a:p>
+        </p:txBody>
+      </p:sp>
+      <p:sp>
+        <p:nvSpPr>
+          <p:cNvPr id="4" name="Slide Number Placeholder 3"/>
+          <p:cNvSpPr>
+            <a:spLocks noGrp="1"/>
+          </p:cNvSpPr>
+          <p:nvPr>
+            <p:ph type="sldNum" sz="quarter" idx="5"/>
+          </p:nvPr>
+        </p:nvSpPr>
+        <p:spPr/>
+        <p:txBody>
+          <a:bodyPr/>
+          <a:lstStyle/>
+          <a:p>
+            <a:fld id="{3E4A7109-D3E0-47BA-A045-9A99591D35D8}" type="slidenum">
+              <a:rPr lang="en-US" smtClean="0"/>
+              <a:t>39</a:t>
+            </a:fld>
+            <a:endParaRPr lang="en-US"/>
+          </a:p>
+        </p:txBody>
+      </p:sp>
+    </p:spTree>
+    <p:extLst>
+      <p:ext uri="{BB962C8B-B14F-4D97-AF65-F5344CB8AC3E}">
+        <p14:creationId xmlns:p14="http://schemas.microsoft.com/office/powerpoint/2010/main" val="3882972490"/>
+      </p:ext>
+    </p:extLst>
+  </p:cSld>
+  <p:clrMapOvr>
+    <a:masterClrMapping/>
+  </p:clrMapOvr>
+</p:notes>
+</file>
+
+<file path=ppt/notesSlides/notesSlide39.xml><?xml version="1.0" encoding="utf-8"?>
+<p:notes xmlns:a="http://schemas.openxmlformats.org/drawingml/2006/main" xmlns:r="http://schemas.openxmlformats.org/officeDocument/2006/relationships" xmlns:p="http://schemas.openxmlformats.org/presentationml/2006/main">
+  <p:cSld>
+    <p:spTree>
+      <p:nvGrpSpPr>
+        <p:cNvPr id="1" name=""/>
+        <p:cNvGrpSpPr/>
+        <p:nvPr/>
+      </p:nvGrpSpPr>
+      <p:grpSpPr>
+        <a:xfrm>
+          <a:off x="0" y="0"/>
+          <a:ext cx="0" cy="0"/>
+          <a:chOff x="0" y="0"/>
+          <a:chExt cx="0" cy="0"/>
+        </a:xfrm>
+      </p:grpSpPr>
+      <p:sp>
+        <p:nvSpPr>
+          <p:cNvPr id="2" name="Slide Image Placeholder 1"/>
+          <p:cNvSpPr>
+            <a:spLocks noGrp="1" noRot="1" noChangeAspect="1"/>
+          </p:cNvSpPr>
+          <p:nvPr>
+            <p:ph type="sldImg"/>
+          </p:nvPr>
+        </p:nvSpPr>
+        <p:spPr/>
+      </p:sp>
+      <p:sp>
+        <p:nvSpPr>
+          <p:cNvPr id="3" name="Notes Placeholder 2"/>
+          <p:cNvSpPr>
+            <a:spLocks noGrp="1"/>
+          </p:cNvSpPr>
+          <p:nvPr>
+            <p:ph type="body" idx="1"/>
+          </p:nvPr>
+        </p:nvSpPr>
+        <p:spPr/>
+        <p:txBody>
+          <a:bodyPr/>
+          <a:lstStyle/>
+          <a:p>
+            <a:endParaRPr lang="en-US" dirty="0"/>
+          </a:p>
+        </p:txBody>
+      </p:sp>
+      <p:sp>
+        <p:nvSpPr>
+          <p:cNvPr id="4" name="Slide Number Placeholder 3"/>
+          <p:cNvSpPr>
+            <a:spLocks noGrp="1"/>
+          </p:cNvSpPr>
+          <p:nvPr>
+            <p:ph type="sldNum" sz="quarter" idx="5"/>
+          </p:nvPr>
+        </p:nvSpPr>
+        <p:spPr/>
+        <p:txBody>
+          <a:bodyPr/>
+          <a:lstStyle/>
+          <a:p>
+            <a:fld id="{3E4A7109-D3E0-47BA-A045-9A99591D35D8}" type="slidenum">
+              <a:rPr lang="en-US" smtClean="0"/>
+              <a:t>40</a:t>
+            </a:fld>
+            <a:endParaRPr lang="en-US"/>
+          </a:p>
+        </p:txBody>
+      </p:sp>
+    </p:spTree>
+    <p:extLst>
+      <p:ext uri="{BB962C8B-B14F-4D97-AF65-F5344CB8AC3E}">
+        <p14:creationId xmlns:p14="http://schemas.microsoft.com/office/powerpoint/2010/main" val="3532757620"/>
+      </p:ext>
+    </p:extLst>
+  </p:cSld>
+  <p:clrMapOvr>
+    <a:masterClrMapping/>
+  </p:clrMapOvr>
+</p:notes>
+</file>
+
 <file path=ppt/notesSlides/notesSlide4.xml><?xml version="1.0" encoding="utf-8"?>
 <p:notes xmlns:a="http://schemas.openxmlformats.org/drawingml/2006/main" xmlns:r="http://schemas.openxmlformats.org/officeDocument/2006/relationships" xmlns:p="http://schemas.openxmlformats.org/presentationml/2006/main">
   <p:cSld>
@@ -8119,6 +10780,426 @@
     <p:extLst>
       <p:ext uri="{BB962C8B-B14F-4D97-AF65-F5344CB8AC3E}">
         <p14:creationId xmlns:p14="http://schemas.microsoft.com/office/powerpoint/2010/main" val="1860356009"/>
+      </p:ext>
+    </p:extLst>
+  </p:cSld>
+  <p:clrMapOvr>
+    <a:masterClrMapping/>
+  </p:clrMapOvr>
+</p:notes>
+</file>
+
+<file path=ppt/notesSlides/notesSlide40.xml><?xml version="1.0" encoding="utf-8"?>
+<p:notes xmlns:a="http://schemas.openxmlformats.org/drawingml/2006/main" xmlns:r="http://schemas.openxmlformats.org/officeDocument/2006/relationships" xmlns:p="http://schemas.openxmlformats.org/presentationml/2006/main">
+  <p:cSld>
+    <p:spTree>
+      <p:nvGrpSpPr>
+        <p:cNvPr id="1" name=""/>
+        <p:cNvGrpSpPr/>
+        <p:nvPr/>
+      </p:nvGrpSpPr>
+      <p:grpSpPr>
+        <a:xfrm>
+          <a:off x="0" y="0"/>
+          <a:ext cx="0" cy="0"/>
+          <a:chOff x="0" y="0"/>
+          <a:chExt cx="0" cy="0"/>
+        </a:xfrm>
+      </p:grpSpPr>
+      <p:sp>
+        <p:nvSpPr>
+          <p:cNvPr id="2" name="Slide Image Placeholder 1"/>
+          <p:cNvSpPr>
+            <a:spLocks noGrp="1" noRot="1" noChangeAspect="1"/>
+          </p:cNvSpPr>
+          <p:nvPr>
+            <p:ph type="sldImg"/>
+          </p:nvPr>
+        </p:nvSpPr>
+        <p:spPr/>
+      </p:sp>
+      <p:sp>
+        <p:nvSpPr>
+          <p:cNvPr id="3" name="Notes Placeholder 2"/>
+          <p:cNvSpPr>
+            <a:spLocks noGrp="1"/>
+          </p:cNvSpPr>
+          <p:nvPr>
+            <p:ph type="body" idx="1"/>
+          </p:nvPr>
+        </p:nvSpPr>
+        <p:spPr/>
+        <p:txBody>
+          <a:bodyPr/>
+          <a:lstStyle/>
+          <a:p>
+            <a:endParaRPr lang="en-US" dirty="0"/>
+          </a:p>
+        </p:txBody>
+      </p:sp>
+      <p:sp>
+        <p:nvSpPr>
+          <p:cNvPr id="4" name="Slide Number Placeholder 3"/>
+          <p:cNvSpPr>
+            <a:spLocks noGrp="1"/>
+          </p:cNvSpPr>
+          <p:nvPr>
+            <p:ph type="sldNum" sz="quarter" idx="5"/>
+          </p:nvPr>
+        </p:nvSpPr>
+        <p:spPr/>
+        <p:txBody>
+          <a:bodyPr/>
+          <a:lstStyle/>
+          <a:p>
+            <a:fld id="{3E4A7109-D3E0-47BA-A045-9A99591D35D8}" type="slidenum">
+              <a:rPr lang="en-US" smtClean="0"/>
+              <a:t>41</a:t>
+            </a:fld>
+            <a:endParaRPr lang="en-US"/>
+          </a:p>
+        </p:txBody>
+      </p:sp>
+    </p:spTree>
+    <p:extLst>
+      <p:ext uri="{BB962C8B-B14F-4D97-AF65-F5344CB8AC3E}">
+        <p14:creationId xmlns:p14="http://schemas.microsoft.com/office/powerpoint/2010/main" val="3785722934"/>
+      </p:ext>
+    </p:extLst>
+  </p:cSld>
+  <p:clrMapOvr>
+    <a:masterClrMapping/>
+  </p:clrMapOvr>
+</p:notes>
+</file>
+
+<file path=ppt/notesSlides/notesSlide41.xml><?xml version="1.0" encoding="utf-8"?>
+<p:notes xmlns:a="http://schemas.openxmlformats.org/drawingml/2006/main" xmlns:r="http://schemas.openxmlformats.org/officeDocument/2006/relationships" xmlns:p="http://schemas.openxmlformats.org/presentationml/2006/main">
+  <p:cSld>
+    <p:spTree>
+      <p:nvGrpSpPr>
+        <p:cNvPr id="1" name=""/>
+        <p:cNvGrpSpPr/>
+        <p:nvPr/>
+      </p:nvGrpSpPr>
+      <p:grpSpPr>
+        <a:xfrm>
+          <a:off x="0" y="0"/>
+          <a:ext cx="0" cy="0"/>
+          <a:chOff x="0" y="0"/>
+          <a:chExt cx="0" cy="0"/>
+        </a:xfrm>
+      </p:grpSpPr>
+      <p:sp>
+        <p:nvSpPr>
+          <p:cNvPr id="2" name="Slide Image Placeholder 1"/>
+          <p:cNvSpPr>
+            <a:spLocks noGrp="1" noRot="1" noChangeAspect="1"/>
+          </p:cNvSpPr>
+          <p:nvPr>
+            <p:ph type="sldImg"/>
+          </p:nvPr>
+        </p:nvSpPr>
+        <p:spPr/>
+      </p:sp>
+      <p:sp>
+        <p:nvSpPr>
+          <p:cNvPr id="3" name="Notes Placeholder 2"/>
+          <p:cNvSpPr>
+            <a:spLocks noGrp="1"/>
+          </p:cNvSpPr>
+          <p:nvPr>
+            <p:ph type="body" idx="1"/>
+          </p:nvPr>
+        </p:nvSpPr>
+        <p:spPr/>
+        <p:txBody>
+          <a:bodyPr/>
+          <a:lstStyle/>
+          <a:p>
+            <a:endParaRPr lang="en-US" dirty="0"/>
+          </a:p>
+        </p:txBody>
+      </p:sp>
+      <p:sp>
+        <p:nvSpPr>
+          <p:cNvPr id="4" name="Slide Number Placeholder 3"/>
+          <p:cNvSpPr>
+            <a:spLocks noGrp="1"/>
+          </p:cNvSpPr>
+          <p:nvPr>
+            <p:ph type="sldNum" sz="quarter" idx="5"/>
+          </p:nvPr>
+        </p:nvSpPr>
+        <p:spPr/>
+        <p:txBody>
+          <a:bodyPr/>
+          <a:lstStyle/>
+          <a:p>
+            <a:fld id="{3E4A7109-D3E0-47BA-A045-9A99591D35D8}" type="slidenum">
+              <a:rPr lang="en-US" smtClean="0"/>
+              <a:t>42</a:t>
+            </a:fld>
+            <a:endParaRPr lang="en-US"/>
+          </a:p>
+        </p:txBody>
+      </p:sp>
+    </p:spTree>
+    <p:extLst>
+      <p:ext uri="{BB962C8B-B14F-4D97-AF65-F5344CB8AC3E}">
+        <p14:creationId xmlns:p14="http://schemas.microsoft.com/office/powerpoint/2010/main" val="1608328479"/>
+      </p:ext>
+    </p:extLst>
+  </p:cSld>
+  <p:clrMapOvr>
+    <a:masterClrMapping/>
+  </p:clrMapOvr>
+</p:notes>
+</file>
+
+<file path=ppt/notesSlides/notesSlide42.xml><?xml version="1.0" encoding="utf-8"?>
+<p:notes xmlns:a="http://schemas.openxmlformats.org/drawingml/2006/main" xmlns:r="http://schemas.openxmlformats.org/officeDocument/2006/relationships" xmlns:p="http://schemas.openxmlformats.org/presentationml/2006/main">
+  <p:cSld>
+    <p:spTree>
+      <p:nvGrpSpPr>
+        <p:cNvPr id="1" name=""/>
+        <p:cNvGrpSpPr/>
+        <p:nvPr/>
+      </p:nvGrpSpPr>
+      <p:grpSpPr>
+        <a:xfrm>
+          <a:off x="0" y="0"/>
+          <a:ext cx="0" cy="0"/>
+          <a:chOff x="0" y="0"/>
+          <a:chExt cx="0" cy="0"/>
+        </a:xfrm>
+      </p:grpSpPr>
+      <p:sp>
+        <p:nvSpPr>
+          <p:cNvPr id="2" name="Slide Image Placeholder 1"/>
+          <p:cNvSpPr>
+            <a:spLocks noGrp="1" noRot="1" noChangeAspect="1"/>
+          </p:cNvSpPr>
+          <p:nvPr>
+            <p:ph type="sldImg"/>
+          </p:nvPr>
+        </p:nvSpPr>
+        <p:spPr/>
+      </p:sp>
+      <p:sp>
+        <p:nvSpPr>
+          <p:cNvPr id="3" name="Notes Placeholder 2"/>
+          <p:cNvSpPr>
+            <a:spLocks noGrp="1"/>
+          </p:cNvSpPr>
+          <p:nvPr>
+            <p:ph type="body" idx="1"/>
+          </p:nvPr>
+        </p:nvSpPr>
+        <p:spPr/>
+        <p:txBody>
+          <a:bodyPr/>
+          <a:lstStyle/>
+          <a:p>
+            <a:endParaRPr lang="en-US" dirty="0"/>
+          </a:p>
+        </p:txBody>
+      </p:sp>
+      <p:sp>
+        <p:nvSpPr>
+          <p:cNvPr id="4" name="Slide Number Placeholder 3"/>
+          <p:cNvSpPr>
+            <a:spLocks noGrp="1"/>
+          </p:cNvSpPr>
+          <p:nvPr>
+            <p:ph type="sldNum" sz="quarter" idx="5"/>
+          </p:nvPr>
+        </p:nvSpPr>
+        <p:spPr/>
+        <p:txBody>
+          <a:bodyPr/>
+          <a:lstStyle/>
+          <a:p>
+            <a:fld id="{3E4A7109-D3E0-47BA-A045-9A99591D35D8}" type="slidenum">
+              <a:rPr lang="en-US" smtClean="0"/>
+              <a:t>43</a:t>
+            </a:fld>
+            <a:endParaRPr lang="en-US"/>
+          </a:p>
+        </p:txBody>
+      </p:sp>
+    </p:spTree>
+    <p:extLst>
+      <p:ext uri="{BB962C8B-B14F-4D97-AF65-F5344CB8AC3E}">
+        <p14:creationId xmlns:p14="http://schemas.microsoft.com/office/powerpoint/2010/main" val="1471582630"/>
+      </p:ext>
+    </p:extLst>
+  </p:cSld>
+  <p:clrMapOvr>
+    <a:masterClrMapping/>
+  </p:clrMapOvr>
+</p:notes>
+</file>
+
+<file path=ppt/notesSlides/notesSlide43.xml><?xml version="1.0" encoding="utf-8"?>
+<p:notes xmlns:a="http://schemas.openxmlformats.org/drawingml/2006/main" xmlns:r="http://schemas.openxmlformats.org/officeDocument/2006/relationships" xmlns:p="http://schemas.openxmlformats.org/presentationml/2006/main">
+  <p:cSld>
+    <p:spTree>
+      <p:nvGrpSpPr>
+        <p:cNvPr id="1" name=""/>
+        <p:cNvGrpSpPr/>
+        <p:nvPr/>
+      </p:nvGrpSpPr>
+      <p:grpSpPr>
+        <a:xfrm>
+          <a:off x="0" y="0"/>
+          <a:ext cx="0" cy="0"/>
+          <a:chOff x="0" y="0"/>
+          <a:chExt cx="0" cy="0"/>
+        </a:xfrm>
+      </p:grpSpPr>
+      <p:sp>
+        <p:nvSpPr>
+          <p:cNvPr id="2" name="Slide Image Placeholder 1"/>
+          <p:cNvSpPr>
+            <a:spLocks noGrp="1" noRot="1" noChangeAspect="1"/>
+          </p:cNvSpPr>
+          <p:nvPr>
+            <p:ph type="sldImg"/>
+          </p:nvPr>
+        </p:nvSpPr>
+        <p:spPr/>
+      </p:sp>
+      <p:sp>
+        <p:nvSpPr>
+          <p:cNvPr id="3" name="Notes Placeholder 2"/>
+          <p:cNvSpPr>
+            <a:spLocks noGrp="1"/>
+          </p:cNvSpPr>
+          <p:nvPr>
+            <p:ph type="body" idx="1"/>
+          </p:nvPr>
+        </p:nvSpPr>
+        <p:spPr/>
+        <p:txBody>
+          <a:bodyPr/>
+          <a:lstStyle/>
+          <a:p>
+            <a:endParaRPr lang="en-US" dirty="0"/>
+          </a:p>
+        </p:txBody>
+      </p:sp>
+      <p:sp>
+        <p:nvSpPr>
+          <p:cNvPr id="4" name="Slide Number Placeholder 3"/>
+          <p:cNvSpPr>
+            <a:spLocks noGrp="1"/>
+          </p:cNvSpPr>
+          <p:nvPr>
+            <p:ph type="sldNum" sz="quarter" idx="5"/>
+          </p:nvPr>
+        </p:nvSpPr>
+        <p:spPr/>
+        <p:txBody>
+          <a:bodyPr/>
+          <a:lstStyle/>
+          <a:p>
+            <a:fld id="{3E4A7109-D3E0-47BA-A045-9A99591D35D8}" type="slidenum">
+              <a:rPr lang="en-US" smtClean="0"/>
+              <a:t>44</a:t>
+            </a:fld>
+            <a:endParaRPr lang="en-US"/>
+          </a:p>
+        </p:txBody>
+      </p:sp>
+    </p:spTree>
+    <p:extLst>
+      <p:ext uri="{BB962C8B-B14F-4D97-AF65-F5344CB8AC3E}">
+        <p14:creationId xmlns:p14="http://schemas.microsoft.com/office/powerpoint/2010/main" val="3823611772"/>
+      </p:ext>
+    </p:extLst>
+  </p:cSld>
+  <p:clrMapOvr>
+    <a:masterClrMapping/>
+  </p:clrMapOvr>
+</p:notes>
+</file>
+
+<file path=ppt/notesSlides/notesSlide44.xml><?xml version="1.0" encoding="utf-8"?>
+<p:notes xmlns:a="http://schemas.openxmlformats.org/drawingml/2006/main" xmlns:r="http://schemas.openxmlformats.org/officeDocument/2006/relationships" xmlns:p="http://schemas.openxmlformats.org/presentationml/2006/main">
+  <p:cSld>
+    <p:spTree>
+      <p:nvGrpSpPr>
+        <p:cNvPr id="1" name=""/>
+        <p:cNvGrpSpPr/>
+        <p:nvPr/>
+      </p:nvGrpSpPr>
+      <p:grpSpPr>
+        <a:xfrm>
+          <a:off x="0" y="0"/>
+          <a:ext cx="0" cy="0"/>
+          <a:chOff x="0" y="0"/>
+          <a:chExt cx="0" cy="0"/>
+        </a:xfrm>
+      </p:grpSpPr>
+      <p:sp>
+        <p:nvSpPr>
+          <p:cNvPr id="2" name="Slide Image Placeholder 1"/>
+          <p:cNvSpPr>
+            <a:spLocks noGrp="1" noRot="1" noChangeAspect="1"/>
+          </p:cNvSpPr>
+          <p:nvPr>
+            <p:ph type="sldImg"/>
+          </p:nvPr>
+        </p:nvSpPr>
+        <p:spPr/>
+      </p:sp>
+      <p:sp>
+        <p:nvSpPr>
+          <p:cNvPr id="3" name="Notes Placeholder 2"/>
+          <p:cNvSpPr>
+            <a:spLocks noGrp="1"/>
+          </p:cNvSpPr>
+          <p:nvPr>
+            <p:ph type="body" idx="1"/>
+          </p:nvPr>
+        </p:nvSpPr>
+        <p:spPr/>
+        <p:txBody>
+          <a:bodyPr/>
+          <a:lstStyle/>
+          <a:p>
+            <a:endParaRPr lang="en-US" dirty="0"/>
+          </a:p>
+        </p:txBody>
+      </p:sp>
+      <p:sp>
+        <p:nvSpPr>
+          <p:cNvPr id="4" name="Slide Number Placeholder 3"/>
+          <p:cNvSpPr>
+            <a:spLocks noGrp="1"/>
+          </p:cNvSpPr>
+          <p:nvPr>
+            <p:ph type="sldNum" sz="quarter" idx="5"/>
+          </p:nvPr>
+        </p:nvSpPr>
+        <p:spPr/>
+        <p:txBody>
+          <a:bodyPr/>
+          <a:lstStyle/>
+          <a:p>
+            <a:fld id="{3E4A7109-D3E0-47BA-A045-9A99591D35D8}" type="slidenum">
+              <a:rPr lang="en-US" smtClean="0"/>
+              <a:t>45</a:t>
+            </a:fld>
+            <a:endParaRPr lang="en-US"/>
+          </a:p>
+        </p:txBody>
+      </p:sp>
+    </p:spTree>
+    <p:extLst>
+      <p:ext uri="{BB962C8B-B14F-4D97-AF65-F5344CB8AC3E}">
+        <p14:creationId xmlns:p14="http://schemas.microsoft.com/office/powerpoint/2010/main" val="4039873138"/>
       </p:ext>
     </p:extLst>
   </p:cSld>
@@ -8695,7 +11776,7 @@
           <a:p>
             <a:fld id="{B8959F3C-9879-4806-ADC7-BA321CD3F53D}" type="datetimeFigureOut">
               <a:rPr lang="en-US" smtClean="0"/>
-              <a:t>04-Aug-24</a:t>
+              <a:t>05-Aug-24</a:t>
             </a:fld>
             <a:endParaRPr lang="en-US"/>
           </a:p>
@@ -8893,7 +11974,7 @@
           <a:p>
             <a:fld id="{B8959F3C-9879-4806-ADC7-BA321CD3F53D}" type="datetimeFigureOut">
               <a:rPr lang="en-US" smtClean="0"/>
-              <a:t>04-Aug-24</a:t>
+              <a:t>05-Aug-24</a:t>
             </a:fld>
             <a:endParaRPr lang="en-US"/>
           </a:p>
@@ -9101,7 +12182,7 @@
           <a:p>
             <a:fld id="{B8959F3C-9879-4806-ADC7-BA321CD3F53D}" type="datetimeFigureOut">
               <a:rPr lang="en-US" smtClean="0"/>
-              <a:t>04-Aug-24</a:t>
+              <a:t>05-Aug-24</a:t>
             </a:fld>
             <a:endParaRPr lang="en-US"/>
           </a:p>
@@ -9299,7 +12380,7 @@
           <a:p>
             <a:fld id="{B8959F3C-9879-4806-ADC7-BA321CD3F53D}" type="datetimeFigureOut">
               <a:rPr lang="en-US" smtClean="0"/>
-              <a:t>04-Aug-24</a:t>
+              <a:t>05-Aug-24</a:t>
             </a:fld>
             <a:endParaRPr lang="en-US"/>
           </a:p>
@@ -9574,7 +12655,7 @@
           <a:p>
             <a:fld id="{B8959F3C-9879-4806-ADC7-BA321CD3F53D}" type="datetimeFigureOut">
               <a:rPr lang="en-US" smtClean="0"/>
-              <a:t>04-Aug-24</a:t>
+              <a:t>05-Aug-24</a:t>
             </a:fld>
             <a:endParaRPr lang="en-US"/>
           </a:p>
@@ -9839,7 +12920,7 @@
           <a:p>
             <a:fld id="{B8959F3C-9879-4806-ADC7-BA321CD3F53D}" type="datetimeFigureOut">
               <a:rPr lang="en-US" smtClean="0"/>
-              <a:t>04-Aug-24</a:t>
+              <a:t>05-Aug-24</a:t>
             </a:fld>
             <a:endParaRPr lang="en-US"/>
           </a:p>
@@ -10251,7 +13332,7 @@
           <a:p>
             <a:fld id="{B8959F3C-9879-4806-ADC7-BA321CD3F53D}" type="datetimeFigureOut">
               <a:rPr lang="en-US" smtClean="0"/>
-              <a:t>04-Aug-24</a:t>
+              <a:t>05-Aug-24</a:t>
             </a:fld>
             <a:endParaRPr lang="en-US"/>
           </a:p>
@@ -10392,7 +13473,7 @@
           <a:p>
             <a:fld id="{B8959F3C-9879-4806-ADC7-BA321CD3F53D}" type="datetimeFigureOut">
               <a:rPr lang="en-US" smtClean="0"/>
-              <a:t>04-Aug-24</a:t>
+              <a:t>05-Aug-24</a:t>
             </a:fld>
             <a:endParaRPr lang="en-US"/>
           </a:p>
@@ -10505,7 +13586,7 @@
           <a:p>
             <a:fld id="{B8959F3C-9879-4806-ADC7-BA321CD3F53D}" type="datetimeFigureOut">
               <a:rPr lang="en-US" smtClean="0"/>
-              <a:t>04-Aug-24</a:t>
+              <a:t>05-Aug-24</a:t>
             </a:fld>
             <a:endParaRPr lang="en-US"/>
           </a:p>
@@ -10816,7 +13897,7 @@
           <a:p>
             <a:fld id="{B8959F3C-9879-4806-ADC7-BA321CD3F53D}" type="datetimeFigureOut">
               <a:rPr lang="en-US" smtClean="0"/>
-              <a:t>04-Aug-24</a:t>
+              <a:t>05-Aug-24</a:t>
             </a:fld>
             <a:endParaRPr lang="en-US"/>
           </a:p>
@@ -11104,7 +14185,7 @@
           <a:p>
             <a:fld id="{B8959F3C-9879-4806-ADC7-BA321CD3F53D}" type="datetimeFigureOut">
               <a:rPr lang="en-US" smtClean="0"/>
-              <a:t>04-Aug-24</a:t>
+              <a:t>05-Aug-24</a:t>
             </a:fld>
             <a:endParaRPr lang="en-US"/>
           </a:p>
@@ -11345,7 +14426,7 @@
           <a:p>
             <a:fld id="{B8959F3C-9879-4806-ADC7-BA321CD3F53D}" type="datetimeFigureOut">
               <a:rPr lang="en-US" smtClean="0"/>
-              <a:t>04-Aug-24</a:t>
+              <a:t>05-Aug-24</a:t>
             </a:fld>
             <a:endParaRPr lang="en-US"/>
           </a:p>
@@ -23003,6 +26084,1853 @@
 </p:sld>
 </file>
 
+<file path=ppt/slides/slide35.xml><?xml version="1.0" encoding="utf-8"?>
+<p:sld xmlns:a="http://schemas.openxmlformats.org/drawingml/2006/main" xmlns:r="http://schemas.openxmlformats.org/officeDocument/2006/relationships" xmlns:p="http://schemas.openxmlformats.org/presentationml/2006/main">
+  <p:cSld>
+    <p:spTree>
+      <p:nvGrpSpPr>
+        <p:cNvPr id="1" name=""/>
+        <p:cNvGrpSpPr/>
+        <p:nvPr/>
+      </p:nvGrpSpPr>
+      <p:grpSpPr>
+        <a:xfrm>
+          <a:off x="0" y="0"/>
+          <a:ext cx="0" cy="0"/>
+          <a:chOff x="0" y="0"/>
+          <a:chExt cx="0" cy="0"/>
+        </a:xfrm>
+      </p:grpSpPr>
+      <p:sp>
+        <p:nvSpPr>
+          <p:cNvPr id="2" name="Title 1">
+            <a:extLst>
+              <a:ext uri="{FF2B5EF4-FFF2-40B4-BE49-F238E27FC236}">
+                <a16:creationId xmlns:a16="http://schemas.microsoft.com/office/drawing/2014/main" id="{1F8717B5-F992-3362-0E17-84D889214116}"/>
+              </a:ext>
+            </a:extLst>
+          </p:cNvPr>
+          <p:cNvSpPr>
+            <a:spLocks noGrp="1"/>
+          </p:cNvSpPr>
+          <p:nvPr>
+            <p:ph type="title"/>
+          </p:nvPr>
+        </p:nvSpPr>
+        <p:spPr/>
+        <p:txBody>
+          <a:bodyPr>
+            <a:normAutofit/>
+          </a:bodyPr>
+          <a:lstStyle/>
+          <a:p>
+            <a:r>
+              <a:rPr lang="en-US" sz="2400" b="1" dirty="0"/>
+              <a:t>Symbol tuning prompt</a:t>
+            </a:r>
+          </a:p>
+        </p:txBody>
+      </p:sp>
+      <p:sp>
+        <p:nvSpPr>
+          <p:cNvPr id="3" name="Content Placeholder 2">
+            <a:extLst>
+              <a:ext uri="{FF2B5EF4-FFF2-40B4-BE49-F238E27FC236}">
+                <a16:creationId xmlns:a16="http://schemas.microsoft.com/office/drawing/2014/main" id="{6A1CF6AE-4BFF-FA1F-6998-093945033E5D}"/>
+              </a:ext>
+            </a:extLst>
+          </p:cNvPr>
+          <p:cNvSpPr>
+            <a:spLocks noGrp="1"/>
+          </p:cNvSpPr>
+          <p:nvPr>
+            <p:ph idx="1"/>
+          </p:nvPr>
+        </p:nvSpPr>
+        <p:spPr/>
+        <p:txBody>
+          <a:bodyPr>
+            <a:normAutofit/>
+          </a:bodyPr>
+          <a:lstStyle/>
+          <a:p>
+            <a:r>
+              <a:rPr lang="en-US" sz="1800" dirty="0"/>
+              <a:t>Now we analyze the changes made to the prompt.</a:t>
+            </a:r>
+          </a:p>
+          <a:p>
+            <a:r>
+              <a:rPr lang="en-US" sz="1800" dirty="0"/>
+              <a:t>The first change is adding information and details about ‘not important’ news.</a:t>
+            </a:r>
+          </a:p>
+          <a:p>
+            <a:r>
+              <a:rPr lang="en-US" sz="1800" dirty="0"/>
+              <a:t>The results can be seen in following slides.</a:t>
+            </a:r>
+            <a:endParaRPr lang="en-US" sz="1400" dirty="0"/>
+          </a:p>
+        </p:txBody>
+      </p:sp>
+    </p:spTree>
+    <p:extLst>
+      <p:ext uri="{BB962C8B-B14F-4D97-AF65-F5344CB8AC3E}">
+        <p14:creationId xmlns:p14="http://schemas.microsoft.com/office/powerpoint/2010/main" val="1140763178"/>
+      </p:ext>
+    </p:extLst>
+  </p:cSld>
+  <p:clrMapOvr>
+    <a:masterClrMapping/>
+  </p:clrMapOvr>
+</p:sld>
+</file>
+
+<file path=ppt/slides/slide36.xml><?xml version="1.0" encoding="utf-8"?>
+<p:sld xmlns:a="http://schemas.openxmlformats.org/drawingml/2006/main" xmlns:r="http://schemas.openxmlformats.org/officeDocument/2006/relationships" xmlns:p="http://schemas.openxmlformats.org/presentationml/2006/main">
+  <p:cSld>
+    <p:spTree>
+      <p:nvGrpSpPr>
+        <p:cNvPr id="1" name=""/>
+        <p:cNvGrpSpPr/>
+        <p:nvPr/>
+      </p:nvGrpSpPr>
+      <p:grpSpPr>
+        <a:xfrm>
+          <a:off x="0" y="0"/>
+          <a:ext cx="0" cy="0"/>
+          <a:chOff x="0" y="0"/>
+          <a:chExt cx="0" cy="0"/>
+        </a:xfrm>
+      </p:grpSpPr>
+      <p:sp>
+        <p:nvSpPr>
+          <p:cNvPr id="2" name="Title 1">
+            <a:extLst>
+              <a:ext uri="{FF2B5EF4-FFF2-40B4-BE49-F238E27FC236}">
+                <a16:creationId xmlns:a16="http://schemas.microsoft.com/office/drawing/2014/main" id="{1F8717B5-F992-3362-0E17-84D889214116}"/>
+              </a:ext>
+            </a:extLst>
+          </p:cNvPr>
+          <p:cNvSpPr>
+            <a:spLocks noGrp="1"/>
+          </p:cNvSpPr>
+          <p:nvPr>
+            <p:ph type="title"/>
+          </p:nvPr>
+        </p:nvSpPr>
+        <p:spPr/>
+        <p:txBody>
+          <a:bodyPr>
+            <a:normAutofit/>
+          </a:bodyPr>
+          <a:lstStyle/>
+          <a:p>
+            <a:r>
+              <a:rPr lang="en-US" sz="2400" b="1" dirty="0"/>
+              <a:t>Symbol tuning results</a:t>
+            </a:r>
+          </a:p>
+        </p:txBody>
+      </p:sp>
+      <p:sp>
+        <p:nvSpPr>
+          <p:cNvPr id="3" name="Content Placeholder 2">
+            <a:extLst>
+              <a:ext uri="{FF2B5EF4-FFF2-40B4-BE49-F238E27FC236}">
+                <a16:creationId xmlns:a16="http://schemas.microsoft.com/office/drawing/2014/main" id="{6A1CF6AE-4BFF-FA1F-6998-093945033E5D}"/>
+              </a:ext>
+            </a:extLst>
+          </p:cNvPr>
+          <p:cNvSpPr>
+            <a:spLocks noGrp="1"/>
+          </p:cNvSpPr>
+          <p:nvPr>
+            <p:ph idx="1"/>
+          </p:nvPr>
+        </p:nvSpPr>
+        <p:spPr/>
+        <p:txBody>
+          <a:bodyPr>
+            <a:normAutofit/>
+          </a:bodyPr>
+          <a:lstStyle/>
+          <a:p>
+            <a:r>
+              <a:rPr lang="en-US" sz="1800" dirty="0"/>
+              <a:t>As same as before we have 77 ‘important’ labels and 324 ‘not important’ labels in our first 401 samples from test data.</a:t>
+            </a:r>
+            <a:endParaRPr lang="en-US" sz="1400" dirty="0"/>
+          </a:p>
+        </p:txBody>
+      </p:sp>
+      <p:graphicFrame>
+        <p:nvGraphicFramePr>
+          <p:cNvPr id="4" name="Table 3">
+            <a:extLst>
+              <a:ext uri="{FF2B5EF4-FFF2-40B4-BE49-F238E27FC236}">
+                <a16:creationId xmlns:a16="http://schemas.microsoft.com/office/drawing/2014/main" id="{0453A488-C523-27E2-B36E-3B0AEA0AE3CF}"/>
+              </a:ext>
+            </a:extLst>
+          </p:cNvPr>
+          <p:cNvGraphicFramePr>
+            <a:graphicFrameLocks noGrp="1"/>
+          </p:cNvGraphicFramePr>
+          <p:nvPr>
+            <p:extLst>
+              <p:ext uri="{D42A27DB-BD31-4B8C-83A1-F6EECF244321}">
+                <p14:modId xmlns:p14="http://schemas.microsoft.com/office/powerpoint/2010/main" val="3833236020"/>
+              </p:ext>
+            </p:extLst>
+          </p:nvPr>
+        </p:nvGraphicFramePr>
+        <p:xfrm>
+          <a:off x="3593934" y="3058160"/>
+          <a:ext cx="5004132" cy="741680"/>
+        </p:xfrm>
+        <a:graphic>
+          <a:graphicData uri="http://schemas.openxmlformats.org/drawingml/2006/table">
+            <a:tbl>
+              <a:tblPr firstRow="1" bandRow="1">
+                <a:tableStyleId>{D7AC3CCA-C797-4891-BE02-D94E43425B78}</a:tableStyleId>
+              </a:tblPr>
+              <a:tblGrid>
+                <a:gridCol w="2502066">
+                  <a:extLst>
+                    <a:ext uri="{9D8B030D-6E8A-4147-A177-3AD203B41FA5}">
+                      <a16:colId xmlns:a16="http://schemas.microsoft.com/office/drawing/2014/main" val="1729950084"/>
+                    </a:ext>
+                  </a:extLst>
+                </a:gridCol>
+                <a:gridCol w="2502066">
+                  <a:extLst>
+                    <a:ext uri="{9D8B030D-6E8A-4147-A177-3AD203B41FA5}">
+                      <a16:colId xmlns:a16="http://schemas.microsoft.com/office/drawing/2014/main" val="483548369"/>
+                    </a:ext>
+                  </a:extLst>
+                </a:gridCol>
+              </a:tblGrid>
+              <a:tr h="370840">
+                <a:tc>
+                  <a:txBody>
+                    <a:bodyPr/>
+                    <a:lstStyle/>
+                    <a:p>
+                      <a:pPr algn="ctr"/>
+                      <a:r>
+                        <a:rPr lang="en-US" b="0" dirty="0">
+                          <a:latin typeface="Times New Roman" panose="02020603050405020304" pitchFamily="18" charset="0"/>
+                          <a:cs typeface="Times New Roman" panose="02020603050405020304" pitchFamily="18" charset="0"/>
+                        </a:rPr>
+                        <a:t># of ‘1’ labels</a:t>
+                      </a:r>
+                    </a:p>
+                  </a:txBody>
+                  <a:tcPr/>
+                </a:tc>
+                <a:tc>
+                  <a:txBody>
+                    <a:bodyPr/>
+                    <a:lstStyle/>
+                    <a:p>
+                      <a:pPr algn="ctr"/>
+                      <a:r>
+                        <a:rPr lang="en-US" b="0" dirty="0">
+                          <a:latin typeface="Times New Roman" panose="02020603050405020304" pitchFamily="18" charset="0"/>
+                          <a:cs typeface="Times New Roman" panose="02020603050405020304" pitchFamily="18" charset="0"/>
+                        </a:rPr>
+                        <a:t># of ‘0’ labels</a:t>
+                      </a:r>
+                    </a:p>
+                  </a:txBody>
+                  <a:tcPr/>
+                </a:tc>
+                <a:extLst>
+                  <a:ext uri="{0D108BD9-81ED-4DB2-BD59-A6C34878D82A}">
+                    <a16:rowId xmlns:a16="http://schemas.microsoft.com/office/drawing/2014/main" val="4261729995"/>
+                  </a:ext>
+                </a:extLst>
+              </a:tr>
+              <a:tr h="370840">
+                <a:tc>
+                  <a:txBody>
+                    <a:bodyPr/>
+                    <a:lstStyle/>
+                    <a:p>
+                      <a:pPr algn="ctr"/>
+                      <a:r>
+                        <a:rPr lang="en-US" b="0" dirty="0">
+                          <a:latin typeface="Times New Roman" panose="02020603050405020304" pitchFamily="18" charset="0"/>
+                          <a:cs typeface="Times New Roman" panose="02020603050405020304" pitchFamily="18" charset="0"/>
+                        </a:rPr>
+                        <a:t>77</a:t>
+                      </a:r>
+                    </a:p>
+                  </a:txBody>
+                  <a:tcPr/>
+                </a:tc>
+                <a:tc>
+                  <a:txBody>
+                    <a:bodyPr/>
+                    <a:lstStyle/>
+                    <a:p>
+                      <a:pPr algn="ctr"/>
+                      <a:r>
+                        <a:rPr lang="en-US" b="0" dirty="0">
+                          <a:latin typeface="Times New Roman" panose="02020603050405020304" pitchFamily="18" charset="0"/>
+                          <a:cs typeface="Times New Roman" panose="02020603050405020304" pitchFamily="18" charset="0"/>
+                        </a:rPr>
+                        <a:t>324</a:t>
+                      </a:r>
+                    </a:p>
+                  </a:txBody>
+                  <a:tcPr/>
+                </a:tc>
+                <a:extLst>
+                  <a:ext uri="{0D108BD9-81ED-4DB2-BD59-A6C34878D82A}">
+                    <a16:rowId xmlns:a16="http://schemas.microsoft.com/office/drawing/2014/main" val="1335220462"/>
+                  </a:ext>
+                </a:extLst>
+              </a:tr>
+            </a:tbl>
+          </a:graphicData>
+        </a:graphic>
+      </p:graphicFrame>
+    </p:spTree>
+    <p:extLst>
+      <p:ext uri="{BB962C8B-B14F-4D97-AF65-F5344CB8AC3E}">
+        <p14:creationId xmlns:p14="http://schemas.microsoft.com/office/powerpoint/2010/main" val="1278490371"/>
+      </p:ext>
+    </p:extLst>
+  </p:cSld>
+  <p:clrMapOvr>
+    <a:masterClrMapping/>
+  </p:clrMapOvr>
+</p:sld>
+</file>
+
+<file path=ppt/slides/slide37.xml><?xml version="1.0" encoding="utf-8"?>
+<p:sld xmlns:a="http://schemas.openxmlformats.org/drawingml/2006/main" xmlns:r="http://schemas.openxmlformats.org/officeDocument/2006/relationships" xmlns:p="http://schemas.openxmlformats.org/presentationml/2006/main">
+  <p:cSld>
+    <p:spTree>
+      <p:nvGrpSpPr>
+        <p:cNvPr id="1" name=""/>
+        <p:cNvGrpSpPr/>
+        <p:nvPr/>
+      </p:nvGrpSpPr>
+      <p:grpSpPr>
+        <a:xfrm>
+          <a:off x="0" y="0"/>
+          <a:ext cx="0" cy="0"/>
+          <a:chOff x="0" y="0"/>
+          <a:chExt cx="0" cy="0"/>
+        </a:xfrm>
+      </p:grpSpPr>
+      <p:sp>
+        <p:nvSpPr>
+          <p:cNvPr id="2" name="Title 1">
+            <a:extLst>
+              <a:ext uri="{FF2B5EF4-FFF2-40B4-BE49-F238E27FC236}">
+                <a16:creationId xmlns:a16="http://schemas.microsoft.com/office/drawing/2014/main" id="{1F8717B5-F992-3362-0E17-84D889214116}"/>
+              </a:ext>
+            </a:extLst>
+          </p:cNvPr>
+          <p:cNvSpPr>
+            <a:spLocks noGrp="1"/>
+          </p:cNvSpPr>
+          <p:nvPr>
+            <p:ph type="title"/>
+          </p:nvPr>
+        </p:nvSpPr>
+        <p:spPr/>
+        <p:txBody>
+          <a:bodyPr>
+            <a:normAutofit/>
+          </a:bodyPr>
+          <a:lstStyle/>
+          <a:p>
+            <a:r>
+              <a:rPr lang="en-US" sz="2400" b="1" dirty="0"/>
+              <a:t>Symbol tuning results</a:t>
+            </a:r>
+          </a:p>
+        </p:txBody>
+      </p:sp>
+      <p:sp>
+        <p:nvSpPr>
+          <p:cNvPr id="3" name="Content Placeholder 2">
+            <a:extLst>
+              <a:ext uri="{FF2B5EF4-FFF2-40B4-BE49-F238E27FC236}">
+                <a16:creationId xmlns:a16="http://schemas.microsoft.com/office/drawing/2014/main" id="{6A1CF6AE-4BFF-FA1F-6998-093945033E5D}"/>
+              </a:ext>
+            </a:extLst>
+          </p:cNvPr>
+          <p:cNvSpPr>
+            <a:spLocks noGrp="1"/>
+          </p:cNvSpPr>
+          <p:nvPr>
+            <p:ph idx="1"/>
+          </p:nvPr>
+        </p:nvSpPr>
+        <p:spPr/>
+        <p:txBody>
+          <a:bodyPr>
+            <a:normAutofit/>
+          </a:bodyPr>
+          <a:lstStyle/>
+          <a:p>
+            <a:r>
+              <a:rPr lang="en-US" sz="1800" dirty="0"/>
+              <a:t>Results for k = 0 shot learning:</a:t>
+            </a:r>
+          </a:p>
+          <a:p>
+            <a:endParaRPr lang="en-US" sz="1800" dirty="0"/>
+          </a:p>
+          <a:p>
+            <a:endParaRPr lang="en-US" sz="1800" dirty="0"/>
+          </a:p>
+          <a:p>
+            <a:endParaRPr lang="en-US" sz="1800" dirty="0"/>
+          </a:p>
+          <a:p>
+            <a:endParaRPr lang="en-US" sz="1800" dirty="0"/>
+          </a:p>
+          <a:p>
+            <a:endParaRPr lang="en-US" sz="1800" dirty="0"/>
+          </a:p>
+          <a:p>
+            <a:r>
+              <a:rPr lang="en-US" sz="1800" dirty="0"/>
+              <a:t>By adding s definition for ‘not important’ news we observe an increase in detecting ‘47’ labels.</a:t>
+            </a:r>
+          </a:p>
+          <a:p>
+            <a:r>
+              <a:rPr lang="en-US" sz="1800" dirty="0"/>
+              <a:t>This result into mor accuracy and f1-score!</a:t>
+            </a:r>
+          </a:p>
+          <a:p>
+            <a:endParaRPr lang="en-US" sz="1800" dirty="0"/>
+          </a:p>
+          <a:p>
+            <a:endParaRPr lang="en-US" sz="1800" dirty="0"/>
+          </a:p>
+          <a:p>
+            <a:endParaRPr lang="en-US" sz="1800" dirty="0"/>
+          </a:p>
+          <a:p>
+            <a:endParaRPr lang="en-US" sz="1800" dirty="0"/>
+          </a:p>
+          <a:p>
+            <a:endParaRPr lang="en-US" sz="1800" dirty="0"/>
+          </a:p>
+          <a:p>
+            <a:pPr marL="0" indent="0">
+              <a:buNone/>
+            </a:pPr>
+            <a:endParaRPr lang="en-US" sz="1800" dirty="0"/>
+          </a:p>
+        </p:txBody>
+      </p:sp>
+      <p:graphicFrame>
+        <p:nvGraphicFramePr>
+          <p:cNvPr id="4" name="Table 3">
+            <a:extLst>
+              <a:ext uri="{FF2B5EF4-FFF2-40B4-BE49-F238E27FC236}">
+                <a16:creationId xmlns:a16="http://schemas.microsoft.com/office/drawing/2014/main" id="{E057B9CF-2B70-271B-DE42-F092AD9E0CC4}"/>
+              </a:ext>
+            </a:extLst>
+          </p:cNvPr>
+          <p:cNvGraphicFramePr>
+            <a:graphicFrameLocks noGrp="1"/>
+          </p:cNvGraphicFramePr>
+          <p:nvPr>
+            <p:extLst>
+              <p:ext uri="{D42A27DB-BD31-4B8C-83A1-F6EECF244321}">
+                <p14:modId xmlns:p14="http://schemas.microsoft.com/office/powerpoint/2010/main" val="1403780548"/>
+              </p:ext>
+            </p:extLst>
+          </p:nvPr>
+        </p:nvGraphicFramePr>
+        <p:xfrm>
+          <a:off x="2031999" y="2631593"/>
+          <a:ext cx="8128001" cy="741680"/>
+        </p:xfrm>
+        <a:graphic>
+          <a:graphicData uri="http://schemas.openxmlformats.org/drawingml/2006/table">
+            <a:tbl>
+              <a:tblPr firstRow="1" bandRow="1">
+                <a:tableStyleId>{D7AC3CCA-C797-4891-BE02-D94E43425B78}</a:tableStyleId>
+              </a:tblPr>
+              <a:tblGrid>
+                <a:gridCol w="1161143">
+                  <a:extLst>
+                    <a:ext uri="{9D8B030D-6E8A-4147-A177-3AD203B41FA5}">
+                      <a16:colId xmlns:a16="http://schemas.microsoft.com/office/drawing/2014/main" val="252588881"/>
+                    </a:ext>
+                  </a:extLst>
+                </a:gridCol>
+                <a:gridCol w="1161143">
+                  <a:extLst>
+                    <a:ext uri="{9D8B030D-6E8A-4147-A177-3AD203B41FA5}">
+                      <a16:colId xmlns:a16="http://schemas.microsoft.com/office/drawing/2014/main" val="1729950084"/>
+                    </a:ext>
+                  </a:extLst>
+                </a:gridCol>
+                <a:gridCol w="1161143">
+                  <a:extLst>
+                    <a:ext uri="{9D8B030D-6E8A-4147-A177-3AD203B41FA5}">
+                      <a16:colId xmlns:a16="http://schemas.microsoft.com/office/drawing/2014/main" val="483548369"/>
+                    </a:ext>
+                  </a:extLst>
+                </a:gridCol>
+                <a:gridCol w="1161143">
+                  <a:extLst>
+                    <a:ext uri="{9D8B030D-6E8A-4147-A177-3AD203B41FA5}">
+                      <a16:colId xmlns:a16="http://schemas.microsoft.com/office/drawing/2014/main" val="617316006"/>
+                    </a:ext>
+                  </a:extLst>
+                </a:gridCol>
+                <a:gridCol w="1161143">
+                  <a:extLst>
+                    <a:ext uri="{9D8B030D-6E8A-4147-A177-3AD203B41FA5}">
+                      <a16:colId xmlns:a16="http://schemas.microsoft.com/office/drawing/2014/main" val="3890891965"/>
+                    </a:ext>
+                  </a:extLst>
+                </a:gridCol>
+                <a:gridCol w="1161143">
+                  <a:extLst>
+                    <a:ext uri="{9D8B030D-6E8A-4147-A177-3AD203B41FA5}">
+                      <a16:colId xmlns:a16="http://schemas.microsoft.com/office/drawing/2014/main" val="464773494"/>
+                    </a:ext>
+                  </a:extLst>
+                </a:gridCol>
+                <a:gridCol w="1161143">
+                  <a:extLst>
+                    <a:ext uri="{9D8B030D-6E8A-4147-A177-3AD203B41FA5}">
+                      <a16:colId xmlns:a16="http://schemas.microsoft.com/office/drawing/2014/main" val="1231228651"/>
+                    </a:ext>
+                  </a:extLst>
+                </a:gridCol>
+              </a:tblGrid>
+              <a:tr h="370840">
+                <a:tc>
+                  <a:txBody>
+                    <a:bodyPr/>
+                    <a:lstStyle/>
+                    <a:p>
+                      <a:pPr algn="ctr"/>
+                      <a:r>
+                        <a:rPr lang="en-US" b="0" dirty="0">
+                          <a:latin typeface="Times New Roman" panose="02020603050405020304" pitchFamily="18" charset="0"/>
+                          <a:cs typeface="Times New Roman" panose="02020603050405020304" pitchFamily="18" charset="0"/>
+                        </a:rPr>
+                        <a:t>Title Only</a:t>
+                      </a:r>
+                    </a:p>
+                  </a:txBody>
+                  <a:tcPr/>
+                </a:tc>
+                <a:tc>
+                  <a:txBody>
+                    <a:bodyPr/>
+                    <a:lstStyle/>
+                    <a:p>
+                      <a:pPr algn="ctr"/>
+                      <a:r>
+                        <a:rPr lang="en-US" b="0" dirty="0">
+                          <a:latin typeface="Times New Roman" panose="02020603050405020304" pitchFamily="18" charset="0"/>
+                          <a:cs typeface="Times New Roman" panose="02020603050405020304" pitchFamily="18" charset="0"/>
+                        </a:rPr>
+                        <a:t>Accuracy</a:t>
+                      </a:r>
+                    </a:p>
+                  </a:txBody>
+                  <a:tcPr/>
+                </a:tc>
+                <a:tc>
+                  <a:txBody>
+                    <a:bodyPr/>
+                    <a:lstStyle/>
+                    <a:p>
+                      <a:pPr algn="ctr"/>
+                      <a:r>
+                        <a:rPr lang="en-US" b="0" dirty="0">
+                          <a:latin typeface="Times New Roman" panose="02020603050405020304" pitchFamily="18" charset="0"/>
+                          <a:cs typeface="Times New Roman" panose="02020603050405020304" pitchFamily="18" charset="0"/>
+                        </a:rPr>
+                        <a:t>Precision</a:t>
+                      </a:r>
+                    </a:p>
+                  </a:txBody>
+                  <a:tcPr/>
+                </a:tc>
+                <a:tc>
+                  <a:txBody>
+                    <a:bodyPr/>
+                    <a:lstStyle/>
+                    <a:p>
+                      <a:pPr algn="ctr"/>
+                      <a:r>
+                        <a:rPr lang="en-US" b="0" dirty="0">
+                          <a:latin typeface="Times New Roman" panose="02020603050405020304" pitchFamily="18" charset="0"/>
+                          <a:cs typeface="Times New Roman" panose="02020603050405020304" pitchFamily="18" charset="0"/>
+                        </a:rPr>
+                        <a:t>Recall</a:t>
+                      </a:r>
+                    </a:p>
+                  </a:txBody>
+                  <a:tcPr/>
+                </a:tc>
+                <a:tc>
+                  <a:txBody>
+                    <a:bodyPr/>
+                    <a:lstStyle/>
+                    <a:p>
+                      <a:pPr algn="ctr"/>
+                      <a:r>
+                        <a:rPr lang="en-US" b="0" dirty="0">
+                          <a:latin typeface="Times New Roman" panose="02020603050405020304" pitchFamily="18" charset="0"/>
+                          <a:cs typeface="Times New Roman" panose="02020603050405020304" pitchFamily="18" charset="0"/>
+                        </a:rPr>
+                        <a:t>F1-Score</a:t>
+                      </a:r>
+                    </a:p>
+                  </a:txBody>
+                  <a:tcPr/>
+                </a:tc>
+                <a:tc>
+                  <a:txBody>
+                    <a:bodyPr/>
+                    <a:lstStyle/>
+                    <a:p>
+                      <a:pPr marL="0" marR="0" lvl="0" indent="0" algn="ctr" defTabSz="914400" rtl="0" eaLnBrk="1" fontAlgn="auto" latinLnBrk="0" hangingPunct="1">
+                        <a:lnSpc>
+                          <a:spcPct val="100000"/>
+                        </a:lnSpc>
+                        <a:spcBef>
+                          <a:spcPts val="0"/>
+                        </a:spcBef>
+                        <a:spcAft>
+                          <a:spcPts val="0"/>
+                        </a:spcAft>
+                        <a:buClrTx/>
+                        <a:buSzTx/>
+                        <a:buFontTx/>
+                        <a:buNone/>
+                        <a:tabLst/>
+                        <a:defRPr/>
+                      </a:pPr>
+                      <a:r>
+                        <a:rPr lang="en-US" b="0" dirty="0">
+                          <a:latin typeface="Times New Roman" panose="02020603050405020304" pitchFamily="18" charset="0"/>
+                          <a:cs typeface="Times New Roman" panose="02020603050405020304" pitchFamily="18" charset="0"/>
+                        </a:rPr>
+                        <a:t># of ’58’</a:t>
+                      </a:r>
+                    </a:p>
+                  </a:txBody>
+                  <a:tcPr/>
+                </a:tc>
+                <a:tc>
+                  <a:txBody>
+                    <a:bodyPr/>
+                    <a:lstStyle/>
+                    <a:p>
+                      <a:pPr marL="0" marR="0" lvl="0" indent="0" algn="ctr" defTabSz="914400" rtl="0" eaLnBrk="1" fontAlgn="auto" latinLnBrk="0" hangingPunct="1">
+                        <a:lnSpc>
+                          <a:spcPct val="100000"/>
+                        </a:lnSpc>
+                        <a:spcBef>
+                          <a:spcPts val="0"/>
+                        </a:spcBef>
+                        <a:spcAft>
+                          <a:spcPts val="0"/>
+                        </a:spcAft>
+                        <a:buClrTx/>
+                        <a:buSzTx/>
+                        <a:buFontTx/>
+                        <a:buNone/>
+                        <a:tabLst/>
+                        <a:defRPr/>
+                      </a:pPr>
+                      <a:r>
+                        <a:rPr lang="en-US" b="0" dirty="0">
+                          <a:latin typeface="Times New Roman" panose="02020603050405020304" pitchFamily="18" charset="0"/>
+                          <a:cs typeface="Times New Roman" panose="02020603050405020304" pitchFamily="18" charset="0"/>
+                        </a:rPr>
+                        <a:t># of ’47’</a:t>
+                      </a:r>
+                    </a:p>
+                  </a:txBody>
+                  <a:tcPr/>
+                </a:tc>
+                <a:extLst>
+                  <a:ext uri="{0D108BD9-81ED-4DB2-BD59-A6C34878D82A}">
+                    <a16:rowId xmlns:a16="http://schemas.microsoft.com/office/drawing/2014/main" val="4261729995"/>
+                  </a:ext>
+                </a:extLst>
+              </a:tr>
+              <a:tr h="370840">
+                <a:tc>
+                  <a:txBody>
+                    <a:bodyPr/>
+                    <a:lstStyle/>
+                    <a:p>
+                      <a:pPr algn="ctr"/>
+                      <a:r>
+                        <a:rPr lang="en-US" b="0" dirty="0">
+                          <a:latin typeface="Times New Roman" panose="02020603050405020304" pitchFamily="18" charset="0"/>
+                          <a:cs typeface="Times New Roman" panose="02020603050405020304" pitchFamily="18" charset="0"/>
+                        </a:rPr>
+                        <a:t>k = 0</a:t>
+                      </a:r>
+                    </a:p>
+                  </a:txBody>
+                  <a:tcPr/>
+                </a:tc>
+                <a:tc>
+                  <a:txBody>
+                    <a:bodyPr/>
+                    <a:lstStyle/>
+                    <a:p>
+                      <a:pPr algn="ctr"/>
+                      <a:r>
+                        <a:rPr lang="en-US" b="0" dirty="0">
+                          <a:latin typeface="Times New Roman" panose="02020603050405020304" pitchFamily="18" charset="0"/>
+                          <a:cs typeface="Times New Roman" panose="02020603050405020304" pitchFamily="18" charset="0"/>
+                        </a:rPr>
+                        <a:t>27%</a:t>
+                      </a:r>
+                    </a:p>
+                  </a:txBody>
+                  <a:tcPr/>
+                </a:tc>
+                <a:tc>
+                  <a:txBody>
+                    <a:bodyPr/>
+                    <a:lstStyle/>
+                    <a:p>
+                      <a:pPr algn="ctr"/>
+                      <a:r>
+                        <a:rPr lang="en-US" b="0" dirty="0">
+                          <a:latin typeface="Times New Roman" panose="02020603050405020304" pitchFamily="18" charset="0"/>
+                          <a:cs typeface="Times New Roman" panose="02020603050405020304" pitchFamily="18" charset="0"/>
+                        </a:rPr>
+                        <a:t>20%</a:t>
+                      </a:r>
+                    </a:p>
+                  </a:txBody>
+                  <a:tcPr/>
+                </a:tc>
+                <a:tc>
+                  <a:txBody>
+                    <a:bodyPr/>
+                    <a:lstStyle/>
+                    <a:p>
+                      <a:pPr algn="ctr"/>
+                      <a:r>
+                        <a:rPr lang="en-US" b="0" dirty="0">
+                          <a:latin typeface="Times New Roman" panose="02020603050405020304" pitchFamily="18" charset="0"/>
+                          <a:cs typeface="Times New Roman" panose="02020603050405020304" pitchFamily="18" charset="0"/>
+                        </a:rPr>
+                        <a:t>95%</a:t>
+                      </a:r>
+                    </a:p>
+                  </a:txBody>
+                  <a:tcPr/>
+                </a:tc>
+                <a:tc>
+                  <a:txBody>
+                    <a:bodyPr/>
+                    <a:lstStyle/>
+                    <a:p>
+                      <a:pPr algn="ctr"/>
+                      <a:r>
+                        <a:rPr lang="en-US" b="0" dirty="0">
+                          <a:latin typeface="Times New Roman" panose="02020603050405020304" pitchFamily="18" charset="0"/>
+                          <a:cs typeface="Times New Roman" panose="02020603050405020304" pitchFamily="18" charset="0"/>
+                        </a:rPr>
+                        <a:t>33%</a:t>
+                      </a:r>
+                    </a:p>
+                  </a:txBody>
+                  <a:tcPr/>
+                </a:tc>
+                <a:tc>
+                  <a:txBody>
+                    <a:bodyPr/>
+                    <a:lstStyle/>
+                    <a:p>
+                      <a:pPr algn="ctr"/>
+                      <a:r>
+                        <a:rPr lang="en-US" b="0" dirty="0">
+                          <a:latin typeface="Times New Roman" panose="02020603050405020304" pitchFamily="18" charset="0"/>
+                          <a:cs typeface="Times New Roman" panose="02020603050405020304" pitchFamily="18" charset="0"/>
+                        </a:rPr>
+                        <a:t>363</a:t>
+                      </a:r>
+                    </a:p>
+                  </a:txBody>
+                  <a:tcPr/>
+                </a:tc>
+                <a:tc>
+                  <a:txBody>
+                    <a:bodyPr/>
+                    <a:lstStyle/>
+                    <a:p>
+                      <a:pPr algn="ctr"/>
+                      <a:r>
+                        <a:rPr lang="en-US" b="0" dirty="0">
+                          <a:latin typeface="Times New Roman" panose="02020603050405020304" pitchFamily="18" charset="0"/>
+                          <a:cs typeface="Times New Roman" panose="02020603050405020304" pitchFamily="18" charset="0"/>
+                        </a:rPr>
+                        <a:t>38</a:t>
+                      </a:r>
+                    </a:p>
+                  </a:txBody>
+                  <a:tcPr/>
+                </a:tc>
+                <a:extLst>
+                  <a:ext uri="{0D108BD9-81ED-4DB2-BD59-A6C34878D82A}">
+                    <a16:rowId xmlns:a16="http://schemas.microsoft.com/office/drawing/2014/main" val="1335220462"/>
+                  </a:ext>
+                </a:extLst>
+              </a:tr>
+            </a:tbl>
+          </a:graphicData>
+        </a:graphic>
+      </p:graphicFrame>
+    </p:spTree>
+    <p:extLst>
+      <p:ext uri="{BB962C8B-B14F-4D97-AF65-F5344CB8AC3E}">
+        <p14:creationId xmlns:p14="http://schemas.microsoft.com/office/powerpoint/2010/main" val="3517822909"/>
+      </p:ext>
+    </p:extLst>
+  </p:cSld>
+  <p:clrMapOvr>
+    <a:masterClrMapping/>
+  </p:clrMapOvr>
+</p:sld>
+</file>
+
+<file path=ppt/slides/slide38.xml><?xml version="1.0" encoding="utf-8"?>
+<p:sld xmlns:a="http://schemas.openxmlformats.org/drawingml/2006/main" xmlns:r="http://schemas.openxmlformats.org/officeDocument/2006/relationships" xmlns:p="http://schemas.openxmlformats.org/presentationml/2006/main">
+  <p:cSld>
+    <p:spTree>
+      <p:nvGrpSpPr>
+        <p:cNvPr id="1" name=""/>
+        <p:cNvGrpSpPr/>
+        <p:nvPr/>
+      </p:nvGrpSpPr>
+      <p:grpSpPr>
+        <a:xfrm>
+          <a:off x="0" y="0"/>
+          <a:ext cx="0" cy="0"/>
+          <a:chOff x="0" y="0"/>
+          <a:chExt cx="0" cy="0"/>
+        </a:xfrm>
+      </p:grpSpPr>
+      <p:sp>
+        <p:nvSpPr>
+          <p:cNvPr id="2" name="Title 1">
+            <a:extLst>
+              <a:ext uri="{FF2B5EF4-FFF2-40B4-BE49-F238E27FC236}">
+                <a16:creationId xmlns:a16="http://schemas.microsoft.com/office/drawing/2014/main" id="{1F8717B5-F992-3362-0E17-84D889214116}"/>
+              </a:ext>
+            </a:extLst>
+          </p:cNvPr>
+          <p:cNvSpPr>
+            <a:spLocks noGrp="1"/>
+          </p:cNvSpPr>
+          <p:nvPr>
+            <p:ph type="title"/>
+          </p:nvPr>
+        </p:nvSpPr>
+        <p:spPr/>
+        <p:txBody>
+          <a:bodyPr>
+            <a:normAutofit/>
+          </a:bodyPr>
+          <a:lstStyle/>
+          <a:p>
+            <a:r>
+              <a:rPr lang="en-US" sz="2400" b="1" dirty="0"/>
+              <a:t>Symbol tuning results</a:t>
+            </a:r>
+          </a:p>
+        </p:txBody>
+      </p:sp>
+      <p:sp>
+        <p:nvSpPr>
+          <p:cNvPr id="3" name="Content Placeholder 2">
+            <a:extLst>
+              <a:ext uri="{FF2B5EF4-FFF2-40B4-BE49-F238E27FC236}">
+                <a16:creationId xmlns:a16="http://schemas.microsoft.com/office/drawing/2014/main" id="{6A1CF6AE-4BFF-FA1F-6998-093945033E5D}"/>
+              </a:ext>
+            </a:extLst>
+          </p:cNvPr>
+          <p:cNvSpPr>
+            <a:spLocks noGrp="1"/>
+          </p:cNvSpPr>
+          <p:nvPr>
+            <p:ph idx="1"/>
+          </p:nvPr>
+        </p:nvSpPr>
+        <p:spPr/>
+        <p:txBody>
+          <a:bodyPr>
+            <a:normAutofit/>
+          </a:bodyPr>
+          <a:lstStyle/>
+          <a:p>
+            <a:r>
+              <a:rPr lang="en-US" sz="1800" dirty="0"/>
+              <a:t>Results for k = 1 shot learning:</a:t>
+            </a:r>
+          </a:p>
+          <a:p>
+            <a:endParaRPr lang="en-US" sz="1800" dirty="0"/>
+          </a:p>
+          <a:p>
+            <a:endParaRPr lang="en-US" sz="1800" dirty="0"/>
+          </a:p>
+          <a:p>
+            <a:endParaRPr lang="en-US" sz="1800" dirty="0"/>
+          </a:p>
+          <a:p>
+            <a:endParaRPr lang="en-US" sz="1800" dirty="0"/>
+          </a:p>
+          <a:p>
+            <a:endParaRPr lang="en-US" sz="1800" dirty="0"/>
+          </a:p>
+          <a:p>
+            <a:r>
+              <a:rPr lang="en-US" sz="1800" dirty="0"/>
+              <a:t>The accuracy dropped here!</a:t>
+            </a:r>
+          </a:p>
+          <a:p>
+            <a:r>
+              <a:rPr lang="en-US" sz="1800" dirty="0"/>
+              <a:t>This is because to model is less sensitive to the example provided in prompt. As we can understand the increase in number of ’47’ labels predicted is steadier, revealing that the model is acting more nuanced about the example provided.</a:t>
+            </a:r>
+          </a:p>
+          <a:p>
+            <a:endParaRPr lang="en-US" sz="1800" dirty="0"/>
+          </a:p>
+          <a:p>
+            <a:endParaRPr lang="en-US" sz="1800" dirty="0"/>
+          </a:p>
+          <a:p>
+            <a:endParaRPr lang="en-US" sz="1800" dirty="0"/>
+          </a:p>
+          <a:p>
+            <a:endParaRPr lang="en-US" sz="1800" dirty="0"/>
+          </a:p>
+          <a:p>
+            <a:endParaRPr lang="en-US" sz="1800" dirty="0"/>
+          </a:p>
+          <a:p>
+            <a:pPr marL="0" indent="0">
+              <a:buNone/>
+            </a:pPr>
+            <a:endParaRPr lang="en-US" sz="1800" dirty="0"/>
+          </a:p>
+        </p:txBody>
+      </p:sp>
+      <p:graphicFrame>
+        <p:nvGraphicFramePr>
+          <p:cNvPr id="4" name="Table 3">
+            <a:extLst>
+              <a:ext uri="{FF2B5EF4-FFF2-40B4-BE49-F238E27FC236}">
+                <a16:creationId xmlns:a16="http://schemas.microsoft.com/office/drawing/2014/main" id="{E057B9CF-2B70-271B-DE42-F092AD9E0CC4}"/>
+              </a:ext>
+            </a:extLst>
+          </p:cNvPr>
+          <p:cNvGraphicFramePr>
+            <a:graphicFrameLocks noGrp="1"/>
+          </p:cNvGraphicFramePr>
+          <p:nvPr>
+            <p:extLst>
+              <p:ext uri="{D42A27DB-BD31-4B8C-83A1-F6EECF244321}">
+                <p14:modId xmlns:p14="http://schemas.microsoft.com/office/powerpoint/2010/main" val="526264729"/>
+              </p:ext>
+            </p:extLst>
+          </p:nvPr>
+        </p:nvGraphicFramePr>
+        <p:xfrm>
+          <a:off x="2031999" y="2631593"/>
+          <a:ext cx="8128001" cy="741680"/>
+        </p:xfrm>
+        <a:graphic>
+          <a:graphicData uri="http://schemas.openxmlformats.org/drawingml/2006/table">
+            <a:tbl>
+              <a:tblPr firstRow="1" bandRow="1">
+                <a:tableStyleId>{D7AC3CCA-C797-4891-BE02-D94E43425B78}</a:tableStyleId>
+              </a:tblPr>
+              <a:tblGrid>
+                <a:gridCol w="1161143">
+                  <a:extLst>
+                    <a:ext uri="{9D8B030D-6E8A-4147-A177-3AD203B41FA5}">
+                      <a16:colId xmlns:a16="http://schemas.microsoft.com/office/drawing/2014/main" val="252588881"/>
+                    </a:ext>
+                  </a:extLst>
+                </a:gridCol>
+                <a:gridCol w="1161143">
+                  <a:extLst>
+                    <a:ext uri="{9D8B030D-6E8A-4147-A177-3AD203B41FA5}">
+                      <a16:colId xmlns:a16="http://schemas.microsoft.com/office/drawing/2014/main" val="1729950084"/>
+                    </a:ext>
+                  </a:extLst>
+                </a:gridCol>
+                <a:gridCol w="1161143">
+                  <a:extLst>
+                    <a:ext uri="{9D8B030D-6E8A-4147-A177-3AD203B41FA5}">
+                      <a16:colId xmlns:a16="http://schemas.microsoft.com/office/drawing/2014/main" val="483548369"/>
+                    </a:ext>
+                  </a:extLst>
+                </a:gridCol>
+                <a:gridCol w="1161143">
+                  <a:extLst>
+                    <a:ext uri="{9D8B030D-6E8A-4147-A177-3AD203B41FA5}">
+                      <a16:colId xmlns:a16="http://schemas.microsoft.com/office/drawing/2014/main" val="617316006"/>
+                    </a:ext>
+                  </a:extLst>
+                </a:gridCol>
+                <a:gridCol w="1161143">
+                  <a:extLst>
+                    <a:ext uri="{9D8B030D-6E8A-4147-A177-3AD203B41FA5}">
+                      <a16:colId xmlns:a16="http://schemas.microsoft.com/office/drawing/2014/main" val="3890891965"/>
+                    </a:ext>
+                  </a:extLst>
+                </a:gridCol>
+                <a:gridCol w="1161143">
+                  <a:extLst>
+                    <a:ext uri="{9D8B030D-6E8A-4147-A177-3AD203B41FA5}">
+                      <a16:colId xmlns:a16="http://schemas.microsoft.com/office/drawing/2014/main" val="464773494"/>
+                    </a:ext>
+                  </a:extLst>
+                </a:gridCol>
+                <a:gridCol w="1161143">
+                  <a:extLst>
+                    <a:ext uri="{9D8B030D-6E8A-4147-A177-3AD203B41FA5}">
+                      <a16:colId xmlns:a16="http://schemas.microsoft.com/office/drawing/2014/main" val="1231228651"/>
+                    </a:ext>
+                  </a:extLst>
+                </a:gridCol>
+              </a:tblGrid>
+              <a:tr h="370840">
+                <a:tc>
+                  <a:txBody>
+                    <a:bodyPr/>
+                    <a:lstStyle/>
+                    <a:p>
+                      <a:pPr algn="ctr"/>
+                      <a:r>
+                        <a:rPr lang="en-US" b="0" dirty="0">
+                          <a:latin typeface="Times New Roman" panose="02020603050405020304" pitchFamily="18" charset="0"/>
+                          <a:cs typeface="Times New Roman" panose="02020603050405020304" pitchFamily="18" charset="0"/>
+                        </a:rPr>
+                        <a:t>Title Only</a:t>
+                      </a:r>
+                    </a:p>
+                  </a:txBody>
+                  <a:tcPr/>
+                </a:tc>
+                <a:tc>
+                  <a:txBody>
+                    <a:bodyPr/>
+                    <a:lstStyle/>
+                    <a:p>
+                      <a:pPr algn="ctr"/>
+                      <a:r>
+                        <a:rPr lang="en-US" b="0" dirty="0">
+                          <a:latin typeface="Times New Roman" panose="02020603050405020304" pitchFamily="18" charset="0"/>
+                          <a:cs typeface="Times New Roman" panose="02020603050405020304" pitchFamily="18" charset="0"/>
+                        </a:rPr>
+                        <a:t>Accuracy</a:t>
+                      </a:r>
+                    </a:p>
+                  </a:txBody>
+                  <a:tcPr/>
+                </a:tc>
+                <a:tc>
+                  <a:txBody>
+                    <a:bodyPr/>
+                    <a:lstStyle/>
+                    <a:p>
+                      <a:pPr algn="ctr"/>
+                      <a:r>
+                        <a:rPr lang="en-US" b="0" dirty="0">
+                          <a:latin typeface="Times New Roman" panose="02020603050405020304" pitchFamily="18" charset="0"/>
+                          <a:cs typeface="Times New Roman" panose="02020603050405020304" pitchFamily="18" charset="0"/>
+                        </a:rPr>
+                        <a:t>Precision</a:t>
+                      </a:r>
+                    </a:p>
+                  </a:txBody>
+                  <a:tcPr/>
+                </a:tc>
+                <a:tc>
+                  <a:txBody>
+                    <a:bodyPr/>
+                    <a:lstStyle/>
+                    <a:p>
+                      <a:pPr algn="ctr"/>
+                      <a:r>
+                        <a:rPr lang="en-US" b="0" dirty="0">
+                          <a:latin typeface="Times New Roman" panose="02020603050405020304" pitchFamily="18" charset="0"/>
+                          <a:cs typeface="Times New Roman" panose="02020603050405020304" pitchFamily="18" charset="0"/>
+                        </a:rPr>
+                        <a:t>Recall</a:t>
+                      </a:r>
+                    </a:p>
+                  </a:txBody>
+                  <a:tcPr/>
+                </a:tc>
+                <a:tc>
+                  <a:txBody>
+                    <a:bodyPr/>
+                    <a:lstStyle/>
+                    <a:p>
+                      <a:pPr algn="ctr"/>
+                      <a:r>
+                        <a:rPr lang="en-US" b="0" dirty="0">
+                          <a:latin typeface="Times New Roman" panose="02020603050405020304" pitchFamily="18" charset="0"/>
+                          <a:cs typeface="Times New Roman" panose="02020603050405020304" pitchFamily="18" charset="0"/>
+                        </a:rPr>
+                        <a:t>F1-Score</a:t>
+                      </a:r>
+                    </a:p>
+                  </a:txBody>
+                  <a:tcPr/>
+                </a:tc>
+                <a:tc>
+                  <a:txBody>
+                    <a:bodyPr/>
+                    <a:lstStyle/>
+                    <a:p>
+                      <a:pPr marL="0" marR="0" lvl="0" indent="0" algn="ctr" defTabSz="914400" rtl="0" eaLnBrk="1" fontAlgn="auto" latinLnBrk="0" hangingPunct="1">
+                        <a:lnSpc>
+                          <a:spcPct val="100000"/>
+                        </a:lnSpc>
+                        <a:spcBef>
+                          <a:spcPts val="0"/>
+                        </a:spcBef>
+                        <a:spcAft>
+                          <a:spcPts val="0"/>
+                        </a:spcAft>
+                        <a:buClrTx/>
+                        <a:buSzTx/>
+                        <a:buFontTx/>
+                        <a:buNone/>
+                        <a:tabLst/>
+                        <a:defRPr/>
+                      </a:pPr>
+                      <a:r>
+                        <a:rPr lang="en-US" b="0" dirty="0">
+                          <a:latin typeface="Times New Roman" panose="02020603050405020304" pitchFamily="18" charset="0"/>
+                          <a:cs typeface="Times New Roman" panose="02020603050405020304" pitchFamily="18" charset="0"/>
+                        </a:rPr>
+                        <a:t># of ’58’</a:t>
+                      </a:r>
+                    </a:p>
+                  </a:txBody>
+                  <a:tcPr/>
+                </a:tc>
+                <a:tc>
+                  <a:txBody>
+                    <a:bodyPr/>
+                    <a:lstStyle/>
+                    <a:p>
+                      <a:pPr marL="0" marR="0" lvl="0" indent="0" algn="ctr" defTabSz="914400" rtl="0" eaLnBrk="1" fontAlgn="auto" latinLnBrk="0" hangingPunct="1">
+                        <a:lnSpc>
+                          <a:spcPct val="100000"/>
+                        </a:lnSpc>
+                        <a:spcBef>
+                          <a:spcPts val="0"/>
+                        </a:spcBef>
+                        <a:spcAft>
+                          <a:spcPts val="0"/>
+                        </a:spcAft>
+                        <a:buClrTx/>
+                        <a:buSzTx/>
+                        <a:buFontTx/>
+                        <a:buNone/>
+                        <a:tabLst/>
+                        <a:defRPr/>
+                      </a:pPr>
+                      <a:r>
+                        <a:rPr lang="en-US" b="0" dirty="0">
+                          <a:latin typeface="Times New Roman" panose="02020603050405020304" pitchFamily="18" charset="0"/>
+                          <a:cs typeface="Times New Roman" panose="02020603050405020304" pitchFamily="18" charset="0"/>
+                        </a:rPr>
+                        <a:t># of ’47’</a:t>
+                      </a:r>
+                    </a:p>
+                  </a:txBody>
+                  <a:tcPr/>
+                </a:tc>
+                <a:extLst>
+                  <a:ext uri="{0D108BD9-81ED-4DB2-BD59-A6C34878D82A}">
+                    <a16:rowId xmlns:a16="http://schemas.microsoft.com/office/drawing/2014/main" val="4261729995"/>
+                  </a:ext>
+                </a:extLst>
+              </a:tr>
+              <a:tr h="370840">
+                <a:tc>
+                  <a:txBody>
+                    <a:bodyPr/>
+                    <a:lstStyle/>
+                    <a:p>
+                      <a:pPr algn="ctr"/>
+                      <a:r>
+                        <a:rPr lang="en-US" b="0" dirty="0">
+                          <a:latin typeface="Times New Roman" panose="02020603050405020304" pitchFamily="18" charset="0"/>
+                          <a:cs typeface="Times New Roman" panose="02020603050405020304" pitchFamily="18" charset="0"/>
+                        </a:rPr>
+                        <a:t>k = 1</a:t>
+                      </a:r>
+                    </a:p>
+                  </a:txBody>
+                  <a:tcPr/>
+                </a:tc>
+                <a:tc>
+                  <a:txBody>
+                    <a:bodyPr/>
+                    <a:lstStyle/>
+                    <a:p>
+                      <a:pPr algn="ctr"/>
+                      <a:r>
+                        <a:rPr lang="en-US" b="0" dirty="0">
+                          <a:latin typeface="Times New Roman" panose="02020603050405020304" pitchFamily="18" charset="0"/>
+                          <a:cs typeface="Times New Roman" panose="02020603050405020304" pitchFamily="18" charset="0"/>
+                        </a:rPr>
+                        <a:t>41%</a:t>
+                      </a:r>
+                    </a:p>
+                  </a:txBody>
+                  <a:tcPr/>
+                </a:tc>
+                <a:tc>
+                  <a:txBody>
+                    <a:bodyPr/>
+                    <a:lstStyle/>
+                    <a:p>
+                      <a:pPr algn="ctr"/>
+                      <a:r>
+                        <a:rPr lang="en-US" b="0" dirty="0">
+                          <a:latin typeface="Times New Roman" panose="02020603050405020304" pitchFamily="18" charset="0"/>
+                          <a:cs typeface="Times New Roman" panose="02020603050405020304" pitchFamily="18" charset="0"/>
+                        </a:rPr>
+                        <a:t>23%</a:t>
+                      </a:r>
+                    </a:p>
+                  </a:txBody>
+                  <a:tcPr/>
+                </a:tc>
+                <a:tc>
+                  <a:txBody>
+                    <a:bodyPr/>
+                    <a:lstStyle/>
+                    <a:p>
+                      <a:pPr algn="ctr"/>
+                      <a:r>
+                        <a:rPr lang="en-US" b="0" dirty="0">
+                          <a:latin typeface="Times New Roman" panose="02020603050405020304" pitchFamily="18" charset="0"/>
+                          <a:cs typeface="Times New Roman" panose="02020603050405020304" pitchFamily="18" charset="0"/>
+                        </a:rPr>
+                        <a:t>86%</a:t>
+                      </a:r>
+                    </a:p>
+                  </a:txBody>
+                  <a:tcPr/>
+                </a:tc>
+                <a:tc>
+                  <a:txBody>
+                    <a:bodyPr/>
+                    <a:lstStyle/>
+                    <a:p>
+                      <a:pPr algn="ctr"/>
+                      <a:r>
+                        <a:rPr lang="en-US" b="0" dirty="0">
+                          <a:latin typeface="Times New Roman" panose="02020603050405020304" pitchFamily="18" charset="0"/>
+                          <a:cs typeface="Times New Roman" panose="02020603050405020304" pitchFamily="18" charset="0"/>
+                        </a:rPr>
+                        <a:t>36%</a:t>
+                      </a:r>
+                    </a:p>
+                  </a:txBody>
+                  <a:tcPr/>
+                </a:tc>
+                <a:tc>
+                  <a:txBody>
+                    <a:bodyPr/>
+                    <a:lstStyle/>
+                    <a:p>
+                      <a:pPr algn="ctr"/>
+                      <a:r>
+                        <a:rPr lang="en-US" b="0" dirty="0">
+                          <a:latin typeface="Times New Roman" panose="02020603050405020304" pitchFamily="18" charset="0"/>
+                          <a:cs typeface="Times New Roman" panose="02020603050405020304" pitchFamily="18" charset="0"/>
+                        </a:rPr>
+                        <a:t>293</a:t>
+                      </a:r>
+                    </a:p>
+                  </a:txBody>
+                  <a:tcPr/>
+                </a:tc>
+                <a:tc>
+                  <a:txBody>
+                    <a:bodyPr/>
+                    <a:lstStyle/>
+                    <a:p>
+                      <a:pPr algn="ctr"/>
+                      <a:r>
+                        <a:rPr lang="en-US" b="0" dirty="0">
+                          <a:latin typeface="Times New Roman" panose="02020603050405020304" pitchFamily="18" charset="0"/>
+                          <a:cs typeface="Times New Roman" panose="02020603050405020304" pitchFamily="18" charset="0"/>
+                        </a:rPr>
+                        <a:t>108</a:t>
+                      </a:r>
+                    </a:p>
+                  </a:txBody>
+                  <a:tcPr/>
+                </a:tc>
+                <a:extLst>
+                  <a:ext uri="{0D108BD9-81ED-4DB2-BD59-A6C34878D82A}">
+                    <a16:rowId xmlns:a16="http://schemas.microsoft.com/office/drawing/2014/main" val="1335220462"/>
+                  </a:ext>
+                </a:extLst>
+              </a:tr>
+            </a:tbl>
+          </a:graphicData>
+        </a:graphic>
+      </p:graphicFrame>
+    </p:spTree>
+    <p:extLst>
+      <p:ext uri="{BB962C8B-B14F-4D97-AF65-F5344CB8AC3E}">
+        <p14:creationId xmlns:p14="http://schemas.microsoft.com/office/powerpoint/2010/main" val="1154292788"/>
+      </p:ext>
+    </p:extLst>
+  </p:cSld>
+  <p:clrMapOvr>
+    <a:masterClrMapping/>
+  </p:clrMapOvr>
+</p:sld>
+</file>
+
+<file path=ppt/slides/slide39.xml><?xml version="1.0" encoding="utf-8"?>
+<p:sld xmlns:a="http://schemas.openxmlformats.org/drawingml/2006/main" xmlns:r="http://schemas.openxmlformats.org/officeDocument/2006/relationships" xmlns:p="http://schemas.openxmlformats.org/presentationml/2006/main">
+  <p:cSld>
+    <p:spTree>
+      <p:nvGrpSpPr>
+        <p:cNvPr id="1" name=""/>
+        <p:cNvGrpSpPr/>
+        <p:nvPr/>
+      </p:nvGrpSpPr>
+      <p:grpSpPr>
+        <a:xfrm>
+          <a:off x="0" y="0"/>
+          <a:ext cx="0" cy="0"/>
+          <a:chOff x="0" y="0"/>
+          <a:chExt cx="0" cy="0"/>
+        </a:xfrm>
+      </p:grpSpPr>
+      <p:sp>
+        <p:nvSpPr>
+          <p:cNvPr id="2" name="Title 1">
+            <a:extLst>
+              <a:ext uri="{FF2B5EF4-FFF2-40B4-BE49-F238E27FC236}">
+                <a16:creationId xmlns:a16="http://schemas.microsoft.com/office/drawing/2014/main" id="{1F8717B5-F992-3362-0E17-84D889214116}"/>
+              </a:ext>
+            </a:extLst>
+          </p:cNvPr>
+          <p:cNvSpPr>
+            <a:spLocks noGrp="1"/>
+          </p:cNvSpPr>
+          <p:nvPr>
+            <p:ph type="title"/>
+          </p:nvPr>
+        </p:nvSpPr>
+        <p:spPr/>
+        <p:txBody>
+          <a:bodyPr>
+            <a:normAutofit/>
+          </a:bodyPr>
+          <a:lstStyle/>
+          <a:p>
+            <a:r>
+              <a:rPr lang="en-US" sz="2400" b="1" dirty="0"/>
+              <a:t>Symbol tuning results</a:t>
+            </a:r>
+          </a:p>
+        </p:txBody>
+      </p:sp>
+      <p:sp>
+        <p:nvSpPr>
+          <p:cNvPr id="3" name="Content Placeholder 2">
+            <a:extLst>
+              <a:ext uri="{FF2B5EF4-FFF2-40B4-BE49-F238E27FC236}">
+                <a16:creationId xmlns:a16="http://schemas.microsoft.com/office/drawing/2014/main" id="{6A1CF6AE-4BFF-FA1F-6998-093945033E5D}"/>
+              </a:ext>
+            </a:extLst>
+          </p:cNvPr>
+          <p:cNvSpPr>
+            <a:spLocks noGrp="1"/>
+          </p:cNvSpPr>
+          <p:nvPr>
+            <p:ph idx="1"/>
+          </p:nvPr>
+        </p:nvSpPr>
+        <p:spPr/>
+        <p:txBody>
+          <a:bodyPr>
+            <a:normAutofit/>
+          </a:bodyPr>
+          <a:lstStyle/>
+          <a:p>
+            <a:r>
+              <a:rPr lang="en-US" sz="1800" dirty="0"/>
+              <a:t>Results for k = 5 shot learning:</a:t>
+            </a:r>
+          </a:p>
+          <a:p>
+            <a:endParaRPr lang="en-US" sz="1800" dirty="0"/>
+          </a:p>
+          <a:p>
+            <a:endParaRPr lang="en-US" sz="1800" dirty="0"/>
+          </a:p>
+          <a:p>
+            <a:endParaRPr lang="en-US" sz="1800" dirty="0"/>
+          </a:p>
+          <a:p>
+            <a:endParaRPr lang="en-US" sz="1800" dirty="0"/>
+          </a:p>
+          <a:p>
+            <a:endParaRPr lang="en-US" sz="1800" dirty="0"/>
+          </a:p>
+          <a:p>
+            <a:r>
+              <a:rPr lang="en-US" sz="1800" dirty="0"/>
+              <a:t>Here we saw a small increase to the number of ‘47’ labels predicted.</a:t>
+            </a:r>
+          </a:p>
+          <a:p>
+            <a:r>
+              <a:rPr lang="en-US" sz="1800" dirty="0"/>
+              <a:t>This means the model shows more resistance to the examples because of the change in prompt.</a:t>
+            </a:r>
+          </a:p>
+          <a:p>
+            <a:endParaRPr lang="en-US" sz="1800" dirty="0"/>
+          </a:p>
+          <a:p>
+            <a:endParaRPr lang="en-US" sz="1800" dirty="0"/>
+          </a:p>
+          <a:p>
+            <a:endParaRPr lang="en-US" sz="1800" dirty="0"/>
+          </a:p>
+          <a:p>
+            <a:endParaRPr lang="en-US" sz="1800" dirty="0"/>
+          </a:p>
+          <a:p>
+            <a:endParaRPr lang="en-US" sz="1800" dirty="0"/>
+          </a:p>
+          <a:p>
+            <a:pPr marL="0" indent="0">
+              <a:buNone/>
+            </a:pPr>
+            <a:endParaRPr lang="en-US" sz="1800" dirty="0"/>
+          </a:p>
+        </p:txBody>
+      </p:sp>
+      <p:graphicFrame>
+        <p:nvGraphicFramePr>
+          <p:cNvPr id="4" name="Table 3">
+            <a:extLst>
+              <a:ext uri="{FF2B5EF4-FFF2-40B4-BE49-F238E27FC236}">
+                <a16:creationId xmlns:a16="http://schemas.microsoft.com/office/drawing/2014/main" id="{E057B9CF-2B70-271B-DE42-F092AD9E0CC4}"/>
+              </a:ext>
+            </a:extLst>
+          </p:cNvPr>
+          <p:cNvGraphicFramePr>
+            <a:graphicFrameLocks noGrp="1"/>
+          </p:cNvGraphicFramePr>
+          <p:nvPr>
+            <p:extLst>
+              <p:ext uri="{D42A27DB-BD31-4B8C-83A1-F6EECF244321}">
+                <p14:modId xmlns:p14="http://schemas.microsoft.com/office/powerpoint/2010/main" val="2564682319"/>
+              </p:ext>
+            </p:extLst>
+          </p:nvPr>
+        </p:nvGraphicFramePr>
+        <p:xfrm>
+          <a:off x="2031999" y="2631593"/>
+          <a:ext cx="8128001" cy="741680"/>
+        </p:xfrm>
+        <a:graphic>
+          <a:graphicData uri="http://schemas.openxmlformats.org/drawingml/2006/table">
+            <a:tbl>
+              <a:tblPr firstRow="1" bandRow="1">
+                <a:tableStyleId>{D7AC3CCA-C797-4891-BE02-D94E43425B78}</a:tableStyleId>
+              </a:tblPr>
+              <a:tblGrid>
+                <a:gridCol w="1161143">
+                  <a:extLst>
+                    <a:ext uri="{9D8B030D-6E8A-4147-A177-3AD203B41FA5}">
+                      <a16:colId xmlns:a16="http://schemas.microsoft.com/office/drawing/2014/main" val="252588881"/>
+                    </a:ext>
+                  </a:extLst>
+                </a:gridCol>
+                <a:gridCol w="1161143">
+                  <a:extLst>
+                    <a:ext uri="{9D8B030D-6E8A-4147-A177-3AD203B41FA5}">
+                      <a16:colId xmlns:a16="http://schemas.microsoft.com/office/drawing/2014/main" val="1729950084"/>
+                    </a:ext>
+                  </a:extLst>
+                </a:gridCol>
+                <a:gridCol w="1161143">
+                  <a:extLst>
+                    <a:ext uri="{9D8B030D-6E8A-4147-A177-3AD203B41FA5}">
+                      <a16:colId xmlns:a16="http://schemas.microsoft.com/office/drawing/2014/main" val="483548369"/>
+                    </a:ext>
+                  </a:extLst>
+                </a:gridCol>
+                <a:gridCol w="1161143">
+                  <a:extLst>
+                    <a:ext uri="{9D8B030D-6E8A-4147-A177-3AD203B41FA5}">
+                      <a16:colId xmlns:a16="http://schemas.microsoft.com/office/drawing/2014/main" val="617316006"/>
+                    </a:ext>
+                  </a:extLst>
+                </a:gridCol>
+                <a:gridCol w="1161143">
+                  <a:extLst>
+                    <a:ext uri="{9D8B030D-6E8A-4147-A177-3AD203B41FA5}">
+                      <a16:colId xmlns:a16="http://schemas.microsoft.com/office/drawing/2014/main" val="3890891965"/>
+                    </a:ext>
+                  </a:extLst>
+                </a:gridCol>
+                <a:gridCol w="1161143">
+                  <a:extLst>
+                    <a:ext uri="{9D8B030D-6E8A-4147-A177-3AD203B41FA5}">
+                      <a16:colId xmlns:a16="http://schemas.microsoft.com/office/drawing/2014/main" val="464773494"/>
+                    </a:ext>
+                  </a:extLst>
+                </a:gridCol>
+                <a:gridCol w="1161143">
+                  <a:extLst>
+                    <a:ext uri="{9D8B030D-6E8A-4147-A177-3AD203B41FA5}">
+                      <a16:colId xmlns:a16="http://schemas.microsoft.com/office/drawing/2014/main" val="1231228651"/>
+                    </a:ext>
+                  </a:extLst>
+                </a:gridCol>
+              </a:tblGrid>
+              <a:tr h="370840">
+                <a:tc>
+                  <a:txBody>
+                    <a:bodyPr/>
+                    <a:lstStyle/>
+                    <a:p>
+                      <a:pPr algn="ctr"/>
+                      <a:r>
+                        <a:rPr lang="en-US" b="0" dirty="0">
+                          <a:latin typeface="Times New Roman" panose="02020603050405020304" pitchFamily="18" charset="0"/>
+                          <a:cs typeface="Times New Roman" panose="02020603050405020304" pitchFamily="18" charset="0"/>
+                        </a:rPr>
+                        <a:t>Title Only</a:t>
+                      </a:r>
+                    </a:p>
+                  </a:txBody>
+                  <a:tcPr/>
+                </a:tc>
+                <a:tc>
+                  <a:txBody>
+                    <a:bodyPr/>
+                    <a:lstStyle/>
+                    <a:p>
+                      <a:pPr algn="ctr"/>
+                      <a:r>
+                        <a:rPr lang="en-US" b="0" dirty="0">
+                          <a:latin typeface="Times New Roman" panose="02020603050405020304" pitchFamily="18" charset="0"/>
+                          <a:cs typeface="Times New Roman" panose="02020603050405020304" pitchFamily="18" charset="0"/>
+                        </a:rPr>
+                        <a:t>Accuracy</a:t>
+                      </a:r>
+                    </a:p>
+                  </a:txBody>
+                  <a:tcPr/>
+                </a:tc>
+                <a:tc>
+                  <a:txBody>
+                    <a:bodyPr/>
+                    <a:lstStyle/>
+                    <a:p>
+                      <a:pPr algn="ctr"/>
+                      <a:r>
+                        <a:rPr lang="en-US" b="0" dirty="0">
+                          <a:latin typeface="Times New Roman" panose="02020603050405020304" pitchFamily="18" charset="0"/>
+                          <a:cs typeface="Times New Roman" panose="02020603050405020304" pitchFamily="18" charset="0"/>
+                        </a:rPr>
+                        <a:t>Precision</a:t>
+                      </a:r>
+                    </a:p>
+                  </a:txBody>
+                  <a:tcPr/>
+                </a:tc>
+                <a:tc>
+                  <a:txBody>
+                    <a:bodyPr/>
+                    <a:lstStyle/>
+                    <a:p>
+                      <a:pPr algn="ctr"/>
+                      <a:r>
+                        <a:rPr lang="en-US" b="0" dirty="0">
+                          <a:latin typeface="Times New Roman" panose="02020603050405020304" pitchFamily="18" charset="0"/>
+                          <a:cs typeface="Times New Roman" panose="02020603050405020304" pitchFamily="18" charset="0"/>
+                        </a:rPr>
+                        <a:t>Recall</a:t>
+                      </a:r>
+                    </a:p>
+                  </a:txBody>
+                  <a:tcPr/>
+                </a:tc>
+                <a:tc>
+                  <a:txBody>
+                    <a:bodyPr/>
+                    <a:lstStyle/>
+                    <a:p>
+                      <a:pPr algn="ctr"/>
+                      <a:r>
+                        <a:rPr lang="en-US" b="0" dirty="0">
+                          <a:latin typeface="Times New Roman" panose="02020603050405020304" pitchFamily="18" charset="0"/>
+                          <a:cs typeface="Times New Roman" panose="02020603050405020304" pitchFamily="18" charset="0"/>
+                        </a:rPr>
+                        <a:t>F1-Score</a:t>
+                      </a:r>
+                    </a:p>
+                  </a:txBody>
+                  <a:tcPr/>
+                </a:tc>
+                <a:tc>
+                  <a:txBody>
+                    <a:bodyPr/>
+                    <a:lstStyle/>
+                    <a:p>
+                      <a:pPr marL="0" marR="0" lvl="0" indent="0" algn="ctr" defTabSz="914400" rtl="0" eaLnBrk="1" fontAlgn="auto" latinLnBrk="0" hangingPunct="1">
+                        <a:lnSpc>
+                          <a:spcPct val="100000"/>
+                        </a:lnSpc>
+                        <a:spcBef>
+                          <a:spcPts val="0"/>
+                        </a:spcBef>
+                        <a:spcAft>
+                          <a:spcPts val="0"/>
+                        </a:spcAft>
+                        <a:buClrTx/>
+                        <a:buSzTx/>
+                        <a:buFontTx/>
+                        <a:buNone/>
+                        <a:tabLst/>
+                        <a:defRPr/>
+                      </a:pPr>
+                      <a:r>
+                        <a:rPr lang="en-US" b="0" dirty="0">
+                          <a:latin typeface="Times New Roman" panose="02020603050405020304" pitchFamily="18" charset="0"/>
+                          <a:cs typeface="Times New Roman" panose="02020603050405020304" pitchFamily="18" charset="0"/>
+                        </a:rPr>
+                        <a:t># of ’58’</a:t>
+                      </a:r>
+                    </a:p>
+                  </a:txBody>
+                  <a:tcPr/>
+                </a:tc>
+                <a:tc>
+                  <a:txBody>
+                    <a:bodyPr/>
+                    <a:lstStyle/>
+                    <a:p>
+                      <a:pPr marL="0" marR="0" lvl="0" indent="0" algn="ctr" defTabSz="914400" rtl="0" eaLnBrk="1" fontAlgn="auto" latinLnBrk="0" hangingPunct="1">
+                        <a:lnSpc>
+                          <a:spcPct val="100000"/>
+                        </a:lnSpc>
+                        <a:spcBef>
+                          <a:spcPts val="0"/>
+                        </a:spcBef>
+                        <a:spcAft>
+                          <a:spcPts val="0"/>
+                        </a:spcAft>
+                        <a:buClrTx/>
+                        <a:buSzTx/>
+                        <a:buFontTx/>
+                        <a:buNone/>
+                        <a:tabLst/>
+                        <a:defRPr/>
+                      </a:pPr>
+                      <a:r>
+                        <a:rPr lang="en-US" b="0" dirty="0">
+                          <a:latin typeface="Times New Roman" panose="02020603050405020304" pitchFamily="18" charset="0"/>
+                          <a:cs typeface="Times New Roman" panose="02020603050405020304" pitchFamily="18" charset="0"/>
+                        </a:rPr>
+                        <a:t># of ’47’</a:t>
+                      </a:r>
+                    </a:p>
+                  </a:txBody>
+                  <a:tcPr/>
+                </a:tc>
+                <a:extLst>
+                  <a:ext uri="{0D108BD9-81ED-4DB2-BD59-A6C34878D82A}">
+                    <a16:rowId xmlns:a16="http://schemas.microsoft.com/office/drawing/2014/main" val="4261729995"/>
+                  </a:ext>
+                </a:extLst>
+              </a:tr>
+              <a:tr h="370840">
+                <a:tc>
+                  <a:txBody>
+                    <a:bodyPr/>
+                    <a:lstStyle/>
+                    <a:p>
+                      <a:pPr algn="ctr"/>
+                      <a:r>
+                        <a:rPr lang="en-US" b="0" dirty="0">
+                          <a:latin typeface="Times New Roman" panose="02020603050405020304" pitchFamily="18" charset="0"/>
+                          <a:cs typeface="Times New Roman" panose="02020603050405020304" pitchFamily="18" charset="0"/>
+                        </a:rPr>
+                        <a:t>k = 5</a:t>
+                      </a:r>
+                    </a:p>
+                  </a:txBody>
+                  <a:tcPr/>
+                </a:tc>
+                <a:tc>
+                  <a:txBody>
+                    <a:bodyPr/>
+                    <a:lstStyle/>
+                    <a:p>
+                      <a:pPr algn="ctr"/>
+                      <a:r>
+                        <a:rPr lang="en-US" b="0" dirty="0">
+                          <a:latin typeface="Times New Roman" panose="02020603050405020304" pitchFamily="18" charset="0"/>
+                          <a:cs typeface="Times New Roman" panose="02020603050405020304" pitchFamily="18" charset="0"/>
+                        </a:rPr>
+                        <a:t>46%</a:t>
+                      </a:r>
+                    </a:p>
+                  </a:txBody>
+                  <a:tcPr/>
+                </a:tc>
+                <a:tc>
+                  <a:txBody>
+                    <a:bodyPr/>
+                    <a:lstStyle/>
+                    <a:p>
+                      <a:pPr algn="ctr"/>
+                      <a:r>
+                        <a:rPr lang="en-US" b="0" dirty="0">
+                          <a:latin typeface="Times New Roman" panose="02020603050405020304" pitchFamily="18" charset="0"/>
+                          <a:cs typeface="Times New Roman" panose="02020603050405020304" pitchFamily="18" charset="0"/>
+                        </a:rPr>
+                        <a:t>22%</a:t>
+                      </a:r>
+                    </a:p>
+                  </a:txBody>
+                  <a:tcPr/>
+                </a:tc>
+                <a:tc>
+                  <a:txBody>
+                    <a:bodyPr/>
+                    <a:lstStyle/>
+                    <a:p>
+                      <a:pPr algn="ctr"/>
+                      <a:r>
+                        <a:rPr lang="en-US" b="0" dirty="0">
+                          <a:latin typeface="Times New Roman" panose="02020603050405020304" pitchFamily="18" charset="0"/>
+                          <a:cs typeface="Times New Roman" panose="02020603050405020304" pitchFamily="18" charset="0"/>
+                        </a:rPr>
+                        <a:t>71%</a:t>
+                      </a:r>
+                    </a:p>
+                  </a:txBody>
+                  <a:tcPr/>
+                </a:tc>
+                <a:tc>
+                  <a:txBody>
+                    <a:bodyPr/>
+                    <a:lstStyle/>
+                    <a:p>
+                      <a:pPr algn="ctr"/>
+                      <a:r>
+                        <a:rPr lang="en-US" b="0" dirty="0">
+                          <a:latin typeface="Times New Roman" panose="02020603050405020304" pitchFamily="18" charset="0"/>
+                          <a:cs typeface="Times New Roman" panose="02020603050405020304" pitchFamily="18" charset="0"/>
+                        </a:rPr>
+                        <a:t>34%</a:t>
+                      </a:r>
+                    </a:p>
+                  </a:txBody>
+                  <a:tcPr/>
+                </a:tc>
+                <a:tc>
+                  <a:txBody>
+                    <a:bodyPr/>
+                    <a:lstStyle/>
+                    <a:p>
+                      <a:pPr algn="ctr"/>
+                      <a:r>
+                        <a:rPr lang="en-US" b="0" dirty="0">
+                          <a:latin typeface="Times New Roman" panose="02020603050405020304" pitchFamily="18" charset="0"/>
+                          <a:cs typeface="Times New Roman" panose="02020603050405020304" pitchFamily="18" charset="0"/>
+                        </a:rPr>
+                        <a:t>249</a:t>
+                      </a:r>
+                    </a:p>
+                  </a:txBody>
+                  <a:tcPr/>
+                </a:tc>
+                <a:tc>
+                  <a:txBody>
+                    <a:bodyPr/>
+                    <a:lstStyle/>
+                    <a:p>
+                      <a:pPr algn="ctr"/>
+                      <a:r>
+                        <a:rPr lang="en-US" b="0" dirty="0">
+                          <a:latin typeface="Times New Roman" panose="02020603050405020304" pitchFamily="18" charset="0"/>
+                          <a:cs typeface="Times New Roman" panose="02020603050405020304" pitchFamily="18" charset="0"/>
+                        </a:rPr>
+                        <a:t>152</a:t>
+                      </a:r>
+                    </a:p>
+                  </a:txBody>
+                  <a:tcPr/>
+                </a:tc>
+                <a:extLst>
+                  <a:ext uri="{0D108BD9-81ED-4DB2-BD59-A6C34878D82A}">
+                    <a16:rowId xmlns:a16="http://schemas.microsoft.com/office/drawing/2014/main" val="1335220462"/>
+                  </a:ext>
+                </a:extLst>
+              </a:tr>
+            </a:tbl>
+          </a:graphicData>
+        </a:graphic>
+      </p:graphicFrame>
+    </p:spTree>
+    <p:extLst>
+      <p:ext uri="{BB962C8B-B14F-4D97-AF65-F5344CB8AC3E}">
+        <p14:creationId xmlns:p14="http://schemas.microsoft.com/office/powerpoint/2010/main" val="3521116196"/>
+      </p:ext>
+    </p:extLst>
+  </p:cSld>
+  <p:clrMapOvr>
+    <a:masterClrMapping/>
+  </p:clrMapOvr>
+</p:sld>
+</file>
+
 <file path=ppt/slides/slide4.xml><?xml version="1.0" encoding="utf-8"?>
 <p:sld xmlns:a="http://schemas.openxmlformats.org/drawingml/2006/main" xmlns:r="http://schemas.openxmlformats.org/officeDocument/2006/relationships" xmlns:p="http://schemas.openxmlformats.org/presentationml/2006/main">
   <p:cSld>
@@ -23111,6 +28039,2683 @@
     <p:extLst>
       <p:ext uri="{BB962C8B-B14F-4D97-AF65-F5344CB8AC3E}">
         <p14:creationId xmlns:p14="http://schemas.microsoft.com/office/powerpoint/2010/main" val="2064412018"/>
+      </p:ext>
+    </p:extLst>
+  </p:cSld>
+  <p:clrMapOvr>
+    <a:masterClrMapping/>
+  </p:clrMapOvr>
+</p:sld>
+</file>
+
+<file path=ppt/slides/slide40.xml><?xml version="1.0" encoding="utf-8"?>
+<p:sld xmlns:a="http://schemas.openxmlformats.org/drawingml/2006/main" xmlns:r="http://schemas.openxmlformats.org/officeDocument/2006/relationships" xmlns:p="http://schemas.openxmlformats.org/presentationml/2006/main">
+  <p:cSld>
+    <p:spTree>
+      <p:nvGrpSpPr>
+        <p:cNvPr id="1" name=""/>
+        <p:cNvGrpSpPr/>
+        <p:nvPr/>
+      </p:nvGrpSpPr>
+      <p:grpSpPr>
+        <a:xfrm>
+          <a:off x="0" y="0"/>
+          <a:ext cx="0" cy="0"/>
+          <a:chOff x="0" y="0"/>
+          <a:chExt cx="0" cy="0"/>
+        </a:xfrm>
+      </p:grpSpPr>
+      <p:sp>
+        <p:nvSpPr>
+          <p:cNvPr id="2" name="Title 1">
+            <a:extLst>
+              <a:ext uri="{FF2B5EF4-FFF2-40B4-BE49-F238E27FC236}">
+                <a16:creationId xmlns:a16="http://schemas.microsoft.com/office/drawing/2014/main" id="{1F8717B5-F992-3362-0E17-84D889214116}"/>
+              </a:ext>
+            </a:extLst>
+          </p:cNvPr>
+          <p:cNvSpPr>
+            <a:spLocks noGrp="1"/>
+          </p:cNvSpPr>
+          <p:nvPr>
+            <p:ph type="title"/>
+          </p:nvPr>
+        </p:nvSpPr>
+        <p:spPr/>
+        <p:txBody>
+          <a:bodyPr>
+            <a:normAutofit/>
+          </a:bodyPr>
+          <a:lstStyle/>
+          <a:p>
+            <a:r>
+              <a:rPr lang="en-US" sz="2400" b="1" dirty="0"/>
+              <a:t>Symbol tuning results</a:t>
+            </a:r>
+          </a:p>
+        </p:txBody>
+      </p:sp>
+      <p:sp>
+        <p:nvSpPr>
+          <p:cNvPr id="3" name="Content Placeholder 2">
+            <a:extLst>
+              <a:ext uri="{FF2B5EF4-FFF2-40B4-BE49-F238E27FC236}">
+                <a16:creationId xmlns:a16="http://schemas.microsoft.com/office/drawing/2014/main" id="{6A1CF6AE-4BFF-FA1F-6998-093945033E5D}"/>
+              </a:ext>
+            </a:extLst>
+          </p:cNvPr>
+          <p:cNvSpPr>
+            <a:spLocks noGrp="1"/>
+          </p:cNvSpPr>
+          <p:nvPr>
+            <p:ph idx="1"/>
+          </p:nvPr>
+        </p:nvSpPr>
+        <p:spPr/>
+        <p:txBody>
+          <a:bodyPr>
+            <a:normAutofit/>
+          </a:bodyPr>
+          <a:lstStyle/>
+          <a:p>
+            <a:r>
+              <a:rPr lang="en-US" sz="1800" dirty="0"/>
+              <a:t>Results for k = 20 shot learning:</a:t>
+            </a:r>
+          </a:p>
+          <a:p>
+            <a:endParaRPr lang="en-US" sz="1800" dirty="0"/>
+          </a:p>
+          <a:p>
+            <a:endParaRPr lang="en-US" sz="1800" dirty="0"/>
+          </a:p>
+          <a:p>
+            <a:endParaRPr lang="en-US" sz="1800" dirty="0"/>
+          </a:p>
+          <a:p>
+            <a:endParaRPr lang="en-US" sz="1800" dirty="0"/>
+          </a:p>
+          <a:p>
+            <a:endParaRPr lang="en-US" sz="1800" dirty="0"/>
+          </a:p>
+          <a:p>
+            <a:r>
+              <a:rPr lang="en-US" sz="1800" dirty="0"/>
+              <a:t>Highest accuracy and f1-score achieved so far!</a:t>
+            </a:r>
+          </a:p>
+          <a:p>
+            <a:endParaRPr lang="en-US" sz="1800" dirty="0"/>
+          </a:p>
+          <a:p>
+            <a:endParaRPr lang="en-US" sz="1800" dirty="0"/>
+          </a:p>
+          <a:p>
+            <a:endParaRPr lang="en-US" sz="1800" dirty="0"/>
+          </a:p>
+          <a:p>
+            <a:endParaRPr lang="en-US" sz="1800" dirty="0"/>
+          </a:p>
+          <a:p>
+            <a:endParaRPr lang="en-US" sz="1800" dirty="0"/>
+          </a:p>
+          <a:p>
+            <a:pPr marL="0" indent="0">
+              <a:buNone/>
+            </a:pPr>
+            <a:endParaRPr lang="en-US" sz="1800" dirty="0"/>
+          </a:p>
+        </p:txBody>
+      </p:sp>
+      <p:graphicFrame>
+        <p:nvGraphicFramePr>
+          <p:cNvPr id="4" name="Table 3">
+            <a:extLst>
+              <a:ext uri="{FF2B5EF4-FFF2-40B4-BE49-F238E27FC236}">
+                <a16:creationId xmlns:a16="http://schemas.microsoft.com/office/drawing/2014/main" id="{E057B9CF-2B70-271B-DE42-F092AD9E0CC4}"/>
+              </a:ext>
+            </a:extLst>
+          </p:cNvPr>
+          <p:cNvGraphicFramePr>
+            <a:graphicFrameLocks noGrp="1"/>
+          </p:cNvGraphicFramePr>
+          <p:nvPr>
+            <p:extLst>
+              <p:ext uri="{D42A27DB-BD31-4B8C-83A1-F6EECF244321}">
+                <p14:modId xmlns:p14="http://schemas.microsoft.com/office/powerpoint/2010/main" val="4125332351"/>
+              </p:ext>
+            </p:extLst>
+          </p:nvPr>
+        </p:nvGraphicFramePr>
+        <p:xfrm>
+          <a:off x="2031999" y="2631593"/>
+          <a:ext cx="8128001" cy="741680"/>
+        </p:xfrm>
+        <a:graphic>
+          <a:graphicData uri="http://schemas.openxmlformats.org/drawingml/2006/table">
+            <a:tbl>
+              <a:tblPr firstRow="1" bandRow="1">
+                <a:tableStyleId>{D7AC3CCA-C797-4891-BE02-D94E43425B78}</a:tableStyleId>
+              </a:tblPr>
+              <a:tblGrid>
+                <a:gridCol w="1161143">
+                  <a:extLst>
+                    <a:ext uri="{9D8B030D-6E8A-4147-A177-3AD203B41FA5}">
+                      <a16:colId xmlns:a16="http://schemas.microsoft.com/office/drawing/2014/main" val="252588881"/>
+                    </a:ext>
+                  </a:extLst>
+                </a:gridCol>
+                <a:gridCol w="1161143">
+                  <a:extLst>
+                    <a:ext uri="{9D8B030D-6E8A-4147-A177-3AD203B41FA5}">
+                      <a16:colId xmlns:a16="http://schemas.microsoft.com/office/drawing/2014/main" val="1729950084"/>
+                    </a:ext>
+                  </a:extLst>
+                </a:gridCol>
+                <a:gridCol w="1161143">
+                  <a:extLst>
+                    <a:ext uri="{9D8B030D-6E8A-4147-A177-3AD203B41FA5}">
+                      <a16:colId xmlns:a16="http://schemas.microsoft.com/office/drawing/2014/main" val="483548369"/>
+                    </a:ext>
+                  </a:extLst>
+                </a:gridCol>
+                <a:gridCol w="1161143">
+                  <a:extLst>
+                    <a:ext uri="{9D8B030D-6E8A-4147-A177-3AD203B41FA5}">
+                      <a16:colId xmlns:a16="http://schemas.microsoft.com/office/drawing/2014/main" val="617316006"/>
+                    </a:ext>
+                  </a:extLst>
+                </a:gridCol>
+                <a:gridCol w="1161143">
+                  <a:extLst>
+                    <a:ext uri="{9D8B030D-6E8A-4147-A177-3AD203B41FA5}">
+                      <a16:colId xmlns:a16="http://schemas.microsoft.com/office/drawing/2014/main" val="3890891965"/>
+                    </a:ext>
+                  </a:extLst>
+                </a:gridCol>
+                <a:gridCol w="1161143">
+                  <a:extLst>
+                    <a:ext uri="{9D8B030D-6E8A-4147-A177-3AD203B41FA5}">
+                      <a16:colId xmlns:a16="http://schemas.microsoft.com/office/drawing/2014/main" val="464773494"/>
+                    </a:ext>
+                  </a:extLst>
+                </a:gridCol>
+                <a:gridCol w="1161143">
+                  <a:extLst>
+                    <a:ext uri="{9D8B030D-6E8A-4147-A177-3AD203B41FA5}">
+                      <a16:colId xmlns:a16="http://schemas.microsoft.com/office/drawing/2014/main" val="1231228651"/>
+                    </a:ext>
+                  </a:extLst>
+                </a:gridCol>
+              </a:tblGrid>
+              <a:tr h="370840">
+                <a:tc>
+                  <a:txBody>
+                    <a:bodyPr/>
+                    <a:lstStyle/>
+                    <a:p>
+                      <a:pPr algn="ctr"/>
+                      <a:r>
+                        <a:rPr lang="en-US" b="0" dirty="0">
+                          <a:latin typeface="Times New Roman" panose="02020603050405020304" pitchFamily="18" charset="0"/>
+                          <a:cs typeface="Times New Roman" panose="02020603050405020304" pitchFamily="18" charset="0"/>
+                        </a:rPr>
+                        <a:t>Title Only</a:t>
+                      </a:r>
+                    </a:p>
+                  </a:txBody>
+                  <a:tcPr/>
+                </a:tc>
+                <a:tc>
+                  <a:txBody>
+                    <a:bodyPr/>
+                    <a:lstStyle/>
+                    <a:p>
+                      <a:pPr algn="ctr"/>
+                      <a:r>
+                        <a:rPr lang="en-US" b="0" dirty="0">
+                          <a:latin typeface="Times New Roman" panose="02020603050405020304" pitchFamily="18" charset="0"/>
+                          <a:cs typeface="Times New Roman" panose="02020603050405020304" pitchFamily="18" charset="0"/>
+                        </a:rPr>
+                        <a:t>Accuracy</a:t>
+                      </a:r>
+                    </a:p>
+                  </a:txBody>
+                  <a:tcPr/>
+                </a:tc>
+                <a:tc>
+                  <a:txBody>
+                    <a:bodyPr/>
+                    <a:lstStyle/>
+                    <a:p>
+                      <a:pPr algn="ctr"/>
+                      <a:r>
+                        <a:rPr lang="en-US" b="0" dirty="0">
+                          <a:latin typeface="Times New Roman" panose="02020603050405020304" pitchFamily="18" charset="0"/>
+                          <a:cs typeface="Times New Roman" panose="02020603050405020304" pitchFamily="18" charset="0"/>
+                        </a:rPr>
+                        <a:t>Precision</a:t>
+                      </a:r>
+                    </a:p>
+                  </a:txBody>
+                  <a:tcPr/>
+                </a:tc>
+                <a:tc>
+                  <a:txBody>
+                    <a:bodyPr/>
+                    <a:lstStyle/>
+                    <a:p>
+                      <a:pPr algn="ctr"/>
+                      <a:r>
+                        <a:rPr lang="en-US" b="0" dirty="0">
+                          <a:latin typeface="Times New Roman" panose="02020603050405020304" pitchFamily="18" charset="0"/>
+                          <a:cs typeface="Times New Roman" panose="02020603050405020304" pitchFamily="18" charset="0"/>
+                        </a:rPr>
+                        <a:t>Recall</a:t>
+                      </a:r>
+                    </a:p>
+                  </a:txBody>
+                  <a:tcPr/>
+                </a:tc>
+                <a:tc>
+                  <a:txBody>
+                    <a:bodyPr/>
+                    <a:lstStyle/>
+                    <a:p>
+                      <a:pPr algn="ctr"/>
+                      <a:r>
+                        <a:rPr lang="en-US" b="0" dirty="0">
+                          <a:latin typeface="Times New Roman" panose="02020603050405020304" pitchFamily="18" charset="0"/>
+                          <a:cs typeface="Times New Roman" panose="02020603050405020304" pitchFamily="18" charset="0"/>
+                        </a:rPr>
+                        <a:t>F1-Score</a:t>
+                      </a:r>
+                    </a:p>
+                  </a:txBody>
+                  <a:tcPr/>
+                </a:tc>
+                <a:tc>
+                  <a:txBody>
+                    <a:bodyPr/>
+                    <a:lstStyle/>
+                    <a:p>
+                      <a:pPr marL="0" marR="0" lvl="0" indent="0" algn="ctr" defTabSz="914400" rtl="0" eaLnBrk="1" fontAlgn="auto" latinLnBrk="0" hangingPunct="1">
+                        <a:lnSpc>
+                          <a:spcPct val="100000"/>
+                        </a:lnSpc>
+                        <a:spcBef>
+                          <a:spcPts val="0"/>
+                        </a:spcBef>
+                        <a:spcAft>
+                          <a:spcPts val="0"/>
+                        </a:spcAft>
+                        <a:buClrTx/>
+                        <a:buSzTx/>
+                        <a:buFontTx/>
+                        <a:buNone/>
+                        <a:tabLst/>
+                        <a:defRPr/>
+                      </a:pPr>
+                      <a:r>
+                        <a:rPr lang="en-US" b="0" dirty="0">
+                          <a:latin typeface="Times New Roman" panose="02020603050405020304" pitchFamily="18" charset="0"/>
+                          <a:cs typeface="Times New Roman" panose="02020603050405020304" pitchFamily="18" charset="0"/>
+                        </a:rPr>
+                        <a:t># of ’58’</a:t>
+                      </a:r>
+                    </a:p>
+                  </a:txBody>
+                  <a:tcPr/>
+                </a:tc>
+                <a:tc>
+                  <a:txBody>
+                    <a:bodyPr/>
+                    <a:lstStyle/>
+                    <a:p>
+                      <a:pPr marL="0" marR="0" lvl="0" indent="0" algn="ctr" defTabSz="914400" rtl="0" eaLnBrk="1" fontAlgn="auto" latinLnBrk="0" hangingPunct="1">
+                        <a:lnSpc>
+                          <a:spcPct val="100000"/>
+                        </a:lnSpc>
+                        <a:spcBef>
+                          <a:spcPts val="0"/>
+                        </a:spcBef>
+                        <a:spcAft>
+                          <a:spcPts val="0"/>
+                        </a:spcAft>
+                        <a:buClrTx/>
+                        <a:buSzTx/>
+                        <a:buFontTx/>
+                        <a:buNone/>
+                        <a:tabLst/>
+                        <a:defRPr/>
+                      </a:pPr>
+                      <a:r>
+                        <a:rPr lang="en-US" b="0" dirty="0">
+                          <a:latin typeface="Times New Roman" panose="02020603050405020304" pitchFamily="18" charset="0"/>
+                          <a:cs typeface="Times New Roman" panose="02020603050405020304" pitchFamily="18" charset="0"/>
+                        </a:rPr>
+                        <a:t># of ’47’</a:t>
+                      </a:r>
+                    </a:p>
+                  </a:txBody>
+                  <a:tcPr/>
+                </a:tc>
+                <a:extLst>
+                  <a:ext uri="{0D108BD9-81ED-4DB2-BD59-A6C34878D82A}">
+                    <a16:rowId xmlns:a16="http://schemas.microsoft.com/office/drawing/2014/main" val="4261729995"/>
+                  </a:ext>
+                </a:extLst>
+              </a:tr>
+              <a:tr h="370840">
+                <a:tc>
+                  <a:txBody>
+                    <a:bodyPr/>
+                    <a:lstStyle/>
+                    <a:p>
+                      <a:pPr algn="ctr"/>
+                      <a:r>
+                        <a:rPr lang="en-US" b="0" dirty="0">
+                          <a:latin typeface="Times New Roman" panose="02020603050405020304" pitchFamily="18" charset="0"/>
+                          <a:cs typeface="Times New Roman" panose="02020603050405020304" pitchFamily="18" charset="0"/>
+                        </a:rPr>
+                        <a:t>k = 20</a:t>
+                      </a:r>
+                    </a:p>
+                  </a:txBody>
+                  <a:tcPr/>
+                </a:tc>
+                <a:tc>
+                  <a:txBody>
+                    <a:bodyPr/>
+                    <a:lstStyle/>
+                    <a:p>
+                      <a:pPr algn="ctr"/>
+                      <a:r>
+                        <a:rPr lang="en-US" b="0" dirty="0">
+                          <a:latin typeface="Times New Roman" panose="02020603050405020304" pitchFamily="18" charset="0"/>
+                          <a:cs typeface="Times New Roman" panose="02020603050405020304" pitchFamily="18" charset="0"/>
+                        </a:rPr>
+                        <a:t>58%</a:t>
+                      </a:r>
+                    </a:p>
+                  </a:txBody>
+                  <a:tcPr/>
+                </a:tc>
+                <a:tc>
+                  <a:txBody>
+                    <a:bodyPr/>
+                    <a:lstStyle/>
+                    <a:p>
+                      <a:pPr algn="ctr"/>
+                      <a:r>
+                        <a:rPr lang="en-US" b="0" dirty="0">
+                          <a:latin typeface="Times New Roman" panose="02020603050405020304" pitchFamily="18" charset="0"/>
+                          <a:cs typeface="Times New Roman" panose="02020603050405020304" pitchFamily="18" charset="0"/>
+                        </a:rPr>
+                        <a:t>26%</a:t>
+                      </a:r>
+                    </a:p>
+                  </a:txBody>
+                  <a:tcPr/>
+                </a:tc>
+                <a:tc>
+                  <a:txBody>
+                    <a:bodyPr/>
+                    <a:lstStyle/>
+                    <a:p>
+                      <a:pPr algn="ctr"/>
+                      <a:r>
+                        <a:rPr lang="en-US" b="0" dirty="0">
+                          <a:latin typeface="Times New Roman" panose="02020603050405020304" pitchFamily="18" charset="0"/>
+                          <a:cs typeface="Times New Roman" panose="02020603050405020304" pitchFamily="18" charset="0"/>
+                        </a:rPr>
+                        <a:t>69%</a:t>
+                      </a:r>
+                    </a:p>
+                  </a:txBody>
+                  <a:tcPr/>
+                </a:tc>
+                <a:tc>
+                  <a:txBody>
+                    <a:bodyPr/>
+                    <a:lstStyle/>
+                    <a:p>
+                      <a:pPr algn="ctr"/>
+                      <a:r>
+                        <a:rPr lang="en-US" b="0" dirty="0">
+                          <a:latin typeface="Times New Roman" panose="02020603050405020304" pitchFamily="18" charset="0"/>
+                          <a:cs typeface="Times New Roman" panose="02020603050405020304" pitchFamily="18" charset="0"/>
+                        </a:rPr>
+                        <a:t>38%</a:t>
+                      </a:r>
+                    </a:p>
+                  </a:txBody>
+                  <a:tcPr/>
+                </a:tc>
+                <a:tc>
+                  <a:txBody>
+                    <a:bodyPr/>
+                    <a:lstStyle/>
+                    <a:p>
+                      <a:pPr algn="ctr"/>
+                      <a:r>
+                        <a:rPr lang="en-US" b="0" dirty="0">
+                          <a:latin typeface="Times New Roman" panose="02020603050405020304" pitchFamily="18" charset="0"/>
+                          <a:cs typeface="Times New Roman" panose="02020603050405020304" pitchFamily="18" charset="0"/>
+                        </a:rPr>
+                        <a:t>202</a:t>
+                      </a:r>
+                    </a:p>
+                  </a:txBody>
+                  <a:tcPr/>
+                </a:tc>
+                <a:tc>
+                  <a:txBody>
+                    <a:bodyPr/>
+                    <a:lstStyle/>
+                    <a:p>
+                      <a:pPr algn="ctr"/>
+                      <a:r>
+                        <a:rPr lang="en-US" b="0" dirty="0">
+                          <a:latin typeface="Times New Roman" panose="02020603050405020304" pitchFamily="18" charset="0"/>
+                          <a:cs typeface="Times New Roman" panose="02020603050405020304" pitchFamily="18" charset="0"/>
+                        </a:rPr>
+                        <a:t>199</a:t>
+                      </a:r>
+                    </a:p>
+                  </a:txBody>
+                  <a:tcPr/>
+                </a:tc>
+                <a:extLst>
+                  <a:ext uri="{0D108BD9-81ED-4DB2-BD59-A6C34878D82A}">
+                    <a16:rowId xmlns:a16="http://schemas.microsoft.com/office/drawing/2014/main" val="1335220462"/>
+                  </a:ext>
+                </a:extLst>
+              </a:tr>
+            </a:tbl>
+          </a:graphicData>
+        </a:graphic>
+      </p:graphicFrame>
+    </p:spTree>
+    <p:extLst>
+      <p:ext uri="{BB962C8B-B14F-4D97-AF65-F5344CB8AC3E}">
+        <p14:creationId xmlns:p14="http://schemas.microsoft.com/office/powerpoint/2010/main" val="3327572121"/>
+      </p:ext>
+    </p:extLst>
+  </p:cSld>
+  <p:clrMapOvr>
+    <a:masterClrMapping/>
+  </p:clrMapOvr>
+</p:sld>
+</file>
+
+<file path=ppt/slides/slide41.xml><?xml version="1.0" encoding="utf-8"?>
+<p:sld xmlns:a="http://schemas.openxmlformats.org/drawingml/2006/main" xmlns:r="http://schemas.openxmlformats.org/officeDocument/2006/relationships" xmlns:p="http://schemas.openxmlformats.org/presentationml/2006/main">
+  <p:cSld>
+    <p:spTree>
+      <p:nvGrpSpPr>
+        <p:cNvPr id="1" name=""/>
+        <p:cNvGrpSpPr/>
+        <p:nvPr/>
+      </p:nvGrpSpPr>
+      <p:grpSpPr>
+        <a:xfrm>
+          <a:off x="0" y="0"/>
+          <a:ext cx="0" cy="0"/>
+          <a:chOff x="0" y="0"/>
+          <a:chExt cx="0" cy="0"/>
+        </a:xfrm>
+      </p:grpSpPr>
+      <p:sp>
+        <p:nvSpPr>
+          <p:cNvPr id="2" name="Title 1">
+            <a:extLst>
+              <a:ext uri="{FF2B5EF4-FFF2-40B4-BE49-F238E27FC236}">
+                <a16:creationId xmlns:a16="http://schemas.microsoft.com/office/drawing/2014/main" id="{1F8717B5-F992-3362-0E17-84D889214116}"/>
+              </a:ext>
+            </a:extLst>
+          </p:cNvPr>
+          <p:cNvSpPr>
+            <a:spLocks noGrp="1"/>
+          </p:cNvSpPr>
+          <p:nvPr>
+            <p:ph type="title"/>
+          </p:nvPr>
+        </p:nvSpPr>
+        <p:spPr/>
+        <p:txBody>
+          <a:bodyPr>
+            <a:normAutofit/>
+          </a:bodyPr>
+          <a:lstStyle/>
+          <a:p>
+            <a:r>
+              <a:rPr lang="en-US" sz="2400" b="1" dirty="0"/>
+              <a:t>Symbol tuning results</a:t>
+            </a:r>
+          </a:p>
+        </p:txBody>
+      </p:sp>
+      <p:sp>
+        <p:nvSpPr>
+          <p:cNvPr id="3" name="Content Placeholder 2">
+            <a:extLst>
+              <a:ext uri="{FF2B5EF4-FFF2-40B4-BE49-F238E27FC236}">
+                <a16:creationId xmlns:a16="http://schemas.microsoft.com/office/drawing/2014/main" id="{6A1CF6AE-4BFF-FA1F-6998-093945033E5D}"/>
+              </a:ext>
+            </a:extLst>
+          </p:cNvPr>
+          <p:cNvSpPr>
+            <a:spLocks noGrp="1"/>
+          </p:cNvSpPr>
+          <p:nvPr>
+            <p:ph idx="1"/>
+          </p:nvPr>
+        </p:nvSpPr>
+        <p:spPr/>
+        <p:txBody>
+          <a:bodyPr>
+            <a:normAutofit/>
+          </a:bodyPr>
+          <a:lstStyle/>
+          <a:p>
+            <a:r>
+              <a:rPr lang="en-US" sz="1800" dirty="0"/>
+              <a:t>Results for k = 50 shot learning:</a:t>
+            </a:r>
+          </a:p>
+          <a:p>
+            <a:endParaRPr lang="en-US" sz="1800" dirty="0"/>
+          </a:p>
+          <a:p>
+            <a:endParaRPr lang="en-US" sz="1800" dirty="0"/>
+          </a:p>
+          <a:p>
+            <a:endParaRPr lang="en-US" sz="1800" dirty="0"/>
+          </a:p>
+          <a:p>
+            <a:endParaRPr lang="en-US" sz="1800" dirty="0"/>
+          </a:p>
+          <a:p>
+            <a:endParaRPr lang="en-US" sz="1800" dirty="0"/>
+          </a:p>
+          <a:p>
+            <a:r>
+              <a:rPr lang="en-US" sz="1800" dirty="0"/>
+              <a:t>With many examples provided eventually the model predicted more ’47’ labels than ’58’ ones.</a:t>
+            </a:r>
+          </a:p>
+          <a:p>
+            <a:endParaRPr lang="en-US" sz="1800" dirty="0"/>
+          </a:p>
+          <a:p>
+            <a:endParaRPr lang="en-US" sz="1800" dirty="0"/>
+          </a:p>
+          <a:p>
+            <a:endParaRPr lang="en-US" sz="1800" dirty="0"/>
+          </a:p>
+          <a:p>
+            <a:endParaRPr lang="en-US" sz="1800" dirty="0"/>
+          </a:p>
+          <a:p>
+            <a:endParaRPr lang="en-US" sz="1800" dirty="0"/>
+          </a:p>
+          <a:p>
+            <a:pPr marL="0" indent="0">
+              <a:buNone/>
+            </a:pPr>
+            <a:endParaRPr lang="en-US" sz="1800" dirty="0"/>
+          </a:p>
+        </p:txBody>
+      </p:sp>
+      <p:graphicFrame>
+        <p:nvGraphicFramePr>
+          <p:cNvPr id="4" name="Table 3">
+            <a:extLst>
+              <a:ext uri="{FF2B5EF4-FFF2-40B4-BE49-F238E27FC236}">
+                <a16:creationId xmlns:a16="http://schemas.microsoft.com/office/drawing/2014/main" id="{E057B9CF-2B70-271B-DE42-F092AD9E0CC4}"/>
+              </a:ext>
+            </a:extLst>
+          </p:cNvPr>
+          <p:cNvGraphicFramePr>
+            <a:graphicFrameLocks noGrp="1"/>
+          </p:cNvGraphicFramePr>
+          <p:nvPr>
+            <p:extLst>
+              <p:ext uri="{D42A27DB-BD31-4B8C-83A1-F6EECF244321}">
+                <p14:modId xmlns:p14="http://schemas.microsoft.com/office/powerpoint/2010/main" val="2642570584"/>
+              </p:ext>
+            </p:extLst>
+          </p:nvPr>
+        </p:nvGraphicFramePr>
+        <p:xfrm>
+          <a:off x="2031999" y="2631593"/>
+          <a:ext cx="8128001" cy="741680"/>
+        </p:xfrm>
+        <a:graphic>
+          <a:graphicData uri="http://schemas.openxmlformats.org/drawingml/2006/table">
+            <a:tbl>
+              <a:tblPr firstRow="1" bandRow="1">
+                <a:tableStyleId>{D7AC3CCA-C797-4891-BE02-D94E43425B78}</a:tableStyleId>
+              </a:tblPr>
+              <a:tblGrid>
+                <a:gridCol w="1161143">
+                  <a:extLst>
+                    <a:ext uri="{9D8B030D-6E8A-4147-A177-3AD203B41FA5}">
+                      <a16:colId xmlns:a16="http://schemas.microsoft.com/office/drawing/2014/main" val="252588881"/>
+                    </a:ext>
+                  </a:extLst>
+                </a:gridCol>
+                <a:gridCol w="1161143">
+                  <a:extLst>
+                    <a:ext uri="{9D8B030D-6E8A-4147-A177-3AD203B41FA5}">
+                      <a16:colId xmlns:a16="http://schemas.microsoft.com/office/drawing/2014/main" val="1729950084"/>
+                    </a:ext>
+                  </a:extLst>
+                </a:gridCol>
+                <a:gridCol w="1161143">
+                  <a:extLst>
+                    <a:ext uri="{9D8B030D-6E8A-4147-A177-3AD203B41FA5}">
+                      <a16:colId xmlns:a16="http://schemas.microsoft.com/office/drawing/2014/main" val="483548369"/>
+                    </a:ext>
+                  </a:extLst>
+                </a:gridCol>
+                <a:gridCol w="1161143">
+                  <a:extLst>
+                    <a:ext uri="{9D8B030D-6E8A-4147-A177-3AD203B41FA5}">
+                      <a16:colId xmlns:a16="http://schemas.microsoft.com/office/drawing/2014/main" val="617316006"/>
+                    </a:ext>
+                  </a:extLst>
+                </a:gridCol>
+                <a:gridCol w="1161143">
+                  <a:extLst>
+                    <a:ext uri="{9D8B030D-6E8A-4147-A177-3AD203B41FA5}">
+                      <a16:colId xmlns:a16="http://schemas.microsoft.com/office/drawing/2014/main" val="3890891965"/>
+                    </a:ext>
+                  </a:extLst>
+                </a:gridCol>
+                <a:gridCol w="1161143">
+                  <a:extLst>
+                    <a:ext uri="{9D8B030D-6E8A-4147-A177-3AD203B41FA5}">
+                      <a16:colId xmlns:a16="http://schemas.microsoft.com/office/drawing/2014/main" val="464773494"/>
+                    </a:ext>
+                  </a:extLst>
+                </a:gridCol>
+                <a:gridCol w="1161143">
+                  <a:extLst>
+                    <a:ext uri="{9D8B030D-6E8A-4147-A177-3AD203B41FA5}">
+                      <a16:colId xmlns:a16="http://schemas.microsoft.com/office/drawing/2014/main" val="1231228651"/>
+                    </a:ext>
+                  </a:extLst>
+                </a:gridCol>
+              </a:tblGrid>
+              <a:tr h="370840">
+                <a:tc>
+                  <a:txBody>
+                    <a:bodyPr/>
+                    <a:lstStyle/>
+                    <a:p>
+                      <a:pPr algn="ctr"/>
+                      <a:r>
+                        <a:rPr lang="en-US" b="0" dirty="0">
+                          <a:latin typeface="Times New Roman" panose="02020603050405020304" pitchFamily="18" charset="0"/>
+                          <a:cs typeface="Times New Roman" panose="02020603050405020304" pitchFamily="18" charset="0"/>
+                        </a:rPr>
+                        <a:t>Title Only</a:t>
+                      </a:r>
+                    </a:p>
+                  </a:txBody>
+                  <a:tcPr/>
+                </a:tc>
+                <a:tc>
+                  <a:txBody>
+                    <a:bodyPr/>
+                    <a:lstStyle/>
+                    <a:p>
+                      <a:pPr algn="ctr"/>
+                      <a:r>
+                        <a:rPr lang="en-US" b="0" dirty="0">
+                          <a:latin typeface="Times New Roman" panose="02020603050405020304" pitchFamily="18" charset="0"/>
+                          <a:cs typeface="Times New Roman" panose="02020603050405020304" pitchFamily="18" charset="0"/>
+                        </a:rPr>
+                        <a:t>Accuracy</a:t>
+                      </a:r>
+                    </a:p>
+                  </a:txBody>
+                  <a:tcPr/>
+                </a:tc>
+                <a:tc>
+                  <a:txBody>
+                    <a:bodyPr/>
+                    <a:lstStyle/>
+                    <a:p>
+                      <a:pPr algn="ctr"/>
+                      <a:r>
+                        <a:rPr lang="en-US" b="0" dirty="0">
+                          <a:latin typeface="Times New Roman" panose="02020603050405020304" pitchFamily="18" charset="0"/>
+                          <a:cs typeface="Times New Roman" panose="02020603050405020304" pitchFamily="18" charset="0"/>
+                        </a:rPr>
+                        <a:t>Precision</a:t>
+                      </a:r>
+                    </a:p>
+                  </a:txBody>
+                  <a:tcPr/>
+                </a:tc>
+                <a:tc>
+                  <a:txBody>
+                    <a:bodyPr/>
+                    <a:lstStyle/>
+                    <a:p>
+                      <a:pPr algn="ctr"/>
+                      <a:r>
+                        <a:rPr lang="en-US" b="0" dirty="0">
+                          <a:latin typeface="Times New Roman" panose="02020603050405020304" pitchFamily="18" charset="0"/>
+                          <a:cs typeface="Times New Roman" panose="02020603050405020304" pitchFamily="18" charset="0"/>
+                        </a:rPr>
+                        <a:t>Recall</a:t>
+                      </a:r>
+                    </a:p>
+                  </a:txBody>
+                  <a:tcPr/>
+                </a:tc>
+                <a:tc>
+                  <a:txBody>
+                    <a:bodyPr/>
+                    <a:lstStyle/>
+                    <a:p>
+                      <a:pPr algn="ctr"/>
+                      <a:r>
+                        <a:rPr lang="en-US" b="0" dirty="0">
+                          <a:latin typeface="Times New Roman" panose="02020603050405020304" pitchFamily="18" charset="0"/>
+                          <a:cs typeface="Times New Roman" panose="02020603050405020304" pitchFamily="18" charset="0"/>
+                        </a:rPr>
+                        <a:t>F1-Score</a:t>
+                      </a:r>
+                    </a:p>
+                  </a:txBody>
+                  <a:tcPr/>
+                </a:tc>
+                <a:tc>
+                  <a:txBody>
+                    <a:bodyPr/>
+                    <a:lstStyle/>
+                    <a:p>
+                      <a:pPr marL="0" marR="0" lvl="0" indent="0" algn="ctr" defTabSz="914400" rtl="0" eaLnBrk="1" fontAlgn="auto" latinLnBrk="0" hangingPunct="1">
+                        <a:lnSpc>
+                          <a:spcPct val="100000"/>
+                        </a:lnSpc>
+                        <a:spcBef>
+                          <a:spcPts val="0"/>
+                        </a:spcBef>
+                        <a:spcAft>
+                          <a:spcPts val="0"/>
+                        </a:spcAft>
+                        <a:buClrTx/>
+                        <a:buSzTx/>
+                        <a:buFontTx/>
+                        <a:buNone/>
+                        <a:tabLst/>
+                        <a:defRPr/>
+                      </a:pPr>
+                      <a:r>
+                        <a:rPr lang="en-US" b="0" dirty="0">
+                          <a:latin typeface="Times New Roman" panose="02020603050405020304" pitchFamily="18" charset="0"/>
+                          <a:cs typeface="Times New Roman" panose="02020603050405020304" pitchFamily="18" charset="0"/>
+                        </a:rPr>
+                        <a:t># of ’58’</a:t>
+                      </a:r>
+                    </a:p>
+                  </a:txBody>
+                  <a:tcPr/>
+                </a:tc>
+                <a:tc>
+                  <a:txBody>
+                    <a:bodyPr/>
+                    <a:lstStyle/>
+                    <a:p>
+                      <a:pPr marL="0" marR="0" lvl="0" indent="0" algn="ctr" defTabSz="914400" rtl="0" eaLnBrk="1" fontAlgn="auto" latinLnBrk="0" hangingPunct="1">
+                        <a:lnSpc>
+                          <a:spcPct val="100000"/>
+                        </a:lnSpc>
+                        <a:spcBef>
+                          <a:spcPts val="0"/>
+                        </a:spcBef>
+                        <a:spcAft>
+                          <a:spcPts val="0"/>
+                        </a:spcAft>
+                        <a:buClrTx/>
+                        <a:buSzTx/>
+                        <a:buFontTx/>
+                        <a:buNone/>
+                        <a:tabLst/>
+                        <a:defRPr/>
+                      </a:pPr>
+                      <a:r>
+                        <a:rPr lang="en-US" b="0" dirty="0">
+                          <a:latin typeface="Times New Roman" panose="02020603050405020304" pitchFamily="18" charset="0"/>
+                          <a:cs typeface="Times New Roman" panose="02020603050405020304" pitchFamily="18" charset="0"/>
+                        </a:rPr>
+                        <a:t># of ’47’</a:t>
+                      </a:r>
+                    </a:p>
+                  </a:txBody>
+                  <a:tcPr/>
+                </a:tc>
+                <a:extLst>
+                  <a:ext uri="{0D108BD9-81ED-4DB2-BD59-A6C34878D82A}">
+                    <a16:rowId xmlns:a16="http://schemas.microsoft.com/office/drawing/2014/main" val="4261729995"/>
+                  </a:ext>
+                </a:extLst>
+              </a:tr>
+              <a:tr h="370840">
+                <a:tc>
+                  <a:txBody>
+                    <a:bodyPr/>
+                    <a:lstStyle/>
+                    <a:p>
+                      <a:pPr algn="ctr"/>
+                      <a:r>
+                        <a:rPr lang="en-US" b="0" dirty="0">
+                          <a:latin typeface="Times New Roman" panose="02020603050405020304" pitchFamily="18" charset="0"/>
+                          <a:cs typeface="Times New Roman" panose="02020603050405020304" pitchFamily="18" charset="0"/>
+                        </a:rPr>
+                        <a:t>k = 50</a:t>
+                      </a:r>
+                    </a:p>
+                  </a:txBody>
+                  <a:tcPr/>
+                </a:tc>
+                <a:tc>
+                  <a:txBody>
+                    <a:bodyPr/>
+                    <a:lstStyle/>
+                    <a:p>
+                      <a:pPr algn="ctr"/>
+                      <a:r>
+                        <a:rPr lang="en-US" b="0" dirty="0">
+                          <a:latin typeface="Times New Roman" panose="02020603050405020304" pitchFamily="18" charset="0"/>
+                          <a:cs typeface="Times New Roman" panose="02020603050405020304" pitchFamily="18" charset="0"/>
+                        </a:rPr>
+                        <a:t>57%</a:t>
+                      </a:r>
+                    </a:p>
+                  </a:txBody>
+                  <a:tcPr/>
+                </a:tc>
+                <a:tc>
+                  <a:txBody>
+                    <a:bodyPr/>
+                    <a:lstStyle/>
+                    <a:p>
+                      <a:pPr algn="ctr"/>
+                      <a:r>
+                        <a:rPr lang="en-US" b="0" dirty="0">
+                          <a:latin typeface="Times New Roman" panose="02020603050405020304" pitchFamily="18" charset="0"/>
+                          <a:cs typeface="Times New Roman" panose="02020603050405020304" pitchFamily="18" charset="0"/>
+                        </a:rPr>
+                        <a:t>24%</a:t>
+                      </a:r>
+                    </a:p>
+                  </a:txBody>
+                  <a:tcPr/>
+                </a:tc>
+                <a:tc>
+                  <a:txBody>
+                    <a:bodyPr/>
+                    <a:lstStyle/>
+                    <a:p>
+                      <a:pPr algn="ctr"/>
+                      <a:r>
+                        <a:rPr lang="en-US" b="0" dirty="0">
+                          <a:latin typeface="Times New Roman" panose="02020603050405020304" pitchFamily="18" charset="0"/>
+                          <a:cs typeface="Times New Roman" panose="02020603050405020304" pitchFamily="18" charset="0"/>
+                        </a:rPr>
+                        <a:t>56%</a:t>
+                      </a:r>
+                    </a:p>
+                  </a:txBody>
+                  <a:tcPr/>
+                </a:tc>
+                <a:tc>
+                  <a:txBody>
+                    <a:bodyPr/>
+                    <a:lstStyle/>
+                    <a:p>
+                      <a:pPr algn="ctr"/>
+                      <a:r>
+                        <a:rPr lang="en-US" b="0" dirty="0">
+                          <a:latin typeface="Times New Roman" panose="02020603050405020304" pitchFamily="18" charset="0"/>
+                          <a:cs typeface="Times New Roman" panose="02020603050405020304" pitchFamily="18" charset="0"/>
+                        </a:rPr>
+                        <a:t>33%</a:t>
+                      </a:r>
+                    </a:p>
+                  </a:txBody>
+                  <a:tcPr/>
+                </a:tc>
+                <a:tc>
+                  <a:txBody>
+                    <a:bodyPr/>
+                    <a:lstStyle/>
+                    <a:p>
+                      <a:pPr algn="ctr"/>
+                      <a:r>
+                        <a:rPr lang="en-US" b="0" dirty="0">
+                          <a:latin typeface="Times New Roman" panose="02020603050405020304" pitchFamily="18" charset="0"/>
+                          <a:cs typeface="Times New Roman" panose="02020603050405020304" pitchFamily="18" charset="0"/>
+                        </a:rPr>
+                        <a:t>180</a:t>
+                      </a:r>
+                    </a:p>
+                  </a:txBody>
+                  <a:tcPr/>
+                </a:tc>
+                <a:tc>
+                  <a:txBody>
+                    <a:bodyPr/>
+                    <a:lstStyle/>
+                    <a:p>
+                      <a:pPr algn="ctr"/>
+                      <a:r>
+                        <a:rPr lang="en-US" b="0" dirty="0">
+                          <a:latin typeface="Times New Roman" panose="02020603050405020304" pitchFamily="18" charset="0"/>
+                          <a:cs typeface="Times New Roman" panose="02020603050405020304" pitchFamily="18" charset="0"/>
+                        </a:rPr>
+                        <a:t>221</a:t>
+                      </a:r>
+                    </a:p>
+                  </a:txBody>
+                  <a:tcPr/>
+                </a:tc>
+                <a:extLst>
+                  <a:ext uri="{0D108BD9-81ED-4DB2-BD59-A6C34878D82A}">
+                    <a16:rowId xmlns:a16="http://schemas.microsoft.com/office/drawing/2014/main" val="1335220462"/>
+                  </a:ext>
+                </a:extLst>
+              </a:tr>
+            </a:tbl>
+          </a:graphicData>
+        </a:graphic>
+      </p:graphicFrame>
+    </p:spTree>
+    <p:extLst>
+      <p:ext uri="{BB962C8B-B14F-4D97-AF65-F5344CB8AC3E}">
+        <p14:creationId xmlns:p14="http://schemas.microsoft.com/office/powerpoint/2010/main" val="1994818265"/>
+      </p:ext>
+    </p:extLst>
+  </p:cSld>
+  <p:clrMapOvr>
+    <a:masterClrMapping/>
+  </p:clrMapOvr>
+</p:sld>
+</file>
+
+<file path=ppt/slides/slide42.xml><?xml version="1.0" encoding="utf-8"?>
+<p:sld xmlns:a="http://schemas.openxmlformats.org/drawingml/2006/main" xmlns:r="http://schemas.openxmlformats.org/officeDocument/2006/relationships" xmlns:p="http://schemas.openxmlformats.org/presentationml/2006/main">
+  <p:cSld>
+    <p:spTree>
+      <p:nvGrpSpPr>
+        <p:cNvPr id="1" name=""/>
+        <p:cNvGrpSpPr/>
+        <p:nvPr/>
+      </p:nvGrpSpPr>
+      <p:grpSpPr>
+        <a:xfrm>
+          <a:off x="0" y="0"/>
+          <a:ext cx="0" cy="0"/>
+          <a:chOff x="0" y="0"/>
+          <a:chExt cx="0" cy="0"/>
+        </a:xfrm>
+      </p:grpSpPr>
+      <p:sp>
+        <p:nvSpPr>
+          <p:cNvPr id="2" name="Title 1">
+            <a:extLst>
+              <a:ext uri="{FF2B5EF4-FFF2-40B4-BE49-F238E27FC236}">
+                <a16:creationId xmlns:a16="http://schemas.microsoft.com/office/drawing/2014/main" id="{1F8717B5-F992-3362-0E17-84D889214116}"/>
+              </a:ext>
+            </a:extLst>
+          </p:cNvPr>
+          <p:cNvSpPr>
+            <a:spLocks noGrp="1"/>
+          </p:cNvSpPr>
+          <p:nvPr>
+            <p:ph type="title"/>
+          </p:nvPr>
+        </p:nvSpPr>
+        <p:spPr/>
+        <p:txBody>
+          <a:bodyPr>
+            <a:normAutofit/>
+          </a:bodyPr>
+          <a:lstStyle/>
+          <a:p>
+            <a:r>
+              <a:rPr lang="en-US" sz="2400" b="1" dirty="0"/>
+              <a:t>Symbol tuning results</a:t>
+            </a:r>
+          </a:p>
+        </p:txBody>
+      </p:sp>
+      <p:sp>
+        <p:nvSpPr>
+          <p:cNvPr id="3" name="Content Placeholder 2">
+            <a:extLst>
+              <a:ext uri="{FF2B5EF4-FFF2-40B4-BE49-F238E27FC236}">
+                <a16:creationId xmlns:a16="http://schemas.microsoft.com/office/drawing/2014/main" id="{6A1CF6AE-4BFF-FA1F-6998-093945033E5D}"/>
+              </a:ext>
+            </a:extLst>
+          </p:cNvPr>
+          <p:cNvSpPr>
+            <a:spLocks noGrp="1"/>
+          </p:cNvSpPr>
+          <p:nvPr>
+            <p:ph idx="1"/>
+          </p:nvPr>
+        </p:nvSpPr>
+        <p:spPr/>
+        <p:txBody>
+          <a:bodyPr>
+            <a:normAutofit/>
+          </a:bodyPr>
+          <a:lstStyle/>
+          <a:p>
+            <a:r>
+              <a:rPr lang="en-US" sz="1800" dirty="0"/>
+              <a:t>The whole results can be seen here:</a:t>
+            </a:r>
+          </a:p>
+          <a:p>
+            <a:endParaRPr lang="en-US" sz="1800" dirty="0"/>
+          </a:p>
+          <a:p>
+            <a:endParaRPr lang="en-US" sz="1800" dirty="0"/>
+          </a:p>
+          <a:p>
+            <a:endParaRPr lang="en-US" sz="1800" dirty="0"/>
+          </a:p>
+          <a:p>
+            <a:endParaRPr lang="en-US" sz="1800" dirty="0"/>
+          </a:p>
+          <a:p>
+            <a:endParaRPr lang="en-US" sz="1800" dirty="0"/>
+          </a:p>
+          <a:p>
+            <a:endParaRPr lang="en-US" sz="1800" dirty="0"/>
+          </a:p>
+          <a:p>
+            <a:endParaRPr lang="en-US" sz="1800" dirty="0"/>
+          </a:p>
+          <a:p>
+            <a:endParaRPr lang="en-US" sz="1800" dirty="0"/>
+          </a:p>
+          <a:p>
+            <a:endParaRPr lang="en-US" sz="1800" dirty="0"/>
+          </a:p>
+          <a:p>
+            <a:r>
+              <a:rPr lang="en-US" sz="1800" dirty="0"/>
+              <a:t>The accuracy and f1-score in k = 20 scenario saw the biggest increase.</a:t>
+            </a:r>
+          </a:p>
+          <a:p>
+            <a:endParaRPr lang="en-US" sz="1800" dirty="0"/>
+          </a:p>
+          <a:p>
+            <a:endParaRPr lang="en-US" sz="1800" dirty="0"/>
+          </a:p>
+          <a:p>
+            <a:endParaRPr lang="en-US" sz="1800" dirty="0"/>
+          </a:p>
+          <a:p>
+            <a:endParaRPr lang="en-US" sz="1800" dirty="0"/>
+          </a:p>
+          <a:p>
+            <a:endParaRPr lang="en-US" sz="1800" dirty="0"/>
+          </a:p>
+          <a:p>
+            <a:endParaRPr lang="en-US" sz="1800" dirty="0"/>
+          </a:p>
+          <a:p>
+            <a:endParaRPr lang="en-US" sz="1800" dirty="0"/>
+          </a:p>
+          <a:p>
+            <a:pPr marL="0" indent="0">
+              <a:buNone/>
+            </a:pPr>
+            <a:endParaRPr lang="en-US" sz="1800" dirty="0"/>
+          </a:p>
+          <a:p>
+            <a:endParaRPr lang="en-US" sz="1800" dirty="0"/>
+          </a:p>
+          <a:p>
+            <a:endParaRPr lang="en-US" sz="1800" dirty="0"/>
+          </a:p>
+          <a:p>
+            <a:endParaRPr lang="en-US" sz="1800" dirty="0"/>
+          </a:p>
+          <a:p>
+            <a:pPr marL="0" indent="0">
+              <a:buNone/>
+            </a:pPr>
+            <a:endParaRPr lang="en-US" sz="1800" dirty="0"/>
+          </a:p>
+        </p:txBody>
+      </p:sp>
+      <p:graphicFrame>
+        <p:nvGraphicFramePr>
+          <p:cNvPr id="4" name="Table 3">
+            <a:extLst>
+              <a:ext uri="{FF2B5EF4-FFF2-40B4-BE49-F238E27FC236}">
+                <a16:creationId xmlns:a16="http://schemas.microsoft.com/office/drawing/2014/main" id="{E057B9CF-2B70-271B-DE42-F092AD9E0CC4}"/>
+              </a:ext>
+            </a:extLst>
+          </p:cNvPr>
+          <p:cNvGraphicFramePr>
+            <a:graphicFrameLocks noGrp="1"/>
+          </p:cNvGraphicFramePr>
+          <p:nvPr>
+            <p:extLst>
+              <p:ext uri="{D42A27DB-BD31-4B8C-83A1-F6EECF244321}">
+                <p14:modId xmlns:p14="http://schemas.microsoft.com/office/powerpoint/2010/main" val="153131147"/>
+              </p:ext>
+            </p:extLst>
+          </p:nvPr>
+        </p:nvGraphicFramePr>
+        <p:xfrm>
+          <a:off x="2031999" y="2631593"/>
+          <a:ext cx="8128001" cy="2585720"/>
+        </p:xfrm>
+        <a:graphic>
+          <a:graphicData uri="http://schemas.openxmlformats.org/drawingml/2006/table">
+            <a:tbl>
+              <a:tblPr firstRow="1">
+                <a:tableStyleId>{D7AC3CCA-C797-4891-BE02-D94E43425B78}</a:tableStyleId>
+              </a:tblPr>
+              <a:tblGrid>
+                <a:gridCol w="1161143">
+                  <a:extLst>
+                    <a:ext uri="{9D8B030D-6E8A-4147-A177-3AD203B41FA5}">
+                      <a16:colId xmlns:a16="http://schemas.microsoft.com/office/drawing/2014/main" val="252588881"/>
+                    </a:ext>
+                  </a:extLst>
+                </a:gridCol>
+                <a:gridCol w="1161143">
+                  <a:extLst>
+                    <a:ext uri="{9D8B030D-6E8A-4147-A177-3AD203B41FA5}">
+                      <a16:colId xmlns:a16="http://schemas.microsoft.com/office/drawing/2014/main" val="1729950084"/>
+                    </a:ext>
+                  </a:extLst>
+                </a:gridCol>
+                <a:gridCol w="1161143">
+                  <a:extLst>
+                    <a:ext uri="{9D8B030D-6E8A-4147-A177-3AD203B41FA5}">
+                      <a16:colId xmlns:a16="http://schemas.microsoft.com/office/drawing/2014/main" val="483548369"/>
+                    </a:ext>
+                  </a:extLst>
+                </a:gridCol>
+                <a:gridCol w="1161143">
+                  <a:extLst>
+                    <a:ext uri="{9D8B030D-6E8A-4147-A177-3AD203B41FA5}">
+                      <a16:colId xmlns:a16="http://schemas.microsoft.com/office/drawing/2014/main" val="617316006"/>
+                    </a:ext>
+                  </a:extLst>
+                </a:gridCol>
+                <a:gridCol w="1161143">
+                  <a:extLst>
+                    <a:ext uri="{9D8B030D-6E8A-4147-A177-3AD203B41FA5}">
+                      <a16:colId xmlns:a16="http://schemas.microsoft.com/office/drawing/2014/main" val="3890891965"/>
+                    </a:ext>
+                  </a:extLst>
+                </a:gridCol>
+                <a:gridCol w="1161143">
+                  <a:extLst>
+                    <a:ext uri="{9D8B030D-6E8A-4147-A177-3AD203B41FA5}">
+                      <a16:colId xmlns:a16="http://schemas.microsoft.com/office/drawing/2014/main" val="464773494"/>
+                    </a:ext>
+                  </a:extLst>
+                </a:gridCol>
+                <a:gridCol w="1161143">
+                  <a:extLst>
+                    <a:ext uri="{9D8B030D-6E8A-4147-A177-3AD203B41FA5}">
+                      <a16:colId xmlns:a16="http://schemas.microsoft.com/office/drawing/2014/main" val="1231228651"/>
+                    </a:ext>
+                  </a:extLst>
+                </a:gridCol>
+              </a:tblGrid>
+              <a:tr h="370840">
+                <a:tc>
+                  <a:txBody>
+                    <a:bodyPr/>
+                    <a:lstStyle/>
+                    <a:p>
+                      <a:pPr algn="ctr"/>
+                      <a:r>
+                        <a:rPr lang="en-US" b="0" dirty="0">
+                          <a:latin typeface="Times New Roman" panose="02020603050405020304" pitchFamily="18" charset="0"/>
+                          <a:cs typeface="Times New Roman" panose="02020603050405020304" pitchFamily="18" charset="0"/>
+                        </a:rPr>
+                        <a:t>Title Only</a:t>
+                      </a:r>
+                    </a:p>
+                  </a:txBody>
+                  <a:tcPr/>
+                </a:tc>
+                <a:tc>
+                  <a:txBody>
+                    <a:bodyPr/>
+                    <a:lstStyle/>
+                    <a:p>
+                      <a:pPr algn="ctr"/>
+                      <a:r>
+                        <a:rPr lang="en-US" b="0" dirty="0">
+                          <a:latin typeface="Times New Roman" panose="02020603050405020304" pitchFamily="18" charset="0"/>
+                          <a:cs typeface="Times New Roman" panose="02020603050405020304" pitchFamily="18" charset="0"/>
+                        </a:rPr>
+                        <a:t>Accuracy</a:t>
+                      </a:r>
+                    </a:p>
+                  </a:txBody>
+                  <a:tcPr/>
+                </a:tc>
+                <a:tc>
+                  <a:txBody>
+                    <a:bodyPr/>
+                    <a:lstStyle/>
+                    <a:p>
+                      <a:pPr algn="ctr"/>
+                      <a:r>
+                        <a:rPr lang="en-US" b="0" dirty="0">
+                          <a:latin typeface="Times New Roman" panose="02020603050405020304" pitchFamily="18" charset="0"/>
+                          <a:cs typeface="Times New Roman" panose="02020603050405020304" pitchFamily="18" charset="0"/>
+                        </a:rPr>
+                        <a:t>Precision</a:t>
+                      </a:r>
+                    </a:p>
+                  </a:txBody>
+                  <a:tcPr/>
+                </a:tc>
+                <a:tc>
+                  <a:txBody>
+                    <a:bodyPr/>
+                    <a:lstStyle/>
+                    <a:p>
+                      <a:pPr algn="ctr"/>
+                      <a:r>
+                        <a:rPr lang="en-US" b="0" dirty="0">
+                          <a:latin typeface="Times New Roman" panose="02020603050405020304" pitchFamily="18" charset="0"/>
+                          <a:cs typeface="Times New Roman" panose="02020603050405020304" pitchFamily="18" charset="0"/>
+                        </a:rPr>
+                        <a:t>Recall</a:t>
+                      </a:r>
+                    </a:p>
+                  </a:txBody>
+                  <a:tcPr/>
+                </a:tc>
+                <a:tc>
+                  <a:txBody>
+                    <a:bodyPr/>
+                    <a:lstStyle/>
+                    <a:p>
+                      <a:pPr algn="ctr"/>
+                      <a:r>
+                        <a:rPr lang="en-US" b="0" dirty="0">
+                          <a:latin typeface="Times New Roman" panose="02020603050405020304" pitchFamily="18" charset="0"/>
+                          <a:cs typeface="Times New Roman" panose="02020603050405020304" pitchFamily="18" charset="0"/>
+                        </a:rPr>
+                        <a:t>F1-Score</a:t>
+                      </a:r>
+                    </a:p>
+                  </a:txBody>
+                  <a:tcPr/>
+                </a:tc>
+                <a:tc>
+                  <a:txBody>
+                    <a:bodyPr/>
+                    <a:lstStyle/>
+                    <a:p>
+                      <a:pPr marL="0" marR="0" lvl="0" indent="0" algn="ctr" defTabSz="914400" rtl="0" eaLnBrk="1" fontAlgn="auto" latinLnBrk="0" hangingPunct="1">
+                        <a:lnSpc>
+                          <a:spcPct val="100000"/>
+                        </a:lnSpc>
+                        <a:spcBef>
+                          <a:spcPts val="0"/>
+                        </a:spcBef>
+                        <a:spcAft>
+                          <a:spcPts val="0"/>
+                        </a:spcAft>
+                        <a:buClrTx/>
+                        <a:buSzTx/>
+                        <a:buFontTx/>
+                        <a:buNone/>
+                        <a:tabLst/>
+                        <a:defRPr/>
+                      </a:pPr>
+                      <a:r>
+                        <a:rPr lang="en-US" b="0" dirty="0">
+                          <a:latin typeface="Times New Roman" panose="02020603050405020304" pitchFamily="18" charset="0"/>
+                          <a:cs typeface="Times New Roman" panose="02020603050405020304" pitchFamily="18" charset="0"/>
+                        </a:rPr>
+                        <a:t># of ’58’</a:t>
+                      </a:r>
+                    </a:p>
+                  </a:txBody>
+                  <a:tcPr/>
+                </a:tc>
+                <a:tc>
+                  <a:txBody>
+                    <a:bodyPr/>
+                    <a:lstStyle/>
+                    <a:p>
+                      <a:pPr marL="0" marR="0" lvl="0" indent="0" algn="ctr" defTabSz="914400" rtl="0" eaLnBrk="1" fontAlgn="auto" latinLnBrk="0" hangingPunct="1">
+                        <a:lnSpc>
+                          <a:spcPct val="100000"/>
+                        </a:lnSpc>
+                        <a:spcBef>
+                          <a:spcPts val="0"/>
+                        </a:spcBef>
+                        <a:spcAft>
+                          <a:spcPts val="0"/>
+                        </a:spcAft>
+                        <a:buClrTx/>
+                        <a:buSzTx/>
+                        <a:buFontTx/>
+                        <a:buNone/>
+                        <a:tabLst/>
+                        <a:defRPr/>
+                      </a:pPr>
+                      <a:r>
+                        <a:rPr lang="en-US" b="0" dirty="0">
+                          <a:latin typeface="Times New Roman" panose="02020603050405020304" pitchFamily="18" charset="0"/>
+                          <a:cs typeface="Times New Roman" panose="02020603050405020304" pitchFamily="18" charset="0"/>
+                        </a:rPr>
+                        <a:t># of ’47’</a:t>
+                      </a:r>
+                    </a:p>
+                  </a:txBody>
+                  <a:tcPr/>
+                </a:tc>
+                <a:extLst>
+                  <a:ext uri="{0D108BD9-81ED-4DB2-BD59-A6C34878D82A}">
+                    <a16:rowId xmlns:a16="http://schemas.microsoft.com/office/drawing/2014/main" val="4261729995"/>
+                  </a:ext>
+                </a:extLst>
+              </a:tr>
+              <a:tr h="370840">
+                <a:tc>
+                  <a:txBody>
+                    <a:bodyPr/>
+                    <a:lstStyle/>
+                    <a:p>
+                      <a:pPr algn="ctr"/>
+                      <a:r>
+                        <a:rPr lang="en-US" b="0" dirty="0">
+                          <a:latin typeface="Times New Roman" panose="02020603050405020304" pitchFamily="18" charset="0"/>
+                          <a:cs typeface="Times New Roman" panose="02020603050405020304" pitchFamily="18" charset="0"/>
+                        </a:rPr>
+                        <a:t>k = 0</a:t>
+                      </a:r>
+                    </a:p>
+                  </a:txBody>
+                  <a:tcPr>
+                    <a:solidFill>
+                      <a:schemeClr val="bg2">
+                        <a:lumMod val="90000"/>
+                      </a:schemeClr>
+                    </a:solidFill>
+                  </a:tcPr>
+                </a:tc>
+                <a:tc>
+                  <a:txBody>
+                    <a:bodyPr/>
+                    <a:lstStyle/>
+                    <a:p>
+                      <a:pPr algn="ctr"/>
+                      <a:r>
+                        <a:rPr lang="en-US" b="0" dirty="0">
+                          <a:latin typeface="Times New Roman" panose="02020603050405020304" pitchFamily="18" charset="0"/>
+                          <a:cs typeface="Times New Roman" panose="02020603050405020304" pitchFamily="18" charset="0"/>
+                        </a:rPr>
+                        <a:t>27%</a:t>
+                      </a:r>
+                    </a:p>
+                  </a:txBody>
+                  <a:tcPr>
+                    <a:solidFill>
+                      <a:schemeClr val="bg2">
+                        <a:lumMod val="90000"/>
+                      </a:schemeClr>
+                    </a:solidFill>
+                  </a:tcPr>
+                </a:tc>
+                <a:tc>
+                  <a:txBody>
+                    <a:bodyPr/>
+                    <a:lstStyle/>
+                    <a:p>
+                      <a:pPr algn="ctr"/>
+                      <a:r>
+                        <a:rPr lang="en-US" b="0" dirty="0">
+                          <a:latin typeface="Times New Roman" panose="02020603050405020304" pitchFamily="18" charset="0"/>
+                          <a:cs typeface="Times New Roman" panose="02020603050405020304" pitchFamily="18" charset="0"/>
+                        </a:rPr>
+                        <a:t>20%</a:t>
+                      </a:r>
+                    </a:p>
+                  </a:txBody>
+                  <a:tcPr>
+                    <a:solidFill>
+                      <a:schemeClr val="bg2">
+                        <a:lumMod val="90000"/>
+                      </a:schemeClr>
+                    </a:solidFill>
+                  </a:tcPr>
+                </a:tc>
+                <a:tc>
+                  <a:txBody>
+                    <a:bodyPr/>
+                    <a:lstStyle/>
+                    <a:p>
+                      <a:pPr algn="ctr"/>
+                      <a:r>
+                        <a:rPr lang="en-US" b="0" dirty="0">
+                          <a:latin typeface="Times New Roman" panose="02020603050405020304" pitchFamily="18" charset="0"/>
+                          <a:cs typeface="Times New Roman" panose="02020603050405020304" pitchFamily="18" charset="0"/>
+                        </a:rPr>
+                        <a:t>95%</a:t>
+                      </a:r>
+                    </a:p>
+                  </a:txBody>
+                  <a:tcPr>
+                    <a:solidFill>
+                      <a:schemeClr val="bg2">
+                        <a:lumMod val="90000"/>
+                      </a:schemeClr>
+                    </a:solidFill>
+                  </a:tcPr>
+                </a:tc>
+                <a:tc>
+                  <a:txBody>
+                    <a:bodyPr/>
+                    <a:lstStyle/>
+                    <a:p>
+                      <a:pPr algn="ctr"/>
+                      <a:r>
+                        <a:rPr lang="en-US" b="0" dirty="0">
+                          <a:latin typeface="Times New Roman" panose="02020603050405020304" pitchFamily="18" charset="0"/>
+                          <a:cs typeface="Times New Roman" panose="02020603050405020304" pitchFamily="18" charset="0"/>
+                        </a:rPr>
+                        <a:t>33%</a:t>
+                      </a:r>
+                    </a:p>
+                  </a:txBody>
+                  <a:tcPr>
+                    <a:solidFill>
+                      <a:schemeClr val="bg2">
+                        <a:lumMod val="90000"/>
+                      </a:schemeClr>
+                    </a:solidFill>
+                  </a:tcPr>
+                </a:tc>
+                <a:tc>
+                  <a:txBody>
+                    <a:bodyPr/>
+                    <a:lstStyle/>
+                    <a:p>
+                      <a:pPr algn="ctr"/>
+                      <a:r>
+                        <a:rPr lang="en-US" b="0" dirty="0">
+                          <a:latin typeface="Times New Roman" panose="02020603050405020304" pitchFamily="18" charset="0"/>
+                          <a:cs typeface="Times New Roman" panose="02020603050405020304" pitchFamily="18" charset="0"/>
+                        </a:rPr>
+                        <a:t>363</a:t>
+                      </a:r>
+                    </a:p>
+                  </a:txBody>
+                  <a:tcPr>
+                    <a:solidFill>
+                      <a:schemeClr val="bg2">
+                        <a:lumMod val="90000"/>
+                      </a:schemeClr>
+                    </a:solidFill>
+                  </a:tcPr>
+                </a:tc>
+                <a:tc>
+                  <a:txBody>
+                    <a:bodyPr/>
+                    <a:lstStyle/>
+                    <a:p>
+                      <a:pPr algn="ctr"/>
+                      <a:r>
+                        <a:rPr lang="en-US" b="0" dirty="0">
+                          <a:latin typeface="Times New Roman" panose="02020603050405020304" pitchFamily="18" charset="0"/>
+                          <a:cs typeface="Times New Roman" panose="02020603050405020304" pitchFamily="18" charset="0"/>
+                        </a:rPr>
+                        <a:t>38</a:t>
+                      </a:r>
+                    </a:p>
+                  </a:txBody>
+                  <a:tcPr>
+                    <a:solidFill>
+                      <a:schemeClr val="bg2">
+                        <a:lumMod val="90000"/>
+                      </a:schemeClr>
+                    </a:solidFill>
+                  </a:tcPr>
+                </a:tc>
+                <a:extLst>
+                  <a:ext uri="{0D108BD9-81ED-4DB2-BD59-A6C34878D82A}">
+                    <a16:rowId xmlns:a16="http://schemas.microsoft.com/office/drawing/2014/main" val="1335220462"/>
+                  </a:ext>
+                </a:extLst>
+              </a:tr>
+              <a:tr h="370840">
+                <a:tc>
+                  <a:txBody>
+                    <a:bodyPr/>
+                    <a:lstStyle/>
+                    <a:p>
+                      <a:pPr algn="ctr"/>
+                      <a:r>
+                        <a:rPr lang="en-US" b="0" dirty="0">
+                          <a:latin typeface="Times New Roman" panose="02020603050405020304" pitchFamily="18" charset="0"/>
+                          <a:cs typeface="Times New Roman" panose="02020603050405020304" pitchFamily="18" charset="0"/>
+                        </a:rPr>
+                        <a:t>k = 1</a:t>
+                      </a:r>
+                    </a:p>
+                  </a:txBody>
+                  <a:tcPr>
+                    <a:solidFill>
+                      <a:schemeClr val="bg2">
+                        <a:lumMod val="90000"/>
+                      </a:schemeClr>
+                    </a:solidFill>
+                  </a:tcPr>
+                </a:tc>
+                <a:tc>
+                  <a:txBody>
+                    <a:bodyPr/>
+                    <a:lstStyle/>
+                    <a:p>
+                      <a:pPr algn="ctr"/>
+                      <a:r>
+                        <a:rPr lang="en-US" b="0" dirty="0">
+                          <a:latin typeface="Times New Roman" panose="02020603050405020304" pitchFamily="18" charset="0"/>
+                          <a:cs typeface="Times New Roman" panose="02020603050405020304" pitchFamily="18" charset="0"/>
+                        </a:rPr>
+                        <a:t>41%</a:t>
+                      </a:r>
+                    </a:p>
+                  </a:txBody>
+                  <a:tcPr>
+                    <a:solidFill>
+                      <a:schemeClr val="bg2">
+                        <a:lumMod val="90000"/>
+                      </a:schemeClr>
+                    </a:solidFill>
+                  </a:tcPr>
+                </a:tc>
+                <a:tc>
+                  <a:txBody>
+                    <a:bodyPr/>
+                    <a:lstStyle/>
+                    <a:p>
+                      <a:pPr algn="ctr"/>
+                      <a:r>
+                        <a:rPr lang="en-US" b="0" dirty="0">
+                          <a:latin typeface="Times New Roman" panose="02020603050405020304" pitchFamily="18" charset="0"/>
+                          <a:cs typeface="Times New Roman" panose="02020603050405020304" pitchFamily="18" charset="0"/>
+                        </a:rPr>
+                        <a:t>23%</a:t>
+                      </a:r>
+                    </a:p>
+                  </a:txBody>
+                  <a:tcPr>
+                    <a:solidFill>
+                      <a:schemeClr val="bg2">
+                        <a:lumMod val="90000"/>
+                      </a:schemeClr>
+                    </a:solidFill>
+                  </a:tcPr>
+                </a:tc>
+                <a:tc>
+                  <a:txBody>
+                    <a:bodyPr/>
+                    <a:lstStyle/>
+                    <a:p>
+                      <a:pPr algn="ctr"/>
+                      <a:r>
+                        <a:rPr lang="en-US" b="0" dirty="0">
+                          <a:latin typeface="Times New Roman" panose="02020603050405020304" pitchFamily="18" charset="0"/>
+                          <a:cs typeface="Times New Roman" panose="02020603050405020304" pitchFamily="18" charset="0"/>
+                        </a:rPr>
+                        <a:t>86%</a:t>
+                      </a:r>
+                    </a:p>
+                  </a:txBody>
+                  <a:tcPr>
+                    <a:solidFill>
+                      <a:schemeClr val="bg2">
+                        <a:lumMod val="90000"/>
+                      </a:schemeClr>
+                    </a:solidFill>
+                  </a:tcPr>
+                </a:tc>
+                <a:tc>
+                  <a:txBody>
+                    <a:bodyPr/>
+                    <a:lstStyle/>
+                    <a:p>
+                      <a:pPr algn="ctr"/>
+                      <a:r>
+                        <a:rPr lang="en-US" b="0" dirty="0">
+                          <a:latin typeface="Times New Roman" panose="02020603050405020304" pitchFamily="18" charset="0"/>
+                          <a:cs typeface="Times New Roman" panose="02020603050405020304" pitchFamily="18" charset="0"/>
+                        </a:rPr>
+                        <a:t>36%</a:t>
+                      </a:r>
+                    </a:p>
+                  </a:txBody>
+                  <a:tcPr>
+                    <a:solidFill>
+                      <a:schemeClr val="bg2">
+                        <a:lumMod val="90000"/>
+                      </a:schemeClr>
+                    </a:solidFill>
+                  </a:tcPr>
+                </a:tc>
+                <a:tc>
+                  <a:txBody>
+                    <a:bodyPr/>
+                    <a:lstStyle/>
+                    <a:p>
+                      <a:pPr algn="ctr"/>
+                      <a:r>
+                        <a:rPr lang="en-US" b="0" dirty="0">
+                          <a:latin typeface="Times New Roman" panose="02020603050405020304" pitchFamily="18" charset="0"/>
+                          <a:cs typeface="Times New Roman" panose="02020603050405020304" pitchFamily="18" charset="0"/>
+                        </a:rPr>
+                        <a:t>293</a:t>
+                      </a:r>
+                    </a:p>
+                  </a:txBody>
+                  <a:tcPr>
+                    <a:solidFill>
+                      <a:schemeClr val="bg2">
+                        <a:lumMod val="90000"/>
+                      </a:schemeClr>
+                    </a:solidFill>
+                  </a:tcPr>
+                </a:tc>
+                <a:tc>
+                  <a:txBody>
+                    <a:bodyPr/>
+                    <a:lstStyle/>
+                    <a:p>
+                      <a:pPr algn="ctr"/>
+                      <a:r>
+                        <a:rPr lang="en-US" b="0" dirty="0">
+                          <a:latin typeface="Times New Roman" panose="02020603050405020304" pitchFamily="18" charset="0"/>
+                          <a:cs typeface="Times New Roman" panose="02020603050405020304" pitchFamily="18" charset="0"/>
+                        </a:rPr>
+                        <a:t>108</a:t>
+                      </a:r>
+                    </a:p>
+                  </a:txBody>
+                  <a:tcPr>
+                    <a:solidFill>
+                      <a:schemeClr val="bg2">
+                        <a:lumMod val="90000"/>
+                      </a:schemeClr>
+                    </a:solidFill>
+                  </a:tcPr>
+                </a:tc>
+                <a:extLst>
+                  <a:ext uri="{0D108BD9-81ED-4DB2-BD59-A6C34878D82A}">
+                    <a16:rowId xmlns:a16="http://schemas.microsoft.com/office/drawing/2014/main" val="1812256273"/>
+                  </a:ext>
+                </a:extLst>
+              </a:tr>
+              <a:tr h="370840">
+                <a:tc>
+                  <a:txBody>
+                    <a:bodyPr/>
+                    <a:lstStyle/>
+                    <a:p>
+                      <a:pPr algn="ctr"/>
+                      <a:r>
+                        <a:rPr lang="en-US" b="0" dirty="0">
+                          <a:latin typeface="Times New Roman" panose="02020603050405020304" pitchFamily="18" charset="0"/>
+                          <a:cs typeface="Times New Roman" panose="02020603050405020304" pitchFamily="18" charset="0"/>
+                        </a:rPr>
+                        <a:t>k = 5</a:t>
+                      </a:r>
+                    </a:p>
+                  </a:txBody>
+                  <a:tcPr>
+                    <a:solidFill>
+                      <a:schemeClr val="bg2">
+                        <a:lumMod val="90000"/>
+                      </a:schemeClr>
+                    </a:solidFill>
+                  </a:tcPr>
+                </a:tc>
+                <a:tc>
+                  <a:txBody>
+                    <a:bodyPr/>
+                    <a:lstStyle/>
+                    <a:p>
+                      <a:pPr algn="ctr"/>
+                      <a:r>
+                        <a:rPr lang="en-US" b="0" dirty="0">
+                          <a:latin typeface="Times New Roman" panose="02020603050405020304" pitchFamily="18" charset="0"/>
+                          <a:cs typeface="Times New Roman" panose="02020603050405020304" pitchFamily="18" charset="0"/>
+                        </a:rPr>
+                        <a:t>46%</a:t>
+                      </a:r>
+                    </a:p>
+                  </a:txBody>
+                  <a:tcPr>
+                    <a:solidFill>
+                      <a:schemeClr val="bg2">
+                        <a:lumMod val="90000"/>
+                      </a:schemeClr>
+                    </a:solidFill>
+                  </a:tcPr>
+                </a:tc>
+                <a:tc>
+                  <a:txBody>
+                    <a:bodyPr/>
+                    <a:lstStyle/>
+                    <a:p>
+                      <a:pPr algn="ctr"/>
+                      <a:r>
+                        <a:rPr lang="en-US" b="0" dirty="0">
+                          <a:latin typeface="Times New Roman" panose="02020603050405020304" pitchFamily="18" charset="0"/>
+                          <a:cs typeface="Times New Roman" panose="02020603050405020304" pitchFamily="18" charset="0"/>
+                        </a:rPr>
+                        <a:t>22%</a:t>
+                      </a:r>
+                    </a:p>
+                  </a:txBody>
+                  <a:tcPr>
+                    <a:solidFill>
+                      <a:schemeClr val="bg2">
+                        <a:lumMod val="90000"/>
+                      </a:schemeClr>
+                    </a:solidFill>
+                  </a:tcPr>
+                </a:tc>
+                <a:tc>
+                  <a:txBody>
+                    <a:bodyPr/>
+                    <a:lstStyle/>
+                    <a:p>
+                      <a:pPr algn="ctr"/>
+                      <a:r>
+                        <a:rPr lang="en-US" b="0" dirty="0">
+                          <a:latin typeface="Times New Roman" panose="02020603050405020304" pitchFamily="18" charset="0"/>
+                          <a:cs typeface="Times New Roman" panose="02020603050405020304" pitchFamily="18" charset="0"/>
+                        </a:rPr>
+                        <a:t>71%</a:t>
+                      </a:r>
+                    </a:p>
+                  </a:txBody>
+                  <a:tcPr>
+                    <a:solidFill>
+                      <a:schemeClr val="bg2">
+                        <a:lumMod val="90000"/>
+                      </a:schemeClr>
+                    </a:solidFill>
+                  </a:tcPr>
+                </a:tc>
+                <a:tc>
+                  <a:txBody>
+                    <a:bodyPr/>
+                    <a:lstStyle/>
+                    <a:p>
+                      <a:pPr algn="ctr"/>
+                      <a:r>
+                        <a:rPr lang="en-US" b="0" dirty="0">
+                          <a:latin typeface="Times New Roman" panose="02020603050405020304" pitchFamily="18" charset="0"/>
+                          <a:cs typeface="Times New Roman" panose="02020603050405020304" pitchFamily="18" charset="0"/>
+                        </a:rPr>
+                        <a:t>34%</a:t>
+                      </a:r>
+                    </a:p>
+                  </a:txBody>
+                  <a:tcPr>
+                    <a:solidFill>
+                      <a:schemeClr val="bg2">
+                        <a:lumMod val="90000"/>
+                      </a:schemeClr>
+                    </a:solidFill>
+                  </a:tcPr>
+                </a:tc>
+                <a:tc>
+                  <a:txBody>
+                    <a:bodyPr/>
+                    <a:lstStyle/>
+                    <a:p>
+                      <a:pPr algn="ctr"/>
+                      <a:r>
+                        <a:rPr lang="en-US" b="0" dirty="0">
+                          <a:latin typeface="Times New Roman" panose="02020603050405020304" pitchFamily="18" charset="0"/>
+                          <a:cs typeface="Times New Roman" panose="02020603050405020304" pitchFamily="18" charset="0"/>
+                        </a:rPr>
+                        <a:t>249</a:t>
+                      </a:r>
+                    </a:p>
+                  </a:txBody>
+                  <a:tcPr>
+                    <a:solidFill>
+                      <a:schemeClr val="bg2">
+                        <a:lumMod val="90000"/>
+                      </a:schemeClr>
+                    </a:solidFill>
+                  </a:tcPr>
+                </a:tc>
+                <a:tc>
+                  <a:txBody>
+                    <a:bodyPr/>
+                    <a:lstStyle/>
+                    <a:p>
+                      <a:pPr algn="ctr"/>
+                      <a:r>
+                        <a:rPr lang="en-US" b="0" dirty="0">
+                          <a:latin typeface="Times New Roman" panose="02020603050405020304" pitchFamily="18" charset="0"/>
+                          <a:cs typeface="Times New Roman" panose="02020603050405020304" pitchFamily="18" charset="0"/>
+                        </a:rPr>
+                        <a:t>152</a:t>
+                      </a:r>
+                    </a:p>
+                  </a:txBody>
+                  <a:tcPr>
+                    <a:solidFill>
+                      <a:schemeClr val="bg2">
+                        <a:lumMod val="90000"/>
+                      </a:schemeClr>
+                    </a:solidFill>
+                  </a:tcPr>
+                </a:tc>
+                <a:extLst>
+                  <a:ext uri="{0D108BD9-81ED-4DB2-BD59-A6C34878D82A}">
+                    <a16:rowId xmlns:a16="http://schemas.microsoft.com/office/drawing/2014/main" val="450599201"/>
+                  </a:ext>
+                </a:extLst>
+              </a:tr>
+              <a:tr h="370840">
+                <a:tc>
+                  <a:txBody>
+                    <a:bodyPr/>
+                    <a:lstStyle/>
+                    <a:p>
+                      <a:pPr algn="ctr"/>
+                      <a:r>
+                        <a:rPr lang="en-US" b="0" dirty="0">
+                          <a:latin typeface="Times New Roman" panose="02020603050405020304" pitchFamily="18" charset="0"/>
+                          <a:cs typeface="Times New Roman" panose="02020603050405020304" pitchFamily="18" charset="0"/>
+                        </a:rPr>
+                        <a:t>k = 20</a:t>
+                      </a:r>
+                    </a:p>
+                  </a:txBody>
+                  <a:tcPr>
+                    <a:solidFill>
+                      <a:schemeClr val="bg2">
+                        <a:lumMod val="90000"/>
+                      </a:schemeClr>
+                    </a:solidFill>
+                  </a:tcPr>
+                </a:tc>
+                <a:tc>
+                  <a:txBody>
+                    <a:bodyPr/>
+                    <a:lstStyle/>
+                    <a:p>
+                      <a:pPr algn="ctr"/>
+                      <a:r>
+                        <a:rPr lang="en-US" b="0" dirty="0">
+                          <a:latin typeface="Times New Roman" panose="02020603050405020304" pitchFamily="18" charset="0"/>
+                          <a:cs typeface="Times New Roman" panose="02020603050405020304" pitchFamily="18" charset="0"/>
+                        </a:rPr>
+                        <a:t>58%</a:t>
+                      </a:r>
+                    </a:p>
+                  </a:txBody>
+                  <a:tcPr>
+                    <a:solidFill>
+                      <a:schemeClr val="bg2">
+                        <a:lumMod val="90000"/>
+                      </a:schemeClr>
+                    </a:solidFill>
+                  </a:tcPr>
+                </a:tc>
+                <a:tc>
+                  <a:txBody>
+                    <a:bodyPr/>
+                    <a:lstStyle/>
+                    <a:p>
+                      <a:pPr algn="ctr"/>
+                      <a:r>
+                        <a:rPr lang="en-US" b="0" dirty="0">
+                          <a:latin typeface="Times New Roman" panose="02020603050405020304" pitchFamily="18" charset="0"/>
+                          <a:cs typeface="Times New Roman" panose="02020603050405020304" pitchFamily="18" charset="0"/>
+                        </a:rPr>
+                        <a:t>26%</a:t>
+                      </a:r>
+                    </a:p>
+                  </a:txBody>
+                  <a:tcPr>
+                    <a:solidFill>
+                      <a:schemeClr val="bg2">
+                        <a:lumMod val="90000"/>
+                      </a:schemeClr>
+                    </a:solidFill>
+                  </a:tcPr>
+                </a:tc>
+                <a:tc>
+                  <a:txBody>
+                    <a:bodyPr/>
+                    <a:lstStyle/>
+                    <a:p>
+                      <a:pPr algn="ctr"/>
+                      <a:r>
+                        <a:rPr lang="en-US" b="0" dirty="0">
+                          <a:latin typeface="Times New Roman" panose="02020603050405020304" pitchFamily="18" charset="0"/>
+                          <a:cs typeface="Times New Roman" panose="02020603050405020304" pitchFamily="18" charset="0"/>
+                        </a:rPr>
+                        <a:t>69%</a:t>
+                      </a:r>
+                    </a:p>
+                  </a:txBody>
+                  <a:tcPr>
+                    <a:solidFill>
+                      <a:schemeClr val="bg2">
+                        <a:lumMod val="90000"/>
+                      </a:schemeClr>
+                    </a:solidFill>
+                  </a:tcPr>
+                </a:tc>
+                <a:tc>
+                  <a:txBody>
+                    <a:bodyPr/>
+                    <a:lstStyle/>
+                    <a:p>
+                      <a:pPr algn="ctr"/>
+                      <a:r>
+                        <a:rPr lang="en-US" b="0" dirty="0">
+                          <a:latin typeface="Times New Roman" panose="02020603050405020304" pitchFamily="18" charset="0"/>
+                          <a:cs typeface="Times New Roman" panose="02020603050405020304" pitchFamily="18" charset="0"/>
+                        </a:rPr>
+                        <a:t>38%</a:t>
+                      </a:r>
+                    </a:p>
+                  </a:txBody>
+                  <a:tcPr>
+                    <a:solidFill>
+                      <a:schemeClr val="bg2">
+                        <a:lumMod val="90000"/>
+                      </a:schemeClr>
+                    </a:solidFill>
+                  </a:tcPr>
+                </a:tc>
+                <a:tc>
+                  <a:txBody>
+                    <a:bodyPr/>
+                    <a:lstStyle/>
+                    <a:p>
+                      <a:pPr algn="ctr"/>
+                      <a:r>
+                        <a:rPr lang="en-US" b="0" dirty="0">
+                          <a:latin typeface="Times New Roman" panose="02020603050405020304" pitchFamily="18" charset="0"/>
+                          <a:cs typeface="Times New Roman" panose="02020603050405020304" pitchFamily="18" charset="0"/>
+                        </a:rPr>
+                        <a:t>202</a:t>
+                      </a:r>
+                    </a:p>
+                  </a:txBody>
+                  <a:tcPr>
+                    <a:solidFill>
+                      <a:schemeClr val="bg2">
+                        <a:lumMod val="90000"/>
+                      </a:schemeClr>
+                    </a:solidFill>
+                  </a:tcPr>
+                </a:tc>
+                <a:tc>
+                  <a:txBody>
+                    <a:bodyPr/>
+                    <a:lstStyle/>
+                    <a:p>
+                      <a:pPr algn="ctr"/>
+                      <a:r>
+                        <a:rPr lang="en-US" b="0" dirty="0">
+                          <a:latin typeface="Times New Roman" panose="02020603050405020304" pitchFamily="18" charset="0"/>
+                          <a:cs typeface="Times New Roman" panose="02020603050405020304" pitchFamily="18" charset="0"/>
+                        </a:rPr>
+                        <a:t>199</a:t>
+                      </a:r>
+                    </a:p>
+                  </a:txBody>
+                  <a:tcPr>
+                    <a:solidFill>
+                      <a:schemeClr val="bg2">
+                        <a:lumMod val="90000"/>
+                      </a:schemeClr>
+                    </a:solidFill>
+                  </a:tcPr>
+                </a:tc>
+                <a:extLst>
+                  <a:ext uri="{0D108BD9-81ED-4DB2-BD59-A6C34878D82A}">
+                    <a16:rowId xmlns:a16="http://schemas.microsoft.com/office/drawing/2014/main" val="257525509"/>
+                  </a:ext>
+                </a:extLst>
+              </a:tr>
+              <a:tr h="0">
+                <a:tc>
+                  <a:txBody>
+                    <a:bodyPr/>
+                    <a:lstStyle/>
+                    <a:p>
+                      <a:pPr algn="ctr"/>
+                      <a:r>
+                        <a:rPr lang="en-US" b="0" dirty="0">
+                          <a:latin typeface="Times New Roman" panose="02020603050405020304" pitchFamily="18" charset="0"/>
+                          <a:cs typeface="Times New Roman" panose="02020603050405020304" pitchFamily="18" charset="0"/>
+                        </a:rPr>
+                        <a:t>k = 50</a:t>
+                      </a:r>
+                    </a:p>
+                  </a:txBody>
+                  <a:tcPr>
+                    <a:solidFill>
+                      <a:schemeClr val="bg2">
+                        <a:lumMod val="90000"/>
+                      </a:schemeClr>
+                    </a:solidFill>
+                  </a:tcPr>
+                </a:tc>
+                <a:tc>
+                  <a:txBody>
+                    <a:bodyPr/>
+                    <a:lstStyle/>
+                    <a:p>
+                      <a:pPr algn="ctr"/>
+                      <a:r>
+                        <a:rPr lang="en-US" b="0" dirty="0">
+                          <a:latin typeface="Times New Roman" panose="02020603050405020304" pitchFamily="18" charset="0"/>
+                          <a:cs typeface="Times New Roman" panose="02020603050405020304" pitchFamily="18" charset="0"/>
+                        </a:rPr>
+                        <a:t>57%</a:t>
+                      </a:r>
+                    </a:p>
+                  </a:txBody>
+                  <a:tcPr>
+                    <a:solidFill>
+                      <a:schemeClr val="bg2">
+                        <a:lumMod val="90000"/>
+                      </a:schemeClr>
+                    </a:solidFill>
+                  </a:tcPr>
+                </a:tc>
+                <a:tc>
+                  <a:txBody>
+                    <a:bodyPr/>
+                    <a:lstStyle/>
+                    <a:p>
+                      <a:pPr algn="ctr"/>
+                      <a:r>
+                        <a:rPr lang="en-US" b="0" dirty="0">
+                          <a:latin typeface="Times New Roman" panose="02020603050405020304" pitchFamily="18" charset="0"/>
+                          <a:cs typeface="Times New Roman" panose="02020603050405020304" pitchFamily="18" charset="0"/>
+                        </a:rPr>
+                        <a:t>24%</a:t>
+                      </a:r>
+                    </a:p>
+                  </a:txBody>
+                  <a:tcPr>
+                    <a:solidFill>
+                      <a:schemeClr val="bg2">
+                        <a:lumMod val="90000"/>
+                      </a:schemeClr>
+                    </a:solidFill>
+                  </a:tcPr>
+                </a:tc>
+                <a:tc>
+                  <a:txBody>
+                    <a:bodyPr/>
+                    <a:lstStyle/>
+                    <a:p>
+                      <a:pPr algn="ctr"/>
+                      <a:r>
+                        <a:rPr lang="en-US" b="0" dirty="0">
+                          <a:latin typeface="Times New Roman" panose="02020603050405020304" pitchFamily="18" charset="0"/>
+                          <a:cs typeface="Times New Roman" panose="02020603050405020304" pitchFamily="18" charset="0"/>
+                        </a:rPr>
+                        <a:t>56%</a:t>
+                      </a:r>
+                    </a:p>
+                  </a:txBody>
+                  <a:tcPr>
+                    <a:solidFill>
+                      <a:schemeClr val="bg2">
+                        <a:lumMod val="90000"/>
+                      </a:schemeClr>
+                    </a:solidFill>
+                  </a:tcPr>
+                </a:tc>
+                <a:tc>
+                  <a:txBody>
+                    <a:bodyPr/>
+                    <a:lstStyle/>
+                    <a:p>
+                      <a:pPr algn="ctr"/>
+                      <a:r>
+                        <a:rPr lang="en-US" b="0" dirty="0">
+                          <a:latin typeface="Times New Roman" panose="02020603050405020304" pitchFamily="18" charset="0"/>
+                          <a:cs typeface="Times New Roman" panose="02020603050405020304" pitchFamily="18" charset="0"/>
+                        </a:rPr>
+                        <a:t>33%</a:t>
+                      </a:r>
+                    </a:p>
+                  </a:txBody>
+                  <a:tcPr>
+                    <a:solidFill>
+                      <a:schemeClr val="bg2">
+                        <a:lumMod val="90000"/>
+                      </a:schemeClr>
+                    </a:solidFill>
+                  </a:tcPr>
+                </a:tc>
+                <a:tc>
+                  <a:txBody>
+                    <a:bodyPr/>
+                    <a:lstStyle/>
+                    <a:p>
+                      <a:pPr algn="ctr"/>
+                      <a:r>
+                        <a:rPr lang="en-US" b="0" dirty="0">
+                          <a:latin typeface="Times New Roman" panose="02020603050405020304" pitchFamily="18" charset="0"/>
+                          <a:cs typeface="Times New Roman" panose="02020603050405020304" pitchFamily="18" charset="0"/>
+                        </a:rPr>
+                        <a:t>180</a:t>
+                      </a:r>
+                    </a:p>
+                  </a:txBody>
+                  <a:tcPr>
+                    <a:solidFill>
+                      <a:schemeClr val="bg2">
+                        <a:lumMod val="90000"/>
+                      </a:schemeClr>
+                    </a:solidFill>
+                  </a:tcPr>
+                </a:tc>
+                <a:tc>
+                  <a:txBody>
+                    <a:bodyPr/>
+                    <a:lstStyle/>
+                    <a:p>
+                      <a:pPr algn="ctr"/>
+                      <a:r>
+                        <a:rPr lang="en-US" b="0" dirty="0">
+                          <a:latin typeface="Times New Roman" panose="02020603050405020304" pitchFamily="18" charset="0"/>
+                          <a:cs typeface="Times New Roman" panose="02020603050405020304" pitchFamily="18" charset="0"/>
+                        </a:rPr>
+                        <a:t>221</a:t>
+                      </a:r>
+                    </a:p>
+                  </a:txBody>
+                  <a:tcPr>
+                    <a:solidFill>
+                      <a:schemeClr val="bg2">
+                        <a:lumMod val="90000"/>
+                      </a:schemeClr>
+                    </a:solidFill>
+                  </a:tcPr>
+                </a:tc>
+                <a:extLst>
+                  <a:ext uri="{0D108BD9-81ED-4DB2-BD59-A6C34878D82A}">
+                    <a16:rowId xmlns:a16="http://schemas.microsoft.com/office/drawing/2014/main" val="3654193099"/>
+                  </a:ext>
+                </a:extLst>
+              </a:tr>
+              <a:tr h="0">
+                <a:tc>
+                  <a:txBody>
+                    <a:bodyPr/>
+                    <a:lstStyle/>
+                    <a:p>
+                      <a:pPr algn="ctr"/>
+                      <a:r>
+                        <a:rPr lang="en-US" b="0" dirty="0">
+                          <a:latin typeface="Times New Roman" panose="02020603050405020304" pitchFamily="18" charset="0"/>
+                          <a:cs typeface="Times New Roman" panose="02020603050405020304" pitchFamily="18" charset="0"/>
+                        </a:rPr>
+                        <a:t>Tr Labels</a:t>
+                      </a:r>
+                    </a:p>
+                  </a:txBody>
+                  <a:tcPr>
+                    <a:solidFill>
+                      <a:schemeClr val="bg2">
+                        <a:lumMod val="90000"/>
+                      </a:schemeClr>
+                    </a:solidFill>
+                  </a:tcPr>
+                </a:tc>
+                <a:tc>
+                  <a:txBody>
+                    <a:bodyPr/>
+                    <a:lstStyle/>
+                    <a:p>
+                      <a:pPr algn="ctr"/>
+                      <a:endParaRPr lang="en-US" b="0" dirty="0">
+                        <a:latin typeface="Times New Roman" panose="02020603050405020304" pitchFamily="18" charset="0"/>
+                        <a:cs typeface="Times New Roman" panose="02020603050405020304" pitchFamily="18" charset="0"/>
+                      </a:endParaRPr>
+                    </a:p>
+                  </a:txBody>
+                  <a:tcPr>
+                    <a:solidFill>
+                      <a:schemeClr val="bg2">
+                        <a:lumMod val="90000"/>
+                      </a:schemeClr>
+                    </a:solidFill>
+                  </a:tcPr>
+                </a:tc>
+                <a:tc>
+                  <a:txBody>
+                    <a:bodyPr/>
+                    <a:lstStyle/>
+                    <a:p>
+                      <a:pPr algn="ctr"/>
+                      <a:endParaRPr lang="en-US" b="0" dirty="0">
+                        <a:latin typeface="Times New Roman" panose="02020603050405020304" pitchFamily="18" charset="0"/>
+                        <a:cs typeface="Times New Roman" panose="02020603050405020304" pitchFamily="18" charset="0"/>
+                      </a:endParaRPr>
+                    </a:p>
+                  </a:txBody>
+                  <a:tcPr>
+                    <a:solidFill>
+                      <a:schemeClr val="bg2">
+                        <a:lumMod val="90000"/>
+                      </a:schemeClr>
+                    </a:solidFill>
+                  </a:tcPr>
+                </a:tc>
+                <a:tc>
+                  <a:txBody>
+                    <a:bodyPr/>
+                    <a:lstStyle/>
+                    <a:p>
+                      <a:pPr algn="ctr"/>
+                      <a:endParaRPr lang="en-US" b="0" dirty="0">
+                        <a:latin typeface="Times New Roman" panose="02020603050405020304" pitchFamily="18" charset="0"/>
+                        <a:cs typeface="Times New Roman" panose="02020603050405020304" pitchFamily="18" charset="0"/>
+                      </a:endParaRPr>
+                    </a:p>
+                  </a:txBody>
+                  <a:tcPr>
+                    <a:solidFill>
+                      <a:schemeClr val="bg2">
+                        <a:lumMod val="90000"/>
+                      </a:schemeClr>
+                    </a:solidFill>
+                  </a:tcPr>
+                </a:tc>
+                <a:tc>
+                  <a:txBody>
+                    <a:bodyPr/>
+                    <a:lstStyle/>
+                    <a:p>
+                      <a:pPr algn="ctr"/>
+                      <a:endParaRPr lang="en-US" b="0" dirty="0">
+                        <a:latin typeface="Times New Roman" panose="02020603050405020304" pitchFamily="18" charset="0"/>
+                        <a:cs typeface="Times New Roman" panose="02020603050405020304" pitchFamily="18" charset="0"/>
+                      </a:endParaRPr>
+                    </a:p>
+                  </a:txBody>
+                  <a:tcPr>
+                    <a:solidFill>
+                      <a:schemeClr val="bg2">
+                        <a:lumMod val="90000"/>
+                      </a:schemeClr>
+                    </a:solidFill>
+                  </a:tcPr>
+                </a:tc>
+                <a:tc>
+                  <a:txBody>
+                    <a:bodyPr/>
+                    <a:lstStyle/>
+                    <a:p>
+                      <a:pPr algn="ctr"/>
+                      <a:r>
+                        <a:rPr lang="en-US" b="0" dirty="0">
+                          <a:latin typeface="Times New Roman" panose="02020603050405020304" pitchFamily="18" charset="0"/>
+                          <a:cs typeface="Times New Roman" panose="02020603050405020304" pitchFamily="18" charset="0"/>
+                        </a:rPr>
+                        <a:t>77</a:t>
+                      </a:r>
+                    </a:p>
+                  </a:txBody>
+                  <a:tcPr>
+                    <a:solidFill>
+                      <a:schemeClr val="bg2">
+                        <a:lumMod val="90000"/>
+                      </a:schemeClr>
+                    </a:solidFill>
+                  </a:tcPr>
+                </a:tc>
+                <a:tc>
+                  <a:txBody>
+                    <a:bodyPr/>
+                    <a:lstStyle/>
+                    <a:p>
+                      <a:pPr algn="ctr"/>
+                      <a:r>
+                        <a:rPr lang="en-US" b="0" dirty="0">
+                          <a:latin typeface="Times New Roman" panose="02020603050405020304" pitchFamily="18" charset="0"/>
+                          <a:cs typeface="Times New Roman" panose="02020603050405020304" pitchFamily="18" charset="0"/>
+                        </a:rPr>
+                        <a:t>323</a:t>
+                      </a:r>
+                    </a:p>
+                  </a:txBody>
+                  <a:tcPr>
+                    <a:solidFill>
+                      <a:schemeClr val="bg2">
+                        <a:lumMod val="90000"/>
+                      </a:schemeClr>
+                    </a:solidFill>
+                  </a:tcPr>
+                </a:tc>
+                <a:extLst>
+                  <a:ext uri="{0D108BD9-81ED-4DB2-BD59-A6C34878D82A}">
+                    <a16:rowId xmlns:a16="http://schemas.microsoft.com/office/drawing/2014/main" val="2216362569"/>
+                  </a:ext>
+                </a:extLst>
+              </a:tr>
+            </a:tbl>
+          </a:graphicData>
+        </a:graphic>
+      </p:graphicFrame>
+    </p:spTree>
+    <p:extLst>
+      <p:ext uri="{BB962C8B-B14F-4D97-AF65-F5344CB8AC3E}">
+        <p14:creationId xmlns:p14="http://schemas.microsoft.com/office/powerpoint/2010/main" val="3357395890"/>
+      </p:ext>
+    </p:extLst>
+  </p:cSld>
+  <p:clrMapOvr>
+    <a:masterClrMapping/>
+  </p:clrMapOvr>
+</p:sld>
+</file>
+
+<file path=ppt/slides/slide43.xml><?xml version="1.0" encoding="utf-8"?>
+<p:sld xmlns:a="http://schemas.openxmlformats.org/drawingml/2006/main" xmlns:r="http://schemas.openxmlformats.org/officeDocument/2006/relationships" xmlns:p="http://schemas.openxmlformats.org/presentationml/2006/main">
+  <p:cSld>
+    <p:spTree>
+      <p:nvGrpSpPr>
+        <p:cNvPr id="1" name=""/>
+        <p:cNvGrpSpPr/>
+        <p:nvPr/>
+      </p:nvGrpSpPr>
+      <p:grpSpPr>
+        <a:xfrm>
+          <a:off x="0" y="0"/>
+          <a:ext cx="0" cy="0"/>
+          <a:chOff x="0" y="0"/>
+          <a:chExt cx="0" cy="0"/>
+        </a:xfrm>
+      </p:grpSpPr>
+      <p:sp>
+        <p:nvSpPr>
+          <p:cNvPr id="2" name="Title 1">
+            <a:extLst>
+              <a:ext uri="{FF2B5EF4-FFF2-40B4-BE49-F238E27FC236}">
+                <a16:creationId xmlns:a16="http://schemas.microsoft.com/office/drawing/2014/main" id="{1F8717B5-F992-3362-0E17-84D889214116}"/>
+              </a:ext>
+            </a:extLst>
+          </p:cNvPr>
+          <p:cNvSpPr>
+            <a:spLocks noGrp="1"/>
+          </p:cNvSpPr>
+          <p:nvPr>
+            <p:ph type="title"/>
+          </p:nvPr>
+        </p:nvSpPr>
+        <p:spPr/>
+        <p:txBody>
+          <a:bodyPr>
+            <a:normAutofit/>
+          </a:bodyPr>
+          <a:lstStyle/>
+          <a:p>
+            <a:r>
+              <a:rPr lang="en-US" sz="2400" b="1" dirty="0"/>
+              <a:t>Symbol tuning results</a:t>
+            </a:r>
+          </a:p>
+        </p:txBody>
+      </p:sp>
+      <p:graphicFrame>
+        <p:nvGraphicFramePr>
+          <p:cNvPr id="9" name="Chart 8">
+            <a:extLst>
+              <a:ext uri="{FF2B5EF4-FFF2-40B4-BE49-F238E27FC236}">
+                <a16:creationId xmlns:a16="http://schemas.microsoft.com/office/drawing/2014/main" id="{F697932A-5F67-F134-D770-F61FC221AFDC}"/>
+              </a:ext>
+            </a:extLst>
+          </p:cNvPr>
+          <p:cNvGraphicFramePr/>
+          <p:nvPr>
+            <p:extLst>
+              <p:ext uri="{D42A27DB-BD31-4B8C-83A1-F6EECF244321}">
+                <p14:modId xmlns:p14="http://schemas.microsoft.com/office/powerpoint/2010/main" val="1642023566"/>
+              </p:ext>
+            </p:extLst>
+          </p:nvPr>
+        </p:nvGraphicFramePr>
+        <p:xfrm>
+          <a:off x="2586216" y="1478165"/>
+          <a:ext cx="7019567" cy="5170182"/>
+        </p:xfrm>
+        <a:graphic>
+          <a:graphicData uri="http://schemas.openxmlformats.org/drawingml/2006/chart">
+            <c:chart xmlns:c="http://schemas.openxmlformats.org/drawingml/2006/chart" xmlns:r="http://schemas.openxmlformats.org/officeDocument/2006/relationships" r:id="rId3"/>
+          </a:graphicData>
+        </a:graphic>
+      </p:graphicFrame>
+    </p:spTree>
+    <p:extLst>
+      <p:ext uri="{BB962C8B-B14F-4D97-AF65-F5344CB8AC3E}">
+        <p14:creationId xmlns:p14="http://schemas.microsoft.com/office/powerpoint/2010/main" val="195284655"/>
+      </p:ext>
+    </p:extLst>
+  </p:cSld>
+  <p:clrMapOvr>
+    <a:masterClrMapping/>
+  </p:clrMapOvr>
+</p:sld>
+</file>
+
+<file path=ppt/slides/slide44.xml><?xml version="1.0" encoding="utf-8"?>
+<p:sld xmlns:a="http://schemas.openxmlformats.org/drawingml/2006/main" xmlns:r="http://schemas.openxmlformats.org/officeDocument/2006/relationships" xmlns:p="http://schemas.openxmlformats.org/presentationml/2006/main">
+  <p:cSld>
+    <p:spTree>
+      <p:nvGrpSpPr>
+        <p:cNvPr id="1" name=""/>
+        <p:cNvGrpSpPr/>
+        <p:nvPr/>
+      </p:nvGrpSpPr>
+      <p:grpSpPr>
+        <a:xfrm>
+          <a:off x="0" y="0"/>
+          <a:ext cx="0" cy="0"/>
+          <a:chOff x="0" y="0"/>
+          <a:chExt cx="0" cy="0"/>
+        </a:xfrm>
+      </p:grpSpPr>
+      <p:sp>
+        <p:nvSpPr>
+          <p:cNvPr id="2" name="Title 1">
+            <a:extLst>
+              <a:ext uri="{FF2B5EF4-FFF2-40B4-BE49-F238E27FC236}">
+                <a16:creationId xmlns:a16="http://schemas.microsoft.com/office/drawing/2014/main" id="{1F8717B5-F992-3362-0E17-84D889214116}"/>
+              </a:ext>
+            </a:extLst>
+          </p:cNvPr>
+          <p:cNvSpPr>
+            <a:spLocks noGrp="1"/>
+          </p:cNvSpPr>
+          <p:nvPr>
+            <p:ph type="title"/>
+          </p:nvPr>
+        </p:nvSpPr>
+        <p:spPr/>
+        <p:txBody>
+          <a:bodyPr>
+            <a:normAutofit/>
+          </a:bodyPr>
+          <a:lstStyle/>
+          <a:p>
+            <a:r>
+              <a:rPr lang="en-US" sz="2400" b="1" dirty="0"/>
+              <a:t>Symbol tuning results</a:t>
+            </a:r>
+          </a:p>
+        </p:txBody>
+      </p:sp>
+      <p:graphicFrame>
+        <p:nvGraphicFramePr>
+          <p:cNvPr id="9" name="Chart 8">
+            <a:extLst>
+              <a:ext uri="{FF2B5EF4-FFF2-40B4-BE49-F238E27FC236}">
+                <a16:creationId xmlns:a16="http://schemas.microsoft.com/office/drawing/2014/main" id="{F697932A-5F67-F134-D770-F61FC221AFDC}"/>
+              </a:ext>
+            </a:extLst>
+          </p:cNvPr>
+          <p:cNvGraphicFramePr/>
+          <p:nvPr>
+            <p:extLst>
+              <p:ext uri="{D42A27DB-BD31-4B8C-83A1-F6EECF244321}">
+                <p14:modId xmlns:p14="http://schemas.microsoft.com/office/powerpoint/2010/main" val="2608959792"/>
+              </p:ext>
+            </p:extLst>
+          </p:nvPr>
+        </p:nvGraphicFramePr>
+        <p:xfrm>
+          <a:off x="2586216" y="1478165"/>
+          <a:ext cx="7019567" cy="5170182"/>
+        </p:xfrm>
+        <a:graphic>
+          <a:graphicData uri="http://schemas.openxmlformats.org/drawingml/2006/chart">
+            <c:chart xmlns:c="http://schemas.openxmlformats.org/drawingml/2006/chart" xmlns:r="http://schemas.openxmlformats.org/officeDocument/2006/relationships" r:id="rId3"/>
+          </a:graphicData>
+        </a:graphic>
+      </p:graphicFrame>
+    </p:spTree>
+    <p:extLst>
+      <p:ext uri="{BB962C8B-B14F-4D97-AF65-F5344CB8AC3E}">
+        <p14:creationId xmlns:p14="http://schemas.microsoft.com/office/powerpoint/2010/main" val="2928475308"/>
+      </p:ext>
+    </p:extLst>
+  </p:cSld>
+  <p:clrMapOvr>
+    <a:masterClrMapping/>
+  </p:clrMapOvr>
+</p:sld>
+</file>
+
+<file path=ppt/slides/slide45.xml><?xml version="1.0" encoding="utf-8"?>
+<p:sld xmlns:a="http://schemas.openxmlformats.org/drawingml/2006/main" xmlns:r="http://schemas.openxmlformats.org/officeDocument/2006/relationships" xmlns:p="http://schemas.openxmlformats.org/presentationml/2006/main">
+  <p:cSld>
+    <p:spTree>
+      <p:nvGrpSpPr>
+        <p:cNvPr id="1" name=""/>
+        <p:cNvGrpSpPr/>
+        <p:nvPr/>
+      </p:nvGrpSpPr>
+      <p:grpSpPr>
+        <a:xfrm>
+          <a:off x="0" y="0"/>
+          <a:ext cx="0" cy="0"/>
+          <a:chOff x="0" y="0"/>
+          <a:chExt cx="0" cy="0"/>
+        </a:xfrm>
+      </p:grpSpPr>
+      <p:sp>
+        <p:nvSpPr>
+          <p:cNvPr id="2" name="Title 1">
+            <a:extLst>
+              <a:ext uri="{FF2B5EF4-FFF2-40B4-BE49-F238E27FC236}">
+                <a16:creationId xmlns:a16="http://schemas.microsoft.com/office/drawing/2014/main" id="{1F8717B5-F992-3362-0E17-84D889214116}"/>
+              </a:ext>
+            </a:extLst>
+          </p:cNvPr>
+          <p:cNvSpPr>
+            <a:spLocks noGrp="1"/>
+          </p:cNvSpPr>
+          <p:nvPr>
+            <p:ph type="title"/>
+          </p:nvPr>
+        </p:nvSpPr>
+        <p:spPr/>
+        <p:txBody>
+          <a:bodyPr>
+            <a:normAutofit/>
+          </a:bodyPr>
+          <a:lstStyle/>
+          <a:p>
+            <a:r>
+              <a:rPr lang="en-US" sz="2400" b="1" dirty="0"/>
+              <a:t>Symbol tuning</a:t>
+            </a:r>
+          </a:p>
+        </p:txBody>
+      </p:sp>
+      <p:sp>
+        <p:nvSpPr>
+          <p:cNvPr id="3" name="Content Placeholder 2">
+            <a:extLst>
+              <a:ext uri="{FF2B5EF4-FFF2-40B4-BE49-F238E27FC236}">
+                <a16:creationId xmlns:a16="http://schemas.microsoft.com/office/drawing/2014/main" id="{6A1CF6AE-4BFF-FA1F-6998-093945033E5D}"/>
+              </a:ext>
+            </a:extLst>
+          </p:cNvPr>
+          <p:cNvSpPr>
+            <a:spLocks noGrp="1"/>
+          </p:cNvSpPr>
+          <p:nvPr>
+            <p:ph idx="1"/>
+          </p:nvPr>
+        </p:nvSpPr>
+        <p:spPr/>
+        <p:txBody>
+          <a:bodyPr>
+            <a:normAutofit/>
+          </a:bodyPr>
+          <a:lstStyle/>
+          <a:p>
+            <a:r>
+              <a:rPr lang="en-US" sz="1800" dirty="0"/>
+              <a:t>The results illustrate that even a small change in prompt can have dramatic alter the results and be observed in </a:t>
+            </a:r>
+            <a:r>
+              <a:rPr lang="en-US" sz="1800"/>
+              <a:t>symbol tuning.</a:t>
+            </a:r>
+            <a:endParaRPr lang="en-US" sz="1400" dirty="0"/>
+          </a:p>
+        </p:txBody>
+      </p:sp>
+    </p:spTree>
+    <p:extLst>
+      <p:ext uri="{BB962C8B-B14F-4D97-AF65-F5344CB8AC3E}">
+        <p14:creationId xmlns:p14="http://schemas.microsoft.com/office/powerpoint/2010/main" val="346205950"/>
       </p:ext>
     </p:extLst>
   </p:cSld>

--- a/Slides/Symbol Tuning.pptx
+++ b/Slides/Symbol Tuning.pptx
@@ -5,7 +5,7 @@
     <p:sldMasterId id="2147483648" r:id="rId1"/>
   </p:sldMasterIdLst>
   <p:notesMasterIdLst>
-    <p:notesMasterId r:id="rId47"/>
+    <p:notesMasterId r:id="rId48"/>
   </p:notesMasterIdLst>
   <p:sldIdLst>
     <p:sldId id="276" r:id="rId2"/>
@@ -53,6 +53,7 @@
     <p:sldId id="318" r:id="rId44"/>
     <p:sldId id="319" r:id="rId45"/>
     <p:sldId id="320" r:id="rId46"/>
+    <p:sldId id="321" r:id="rId47"/>
   </p:sldIdLst>
   <p:sldSz cx="12192000" cy="6858000"/>
   <p:notesSz cx="6858000" cy="9144000"/>
@@ -7666,7 +7667,7 @@
           <a:p>
             <a:fld id="{90EA4D55-0F48-48F2-8B8B-CD81BA2373CB}" type="datetimeFigureOut">
               <a:rPr lang="en-US" smtClean="0"/>
-              <a:t>05-Aug-24</a:t>
+              <a:t>12-Aug-24</a:t>
             </a:fld>
             <a:endParaRPr lang="en-US"/>
           </a:p>
@@ -11209,6 +11210,90 @@
 </p:notes>
 </file>
 
+<file path=ppt/notesSlides/notesSlide45.xml><?xml version="1.0" encoding="utf-8"?>
+<p:notes xmlns:a="http://schemas.openxmlformats.org/drawingml/2006/main" xmlns:r="http://schemas.openxmlformats.org/officeDocument/2006/relationships" xmlns:p="http://schemas.openxmlformats.org/presentationml/2006/main">
+  <p:cSld>
+    <p:spTree>
+      <p:nvGrpSpPr>
+        <p:cNvPr id="1" name=""/>
+        <p:cNvGrpSpPr/>
+        <p:nvPr/>
+      </p:nvGrpSpPr>
+      <p:grpSpPr>
+        <a:xfrm>
+          <a:off x="0" y="0"/>
+          <a:ext cx="0" cy="0"/>
+          <a:chOff x="0" y="0"/>
+          <a:chExt cx="0" cy="0"/>
+        </a:xfrm>
+      </p:grpSpPr>
+      <p:sp>
+        <p:nvSpPr>
+          <p:cNvPr id="2" name="Slide Image Placeholder 1"/>
+          <p:cNvSpPr>
+            <a:spLocks noGrp="1" noRot="1" noChangeAspect="1"/>
+          </p:cNvSpPr>
+          <p:nvPr>
+            <p:ph type="sldImg"/>
+          </p:nvPr>
+        </p:nvSpPr>
+        <p:spPr/>
+      </p:sp>
+      <p:sp>
+        <p:nvSpPr>
+          <p:cNvPr id="3" name="Notes Placeholder 2"/>
+          <p:cNvSpPr>
+            <a:spLocks noGrp="1"/>
+          </p:cNvSpPr>
+          <p:nvPr>
+            <p:ph type="body" idx="1"/>
+          </p:nvPr>
+        </p:nvSpPr>
+        <p:spPr/>
+        <p:txBody>
+          <a:bodyPr/>
+          <a:lstStyle/>
+          <a:p>
+            <a:endParaRPr lang="en-US" dirty="0"/>
+          </a:p>
+        </p:txBody>
+      </p:sp>
+      <p:sp>
+        <p:nvSpPr>
+          <p:cNvPr id="4" name="Slide Number Placeholder 3"/>
+          <p:cNvSpPr>
+            <a:spLocks noGrp="1"/>
+          </p:cNvSpPr>
+          <p:nvPr>
+            <p:ph type="sldNum" sz="quarter" idx="5"/>
+          </p:nvPr>
+        </p:nvSpPr>
+        <p:spPr/>
+        <p:txBody>
+          <a:bodyPr/>
+          <a:lstStyle/>
+          <a:p>
+            <a:fld id="{3E4A7109-D3E0-47BA-A045-9A99591D35D8}" type="slidenum">
+              <a:rPr lang="en-US" smtClean="0"/>
+              <a:t>46</a:t>
+            </a:fld>
+            <a:endParaRPr lang="en-US"/>
+          </a:p>
+        </p:txBody>
+      </p:sp>
+    </p:spTree>
+    <p:extLst>
+      <p:ext uri="{BB962C8B-B14F-4D97-AF65-F5344CB8AC3E}">
+        <p14:creationId xmlns:p14="http://schemas.microsoft.com/office/powerpoint/2010/main" val="233658564"/>
+      </p:ext>
+    </p:extLst>
+  </p:cSld>
+  <p:clrMapOvr>
+    <a:masterClrMapping/>
+  </p:clrMapOvr>
+</p:notes>
+</file>
+
 <file path=ppt/notesSlides/notesSlide5.xml><?xml version="1.0" encoding="utf-8"?>
 <p:notes xmlns:a="http://schemas.openxmlformats.org/drawingml/2006/main" xmlns:r="http://schemas.openxmlformats.org/officeDocument/2006/relationships" xmlns:p="http://schemas.openxmlformats.org/presentationml/2006/main">
   <p:cSld>
@@ -11776,7 +11861,7 @@
           <a:p>
             <a:fld id="{B8959F3C-9879-4806-ADC7-BA321CD3F53D}" type="datetimeFigureOut">
               <a:rPr lang="en-US" smtClean="0"/>
-              <a:t>05-Aug-24</a:t>
+              <a:t>12-Aug-24</a:t>
             </a:fld>
             <a:endParaRPr lang="en-US"/>
           </a:p>
@@ -11974,7 +12059,7 @@
           <a:p>
             <a:fld id="{B8959F3C-9879-4806-ADC7-BA321CD3F53D}" type="datetimeFigureOut">
               <a:rPr lang="en-US" smtClean="0"/>
-              <a:t>05-Aug-24</a:t>
+              <a:t>12-Aug-24</a:t>
             </a:fld>
             <a:endParaRPr lang="en-US"/>
           </a:p>
@@ -12182,7 +12267,7 @@
           <a:p>
             <a:fld id="{B8959F3C-9879-4806-ADC7-BA321CD3F53D}" type="datetimeFigureOut">
               <a:rPr lang="en-US" smtClean="0"/>
-              <a:t>05-Aug-24</a:t>
+              <a:t>12-Aug-24</a:t>
             </a:fld>
             <a:endParaRPr lang="en-US"/>
           </a:p>
@@ -12380,7 +12465,7 @@
           <a:p>
             <a:fld id="{B8959F3C-9879-4806-ADC7-BA321CD3F53D}" type="datetimeFigureOut">
               <a:rPr lang="en-US" smtClean="0"/>
-              <a:t>05-Aug-24</a:t>
+              <a:t>12-Aug-24</a:t>
             </a:fld>
             <a:endParaRPr lang="en-US"/>
           </a:p>
@@ -12655,7 +12740,7 @@
           <a:p>
             <a:fld id="{B8959F3C-9879-4806-ADC7-BA321CD3F53D}" type="datetimeFigureOut">
               <a:rPr lang="en-US" smtClean="0"/>
-              <a:t>05-Aug-24</a:t>
+              <a:t>12-Aug-24</a:t>
             </a:fld>
             <a:endParaRPr lang="en-US"/>
           </a:p>
@@ -12920,7 +13005,7 @@
           <a:p>
             <a:fld id="{B8959F3C-9879-4806-ADC7-BA321CD3F53D}" type="datetimeFigureOut">
               <a:rPr lang="en-US" smtClean="0"/>
-              <a:t>05-Aug-24</a:t>
+              <a:t>12-Aug-24</a:t>
             </a:fld>
             <a:endParaRPr lang="en-US"/>
           </a:p>
@@ -13332,7 +13417,7 @@
           <a:p>
             <a:fld id="{B8959F3C-9879-4806-ADC7-BA321CD3F53D}" type="datetimeFigureOut">
               <a:rPr lang="en-US" smtClean="0"/>
-              <a:t>05-Aug-24</a:t>
+              <a:t>12-Aug-24</a:t>
             </a:fld>
             <a:endParaRPr lang="en-US"/>
           </a:p>
@@ -13473,7 +13558,7 @@
           <a:p>
             <a:fld id="{B8959F3C-9879-4806-ADC7-BA321CD3F53D}" type="datetimeFigureOut">
               <a:rPr lang="en-US" smtClean="0"/>
-              <a:t>05-Aug-24</a:t>
+              <a:t>12-Aug-24</a:t>
             </a:fld>
             <a:endParaRPr lang="en-US"/>
           </a:p>
@@ -13586,7 +13671,7 @@
           <a:p>
             <a:fld id="{B8959F3C-9879-4806-ADC7-BA321CD3F53D}" type="datetimeFigureOut">
               <a:rPr lang="en-US" smtClean="0"/>
-              <a:t>05-Aug-24</a:t>
+              <a:t>12-Aug-24</a:t>
             </a:fld>
             <a:endParaRPr lang="en-US"/>
           </a:p>
@@ -13897,7 +13982,7 @@
           <a:p>
             <a:fld id="{B8959F3C-9879-4806-ADC7-BA321CD3F53D}" type="datetimeFigureOut">
               <a:rPr lang="en-US" smtClean="0"/>
-              <a:t>05-Aug-24</a:t>
+              <a:t>12-Aug-24</a:t>
             </a:fld>
             <a:endParaRPr lang="en-US"/>
           </a:p>
@@ -14185,7 +14270,7 @@
           <a:p>
             <a:fld id="{B8959F3C-9879-4806-ADC7-BA321CD3F53D}" type="datetimeFigureOut">
               <a:rPr lang="en-US" smtClean="0"/>
-              <a:t>05-Aug-24</a:t>
+              <a:t>12-Aug-24</a:t>
             </a:fld>
             <a:endParaRPr lang="en-US"/>
           </a:p>
@@ -14426,7 +14511,7 @@
           <a:p>
             <a:fld id="{B8959F3C-9879-4806-ADC7-BA321CD3F53D}" type="datetimeFigureOut">
               <a:rPr lang="en-US" smtClean="0"/>
-              <a:t>05-Aug-24</a:t>
+              <a:t>12-Aug-24</a:t>
             </a:fld>
             <a:endParaRPr lang="en-US"/>
           </a:p>
@@ -30716,6 +30801,122 @@
     <p:extLst>
       <p:ext uri="{BB962C8B-B14F-4D97-AF65-F5344CB8AC3E}">
         <p14:creationId xmlns:p14="http://schemas.microsoft.com/office/powerpoint/2010/main" val="346205950"/>
+      </p:ext>
+    </p:extLst>
+  </p:cSld>
+  <p:clrMapOvr>
+    <a:masterClrMapping/>
+  </p:clrMapOvr>
+</p:sld>
+</file>
+
+<file path=ppt/slides/slide46.xml><?xml version="1.0" encoding="utf-8"?>
+<p:sld xmlns:a="http://schemas.openxmlformats.org/drawingml/2006/main" xmlns:r="http://schemas.openxmlformats.org/officeDocument/2006/relationships" xmlns:p="http://schemas.openxmlformats.org/presentationml/2006/main">
+  <p:cSld>
+    <p:spTree>
+      <p:nvGrpSpPr>
+        <p:cNvPr id="1" name=""/>
+        <p:cNvGrpSpPr/>
+        <p:nvPr/>
+      </p:nvGrpSpPr>
+      <p:grpSpPr>
+        <a:xfrm>
+          <a:off x="0" y="0"/>
+          <a:ext cx="0" cy="0"/>
+          <a:chOff x="0" y="0"/>
+          <a:chExt cx="0" cy="0"/>
+        </a:xfrm>
+      </p:grpSpPr>
+      <p:sp>
+        <p:nvSpPr>
+          <p:cNvPr id="2" name="Title 1">
+            <a:extLst>
+              <a:ext uri="{FF2B5EF4-FFF2-40B4-BE49-F238E27FC236}">
+                <a16:creationId xmlns:a16="http://schemas.microsoft.com/office/drawing/2014/main" id="{1F8717B5-F992-3362-0E17-84D889214116}"/>
+              </a:ext>
+            </a:extLst>
+          </p:cNvPr>
+          <p:cNvSpPr>
+            <a:spLocks noGrp="1"/>
+          </p:cNvSpPr>
+          <p:nvPr>
+            <p:ph type="title"/>
+          </p:nvPr>
+        </p:nvSpPr>
+        <p:spPr/>
+        <p:txBody>
+          <a:bodyPr>
+            <a:normAutofit/>
+          </a:bodyPr>
+          <a:lstStyle/>
+          <a:p>
+            <a:r>
+              <a:rPr lang="en-US" sz="2400" b="1" dirty="0"/>
+              <a:t>Symbol tuning Gemma-7b-it</a:t>
+            </a:r>
+          </a:p>
+        </p:txBody>
+      </p:sp>
+      <p:sp>
+        <p:nvSpPr>
+          <p:cNvPr id="3" name="Content Placeholder 2">
+            <a:extLst>
+              <a:ext uri="{FF2B5EF4-FFF2-40B4-BE49-F238E27FC236}">
+                <a16:creationId xmlns:a16="http://schemas.microsoft.com/office/drawing/2014/main" id="{6A1CF6AE-4BFF-FA1F-6998-093945033E5D}"/>
+              </a:ext>
+            </a:extLst>
+          </p:cNvPr>
+          <p:cNvSpPr>
+            <a:spLocks noGrp="1"/>
+          </p:cNvSpPr>
+          <p:nvPr>
+            <p:ph idx="1"/>
+          </p:nvPr>
+        </p:nvSpPr>
+        <p:spPr/>
+        <p:txBody>
+          <a:bodyPr>
+            <a:normAutofit/>
+          </a:bodyPr>
+          <a:lstStyle/>
+          <a:p>
+            <a:r>
+              <a:rPr lang="en-US" sz="1800" dirty="0"/>
+              <a:t>Now we tested Gemma-7b-it model with the version 2 prompt and the results is illustrated in the following slides.</a:t>
+            </a:r>
+          </a:p>
+          <a:p>
+            <a:r>
+              <a:rPr lang="en-US" sz="1800" dirty="0"/>
+              <a:t>One thing to note is that this model  doesn’t response to our prompt with just one label of ‘47’ or ’58’, instead it responded with a sentence to explain why it is detecting what label.</a:t>
+            </a:r>
+            <a:endParaRPr lang="en-US" sz="1400" dirty="0"/>
+          </a:p>
+          <a:p>
+            <a:pPr lvl="1"/>
+            <a:r>
+              <a:rPr lang="en-US" sz="1400" dirty="0"/>
+              <a:t>For </a:t>
+            </a:r>
+            <a:r>
+              <a:rPr lang="en-US" sz="1400"/>
+              <a:t>this reason, </a:t>
+            </a:r>
+            <a:r>
+              <a:rPr lang="en-US" sz="1400" dirty="0"/>
+              <a:t>we just extract the first number from response and save it as the </a:t>
+            </a:r>
+            <a:r>
+              <a:rPr lang="en-US" sz="1400"/>
+              <a:t>final result.</a:t>
+            </a:r>
+          </a:p>
+        </p:txBody>
+      </p:sp>
+    </p:spTree>
+    <p:extLst>
+      <p:ext uri="{BB962C8B-B14F-4D97-AF65-F5344CB8AC3E}">
+        <p14:creationId xmlns:p14="http://schemas.microsoft.com/office/powerpoint/2010/main" val="3470536822"/>
       </p:ext>
     </p:extLst>
   </p:cSld>

--- a/Slides/Symbol Tuning.pptx
+++ b/Slides/Symbol Tuning.pptx
@@ -5,7 +5,7 @@
     <p:sldMasterId id="2147483648" r:id="rId1"/>
   </p:sldMasterIdLst>
   <p:notesMasterIdLst>
-    <p:notesMasterId r:id="rId48"/>
+    <p:notesMasterId r:id="rId63"/>
   </p:notesMasterIdLst>
   <p:sldIdLst>
     <p:sldId id="276" r:id="rId2"/>
@@ -54,6 +54,21 @@
     <p:sldId id="319" r:id="rId45"/>
     <p:sldId id="320" r:id="rId46"/>
     <p:sldId id="321" r:id="rId47"/>
+    <p:sldId id="322" r:id="rId48"/>
+    <p:sldId id="323" r:id="rId49"/>
+    <p:sldId id="324" r:id="rId50"/>
+    <p:sldId id="325" r:id="rId51"/>
+    <p:sldId id="326" r:id="rId52"/>
+    <p:sldId id="327" r:id="rId53"/>
+    <p:sldId id="328" r:id="rId54"/>
+    <p:sldId id="329" r:id="rId55"/>
+    <p:sldId id="332" r:id="rId56"/>
+    <p:sldId id="333" r:id="rId57"/>
+    <p:sldId id="334" r:id="rId58"/>
+    <p:sldId id="335" r:id="rId59"/>
+    <p:sldId id="330" r:id="rId60"/>
+    <p:sldId id="331" r:id="rId61"/>
+    <p:sldId id="336" r:id="rId62"/>
   </p:sldIdLst>
   <p:sldSz cx="12192000" cy="6858000"/>
   <p:notesSz cx="6858000" cy="9144000"/>
@@ -3693,6 +3708,1040 @@
 </c:chartSpace>
 </file>
 
+<file path=ppt/charts/chart8.xml><?xml version="1.0" encoding="utf-8"?>
+<c:chartSpace xmlns:c="http://schemas.openxmlformats.org/drawingml/2006/chart" xmlns:a="http://schemas.openxmlformats.org/drawingml/2006/main" xmlns:r="http://schemas.openxmlformats.org/officeDocument/2006/relationships" xmlns:c16r2="http://schemas.microsoft.com/office/drawing/2015/06/chart">
+  <c:date1904 val="0"/>
+  <c:lang val="en-US"/>
+  <c:roundedCorners val="0"/>
+  <mc:AlternateContent xmlns:mc="http://schemas.openxmlformats.org/markup-compatibility/2006">
+    <mc:Choice xmlns:c14="http://schemas.microsoft.com/office/drawing/2007/8/2/chart" Requires="c14">
+      <c14:style val="102"/>
+    </mc:Choice>
+    <mc:Fallback>
+      <c:style val="2"/>
+    </mc:Fallback>
+  </mc:AlternateContent>
+  <c:chart>
+    <c:title>
+      <c:tx>
+        <c:rich>
+          <a:bodyPr rot="0" spcFirstLastPara="1" vertOverflow="ellipsis" vert="horz" wrap="square" anchor="ctr" anchorCtr="1"/>
+          <a:lstStyle/>
+          <a:p>
+            <a:pPr>
+              <a:defRPr sz="1862" b="0" i="0" u="none" strike="noStrike" kern="1200" spc="0" baseline="0">
+                <a:solidFill>
+                  <a:schemeClr val="tx1">
+                    <a:lumMod val="65000"/>
+                    <a:lumOff val="35000"/>
+                  </a:schemeClr>
+                </a:solidFill>
+                <a:latin typeface="Times New Roman" panose="02020603050405020304" pitchFamily="18" charset="0"/>
+                <a:ea typeface="+mn-ea"/>
+                <a:cs typeface="Times New Roman" panose="02020603050405020304" pitchFamily="18" charset="0"/>
+              </a:defRPr>
+            </a:pPr>
+            <a:r>
+              <a:rPr lang="en-US" sz="1600" i="1" dirty="0"/>
+              <a:t>Number of Labels Generated Compression</a:t>
+            </a:r>
+          </a:p>
+        </c:rich>
+      </c:tx>
+      <c:overlay val="0"/>
+      <c:spPr>
+        <a:noFill/>
+        <a:ln>
+          <a:noFill/>
+        </a:ln>
+        <a:effectLst/>
+      </c:spPr>
+      <c:txPr>
+        <a:bodyPr rot="0" spcFirstLastPara="1" vertOverflow="ellipsis" vert="horz" wrap="square" anchor="ctr" anchorCtr="1"/>
+        <a:lstStyle/>
+        <a:p>
+          <a:pPr>
+            <a:defRPr sz="1862" b="0" i="0" u="none" strike="noStrike" kern="1200" spc="0" baseline="0">
+              <a:solidFill>
+                <a:schemeClr val="tx1">
+                  <a:lumMod val="65000"/>
+                  <a:lumOff val="35000"/>
+                </a:schemeClr>
+              </a:solidFill>
+              <a:latin typeface="Times New Roman" panose="02020603050405020304" pitchFamily="18" charset="0"/>
+              <a:ea typeface="+mn-ea"/>
+              <a:cs typeface="Times New Roman" panose="02020603050405020304" pitchFamily="18" charset="0"/>
+            </a:defRPr>
+          </a:pPr>
+          <a:endParaRPr lang="en-US"/>
+        </a:p>
+      </c:txPr>
+    </c:title>
+    <c:autoTitleDeleted val="0"/>
+    <c:plotArea>
+      <c:layout/>
+      <c:lineChart>
+        <c:grouping val="standard"/>
+        <c:varyColors val="0"/>
+        <c:ser>
+          <c:idx val="0"/>
+          <c:order val="0"/>
+          <c:tx>
+            <c:strRef>
+              <c:f>Sheet1!$B$1</c:f>
+              <c:strCache>
+                <c:ptCount val="1"/>
+                <c:pt idx="0">
+                  <c:v># of '58' Label</c:v>
+                </c:pt>
+              </c:strCache>
+            </c:strRef>
+          </c:tx>
+          <c:spPr>
+            <a:ln w="28575" cap="rnd">
+              <a:solidFill>
+                <a:schemeClr val="accent1"/>
+              </a:solidFill>
+              <a:round/>
+            </a:ln>
+            <a:effectLst/>
+          </c:spPr>
+          <c:marker>
+            <c:symbol val="none"/>
+          </c:marker>
+          <c:cat>
+            <c:strRef>
+              <c:f>Sheet1!$A$2:$A$6</c:f>
+              <c:strCache>
+                <c:ptCount val="5"/>
+                <c:pt idx="0">
+                  <c:v>k = 0</c:v>
+                </c:pt>
+                <c:pt idx="1">
+                  <c:v>k = 1</c:v>
+                </c:pt>
+                <c:pt idx="2">
+                  <c:v>k = 5</c:v>
+                </c:pt>
+                <c:pt idx="3">
+                  <c:v>k = 20</c:v>
+                </c:pt>
+                <c:pt idx="4">
+                  <c:v>k = 50</c:v>
+                </c:pt>
+              </c:strCache>
+            </c:strRef>
+          </c:cat>
+          <c:val>
+            <c:numRef>
+              <c:f>Sheet1!$B$2:$B$6</c:f>
+              <c:numCache>
+                <c:formatCode>General</c:formatCode>
+                <c:ptCount val="5"/>
+                <c:pt idx="0">
+                  <c:v>387</c:v>
+                </c:pt>
+                <c:pt idx="1">
+                  <c:v>348</c:v>
+                </c:pt>
+                <c:pt idx="2">
+                  <c:v>354</c:v>
+                </c:pt>
+                <c:pt idx="3">
+                  <c:v>299</c:v>
+                </c:pt>
+                <c:pt idx="4">
+                  <c:v>288</c:v>
+                </c:pt>
+              </c:numCache>
+            </c:numRef>
+          </c:val>
+          <c:smooth val="0"/>
+          <c:extLst>
+            <c:ext xmlns:c16="http://schemas.microsoft.com/office/drawing/2014/chart" uri="{C3380CC4-5D6E-409C-BE32-E72D297353CC}">
+              <c16:uniqueId val="{00000000-A6F0-438E-952C-4C0191585590}"/>
+            </c:ext>
+          </c:extLst>
+        </c:ser>
+        <c:ser>
+          <c:idx val="1"/>
+          <c:order val="1"/>
+          <c:tx>
+            <c:strRef>
+              <c:f>Sheet1!$C$1</c:f>
+              <c:strCache>
+                <c:ptCount val="1"/>
+                <c:pt idx="0">
+                  <c:v># of '47' Labels</c:v>
+                </c:pt>
+              </c:strCache>
+            </c:strRef>
+          </c:tx>
+          <c:spPr>
+            <a:ln w="28575" cap="rnd">
+              <a:solidFill>
+                <a:schemeClr val="accent2"/>
+              </a:solidFill>
+              <a:round/>
+            </a:ln>
+            <a:effectLst/>
+          </c:spPr>
+          <c:marker>
+            <c:symbol val="none"/>
+          </c:marker>
+          <c:cat>
+            <c:strRef>
+              <c:f>Sheet1!$A$2:$A$6</c:f>
+              <c:strCache>
+                <c:ptCount val="5"/>
+                <c:pt idx="0">
+                  <c:v>k = 0</c:v>
+                </c:pt>
+                <c:pt idx="1">
+                  <c:v>k = 1</c:v>
+                </c:pt>
+                <c:pt idx="2">
+                  <c:v>k = 5</c:v>
+                </c:pt>
+                <c:pt idx="3">
+                  <c:v>k = 20</c:v>
+                </c:pt>
+                <c:pt idx="4">
+                  <c:v>k = 50</c:v>
+                </c:pt>
+              </c:strCache>
+            </c:strRef>
+          </c:cat>
+          <c:val>
+            <c:numRef>
+              <c:f>Sheet1!$C$2:$C$6</c:f>
+              <c:numCache>
+                <c:formatCode>General</c:formatCode>
+                <c:ptCount val="5"/>
+                <c:pt idx="0">
+                  <c:v>14</c:v>
+                </c:pt>
+                <c:pt idx="1">
+                  <c:v>53</c:v>
+                </c:pt>
+                <c:pt idx="2">
+                  <c:v>47</c:v>
+                </c:pt>
+                <c:pt idx="3">
+                  <c:v>102</c:v>
+                </c:pt>
+                <c:pt idx="4">
+                  <c:v>113</c:v>
+                </c:pt>
+              </c:numCache>
+            </c:numRef>
+          </c:val>
+          <c:smooth val="0"/>
+          <c:extLst>
+            <c:ext xmlns:c16="http://schemas.microsoft.com/office/drawing/2014/chart" uri="{C3380CC4-5D6E-409C-BE32-E72D297353CC}">
+              <c16:uniqueId val="{00000001-A6F0-438E-952C-4C0191585590}"/>
+            </c:ext>
+          </c:extLst>
+        </c:ser>
+        <c:ser>
+          <c:idx val="2"/>
+          <c:order val="2"/>
+          <c:tx>
+            <c:strRef>
+              <c:f>Sheet1!$D$1</c:f>
+              <c:strCache>
+                <c:ptCount val="1"/>
+                <c:pt idx="0">
+                  <c:v># of '1' True Labels</c:v>
+                </c:pt>
+              </c:strCache>
+            </c:strRef>
+          </c:tx>
+          <c:spPr>
+            <a:ln w="28575" cap="rnd">
+              <a:solidFill>
+                <a:schemeClr val="accent3"/>
+              </a:solidFill>
+              <a:prstDash val="sysDash"/>
+              <a:round/>
+            </a:ln>
+            <a:effectLst/>
+          </c:spPr>
+          <c:marker>
+            <c:symbol val="none"/>
+          </c:marker>
+          <c:cat>
+            <c:strRef>
+              <c:f>Sheet1!$A$2:$A$6</c:f>
+              <c:strCache>
+                <c:ptCount val="5"/>
+                <c:pt idx="0">
+                  <c:v>k = 0</c:v>
+                </c:pt>
+                <c:pt idx="1">
+                  <c:v>k = 1</c:v>
+                </c:pt>
+                <c:pt idx="2">
+                  <c:v>k = 5</c:v>
+                </c:pt>
+                <c:pt idx="3">
+                  <c:v>k = 20</c:v>
+                </c:pt>
+                <c:pt idx="4">
+                  <c:v>k = 50</c:v>
+                </c:pt>
+              </c:strCache>
+            </c:strRef>
+          </c:cat>
+          <c:val>
+            <c:numRef>
+              <c:f>Sheet1!$D$2:$D$6</c:f>
+              <c:numCache>
+                <c:formatCode>General</c:formatCode>
+                <c:ptCount val="5"/>
+                <c:pt idx="0">
+                  <c:v>77</c:v>
+                </c:pt>
+                <c:pt idx="1">
+                  <c:v>77</c:v>
+                </c:pt>
+                <c:pt idx="2">
+                  <c:v>77</c:v>
+                </c:pt>
+                <c:pt idx="3">
+                  <c:v>77</c:v>
+                </c:pt>
+                <c:pt idx="4">
+                  <c:v>77</c:v>
+                </c:pt>
+              </c:numCache>
+            </c:numRef>
+          </c:val>
+          <c:smooth val="0"/>
+          <c:extLst>
+            <c:ext xmlns:c16="http://schemas.microsoft.com/office/drawing/2014/chart" uri="{C3380CC4-5D6E-409C-BE32-E72D297353CC}">
+              <c16:uniqueId val="{00000001-D87E-4EE7-8C6E-AA19262E9FD8}"/>
+            </c:ext>
+          </c:extLst>
+        </c:ser>
+        <c:dLbls>
+          <c:showLegendKey val="0"/>
+          <c:showVal val="0"/>
+          <c:showCatName val="0"/>
+          <c:showSerName val="0"/>
+          <c:showPercent val="0"/>
+          <c:showBubbleSize val="0"/>
+        </c:dLbls>
+        <c:smooth val="0"/>
+        <c:axId val="1064535471"/>
+        <c:axId val="1064525391"/>
+      </c:lineChart>
+      <c:catAx>
+        <c:axId val="1064535471"/>
+        <c:scaling>
+          <c:orientation val="minMax"/>
+        </c:scaling>
+        <c:delete val="0"/>
+        <c:axPos val="b"/>
+        <c:numFmt formatCode="General" sourceLinked="1"/>
+        <c:majorTickMark val="none"/>
+        <c:minorTickMark val="none"/>
+        <c:tickLblPos val="nextTo"/>
+        <c:spPr>
+          <a:noFill/>
+          <a:ln w="9525" cap="flat" cmpd="sng" algn="ctr">
+            <a:solidFill>
+              <a:schemeClr val="tx1">
+                <a:lumMod val="15000"/>
+                <a:lumOff val="85000"/>
+              </a:schemeClr>
+            </a:solidFill>
+            <a:round/>
+          </a:ln>
+          <a:effectLst/>
+        </c:spPr>
+        <c:txPr>
+          <a:bodyPr rot="-60000000" spcFirstLastPara="1" vertOverflow="ellipsis" vert="horz" wrap="square" anchor="ctr" anchorCtr="1"/>
+          <a:lstStyle/>
+          <a:p>
+            <a:pPr>
+              <a:defRPr sz="1197" b="0" i="0" u="none" strike="noStrike" kern="1200" baseline="0">
+                <a:solidFill>
+                  <a:schemeClr val="tx1">
+                    <a:lumMod val="65000"/>
+                    <a:lumOff val="35000"/>
+                  </a:schemeClr>
+                </a:solidFill>
+                <a:latin typeface="Times New Roman" panose="02020603050405020304" pitchFamily="18" charset="0"/>
+                <a:ea typeface="+mn-ea"/>
+                <a:cs typeface="Times New Roman" panose="02020603050405020304" pitchFamily="18" charset="0"/>
+              </a:defRPr>
+            </a:pPr>
+            <a:endParaRPr lang="en-US"/>
+          </a:p>
+        </c:txPr>
+        <c:crossAx val="1064525391"/>
+        <c:crosses val="autoZero"/>
+        <c:auto val="1"/>
+        <c:lblAlgn val="ctr"/>
+        <c:lblOffset val="100"/>
+        <c:noMultiLvlLbl val="0"/>
+      </c:catAx>
+      <c:valAx>
+        <c:axId val="1064525391"/>
+        <c:scaling>
+          <c:orientation val="minMax"/>
+          <c:max val="400"/>
+        </c:scaling>
+        <c:delete val="0"/>
+        <c:axPos val="l"/>
+        <c:majorGridlines>
+          <c:spPr>
+            <a:ln w="9525" cap="flat" cmpd="sng" algn="ctr">
+              <a:solidFill>
+                <a:schemeClr val="tx1">
+                  <a:lumMod val="15000"/>
+                  <a:lumOff val="85000"/>
+                </a:schemeClr>
+              </a:solidFill>
+              <a:round/>
+            </a:ln>
+            <a:effectLst/>
+          </c:spPr>
+        </c:majorGridlines>
+        <c:numFmt formatCode="General" sourceLinked="1"/>
+        <c:majorTickMark val="none"/>
+        <c:minorTickMark val="none"/>
+        <c:tickLblPos val="nextTo"/>
+        <c:spPr>
+          <a:noFill/>
+          <a:ln>
+            <a:noFill/>
+          </a:ln>
+          <a:effectLst/>
+        </c:spPr>
+        <c:txPr>
+          <a:bodyPr rot="-60000000" spcFirstLastPara="1" vertOverflow="ellipsis" vert="horz" wrap="square" anchor="ctr" anchorCtr="1"/>
+          <a:lstStyle/>
+          <a:p>
+            <a:pPr>
+              <a:defRPr sz="1197" b="0" i="0" u="none" strike="noStrike" kern="1200" baseline="0">
+                <a:solidFill>
+                  <a:schemeClr val="tx1">
+                    <a:lumMod val="65000"/>
+                    <a:lumOff val="35000"/>
+                  </a:schemeClr>
+                </a:solidFill>
+                <a:latin typeface="Times New Roman" panose="02020603050405020304" pitchFamily="18" charset="0"/>
+                <a:ea typeface="+mn-ea"/>
+                <a:cs typeface="Times New Roman" panose="02020603050405020304" pitchFamily="18" charset="0"/>
+              </a:defRPr>
+            </a:pPr>
+            <a:endParaRPr lang="en-US"/>
+          </a:p>
+        </c:txPr>
+        <c:crossAx val="1064535471"/>
+        <c:crosses val="autoZero"/>
+        <c:crossBetween val="between"/>
+      </c:valAx>
+      <c:spPr>
+        <a:noFill/>
+        <a:ln>
+          <a:noFill/>
+        </a:ln>
+        <a:effectLst/>
+      </c:spPr>
+    </c:plotArea>
+    <c:legend>
+      <c:legendPos val="b"/>
+      <c:overlay val="0"/>
+      <c:spPr>
+        <a:noFill/>
+        <a:ln>
+          <a:noFill/>
+        </a:ln>
+        <a:effectLst/>
+      </c:spPr>
+      <c:txPr>
+        <a:bodyPr rot="0" spcFirstLastPara="1" vertOverflow="ellipsis" vert="horz" wrap="square" anchor="ctr" anchorCtr="1"/>
+        <a:lstStyle/>
+        <a:p>
+          <a:pPr>
+            <a:defRPr sz="1197" b="0" i="0" u="none" strike="noStrike" kern="1200" baseline="0">
+              <a:solidFill>
+                <a:schemeClr val="tx1">
+                  <a:lumMod val="65000"/>
+                  <a:lumOff val="35000"/>
+                </a:schemeClr>
+              </a:solidFill>
+              <a:latin typeface="Times New Roman" panose="02020603050405020304" pitchFamily="18" charset="0"/>
+              <a:ea typeface="+mn-ea"/>
+              <a:cs typeface="Times New Roman" panose="02020603050405020304" pitchFamily="18" charset="0"/>
+            </a:defRPr>
+          </a:pPr>
+          <a:endParaRPr lang="en-US"/>
+        </a:p>
+      </c:txPr>
+    </c:legend>
+    <c:plotVisOnly val="1"/>
+    <c:dispBlanksAs val="gap"/>
+    <c:extLst>
+      <c:ext xmlns:c16r3="http://schemas.microsoft.com/office/drawing/2017/03/chart" uri="{56B9EC1D-385E-4148-901F-78D8002777C0}">
+        <c16r3:dataDisplayOptions16>
+          <c16r3:dispNaAsBlank val="1"/>
+        </c16r3:dataDisplayOptions16>
+      </c:ext>
+    </c:extLst>
+    <c:showDLblsOverMax val="0"/>
+  </c:chart>
+  <c:spPr>
+    <a:noFill/>
+    <a:ln>
+      <a:noFill/>
+    </a:ln>
+    <a:effectLst/>
+  </c:spPr>
+  <c:txPr>
+    <a:bodyPr/>
+    <a:lstStyle/>
+    <a:p>
+      <a:pPr>
+        <a:defRPr>
+          <a:latin typeface="Times New Roman" panose="02020603050405020304" pitchFamily="18" charset="0"/>
+          <a:cs typeface="Times New Roman" panose="02020603050405020304" pitchFamily="18" charset="0"/>
+        </a:defRPr>
+      </a:pPr>
+      <a:endParaRPr lang="en-US"/>
+    </a:p>
+  </c:txPr>
+  <c:externalData r:id="rId3">
+    <c:autoUpdate val="0"/>
+  </c:externalData>
+</c:chartSpace>
+</file>
+
+<file path=ppt/charts/chart9.xml><?xml version="1.0" encoding="utf-8"?>
+<c:chartSpace xmlns:c="http://schemas.openxmlformats.org/drawingml/2006/chart" xmlns:a="http://schemas.openxmlformats.org/drawingml/2006/main" xmlns:r="http://schemas.openxmlformats.org/officeDocument/2006/relationships" xmlns:c16r2="http://schemas.microsoft.com/office/drawing/2015/06/chart">
+  <c:date1904 val="0"/>
+  <c:lang val="en-US"/>
+  <c:roundedCorners val="0"/>
+  <mc:AlternateContent xmlns:mc="http://schemas.openxmlformats.org/markup-compatibility/2006">
+    <mc:Choice xmlns:c14="http://schemas.microsoft.com/office/drawing/2007/8/2/chart" Requires="c14">
+      <c14:style val="102"/>
+    </mc:Choice>
+    <mc:Fallback>
+      <c:style val="2"/>
+    </mc:Fallback>
+  </mc:AlternateContent>
+  <c:chart>
+    <c:title>
+      <c:tx>
+        <c:rich>
+          <a:bodyPr rot="0" spcFirstLastPara="1" vertOverflow="ellipsis" vert="horz" wrap="square" anchor="ctr" anchorCtr="1"/>
+          <a:lstStyle/>
+          <a:p>
+            <a:pPr>
+              <a:defRPr sz="1862" b="0" i="0" u="none" strike="noStrike" kern="1200" spc="0" baseline="0">
+                <a:solidFill>
+                  <a:schemeClr val="tx1">
+                    <a:lumMod val="65000"/>
+                    <a:lumOff val="35000"/>
+                  </a:schemeClr>
+                </a:solidFill>
+                <a:latin typeface="Times New Roman" panose="02020603050405020304" pitchFamily="18" charset="0"/>
+                <a:ea typeface="+mn-ea"/>
+                <a:cs typeface="Times New Roman" panose="02020603050405020304" pitchFamily="18" charset="0"/>
+              </a:defRPr>
+            </a:pPr>
+            <a:r>
+              <a:rPr lang="en-US" sz="1600" i="1" dirty="0"/>
+              <a:t>Metrics</a:t>
+            </a:r>
+          </a:p>
+        </c:rich>
+      </c:tx>
+      <c:overlay val="0"/>
+      <c:spPr>
+        <a:noFill/>
+        <a:ln>
+          <a:noFill/>
+        </a:ln>
+        <a:effectLst/>
+      </c:spPr>
+      <c:txPr>
+        <a:bodyPr rot="0" spcFirstLastPara="1" vertOverflow="ellipsis" vert="horz" wrap="square" anchor="ctr" anchorCtr="1"/>
+        <a:lstStyle/>
+        <a:p>
+          <a:pPr>
+            <a:defRPr sz="1862" b="0" i="0" u="none" strike="noStrike" kern="1200" spc="0" baseline="0">
+              <a:solidFill>
+                <a:schemeClr val="tx1">
+                  <a:lumMod val="65000"/>
+                  <a:lumOff val="35000"/>
+                </a:schemeClr>
+              </a:solidFill>
+              <a:latin typeface="Times New Roman" panose="02020603050405020304" pitchFamily="18" charset="0"/>
+              <a:ea typeface="+mn-ea"/>
+              <a:cs typeface="Times New Roman" panose="02020603050405020304" pitchFamily="18" charset="0"/>
+            </a:defRPr>
+          </a:pPr>
+          <a:endParaRPr lang="en-US"/>
+        </a:p>
+      </c:txPr>
+    </c:title>
+    <c:autoTitleDeleted val="0"/>
+    <c:plotArea>
+      <c:layout/>
+      <c:lineChart>
+        <c:grouping val="standard"/>
+        <c:varyColors val="0"/>
+        <c:ser>
+          <c:idx val="0"/>
+          <c:order val="0"/>
+          <c:tx>
+            <c:strRef>
+              <c:f>Sheet1!$B$1</c:f>
+              <c:strCache>
+                <c:ptCount val="1"/>
+                <c:pt idx="0">
+                  <c:v>Accuracy</c:v>
+                </c:pt>
+              </c:strCache>
+            </c:strRef>
+          </c:tx>
+          <c:spPr>
+            <a:ln w="28575" cap="rnd">
+              <a:solidFill>
+                <a:schemeClr val="accent5">
+                  <a:lumMod val="60000"/>
+                  <a:lumOff val="40000"/>
+                </a:schemeClr>
+              </a:solidFill>
+              <a:round/>
+            </a:ln>
+            <a:effectLst/>
+          </c:spPr>
+          <c:marker>
+            <c:symbol val="none"/>
+          </c:marker>
+          <c:cat>
+            <c:strRef>
+              <c:f>Sheet1!$A$2:$A$6</c:f>
+              <c:strCache>
+                <c:ptCount val="5"/>
+                <c:pt idx="0">
+                  <c:v>k = 0</c:v>
+                </c:pt>
+                <c:pt idx="1">
+                  <c:v>k = 1</c:v>
+                </c:pt>
+                <c:pt idx="2">
+                  <c:v>k = 5</c:v>
+                </c:pt>
+                <c:pt idx="3">
+                  <c:v>k = 20</c:v>
+                </c:pt>
+                <c:pt idx="4">
+                  <c:v>k = 50</c:v>
+                </c:pt>
+              </c:strCache>
+            </c:strRef>
+          </c:cat>
+          <c:val>
+            <c:numRef>
+              <c:f>Sheet1!$B$2:$B$6</c:f>
+              <c:numCache>
+                <c:formatCode>0%</c:formatCode>
+                <c:ptCount val="5"/>
+                <c:pt idx="0">
+                  <c:v>0.23</c:v>
+                </c:pt>
+                <c:pt idx="1">
+                  <c:v>0.28999999999999998</c:v>
+                </c:pt>
+                <c:pt idx="2">
+                  <c:v>0.28999999999999998</c:v>
+                </c:pt>
+                <c:pt idx="3">
+                  <c:v>0.39</c:v>
+                </c:pt>
+                <c:pt idx="4">
+                  <c:v>0.4</c:v>
+                </c:pt>
+              </c:numCache>
+            </c:numRef>
+          </c:val>
+          <c:smooth val="0"/>
+          <c:extLst>
+            <c:ext xmlns:c16="http://schemas.microsoft.com/office/drawing/2014/chart" uri="{C3380CC4-5D6E-409C-BE32-E72D297353CC}">
+              <c16:uniqueId val="{00000000-A6F0-438E-952C-4C0191585590}"/>
+            </c:ext>
+          </c:extLst>
+        </c:ser>
+        <c:ser>
+          <c:idx val="1"/>
+          <c:order val="1"/>
+          <c:tx>
+            <c:strRef>
+              <c:f>Sheet1!$C$1</c:f>
+              <c:strCache>
+                <c:ptCount val="1"/>
+                <c:pt idx="0">
+                  <c:v>Recall</c:v>
+                </c:pt>
+              </c:strCache>
+            </c:strRef>
+          </c:tx>
+          <c:spPr>
+            <a:ln w="28575" cap="rnd">
+              <a:solidFill>
+                <a:schemeClr val="accent1">
+                  <a:lumMod val="60000"/>
+                  <a:lumOff val="40000"/>
+                </a:schemeClr>
+              </a:solidFill>
+              <a:round/>
+            </a:ln>
+            <a:effectLst/>
+          </c:spPr>
+          <c:marker>
+            <c:symbol val="none"/>
+          </c:marker>
+          <c:cat>
+            <c:strRef>
+              <c:f>Sheet1!$A$2:$A$6</c:f>
+              <c:strCache>
+                <c:ptCount val="5"/>
+                <c:pt idx="0">
+                  <c:v>k = 0</c:v>
+                </c:pt>
+                <c:pt idx="1">
+                  <c:v>k = 1</c:v>
+                </c:pt>
+                <c:pt idx="2">
+                  <c:v>k = 5</c:v>
+                </c:pt>
+                <c:pt idx="3">
+                  <c:v>k = 20</c:v>
+                </c:pt>
+                <c:pt idx="4">
+                  <c:v>k = 50</c:v>
+                </c:pt>
+              </c:strCache>
+            </c:strRef>
+          </c:cat>
+          <c:val>
+            <c:numRef>
+              <c:f>Sheet1!$C$2:$C$6</c:f>
+              <c:numCache>
+                <c:formatCode>0%</c:formatCode>
+                <c:ptCount val="5"/>
+                <c:pt idx="0">
+                  <c:v>1</c:v>
+                </c:pt>
+                <c:pt idx="1">
+                  <c:v>0.91</c:v>
+                </c:pt>
+                <c:pt idx="2">
+                  <c:v>0.95</c:v>
+                </c:pt>
+                <c:pt idx="3">
+                  <c:v>0.86</c:v>
+                </c:pt>
+                <c:pt idx="4">
+                  <c:v>0.81</c:v>
+                </c:pt>
+              </c:numCache>
+            </c:numRef>
+          </c:val>
+          <c:smooth val="0"/>
+          <c:extLst>
+            <c:ext xmlns:c16="http://schemas.microsoft.com/office/drawing/2014/chart" uri="{C3380CC4-5D6E-409C-BE32-E72D297353CC}">
+              <c16:uniqueId val="{00000001-A6F0-438E-952C-4C0191585590}"/>
+            </c:ext>
+          </c:extLst>
+        </c:ser>
+        <c:ser>
+          <c:idx val="2"/>
+          <c:order val="2"/>
+          <c:tx>
+            <c:strRef>
+              <c:f>Sheet1!$D$1</c:f>
+              <c:strCache>
+                <c:ptCount val="1"/>
+                <c:pt idx="0">
+                  <c:v>F1-Score</c:v>
+                </c:pt>
+              </c:strCache>
+            </c:strRef>
+          </c:tx>
+          <c:spPr>
+            <a:ln w="28575" cap="rnd" cmpd="sng">
+              <a:solidFill>
+                <a:schemeClr val="accent6">
+                  <a:lumMod val="75000"/>
+                </a:schemeClr>
+              </a:solidFill>
+              <a:prstDash val="solid"/>
+              <a:round/>
+              <a:headEnd type="none"/>
+              <a:tailEnd type="none"/>
+            </a:ln>
+            <a:effectLst/>
+          </c:spPr>
+          <c:marker>
+            <c:symbol val="none"/>
+          </c:marker>
+          <c:cat>
+            <c:strRef>
+              <c:f>Sheet1!$A$2:$A$6</c:f>
+              <c:strCache>
+                <c:ptCount val="5"/>
+                <c:pt idx="0">
+                  <c:v>k = 0</c:v>
+                </c:pt>
+                <c:pt idx="1">
+                  <c:v>k = 1</c:v>
+                </c:pt>
+                <c:pt idx="2">
+                  <c:v>k = 5</c:v>
+                </c:pt>
+                <c:pt idx="3">
+                  <c:v>k = 20</c:v>
+                </c:pt>
+                <c:pt idx="4">
+                  <c:v>k = 50</c:v>
+                </c:pt>
+              </c:strCache>
+            </c:strRef>
+          </c:cat>
+          <c:val>
+            <c:numRef>
+              <c:f>Sheet1!$D$2:$D$6</c:f>
+              <c:numCache>
+                <c:formatCode>0%</c:formatCode>
+                <c:ptCount val="5"/>
+                <c:pt idx="0">
+                  <c:v>0.33</c:v>
+                </c:pt>
+                <c:pt idx="1">
+                  <c:v>0.33</c:v>
+                </c:pt>
+                <c:pt idx="2">
+                  <c:v>0.34</c:v>
+                </c:pt>
+                <c:pt idx="3">
+                  <c:v>0.35</c:v>
+                </c:pt>
+                <c:pt idx="4">
+                  <c:v>0.33</c:v>
+                </c:pt>
+              </c:numCache>
+            </c:numRef>
+          </c:val>
+          <c:smooth val="0"/>
+          <c:extLst>
+            <c:ext xmlns:c16="http://schemas.microsoft.com/office/drawing/2014/chart" uri="{C3380CC4-5D6E-409C-BE32-E72D297353CC}">
+              <c16:uniqueId val="{00000001-D87E-4EE7-8C6E-AA19262E9FD8}"/>
+            </c:ext>
+          </c:extLst>
+        </c:ser>
+        <c:dLbls>
+          <c:showLegendKey val="0"/>
+          <c:showVal val="0"/>
+          <c:showCatName val="0"/>
+          <c:showSerName val="0"/>
+          <c:showPercent val="0"/>
+          <c:showBubbleSize val="0"/>
+        </c:dLbls>
+        <c:smooth val="0"/>
+        <c:axId val="1064535471"/>
+        <c:axId val="1064525391"/>
+      </c:lineChart>
+      <c:catAx>
+        <c:axId val="1064535471"/>
+        <c:scaling>
+          <c:orientation val="minMax"/>
+        </c:scaling>
+        <c:delete val="0"/>
+        <c:axPos val="b"/>
+        <c:numFmt formatCode="General" sourceLinked="1"/>
+        <c:majorTickMark val="none"/>
+        <c:minorTickMark val="none"/>
+        <c:tickLblPos val="nextTo"/>
+        <c:spPr>
+          <a:noFill/>
+          <a:ln w="9525" cap="flat" cmpd="sng" algn="ctr">
+            <a:solidFill>
+              <a:schemeClr val="tx1">
+                <a:lumMod val="15000"/>
+                <a:lumOff val="85000"/>
+              </a:schemeClr>
+            </a:solidFill>
+            <a:round/>
+          </a:ln>
+          <a:effectLst/>
+        </c:spPr>
+        <c:txPr>
+          <a:bodyPr rot="-60000000" spcFirstLastPara="1" vertOverflow="ellipsis" vert="horz" wrap="square" anchor="ctr" anchorCtr="1"/>
+          <a:lstStyle/>
+          <a:p>
+            <a:pPr>
+              <a:defRPr sz="1197" b="0" i="0" u="none" strike="noStrike" kern="1200" baseline="0">
+                <a:solidFill>
+                  <a:schemeClr val="tx1">
+                    <a:lumMod val="65000"/>
+                    <a:lumOff val="35000"/>
+                  </a:schemeClr>
+                </a:solidFill>
+                <a:latin typeface="Times New Roman" panose="02020603050405020304" pitchFamily="18" charset="0"/>
+                <a:ea typeface="+mn-ea"/>
+                <a:cs typeface="Times New Roman" panose="02020603050405020304" pitchFamily="18" charset="0"/>
+              </a:defRPr>
+            </a:pPr>
+            <a:endParaRPr lang="en-US"/>
+          </a:p>
+        </c:txPr>
+        <c:crossAx val="1064525391"/>
+        <c:crosses val="autoZero"/>
+        <c:auto val="1"/>
+        <c:lblAlgn val="ctr"/>
+        <c:lblOffset val="100"/>
+        <c:noMultiLvlLbl val="0"/>
+      </c:catAx>
+      <c:valAx>
+        <c:axId val="1064525391"/>
+        <c:scaling>
+          <c:orientation val="minMax"/>
+          <c:max val="1"/>
+        </c:scaling>
+        <c:delete val="0"/>
+        <c:axPos val="l"/>
+        <c:majorGridlines>
+          <c:spPr>
+            <a:ln w="9525" cap="flat" cmpd="sng" algn="ctr">
+              <a:solidFill>
+                <a:schemeClr val="tx1">
+                  <a:lumMod val="15000"/>
+                  <a:lumOff val="85000"/>
+                </a:schemeClr>
+              </a:solidFill>
+              <a:round/>
+            </a:ln>
+            <a:effectLst/>
+          </c:spPr>
+        </c:majorGridlines>
+        <c:numFmt formatCode="0%" sourceLinked="1"/>
+        <c:majorTickMark val="none"/>
+        <c:minorTickMark val="none"/>
+        <c:tickLblPos val="nextTo"/>
+        <c:spPr>
+          <a:noFill/>
+          <a:ln>
+            <a:noFill/>
+          </a:ln>
+          <a:effectLst/>
+        </c:spPr>
+        <c:txPr>
+          <a:bodyPr rot="-60000000" spcFirstLastPara="1" vertOverflow="ellipsis" vert="horz" wrap="square" anchor="ctr" anchorCtr="1"/>
+          <a:lstStyle/>
+          <a:p>
+            <a:pPr>
+              <a:defRPr sz="1197" b="0" i="0" u="none" strike="noStrike" kern="1200" baseline="0">
+                <a:solidFill>
+                  <a:schemeClr val="tx1">
+                    <a:lumMod val="65000"/>
+                    <a:lumOff val="35000"/>
+                  </a:schemeClr>
+                </a:solidFill>
+                <a:latin typeface="Times New Roman" panose="02020603050405020304" pitchFamily="18" charset="0"/>
+                <a:ea typeface="+mn-ea"/>
+                <a:cs typeface="Times New Roman" panose="02020603050405020304" pitchFamily="18" charset="0"/>
+              </a:defRPr>
+            </a:pPr>
+            <a:endParaRPr lang="en-US"/>
+          </a:p>
+        </c:txPr>
+        <c:crossAx val="1064535471"/>
+        <c:crosses val="autoZero"/>
+        <c:crossBetween val="between"/>
+      </c:valAx>
+      <c:spPr>
+        <a:noFill/>
+        <a:ln>
+          <a:noFill/>
+        </a:ln>
+        <a:effectLst/>
+      </c:spPr>
+    </c:plotArea>
+    <c:legend>
+      <c:legendPos val="b"/>
+      <c:overlay val="0"/>
+      <c:spPr>
+        <a:noFill/>
+        <a:ln>
+          <a:noFill/>
+        </a:ln>
+        <a:effectLst/>
+      </c:spPr>
+      <c:txPr>
+        <a:bodyPr rot="0" spcFirstLastPara="1" vertOverflow="ellipsis" vert="horz" wrap="square" anchor="ctr" anchorCtr="1"/>
+        <a:lstStyle/>
+        <a:p>
+          <a:pPr>
+            <a:defRPr sz="1197" b="0" i="0" u="none" strike="noStrike" kern="1200" baseline="0">
+              <a:solidFill>
+                <a:schemeClr val="tx1">
+                  <a:lumMod val="65000"/>
+                  <a:lumOff val="35000"/>
+                </a:schemeClr>
+              </a:solidFill>
+              <a:latin typeface="Times New Roman" panose="02020603050405020304" pitchFamily="18" charset="0"/>
+              <a:ea typeface="+mn-ea"/>
+              <a:cs typeface="Times New Roman" panose="02020603050405020304" pitchFamily="18" charset="0"/>
+            </a:defRPr>
+          </a:pPr>
+          <a:endParaRPr lang="en-US"/>
+        </a:p>
+      </c:txPr>
+    </c:legend>
+    <c:plotVisOnly val="1"/>
+    <c:dispBlanksAs val="gap"/>
+    <c:extLst>
+      <c:ext xmlns:c16r3="http://schemas.microsoft.com/office/drawing/2017/03/chart" uri="{56B9EC1D-385E-4148-901F-78D8002777C0}">
+        <c16r3:dataDisplayOptions16>
+          <c16r3:dispNaAsBlank val="1"/>
+        </c16r3:dataDisplayOptions16>
+      </c:ext>
+    </c:extLst>
+    <c:showDLblsOverMax val="0"/>
+  </c:chart>
+  <c:spPr>
+    <a:noFill/>
+    <a:ln>
+      <a:noFill/>
+    </a:ln>
+    <a:effectLst/>
+  </c:spPr>
+  <c:txPr>
+    <a:bodyPr/>
+    <a:lstStyle/>
+    <a:p>
+      <a:pPr>
+        <a:defRPr>
+          <a:latin typeface="Times New Roman" panose="02020603050405020304" pitchFamily="18" charset="0"/>
+          <a:cs typeface="Times New Roman" panose="02020603050405020304" pitchFamily="18" charset="0"/>
+        </a:defRPr>
+      </a:pPr>
+      <a:endParaRPr lang="en-US"/>
+    </a:p>
+  </c:txPr>
+  <c:externalData r:id="rId3">
+    <c:autoUpdate val="0"/>
+  </c:externalData>
+</c:chartSpace>
+</file>
+
 <file path=ppt/charts/colors1.xml><?xml version="1.0" encoding="utf-8"?>
 <cs:colorStyle xmlns:cs="http://schemas.microsoft.com/office/drawing/2012/chartStyle" xmlns:a="http://schemas.openxmlformats.org/drawingml/2006/main" meth="cycle" id="10">
   <a:schemeClr val="accent1"/>
@@ -3934,6 +4983,86 @@
 </file>
 
 <file path=ppt/charts/colors7.xml><?xml version="1.0" encoding="utf-8"?>
+<cs:colorStyle xmlns:cs="http://schemas.microsoft.com/office/drawing/2012/chartStyle" xmlns:a="http://schemas.openxmlformats.org/drawingml/2006/main" meth="cycle" id="10">
+  <a:schemeClr val="accent1"/>
+  <a:schemeClr val="accent2"/>
+  <a:schemeClr val="accent3"/>
+  <a:schemeClr val="accent4"/>
+  <a:schemeClr val="accent5"/>
+  <a:schemeClr val="accent6"/>
+  <cs:variation/>
+  <cs:variation>
+    <a:lumMod val="60000"/>
+  </cs:variation>
+  <cs:variation>
+    <a:lumMod val="80000"/>
+    <a:lumOff val="20000"/>
+  </cs:variation>
+  <cs:variation>
+    <a:lumMod val="80000"/>
+  </cs:variation>
+  <cs:variation>
+    <a:lumMod val="60000"/>
+    <a:lumOff val="40000"/>
+  </cs:variation>
+  <cs:variation>
+    <a:lumMod val="50000"/>
+  </cs:variation>
+  <cs:variation>
+    <a:lumMod val="70000"/>
+    <a:lumOff val="30000"/>
+  </cs:variation>
+  <cs:variation>
+    <a:lumMod val="70000"/>
+  </cs:variation>
+  <cs:variation>
+    <a:lumMod val="50000"/>
+    <a:lumOff val="50000"/>
+  </cs:variation>
+</cs:colorStyle>
+</file>
+
+<file path=ppt/charts/colors8.xml><?xml version="1.0" encoding="utf-8"?>
+<cs:colorStyle xmlns:cs="http://schemas.microsoft.com/office/drawing/2012/chartStyle" xmlns:a="http://schemas.openxmlformats.org/drawingml/2006/main" meth="cycle" id="10">
+  <a:schemeClr val="accent1"/>
+  <a:schemeClr val="accent2"/>
+  <a:schemeClr val="accent3"/>
+  <a:schemeClr val="accent4"/>
+  <a:schemeClr val="accent5"/>
+  <a:schemeClr val="accent6"/>
+  <cs:variation/>
+  <cs:variation>
+    <a:lumMod val="60000"/>
+  </cs:variation>
+  <cs:variation>
+    <a:lumMod val="80000"/>
+    <a:lumOff val="20000"/>
+  </cs:variation>
+  <cs:variation>
+    <a:lumMod val="80000"/>
+  </cs:variation>
+  <cs:variation>
+    <a:lumMod val="60000"/>
+    <a:lumOff val="40000"/>
+  </cs:variation>
+  <cs:variation>
+    <a:lumMod val="50000"/>
+  </cs:variation>
+  <cs:variation>
+    <a:lumMod val="70000"/>
+    <a:lumOff val="30000"/>
+  </cs:variation>
+  <cs:variation>
+    <a:lumMod val="70000"/>
+  </cs:variation>
+  <cs:variation>
+    <a:lumMod val="50000"/>
+    <a:lumOff val="50000"/>
+  </cs:variation>
+</cs:colorStyle>
+</file>
+
+<file path=ppt/charts/colors9.xml><?xml version="1.0" encoding="utf-8"?>
 <cs:colorStyle xmlns:cs="http://schemas.microsoft.com/office/drawing/2012/chartStyle" xmlns:a="http://schemas.openxmlformats.org/drawingml/2006/main" meth="cycle" id="10">
   <a:schemeClr val="accent1"/>
   <a:schemeClr val="accent2"/>
@@ -7585,6 +8714,1038 @@
 </cs:chartStyle>
 </file>
 
+<file path=ppt/charts/style8.xml><?xml version="1.0" encoding="utf-8"?>
+<cs:chartStyle xmlns:cs="http://schemas.microsoft.com/office/drawing/2012/chartStyle" xmlns:a="http://schemas.openxmlformats.org/drawingml/2006/main" id="227">
+  <cs:axisTitle>
+    <cs:lnRef idx="0"/>
+    <cs:fillRef idx="0"/>
+    <cs:effectRef idx="0"/>
+    <cs:fontRef idx="minor">
+      <a:schemeClr val="tx1">
+        <a:lumMod val="65000"/>
+        <a:lumOff val="35000"/>
+      </a:schemeClr>
+    </cs:fontRef>
+    <cs:defRPr sz="1330" kern="1200"/>
+  </cs:axisTitle>
+  <cs:categoryAxis>
+    <cs:lnRef idx="0"/>
+    <cs:fillRef idx="0"/>
+    <cs:effectRef idx="0"/>
+    <cs:fontRef idx="minor">
+      <a:schemeClr val="tx1">
+        <a:lumMod val="65000"/>
+        <a:lumOff val="35000"/>
+      </a:schemeClr>
+    </cs:fontRef>
+    <cs:spPr>
+      <a:ln w="9525" cap="flat" cmpd="sng" algn="ctr">
+        <a:solidFill>
+          <a:schemeClr val="tx1">
+            <a:lumMod val="15000"/>
+            <a:lumOff val="85000"/>
+          </a:schemeClr>
+        </a:solidFill>
+        <a:round/>
+      </a:ln>
+    </cs:spPr>
+    <cs:defRPr sz="1197" kern="1200"/>
+  </cs:categoryAxis>
+  <cs:chartArea mods="allowNoFillOverride allowNoLineOverride">
+    <cs:lnRef idx="0"/>
+    <cs:fillRef idx="0"/>
+    <cs:effectRef idx="0"/>
+    <cs:fontRef idx="minor">
+      <a:schemeClr val="tx1"/>
+    </cs:fontRef>
+    <cs:spPr>
+      <a:solidFill>
+        <a:schemeClr val="bg1"/>
+      </a:solidFill>
+      <a:ln w="9525" cap="flat" cmpd="sng" algn="ctr">
+        <a:solidFill>
+          <a:schemeClr val="tx1">
+            <a:lumMod val="15000"/>
+            <a:lumOff val="85000"/>
+          </a:schemeClr>
+        </a:solidFill>
+        <a:round/>
+      </a:ln>
+    </cs:spPr>
+    <cs:defRPr sz="1330" kern="1200"/>
+  </cs:chartArea>
+  <cs:dataLabel>
+    <cs:lnRef idx="0"/>
+    <cs:fillRef idx="0"/>
+    <cs:effectRef idx="0"/>
+    <cs:fontRef idx="minor">
+      <a:schemeClr val="tx1">
+        <a:lumMod val="75000"/>
+        <a:lumOff val="25000"/>
+      </a:schemeClr>
+    </cs:fontRef>
+    <cs:defRPr sz="1197" kern="1200"/>
+  </cs:dataLabel>
+  <cs:dataLabelCallout>
+    <cs:lnRef idx="0"/>
+    <cs:fillRef idx="0"/>
+    <cs:effectRef idx="0"/>
+    <cs:fontRef idx="minor">
+      <a:schemeClr val="dk1">
+        <a:lumMod val="65000"/>
+        <a:lumOff val="35000"/>
+      </a:schemeClr>
+    </cs:fontRef>
+    <cs:spPr>
+      <a:solidFill>
+        <a:schemeClr val="lt1"/>
+      </a:solidFill>
+      <a:ln>
+        <a:solidFill>
+          <a:schemeClr val="dk1">
+            <a:lumMod val="25000"/>
+            <a:lumOff val="75000"/>
+          </a:schemeClr>
+        </a:solidFill>
+      </a:ln>
+    </cs:spPr>
+    <cs:defRPr sz="1197" kern="1200"/>
+    <cs:bodyPr rot="0" spcFirstLastPara="1" vertOverflow="clip" horzOverflow="clip" vert="horz" wrap="square" lIns="36576" tIns="18288" rIns="36576" bIns="18288" anchor="ctr" anchorCtr="1">
+      <a:spAutoFit/>
+    </cs:bodyPr>
+  </cs:dataLabelCallout>
+  <cs:dataPoint>
+    <cs:lnRef idx="0"/>
+    <cs:fillRef idx="1">
+      <cs:styleClr val="auto"/>
+    </cs:fillRef>
+    <cs:effectRef idx="0"/>
+    <cs:fontRef idx="minor">
+      <a:schemeClr val="tx1"/>
+    </cs:fontRef>
+    <cs:spPr>
+      <a:solidFill>
+        <a:schemeClr val="phClr"/>
+      </a:solidFill>
+    </cs:spPr>
+  </cs:dataPoint>
+  <cs:dataPoint3D>
+    <cs:lnRef idx="0"/>
+    <cs:fillRef idx="1">
+      <cs:styleClr val="auto"/>
+    </cs:fillRef>
+    <cs:effectRef idx="0"/>
+    <cs:fontRef idx="minor">
+      <a:schemeClr val="tx1"/>
+    </cs:fontRef>
+    <cs:spPr>
+      <a:solidFill>
+        <a:schemeClr val="phClr"/>
+      </a:solidFill>
+    </cs:spPr>
+  </cs:dataPoint3D>
+  <cs:dataPointLine>
+    <cs:lnRef idx="0">
+      <cs:styleClr val="auto"/>
+    </cs:lnRef>
+    <cs:fillRef idx="1"/>
+    <cs:effectRef idx="0"/>
+    <cs:fontRef idx="minor">
+      <a:schemeClr val="tx1"/>
+    </cs:fontRef>
+    <cs:spPr>
+      <a:ln w="28575" cap="rnd">
+        <a:solidFill>
+          <a:schemeClr val="phClr"/>
+        </a:solidFill>
+        <a:round/>
+      </a:ln>
+    </cs:spPr>
+  </cs:dataPointLine>
+  <cs:dataPointMarker>
+    <cs:lnRef idx="0">
+      <cs:styleClr val="auto"/>
+    </cs:lnRef>
+    <cs:fillRef idx="1">
+      <cs:styleClr val="auto"/>
+    </cs:fillRef>
+    <cs:effectRef idx="0"/>
+    <cs:fontRef idx="minor">
+      <a:schemeClr val="tx1"/>
+    </cs:fontRef>
+    <cs:spPr>
+      <a:solidFill>
+        <a:schemeClr val="phClr"/>
+      </a:solidFill>
+      <a:ln w="9525">
+        <a:solidFill>
+          <a:schemeClr val="phClr"/>
+        </a:solidFill>
+      </a:ln>
+    </cs:spPr>
+  </cs:dataPointMarker>
+  <cs:dataPointMarkerLayout symbol="circle" size="5"/>
+  <cs:dataPointWireframe>
+    <cs:lnRef idx="0">
+      <cs:styleClr val="auto"/>
+    </cs:lnRef>
+    <cs:fillRef idx="1"/>
+    <cs:effectRef idx="0"/>
+    <cs:fontRef idx="minor">
+      <a:schemeClr val="tx1"/>
+    </cs:fontRef>
+    <cs:spPr>
+      <a:ln w="9525" cap="rnd">
+        <a:solidFill>
+          <a:schemeClr val="phClr"/>
+        </a:solidFill>
+        <a:round/>
+      </a:ln>
+    </cs:spPr>
+  </cs:dataPointWireframe>
+  <cs:dataTable>
+    <cs:lnRef idx="0"/>
+    <cs:fillRef idx="0"/>
+    <cs:effectRef idx="0"/>
+    <cs:fontRef idx="minor">
+      <a:schemeClr val="tx1">
+        <a:lumMod val="65000"/>
+        <a:lumOff val="35000"/>
+      </a:schemeClr>
+    </cs:fontRef>
+    <cs:spPr>
+      <a:noFill/>
+      <a:ln w="9525" cap="flat" cmpd="sng" algn="ctr">
+        <a:solidFill>
+          <a:schemeClr val="tx1">
+            <a:lumMod val="15000"/>
+            <a:lumOff val="85000"/>
+          </a:schemeClr>
+        </a:solidFill>
+        <a:round/>
+      </a:ln>
+    </cs:spPr>
+    <cs:defRPr sz="1197" kern="1200"/>
+  </cs:dataTable>
+  <cs:downBar>
+    <cs:lnRef idx="0"/>
+    <cs:fillRef idx="0"/>
+    <cs:effectRef idx="0"/>
+    <cs:fontRef idx="minor">
+      <a:schemeClr val="dk1"/>
+    </cs:fontRef>
+    <cs:spPr>
+      <a:solidFill>
+        <a:schemeClr val="dk1">
+          <a:lumMod val="65000"/>
+          <a:lumOff val="35000"/>
+        </a:schemeClr>
+      </a:solidFill>
+      <a:ln w="9525">
+        <a:solidFill>
+          <a:schemeClr val="tx1">
+            <a:lumMod val="65000"/>
+            <a:lumOff val="35000"/>
+          </a:schemeClr>
+        </a:solidFill>
+      </a:ln>
+    </cs:spPr>
+  </cs:downBar>
+  <cs:dropLine>
+    <cs:lnRef idx="0"/>
+    <cs:fillRef idx="0"/>
+    <cs:effectRef idx="0"/>
+    <cs:fontRef idx="minor">
+      <a:schemeClr val="tx1"/>
+    </cs:fontRef>
+    <cs:spPr>
+      <a:ln w="9525" cap="flat" cmpd="sng" algn="ctr">
+        <a:solidFill>
+          <a:schemeClr val="tx1">
+            <a:lumMod val="35000"/>
+            <a:lumOff val="65000"/>
+          </a:schemeClr>
+        </a:solidFill>
+        <a:round/>
+      </a:ln>
+    </cs:spPr>
+  </cs:dropLine>
+  <cs:errorBar>
+    <cs:lnRef idx="0"/>
+    <cs:fillRef idx="0"/>
+    <cs:effectRef idx="0"/>
+    <cs:fontRef idx="minor">
+      <a:schemeClr val="tx1"/>
+    </cs:fontRef>
+    <cs:spPr>
+      <a:ln w="9525" cap="flat" cmpd="sng" algn="ctr">
+        <a:solidFill>
+          <a:schemeClr val="tx1">
+            <a:lumMod val="65000"/>
+            <a:lumOff val="35000"/>
+          </a:schemeClr>
+        </a:solidFill>
+        <a:round/>
+      </a:ln>
+    </cs:spPr>
+  </cs:errorBar>
+  <cs:floor>
+    <cs:lnRef idx="0"/>
+    <cs:fillRef idx="0"/>
+    <cs:effectRef idx="0"/>
+    <cs:fontRef idx="minor">
+      <a:schemeClr val="tx1"/>
+    </cs:fontRef>
+    <cs:spPr>
+      <a:noFill/>
+      <a:ln>
+        <a:noFill/>
+      </a:ln>
+    </cs:spPr>
+  </cs:floor>
+  <cs:gridlineMajor>
+    <cs:lnRef idx="0"/>
+    <cs:fillRef idx="0"/>
+    <cs:effectRef idx="0"/>
+    <cs:fontRef idx="minor">
+      <a:schemeClr val="tx1"/>
+    </cs:fontRef>
+    <cs:spPr>
+      <a:ln w="9525" cap="flat" cmpd="sng" algn="ctr">
+        <a:solidFill>
+          <a:schemeClr val="tx1">
+            <a:lumMod val="15000"/>
+            <a:lumOff val="85000"/>
+          </a:schemeClr>
+        </a:solidFill>
+        <a:round/>
+      </a:ln>
+    </cs:spPr>
+  </cs:gridlineMajor>
+  <cs:gridlineMinor>
+    <cs:lnRef idx="0"/>
+    <cs:fillRef idx="0"/>
+    <cs:effectRef idx="0"/>
+    <cs:fontRef idx="minor">
+      <a:schemeClr val="tx1"/>
+    </cs:fontRef>
+    <cs:spPr>
+      <a:ln w="9525" cap="flat" cmpd="sng" algn="ctr">
+        <a:solidFill>
+          <a:schemeClr val="tx1">
+            <a:lumMod val="5000"/>
+            <a:lumOff val="95000"/>
+          </a:schemeClr>
+        </a:solidFill>
+        <a:round/>
+      </a:ln>
+    </cs:spPr>
+  </cs:gridlineMinor>
+  <cs:hiLoLine>
+    <cs:lnRef idx="0"/>
+    <cs:fillRef idx="0"/>
+    <cs:effectRef idx="0"/>
+    <cs:fontRef idx="minor">
+      <a:schemeClr val="tx1"/>
+    </cs:fontRef>
+    <cs:spPr>
+      <a:ln w="9525" cap="flat" cmpd="sng" algn="ctr">
+        <a:solidFill>
+          <a:schemeClr val="tx1">
+            <a:lumMod val="75000"/>
+            <a:lumOff val="25000"/>
+          </a:schemeClr>
+        </a:solidFill>
+        <a:round/>
+      </a:ln>
+    </cs:spPr>
+  </cs:hiLoLine>
+  <cs:leaderLine>
+    <cs:lnRef idx="0"/>
+    <cs:fillRef idx="0"/>
+    <cs:effectRef idx="0"/>
+    <cs:fontRef idx="minor">
+      <a:schemeClr val="tx1"/>
+    </cs:fontRef>
+    <cs:spPr>
+      <a:ln w="9525" cap="flat" cmpd="sng" algn="ctr">
+        <a:solidFill>
+          <a:schemeClr val="tx1">
+            <a:lumMod val="35000"/>
+            <a:lumOff val="65000"/>
+          </a:schemeClr>
+        </a:solidFill>
+        <a:round/>
+      </a:ln>
+    </cs:spPr>
+  </cs:leaderLine>
+  <cs:legend>
+    <cs:lnRef idx="0"/>
+    <cs:fillRef idx="0"/>
+    <cs:effectRef idx="0"/>
+    <cs:fontRef idx="minor">
+      <a:schemeClr val="tx1">
+        <a:lumMod val="65000"/>
+        <a:lumOff val="35000"/>
+      </a:schemeClr>
+    </cs:fontRef>
+    <cs:defRPr sz="1197" kern="1200"/>
+  </cs:legend>
+  <cs:plotArea mods="allowNoFillOverride allowNoLineOverride">
+    <cs:lnRef idx="0"/>
+    <cs:fillRef idx="0"/>
+    <cs:effectRef idx="0"/>
+    <cs:fontRef idx="minor">
+      <a:schemeClr val="tx1"/>
+    </cs:fontRef>
+  </cs:plotArea>
+  <cs:plotArea3D mods="allowNoFillOverride allowNoLineOverride">
+    <cs:lnRef idx="0"/>
+    <cs:fillRef idx="0"/>
+    <cs:effectRef idx="0"/>
+    <cs:fontRef idx="minor">
+      <a:schemeClr val="tx1"/>
+    </cs:fontRef>
+  </cs:plotArea3D>
+  <cs:seriesAxis>
+    <cs:lnRef idx="0"/>
+    <cs:fillRef idx="0"/>
+    <cs:effectRef idx="0"/>
+    <cs:fontRef idx="minor">
+      <a:schemeClr val="tx1">
+        <a:lumMod val="65000"/>
+        <a:lumOff val="35000"/>
+      </a:schemeClr>
+    </cs:fontRef>
+    <cs:defRPr sz="1197" kern="1200"/>
+  </cs:seriesAxis>
+  <cs:seriesLine>
+    <cs:lnRef idx="0"/>
+    <cs:fillRef idx="0"/>
+    <cs:effectRef idx="0"/>
+    <cs:fontRef idx="minor">
+      <a:schemeClr val="tx1"/>
+    </cs:fontRef>
+    <cs:spPr>
+      <a:ln w="9525" cap="flat" cmpd="sng" algn="ctr">
+        <a:solidFill>
+          <a:schemeClr val="tx1">
+            <a:lumMod val="35000"/>
+            <a:lumOff val="65000"/>
+          </a:schemeClr>
+        </a:solidFill>
+        <a:round/>
+      </a:ln>
+    </cs:spPr>
+  </cs:seriesLine>
+  <cs:title>
+    <cs:lnRef idx="0"/>
+    <cs:fillRef idx="0"/>
+    <cs:effectRef idx="0"/>
+    <cs:fontRef idx="minor">
+      <a:schemeClr val="tx1">
+        <a:lumMod val="65000"/>
+        <a:lumOff val="35000"/>
+      </a:schemeClr>
+    </cs:fontRef>
+    <cs:defRPr sz="1862" b="0" kern="1200" spc="0" baseline="0"/>
+  </cs:title>
+  <cs:trendline>
+    <cs:lnRef idx="0">
+      <cs:styleClr val="auto"/>
+    </cs:lnRef>
+    <cs:fillRef idx="0"/>
+    <cs:effectRef idx="0"/>
+    <cs:fontRef idx="minor">
+      <a:schemeClr val="tx1"/>
+    </cs:fontRef>
+    <cs:spPr>
+      <a:ln w="19050" cap="rnd">
+        <a:solidFill>
+          <a:schemeClr val="phClr"/>
+        </a:solidFill>
+        <a:prstDash val="sysDot"/>
+      </a:ln>
+    </cs:spPr>
+  </cs:trendline>
+  <cs:trendlineLabel>
+    <cs:lnRef idx="0"/>
+    <cs:fillRef idx="0"/>
+    <cs:effectRef idx="0"/>
+    <cs:fontRef idx="minor">
+      <a:schemeClr val="tx1">
+        <a:lumMod val="65000"/>
+        <a:lumOff val="35000"/>
+      </a:schemeClr>
+    </cs:fontRef>
+    <cs:defRPr sz="1197" kern="1200"/>
+  </cs:trendlineLabel>
+  <cs:upBar>
+    <cs:lnRef idx="0"/>
+    <cs:fillRef idx="0"/>
+    <cs:effectRef idx="0"/>
+    <cs:fontRef idx="minor">
+      <a:schemeClr val="dk1"/>
+    </cs:fontRef>
+    <cs:spPr>
+      <a:solidFill>
+        <a:schemeClr val="lt1"/>
+      </a:solidFill>
+      <a:ln w="9525">
+        <a:solidFill>
+          <a:schemeClr val="tx1">
+            <a:lumMod val="15000"/>
+            <a:lumOff val="85000"/>
+          </a:schemeClr>
+        </a:solidFill>
+      </a:ln>
+    </cs:spPr>
+  </cs:upBar>
+  <cs:valueAxis>
+    <cs:lnRef idx="0"/>
+    <cs:fillRef idx="0"/>
+    <cs:effectRef idx="0"/>
+    <cs:fontRef idx="minor">
+      <a:schemeClr val="tx1">
+        <a:lumMod val="65000"/>
+        <a:lumOff val="35000"/>
+      </a:schemeClr>
+    </cs:fontRef>
+    <cs:defRPr sz="1197" kern="1200"/>
+  </cs:valueAxis>
+  <cs:wall>
+    <cs:lnRef idx="0"/>
+    <cs:fillRef idx="0"/>
+    <cs:effectRef idx="0"/>
+    <cs:fontRef idx="minor">
+      <a:schemeClr val="tx1"/>
+    </cs:fontRef>
+    <cs:spPr>
+      <a:noFill/>
+      <a:ln>
+        <a:noFill/>
+      </a:ln>
+    </cs:spPr>
+  </cs:wall>
+</cs:chartStyle>
+</file>
+
+<file path=ppt/charts/style9.xml><?xml version="1.0" encoding="utf-8"?>
+<cs:chartStyle xmlns:cs="http://schemas.microsoft.com/office/drawing/2012/chartStyle" xmlns:a="http://schemas.openxmlformats.org/drawingml/2006/main" id="227">
+  <cs:axisTitle>
+    <cs:lnRef idx="0"/>
+    <cs:fillRef idx="0"/>
+    <cs:effectRef idx="0"/>
+    <cs:fontRef idx="minor">
+      <a:schemeClr val="tx1">
+        <a:lumMod val="65000"/>
+        <a:lumOff val="35000"/>
+      </a:schemeClr>
+    </cs:fontRef>
+    <cs:defRPr sz="1330" kern="1200"/>
+  </cs:axisTitle>
+  <cs:categoryAxis>
+    <cs:lnRef idx="0"/>
+    <cs:fillRef idx="0"/>
+    <cs:effectRef idx="0"/>
+    <cs:fontRef idx="minor">
+      <a:schemeClr val="tx1">
+        <a:lumMod val="65000"/>
+        <a:lumOff val="35000"/>
+      </a:schemeClr>
+    </cs:fontRef>
+    <cs:spPr>
+      <a:ln w="9525" cap="flat" cmpd="sng" algn="ctr">
+        <a:solidFill>
+          <a:schemeClr val="tx1">
+            <a:lumMod val="15000"/>
+            <a:lumOff val="85000"/>
+          </a:schemeClr>
+        </a:solidFill>
+        <a:round/>
+      </a:ln>
+    </cs:spPr>
+    <cs:defRPr sz="1197" kern="1200"/>
+  </cs:categoryAxis>
+  <cs:chartArea mods="allowNoFillOverride allowNoLineOverride">
+    <cs:lnRef idx="0"/>
+    <cs:fillRef idx="0"/>
+    <cs:effectRef idx="0"/>
+    <cs:fontRef idx="minor">
+      <a:schemeClr val="tx1"/>
+    </cs:fontRef>
+    <cs:spPr>
+      <a:solidFill>
+        <a:schemeClr val="bg1"/>
+      </a:solidFill>
+      <a:ln w="9525" cap="flat" cmpd="sng" algn="ctr">
+        <a:solidFill>
+          <a:schemeClr val="tx1">
+            <a:lumMod val="15000"/>
+            <a:lumOff val="85000"/>
+          </a:schemeClr>
+        </a:solidFill>
+        <a:round/>
+      </a:ln>
+    </cs:spPr>
+    <cs:defRPr sz="1330" kern="1200"/>
+  </cs:chartArea>
+  <cs:dataLabel>
+    <cs:lnRef idx="0"/>
+    <cs:fillRef idx="0"/>
+    <cs:effectRef idx="0"/>
+    <cs:fontRef idx="minor">
+      <a:schemeClr val="tx1">
+        <a:lumMod val="75000"/>
+        <a:lumOff val="25000"/>
+      </a:schemeClr>
+    </cs:fontRef>
+    <cs:defRPr sz="1197" kern="1200"/>
+  </cs:dataLabel>
+  <cs:dataLabelCallout>
+    <cs:lnRef idx="0"/>
+    <cs:fillRef idx="0"/>
+    <cs:effectRef idx="0"/>
+    <cs:fontRef idx="minor">
+      <a:schemeClr val="dk1">
+        <a:lumMod val="65000"/>
+        <a:lumOff val="35000"/>
+      </a:schemeClr>
+    </cs:fontRef>
+    <cs:spPr>
+      <a:solidFill>
+        <a:schemeClr val="lt1"/>
+      </a:solidFill>
+      <a:ln>
+        <a:solidFill>
+          <a:schemeClr val="dk1">
+            <a:lumMod val="25000"/>
+            <a:lumOff val="75000"/>
+          </a:schemeClr>
+        </a:solidFill>
+      </a:ln>
+    </cs:spPr>
+    <cs:defRPr sz="1197" kern="1200"/>
+    <cs:bodyPr rot="0" spcFirstLastPara="1" vertOverflow="clip" horzOverflow="clip" vert="horz" wrap="square" lIns="36576" tIns="18288" rIns="36576" bIns="18288" anchor="ctr" anchorCtr="1">
+      <a:spAutoFit/>
+    </cs:bodyPr>
+  </cs:dataLabelCallout>
+  <cs:dataPoint>
+    <cs:lnRef idx="0"/>
+    <cs:fillRef idx="1">
+      <cs:styleClr val="auto"/>
+    </cs:fillRef>
+    <cs:effectRef idx="0"/>
+    <cs:fontRef idx="minor">
+      <a:schemeClr val="tx1"/>
+    </cs:fontRef>
+    <cs:spPr>
+      <a:solidFill>
+        <a:schemeClr val="phClr"/>
+      </a:solidFill>
+    </cs:spPr>
+  </cs:dataPoint>
+  <cs:dataPoint3D>
+    <cs:lnRef idx="0"/>
+    <cs:fillRef idx="1">
+      <cs:styleClr val="auto"/>
+    </cs:fillRef>
+    <cs:effectRef idx="0"/>
+    <cs:fontRef idx="minor">
+      <a:schemeClr val="tx1"/>
+    </cs:fontRef>
+    <cs:spPr>
+      <a:solidFill>
+        <a:schemeClr val="phClr"/>
+      </a:solidFill>
+    </cs:spPr>
+  </cs:dataPoint3D>
+  <cs:dataPointLine>
+    <cs:lnRef idx="0">
+      <cs:styleClr val="auto"/>
+    </cs:lnRef>
+    <cs:fillRef idx="1"/>
+    <cs:effectRef idx="0"/>
+    <cs:fontRef idx="minor">
+      <a:schemeClr val="tx1"/>
+    </cs:fontRef>
+    <cs:spPr>
+      <a:ln w="28575" cap="rnd">
+        <a:solidFill>
+          <a:schemeClr val="phClr"/>
+        </a:solidFill>
+        <a:round/>
+      </a:ln>
+    </cs:spPr>
+  </cs:dataPointLine>
+  <cs:dataPointMarker>
+    <cs:lnRef idx="0">
+      <cs:styleClr val="auto"/>
+    </cs:lnRef>
+    <cs:fillRef idx="1">
+      <cs:styleClr val="auto"/>
+    </cs:fillRef>
+    <cs:effectRef idx="0"/>
+    <cs:fontRef idx="minor">
+      <a:schemeClr val="tx1"/>
+    </cs:fontRef>
+    <cs:spPr>
+      <a:solidFill>
+        <a:schemeClr val="phClr"/>
+      </a:solidFill>
+      <a:ln w="9525">
+        <a:solidFill>
+          <a:schemeClr val="phClr"/>
+        </a:solidFill>
+      </a:ln>
+    </cs:spPr>
+  </cs:dataPointMarker>
+  <cs:dataPointMarkerLayout symbol="circle" size="5"/>
+  <cs:dataPointWireframe>
+    <cs:lnRef idx="0">
+      <cs:styleClr val="auto"/>
+    </cs:lnRef>
+    <cs:fillRef idx="1"/>
+    <cs:effectRef idx="0"/>
+    <cs:fontRef idx="minor">
+      <a:schemeClr val="tx1"/>
+    </cs:fontRef>
+    <cs:spPr>
+      <a:ln w="9525" cap="rnd">
+        <a:solidFill>
+          <a:schemeClr val="phClr"/>
+        </a:solidFill>
+        <a:round/>
+      </a:ln>
+    </cs:spPr>
+  </cs:dataPointWireframe>
+  <cs:dataTable>
+    <cs:lnRef idx="0"/>
+    <cs:fillRef idx="0"/>
+    <cs:effectRef idx="0"/>
+    <cs:fontRef idx="minor">
+      <a:schemeClr val="tx1">
+        <a:lumMod val="65000"/>
+        <a:lumOff val="35000"/>
+      </a:schemeClr>
+    </cs:fontRef>
+    <cs:spPr>
+      <a:noFill/>
+      <a:ln w="9525" cap="flat" cmpd="sng" algn="ctr">
+        <a:solidFill>
+          <a:schemeClr val="tx1">
+            <a:lumMod val="15000"/>
+            <a:lumOff val="85000"/>
+          </a:schemeClr>
+        </a:solidFill>
+        <a:round/>
+      </a:ln>
+    </cs:spPr>
+    <cs:defRPr sz="1197" kern="1200"/>
+  </cs:dataTable>
+  <cs:downBar>
+    <cs:lnRef idx="0"/>
+    <cs:fillRef idx="0"/>
+    <cs:effectRef idx="0"/>
+    <cs:fontRef idx="minor">
+      <a:schemeClr val="dk1"/>
+    </cs:fontRef>
+    <cs:spPr>
+      <a:solidFill>
+        <a:schemeClr val="dk1">
+          <a:lumMod val="65000"/>
+          <a:lumOff val="35000"/>
+        </a:schemeClr>
+      </a:solidFill>
+      <a:ln w="9525">
+        <a:solidFill>
+          <a:schemeClr val="tx1">
+            <a:lumMod val="65000"/>
+            <a:lumOff val="35000"/>
+          </a:schemeClr>
+        </a:solidFill>
+      </a:ln>
+    </cs:spPr>
+  </cs:downBar>
+  <cs:dropLine>
+    <cs:lnRef idx="0"/>
+    <cs:fillRef idx="0"/>
+    <cs:effectRef idx="0"/>
+    <cs:fontRef idx="minor">
+      <a:schemeClr val="tx1"/>
+    </cs:fontRef>
+    <cs:spPr>
+      <a:ln w="9525" cap="flat" cmpd="sng" algn="ctr">
+        <a:solidFill>
+          <a:schemeClr val="tx1">
+            <a:lumMod val="35000"/>
+            <a:lumOff val="65000"/>
+          </a:schemeClr>
+        </a:solidFill>
+        <a:round/>
+      </a:ln>
+    </cs:spPr>
+  </cs:dropLine>
+  <cs:errorBar>
+    <cs:lnRef idx="0"/>
+    <cs:fillRef idx="0"/>
+    <cs:effectRef idx="0"/>
+    <cs:fontRef idx="minor">
+      <a:schemeClr val="tx1"/>
+    </cs:fontRef>
+    <cs:spPr>
+      <a:ln w="9525" cap="flat" cmpd="sng" algn="ctr">
+        <a:solidFill>
+          <a:schemeClr val="tx1">
+            <a:lumMod val="65000"/>
+            <a:lumOff val="35000"/>
+          </a:schemeClr>
+        </a:solidFill>
+        <a:round/>
+      </a:ln>
+    </cs:spPr>
+  </cs:errorBar>
+  <cs:floor>
+    <cs:lnRef idx="0"/>
+    <cs:fillRef idx="0"/>
+    <cs:effectRef idx="0"/>
+    <cs:fontRef idx="minor">
+      <a:schemeClr val="tx1"/>
+    </cs:fontRef>
+    <cs:spPr>
+      <a:noFill/>
+      <a:ln>
+        <a:noFill/>
+      </a:ln>
+    </cs:spPr>
+  </cs:floor>
+  <cs:gridlineMajor>
+    <cs:lnRef idx="0"/>
+    <cs:fillRef idx="0"/>
+    <cs:effectRef idx="0"/>
+    <cs:fontRef idx="minor">
+      <a:schemeClr val="tx1"/>
+    </cs:fontRef>
+    <cs:spPr>
+      <a:ln w="9525" cap="flat" cmpd="sng" algn="ctr">
+        <a:solidFill>
+          <a:schemeClr val="tx1">
+            <a:lumMod val="15000"/>
+            <a:lumOff val="85000"/>
+          </a:schemeClr>
+        </a:solidFill>
+        <a:round/>
+      </a:ln>
+    </cs:spPr>
+  </cs:gridlineMajor>
+  <cs:gridlineMinor>
+    <cs:lnRef idx="0"/>
+    <cs:fillRef idx="0"/>
+    <cs:effectRef idx="0"/>
+    <cs:fontRef idx="minor">
+      <a:schemeClr val="tx1"/>
+    </cs:fontRef>
+    <cs:spPr>
+      <a:ln w="9525" cap="flat" cmpd="sng" algn="ctr">
+        <a:solidFill>
+          <a:schemeClr val="tx1">
+            <a:lumMod val="5000"/>
+            <a:lumOff val="95000"/>
+          </a:schemeClr>
+        </a:solidFill>
+        <a:round/>
+      </a:ln>
+    </cs:spPr>
+  </cs:gridlineMinor>
+  <cs:hiLoLine>
+    <cs:lnRef idx="0"/>
+    <cs:fillRef idx="0"/>
+    <cs:effectRef idx="0"/>
+    <cs:fontRef idx="minor">
+      <a:schemeClr val="tx1"/>
+    </cs:fontRef>
+    <cs:spPr>
+      <a:ln w="9525" cap="flat" cmpd="sng" algn="ctr">
+        <a:solidFill>
+          <a:schemeClr val="tx1">
+            <a:lumMod val="75000"/>
+            <a:lumOff val="25000"/>
+          </a:schemeClr>
+        </a:solidFill>
+        <a:round/>
+      </a:ln>
+    </cs:spPr>
+  </cs:hiLoLine>
+  <cs:leaderLine>
+    <cs:lnRef idx="0"/>
+    <cs:fillRef idx="0"/>
+    <cs:effectRef idx="0"/>
+    <cs:fontRef idx="minor">
+      <a:schemeClr val="tx1"/>
+    </cs:fontRef>
+    <cs:spPr>
+      <a:ln w="9525" cap="flat" cmpd="sng" algn="ctr">
+        <a:solidFill>
+          <a:schemeClr val="tx1">
+            <a:lumMod val="35000"/>
+            <a:lumOff val="65000"/>
+          </a:schemeClr>
+        </a:solidFill>
+        <a:round/>
+      </a:ln>
+    </cs:spPr>
+  </cs:leaderLine>
+  <cs:legend>
+    <cs:lnRef idx="0"/>
+    <cs:fillRef idx="0"/>
+    <cs:effectRef idx="0"/>
+    <cs:fontRef idx="minor">
+      <a:schemeClr val="tx1">
+        <a:lumMod val="65000"/>
+        <a:lumOff val="35000"/>
+      </a:schemeClr>
+    </cs:fontRef>
+    <cs:defRPr sz="1197" kern="1200"/>
+  </cs:legend>
+  <cs:plotArea mods="allowNoFillOverride allowNoLineOverride">
+    <cs:lnRef idx="0"/>
+    <cs:fillRef idx="0"/>
+    <cs:effectRef idx="0"/>
+    <cs:fontRef idx="minor">
+      <a:schemeClr val="tx1"/>
+    </cs:fontRef>
+  </cs:plotArea>
+  <cs:plotArea3D mods="allowNoFillOverride allowNoLineOverride">
+    <cs:lnRef idx="0"/>
+    <cs:fillRef idx="0"/>
+    <cs:effectRef idx="0"/>
+    <cs:fontRef idx="minor">
+      <a:schemeClr val="tx1"/>
+    </cs:fontRef>
+  </cs:plotArea3D>
+  <cs:seriesAxis>
+    <cs:lnRef idx="0"/>
+    <cs:fillRef idx="0"/>
+    <cs:effectRef idx="0"/>
+    <cs:fontRef idx="minor">
+      <a:schemeClr val="tx1">
+        <a:lumMod val="65000"/>
+        <a:lumOff val="35000"/>
+      </a:schemeClr>
+    </cs:fontRef>
+    <cs:defRPr sz="1197" kern="1200"/>
+  </cs:seriesAxis>
+  <cs:seriesLine>
+    <cs:lnRef idx="0"/>
+    <cs:fillRef idx="0"/>
+    <cs:effectRef idx="0"/>
+    <cs:fontRef idx="minor">
+      <a:schemeClr val="tx1"/>
+    </cs:fontRef>
+    <cs:spPr>
+      <a:ln w="9525" cap="flat" cmpd="sng" algn="ctr">
+        <a:solidFill>
+          <a:schemeClr val="tx1">
+            <a:lumMod val="35000"/>
+            <a:lumOff val="65000"/>
+          </a:schemeClr>
+        </a:solidFill>
+        <a:round/>
+      </a:ln>
+    </cs:spPr>
+  </cs:seriesLine>
+  <cs:title>
+    <cs:lnRef idx="0"/>
+    <cs:fillRef idx="0"/>
+    <cs:effectRef idx="0"/>
+    <cs:fontRef idx="minor">
+      <a:schemeClr val="tx1">
+        <a:lumMod val="65000"/>
+        <a:lumOff val="35000"/>
+      </a:schemeClr>
+    </cs:fontRef>
+    <cs:defRPr sz="1862" b="0" kern="1200" spc="0" baseline="0"/>
+  </cs:title>
+  <cs:trendline>
+    <cs:lnRef idx="0">
+      <cs:styleClr val="auto"/>
+    </cs:lnRef>
+    <cs:fillRef idx="0"/>
+    <cs:effectRef idx="0"/>
+    <cs:fontRef idx="minor">
+      <a:schemeClr val="tx1"/>
+    </cs:fontRef>
+    <cs:spPr>
+      <a:ln w="19050" cap="rnd">
+        <a:solidFill>
+          <a:schemeClr val="phClr"/>
+        </a:solidFill>
+        <a:prstDash val="sysDot"/>
+      </a:ln>
+    </cs:spPr>
+  </cs:trendline>
+  <cs:trendlineLabel>
+    <cs:lnRef idx="0"/>
+    <cs:fillRef idx="0"/>
+    <cs:effectRef idx="0"/>
+    <cs:fontRef idx="minor">
+      <a:schemeClr val="tx1">
+        <a:lumMod val="65000"/>
+        <a:lumOff val="35000"/>
+      </a:schemeClr>
+    </cs:fontRef>
+    <cs:defRPr sz="1197" kern="1200"/>
+  </cs:trendlineLabel>
+  <cs:upBar>
+    <cs:lnRef idx="0"/>
+    <cs:fillRef idx="0"/>
+    <cs:effectRef idx="0"/>
+    <cs:fontRef idx="minor">
+      <a:schemeClr val="dk1"/>
+    </cs:fontRef>
+    <cs:spPr>
+      <a:solidFill>
+        <a:schemeClr val="lt1"/>
+      </a:solidFill>
+      <a:ln w="9525">
+        <a:solidFill>
+          <a:schemeClr val="tx1">
+            <a:lumMod val="15000"/>
+            <a:lumOff val="85000"/>
+          </a:schemeClr>
+        </a:solidFill>
+      </a:ln>
+    </cs:spPr>
+  </cs:upBar>
+  <cs:valueAxis>
+    <cs:lnRef idx="0"/>
+    <cs:fillRef idx="0"/>
+    <cs:effectRef idx="0"/>
+    <cs:fontRef idx="minor">
+      <a:schemeClr val="tx1">
+        <a:lumMod val="65000"/>
+        <a:lumOff val="35000"/>
+      </a:schemeClr>
+    </cs:fontRef>
+    <cs:defRPr sz="1197" kern="1200"/>
+  </cs:valueAxis>
+  <cs:wall>
+    <cs:lnRef idx="0"/>
+    <cs:fillRef idx="0"/>
+    <cs:effectRef idx="0"/>
+    <cs:fontRef idx="minor">
+      <a:schemeClr val="tx1"/>
+    </cs:fontRef>
+    <cs:spPr>
+      <a:noFill/>
+      <a:ln>
+        <a:noFill/>
+      </a:ln>
+    </cs:spPr>
+  </cs:wall>
+</cs:chartStyle>
+</file>
+
 <file path=ppt/notesMasters/notesMaster1.xml><?xml version="1.0" encoding="utf-8"?>
 <p:notesMaster xmlns:a="http://schemas.openxmlformats.org/drawingml/2006/main" xmlns:r="http://schemas.openxmlformats.org/officeDocument/2006/relationships" xmlns:p="http://schemas.openxmlformats.org/presentationml/2006/main">
   <p:cSld>
@@ -11294,6 +13455,342 @@
 </p:notes>
 </file>
 
+<file path=ppt/notesSlides/notesSlide46.xml><?xml version="1.0" encoding="utf-8"?>
+<p:notes xmlns:a="http://schemas.openxmlformats.org/drawingml/2006/main" xmlns:r="http://schemas.openxmlformats.org/officeDocument/2006/relationships" xmlns:p="http://schemas.openxmlformats.org/presentationml/2006/main">
+  <p:cSld>
+    <p:spTree>
+      <p:nvGrpSpPr>
+        <p:cNvPr id="1" name=""/>
+        <p:cNvGrpSpPr/>
+        <p:nvPr/>
+      </p:nvGrpSpPr>
+      <p:grpSpPr>
+        <a:xfrm>
+          <a:off x="0" y="0"/>
+          <a:ext cx="0" cy="0"/>
+          <a:chOff x="0" y="0"/>
+          <a:chExt cx="0" cy="0"/>
+        </a:xfrm>
+      </p:grpSpPr>
+      <p:sp>
+        <p:nvSpPr>
+          <p:cNvPr id="2" name="Slide Image Placeholder 1"/>
+          <p:cNvSpPr>
+            <a:spLocks noGrp="1" noRot="1" noChangeAspect="1"/>
+          </p:cNvSpPr>
+          <p:nvPr>
+            <p:ph type="sldImg"/>
+          </p:nvPr>
+        </p:nvSpPr>
+        <p:spPr/>
+      </p:sp>
+      <p:sp>
+        <p:nvSpPr>
+          <p:cNvPr id="3" name="Notes Placeholder 2"/>
+          <p:cNvSpPr>
+            <a:spLocks noGrp="1"/>
+          </p:cNvSpPr>
+          <p:nvPr>
+            <p:ph type="body" idx="1"/>
+          </p:nvPr>
+        </p:nvSpPr>
+        <p:spPr/>
+        <p:txBody>
+          <a:bodyPr/>
+          <a:lstStyle/>
+          <a:p>
+            <a:endParaRPr lang="en-US" dirty="0"/>
+          </a:p>
+        </p:txBody>
+      </p:sp>
+      <p:sp>
+        <p:nvSpPr>
+          <p:cNvPr id="4" name="Slide Number Placeholder 3"/>
+          <p:cNvSpPr>
+            <a:spLocks noGrp="1"/>
+          </p:cNvSpPr>
+          <p:nvPr>
+            <p:ph type="sldNum" sz="quarter" idx="5"/>
+          </p:nvPr>
+        </p:nvSpPr>
+        <p:spPr/>
+        <p:txBody>
+          <a:bodyPr/>
+          <a:lstStyle/>
+          <a:p>
+            <a:fld id="{3E4A7109-D3E0-47BA-A045-9A99591D35D8}" type="slidenum">
+              <a:rPr lang="en-US" smtClean="0"/>
+              <a:t>47</a:t>
+            </a:fld>
+            <a:endParaRPr lang="en-US"/>
+          </a:p>
+        </p:txBody>
+      </p:sp>
+    </p:spTree>
+    <p:extLst>
+      <p:ext uri="{BB962C8B-B14F-4D97-AF65-F5344CB8AC3E}">
+        <p14:creationId xmlns:p14="http://schemas.microsoft.com/office/powerpoint/2010/main" val="669701958"/>
+      </p:ext>
+    </p:extLst>
+  </p:cSld>
+  <p:clrMapOvr>
+    <a:masterClrMapping/>
+  </p:clrMapOvr>
+</p:notes>
+</file>
+
+<file path=ppt/notesSlides/notesSlide47.xml><?xml version="1.0" encoding="utf-8"?>
+<p:notes xmlns:a="http://schemas.openxmlformats.org/drawingml/2006/main" xmlns:r="http://schemas.openxmlformats.org/officeDocument/2006/relationships" xmlns:p="http://schemas.openxmlformats.org/presentationml/2006/main">
+  <p:cSld>
+    <p:spTree>
+      <p:nvGrpSpPr>
+        <p:cNvPr id="1" name=""/>
+        <p:cNvGrpSpPr/>
+        <p:nvPr/>
+      </p:nvGrpSpPr>
+      <p:grpSpPr>
+        <a:xfrm>
+          <a:off x="0" y="0"/>
+          <a:ext cx="0" cy="0"/>
+          <a:chOff x="0" y="0"/>
+          <a:chExt cx="0" cy="0"/>
+        </a:xfrm>
+      </p:grpSpPr>
+      <p:sp>
+        <p:nvSpPr>
+          <p:cNvPr id="2" name="Slide Image Placeholder 1"/>
+          <p:cNvSpPr>
+            <a:spLocks noGrp="1" noRot="1" noChangeAspect="1"/>
+          </p:cNvSpPr>
+          <p:nvPr>
+            <p:ph type="sldImg"/>
+          </p:nvPr>
+        </p:nvSpPr>
+        <p:spPr/>
+      </p:sp>
+      <p:sp>
+        <p:nvSpPr>
+          <p:cNvPr id="3" name="Notes Placeholder 2"/>
+          <p:cNvSpPr>
+            <a:spLocks noGrp="1"/>
+          </p:cNvSpPr>
+          <p:nvPr>
+            <p:ph type="body" idx="1"/>
+          </p:nvPr>
+        </p:nvSpPr>
+        <p:spPr/>
+        <p:txBody>
+          <a:bodyPr/>
+          <a:lstStyle/>
+          <a:p>
+            <a:endParaRPr lang="en-US" dirty="0"/>
+          </a:p>
+        </p:txBody>
+      </p:sp>
+      <p:sp>
+        <p:nvSpPr>
+          <p:cNvPr id="4" name="Slide Number Placeholder 3"/>
+          <p:cNvSpPr>
+            <a:spLocks noGrp="1"/>
+          </p:cNvSpPr>
+          <p:nvPr>
+            <p:ph type="sldNum" sz="quarter" idx="5"/>
+          </p:nvPr>
+        </p:nvSpPr>
+        <p:spPr/>
+        <p:txBody>
+          <a:bodyPr/>
+          <a:lstStyle/>
+          <a:p>
+            <a:fld id="{3E4A7109-D3E0-47BA-A045-9A99591D35D8}" type="slidenum">
+              <a:rPr lang="en-US" smtClean="0"/>
+              <a:t>48</a:t>
+            </a:fld>
+            <a:endParaRPr lang="en-US"/>
+          </a:p>
+        </p:txBody>
+      </p:sp>
+    </p:spTree>
+    <p:extLst>
+      <p:ext uri="{BB962C8B-B14F-4D97-AF65-F5344CB8AC3E}">
+        <p14:creationId xmlns:p14="http://schemas.microsoft.com/office/powerpoint/2010/main" val="675103556"/>
+      </p:ext>
+    </p:extLst>
+  </p:cSld>
+  <p:clrMapOvr>
+    <a:masterClrMapping/>
+  </p:clrMapOvr>
+</p:notes>
+</file>
+
+<file path=ppt/notesSlides/notesSlide48.xml><?xml version="1.0" encoding="utf-8"?>
+<p:notes xmlns:a="http://schemas.openxmlformats.org/drawingml/2006/main" xmlns:r="http://schemas.openxmlformats.org/officeDocument/2006/relationships" xmlns:p="http://schemas.openxmlformats.org/presentationml/2006/main">
+  <p:cSld>
+    <p:spTree>
+      <p:nvGrpSpPr>
+        <p:cNvPr id="1" name=""/>
+        <p:cNvGrpSpPr/>
+        <p:nvPr/>
+      </p:nvGrpSpPr>
+      <p:grpSpPr>
+        <a:xfrm>
+          <a:off x="0" y="0"/>
+          <a:ext cx="0" cy="0"/>
+          <a:chOff x="0" y="0"/>
+          <a:chExt cx="0" cy="0"/>
+        </a:xfrm>
+      </p:grpSpPr>
+      <p:sp>
+        <p:nvSpPr>
+          <p:cNvPr id="2" name="Slide Image Placeholder 1"/>
+          <p:cNvSpPr>
+            <a:spLocks noGrp="1" noRot="1" noChangeAspect="1"/>
+          </p:cNvSpPr>
+          <p:nvPr>
+            <p:ph type="sldImg"/>
+          </p:nvPr>
+        </p:nvSpPr>
+        <p:spPr/>
+      </p:sp>
+      <p:sp>
+        <p:nvSpPr>
+          <p:cNvPr id="3" name="Notes Placeholder 2"/>
+          <p:cNvSpPr>
+            <a:spLocks noGrp="1"/>
+          </p:cNvSpPr>
+          <p:nvPr>
+            <p:ph type="body" idx="1"/>
+          </p:nvPr>
+        </p:nvSpPr>
+        <p:spPr/>
+        <p:txBody>
+          <a:bodyPr/>
+          <a:lstStyle/>
+          <a:p>
+            <a:endParaRPr lang="en-US" dirty="0"/>
+          </a:p>
+        </p:txBody>
+      </p:sp>
+      <p:sp>
+        <p:nvSpPr>
+          <p:cNvPr id="4" name="Slide Number Placeholder 3"/>
+          <p:cNvSpPr>
+            <a:spLocks noGrp="1"/>
+          </p:cNvSpPr>
+          <p:nvPr>
+            <p:ph type="sldNum" sz="quarter" idx="5"/>
+          </p:nvPr>
+        </p:nvSpPr>
+        <p:spPr/>
+        <p:txBody>
+          <a:bodyPr/>
+          <a:lstStyle/>
+          <a:p>
+            <a:fld id="{3E4A7109-D3E0-47BA-A045-9A99591D35D8}" type="slidenum">
+              <a:rPr lang="en-US" smtClean="0"/>
+              <a:t>49</a:t>
+            </a:fld>
+            <a:endParaRPr lang="en-US"/>
+          </a:p>
+        </p:txBody>
+      </p:sp>
+    </p:spTree>
+    <p:extLst>
+      <p:ext uri="{BB962C8B-B14F-4D97-AF65-F5344CB8AC3E}">
+        <p14:creationId xmlns:p14="http://schemas.microsoft.com/office/powerpoint/2010/main" val="1058780231"/>
+      </p:ext>
+    </p:extLst>
+  </p:cSld>
+  <p:clrMapOvr>
+    <a:masterClrMapping/>
+  </p:clrMapOvr>
+</p:notes>
+</file>
+
+<file path=ppt/notesSlides/notesSlide49.xml><?xml version="1.0" encoding="utf-8"?>
+<p:notes xmlns:a="http://schemas.openxmlformats.org/drawingml/2006/main" xmlns:r="http://schemas.openxmlformats.org/officeDocument/2006/relationships" xmlns:p="http://schemas.openxmlformats.org/presentationml/2006/main">
+  <p:cSld>
+    <p:spTree>
+      <p:nvGrpSpPr>
+        <p:cNvPr id="1" name=""/>
+        <p:cNvGrpSpPr/>
+        <p:nvPr/>
+      </p:nvGrpSpPr>
+      <p:grpSpPr>
+        <a:xfrm>
+          <a:off x="0" y="0"/>
+          <a:ext cx="0" cy="0"/>
+          <a:chOff x="0" y="0"/>
+          <a:chExt cx="0" cy="0"/>
+        </a:xfrm>
+      </p:grpSpPr>
+      <p:sp>
+        <p:nvSpPr>
+          <p:cNvPr id="2" name="Slide Image Placeholder 1"/>
+          <p:cNvSpPr>
+            <a:spLocks noGrp="1" noRot="1" noChangeAspect="1"/>
+          </p:cNvSpPr>
+          <p:nvPr>
+            <p:ph type="sldImg"/>
+          </p:nvPr>
+        </p:nvSpPr>
+        <p:spPr/>
+      </p:sp>
+      <p:sp>
+        <p:nvSpPr>
+          <p:cNvPr id="3" name="Notes Placeholder 2"/>
+          <p:cNvSpPr>
+            <a:spLocks noGrp="1"/>
+          </p:cNvSpPr>
+          <p:nvPr>
+            <p:ph type="body" idx="1"/>
+          </p:nvPr>
+        </p:nvSpPr>
+        <p:spPr/>
+        <p:txBody>
+          <a:bodyPr/>
+          <a:lstStyle/>
+          <a:p>
+            <a:endParaRPr lang="en-US" dirty="0"/>
+          </a:p>
+        </p:txBody>
+      </p:sp>
+      <p:sp>
+        <p:nvSpPr>
+          <p:cNvPr id="4" name="Slide Number Placeholder 3"/>
+          <p:cNvSpPr>
+            <a:spLocks noGrp="1"/>
+          </p:cNvSpPr>
+          <p:nvPr>
+            <p:ph type="sldNum" sz="quarter" idx="5"/>
+          </p:nvPr>
+        </p:nvSpPr>
+        <p:spPr/>
+        <p:txBody>
+          <a:bodyPr/>
+          <a:lstStyle/>
+          <a:p>
+            <a:fld id="{3E4A7109-D3E0-47BA-A045-9A99591D35D8}" type="slidenum">
+              <a:rPr lang="en-US" smtClean="0"/>
+              <a:t>50</a:t>
+            </a:fld>
+            <a:endParaRPr lang="en-US"/>
+          </a:p>
+        </p:txBody>
+      </p:sp>
+    </p:spTree>
+    <p:extLst>
+      <p:ext uri="{BB962C8B-B14F-4D97-AF65-F5344CB8AC3E}">
+        <p14:creationId xmlns:p14="http://schemas.microsoft.com/office/powerpoint/2010/main" val="3480578304"/>
+      </p:ext>
+    </p:extLst>
+  </p:cSld>
+  <p:clrMapOvr>
+    <a:masterClrMapping/>
+  </p:clrMapOvr>
+</p:notes>
+</file>
+
 <file path=ppt/notesSlides/notesSlide5.xml><?xml version="1.0" encoding="utf-8"?>
 <p:notes xmlns:a="http://schemas.openxmlformats.org/drawingml/2006/main" xmlns:r="http://schemas.openxmlformats.org/officeDocument/2006/relationships" xmlns:p="http://schemas.openxmlformats.org/presentationml/2006/main">
   <p:cSld>
@@ -11369,6 +13866,846 @@
     <p:extLst>
       <p:ext uri="{BB962C8B-B14F-4D97-AF65-F5344CB8AC3E}">
         <p14:creationId xmlns:p14="http://schemas.microsoft.com/office/powerpoint/2010/main" val="1354833201"/>
+      </p:ext>
+    </p:extLst>
+  </p:cSld>
+  <p:clrMapOvr>
+    <a:masterClrMapping/>
+  </p:clrMapOvr>
+</p:notes>
+</file>
+
+<file path=ppt/notesSlides/notesSlide50.xml><?xml version="1.0" encoding="utf-8"?>
+<p:notes xmlns:a="http://schemas.openxmlformats.org/drawingml/2006/main" xmlns:r="http://schemas.openxmlformats.org/officeDocument/2006/relationships" xmlns:p="http://schemas.openxmlformats.org/presentationml/2006/main">
+  <p:cSld>
+    <p:spTree>
+      <p:nvGrpSpPr>
+        <p:cNvPr id="1" name=""/>
+        <p:cNvGrpSpPr/>
+        <p:nvPr/>
+      </p:nvGrpSpPr>
+      <p:grpSpPr>
+        <a:xfrm>
+          <a:off x="0" y="0"/>
+          <a:ext cx="0" cy="0"/>
+          <a:chOff x="0" y="0"/>
+          <a:chExt cx="0" cy="0"/>
+        </a:xfrm>
+      </p:grpSpPr>
+      <p:sp>
+        <p:nvSpPr>
+          <p:cNvPr id="2" name="Slide Image Placeholder 1"/>
+          <p:cNvSpPr>
+            <a:spLocks noGrp="1" noRot="1" noChangeAspect="1"/>
+          </p:cNvSpPr>
+          <p:nvPr>
+            <p:ph type="sldImg"/>
+          </p:nvPr>
+        </p:nvSpPr>
+        <p:spPr/>
+      </p:sp>
+      <p:sp>
+        <p:nvSpPr>
+          <p:cNvPr id="3" name="Notes Placeholder 2"/>
+          <p:cNvSpPr>
+            <a:spLocks noGrp="1"/>
+          </p:cNvSpPr>
+          <p:nvPr>
+            <p:ph type="body" idx="1"/>
+          </p:nvPr>
+        </p:nvSpPr>
+        <p:spPr/>
+        <p:txBody>
+          <a:bodyPr/>
+          <a:lstStyle/>
+          <a:p>
+            <a:endParaRPr lang="en-US" dirty="0"/>
+          </a:p>
+        </p:txBody>
+      </p:sp>
+      <p:sp>
+        <p:nvSpPr>
+          <p:cNvPr id="4" name="Slide Number Placeholder 3"/>
+          <p:cNvSpPr>
+            <a:spLocks noGrp="1"/>
+          </p:cNvSpPr>
+          <p:nvPr>
+            <p:ph type="sldNum" sz="quarter" idx="5"/>
+          </p:nvPr>
+        </p:nvSpPr>
+        <p:spPr/>
+        <p:txBody>
+          <a:bodyPr/>
+          <a:lstStyle/>
+          <a:p>
+            <a:fld id="{3E4A7109-D3E0-47BA-A045-9A99591D35D8}" type="slidenum">
+              <a:rPr lang="en-US" smtClean="0"/>
+              <a:t>51</a:t>
+            </a:fld>
+            <a:endParaRPr lang="en-US"/>
+          </a:p>
+        </p:txBody>
+      </p:sp>
+    </p:spTree>
+    <p:extLst>
+      <p:ext uri="{BB962C8B-B14F-4D97-AF65-F5344CB8AC3E}">
+        <p14:creationId xmlns:p14="http://schemas.microsoft.com/office/powerpoint/2010/main" val="4035721457"/>
+      </p:ext>
+    </p:extLst>
+  </p:cSld>
+  <p:clrMapOvr>
+    <a:masterClrMapping/>
+  </p:clrMapOvr>
+</p:notes>
+</file>
+
+<file path=ppt/notesSlides/notesSlide51.xml><?xml version="1.0" encoding="utf-8"?>
+<p:notes xmlns:a="http://schemas.openxmlformats.org/drawingml/2006/main" xmlns:r="http://schemas.openxmlformats.org/officeDocument/2006/relationships" xmlns:p="http://schemas.openxmlformats.org/presentationml/2006/main">
+  <p:cSld>
+    <p:spTree>
+      <p:nvGrpSpPr>
+        <p:cNvPr id="1" name=""/>
+        <p:cNvGrpSpPr/>
+        <p:nvPr/>
+      </p:nvGrpSpPr>
+      <p:grpSpPr>
+        <a:xfrm>
+          <a:off x="0" y="0"/>
+          <a:ext cx="0" cy="0"/>
+          <a:chOff x="0" y="0"/>
+          <a:chExt cx="0" cy="0"/>
+        </a:xfrm>
+      </p:grpSpPr>
+      <p:sp>
+        <p:nvSpPr>
+          <p:cNvPr id="2" name="Slide Image Placeholder 1"/>
+          <p:cNvSpPr>
+            <a:spLocks noGrp="1" noRot="1" noChangeAspect="1"/>
+          </p:cNvSpPr>
+          <p:nvPr>
+            <p:ph type="sldImg"/>
+          </p:nvPr>
+        </p:nvSpPr>
+        <p:spPr/>
+      </p:sp>
+      <p:sp>
+        <p:nvSpPr>
+          <p:cNvPr id="3" name="Notes Placeholder 2"/>
+          <p:cNvSpPr>
+            <a:spLocks noGrp="1"/>
+          </p:cNvSpPr>
+          <p:nvPr>
+            <p:ph type="body" idx="1"/>
+          </p:nvPr>
+        </p:nvSpPr>
+        <p:spPr/>
+        <p:txBody>
+          <a:bodyPr/>
+          <a:lstStyle/>
+          <a:p>
+            <a:endParaRPr lang="en-US" dirty="0"/>
+          </a:p>
+        </p:txBody>
+      </p:sp>
+      <p:sp>
+        <p:nvSpPr>
+          <p:cNvPr id="4" name="Slide Number Placeholder 3"/>
+          <p:cNvSpPr>
+            <a:spLocks noGrp="1"/>
+          </p:cNvSpPr>
+          <p:nvPr>
+            <p:ph type="sldNum" sz="quarter" idx="5"/>
+          </p:nvPr>
+        </p:nvSpPr>
+        <p:spPr/>
+        <p:txBody>
+          <a:bodyPr/>
+          <a:lstStyle/>
+          <a:p>
+            <a:fld id="{3E4A7109-D3E0-47BA-A045-9A99591D35D8}" type="slidenum">
+              <a:rPr lang="en-US" smtClean="0"/>
+              <a:t>52</a:t>
+            </a:fld>
+            <a:endParaRPr lang="en-US"/>
+          </a:p>
+        </p:txBody>
+      </p:sp>
+    </p:spTree>
+    <p:extLst>
+      <p:ext uri="{BB962C8B-B14F-4D97-AF65-F5344CB8AC3E}">
+        <p14:creationId xmlns:p14="http://schemas.microsoft.com/office/powerpoint/2010/main" val="3588370398"/>
+      </p:ext>
+    </p:extLst>
+  </p:cSld>
+  <p:clrMapOvr>
+    <a:masterClrMapping/>
+  </p:clrMapOvr>
+</p:notes>
+</file>
+
+<file path=ppt/notesSlides/notesSlide52.xml><?xml version="1.0" encoding="utf-8"?>
+<p:notes xmlns:a="http://schemas.openxmlformats.org/drawingml/2006/main" xmlns:r="http://schemas.openxmlformats.org/officeDocument/2006/relationships" xmlns:p="http://schemas.openxmlformats.org/presentationml/2006/main">
+  <p:cSld>
+    <p:spTree>
+      <p:nvGrpSpPr>
+        <p:cNvPr id="1" name=""/>
+        <p:cNvGrpSpPr/>
+        <p:nvPr/>
+      </p:nvGrpSpPr>
+      <p:grpSpPr>
+        <a:xfrm>
+          <a:off x="0" y="0"/>
+          <a:ext cx="0" cy="0"/>
+          <a:chOff x="0" y="0"/>
+          <a:chExt cx="0" cy="0"/>
+        </a:xfrm>
+      </p:grpSpPr>
+      <p:sp>
+        <p:nvSpPr>
+          <p:cNvPr id="2" name="Slide Image Placeholder 1"/>
+          <p:cNvSpPr>
+            <a:spLocks noGrp="1" noRot="1" noChangeAspect="1"/>
+          </p:cNvSpPr>
+          <p:nvPr>
+            <p:ph type="sldImg"/>
+          </p:nvPr>
+        </p:nvSpPr>
+        <p:spPr/>
+      </p:sp>
+      <p:sp>
+        <p:nvSpPr>
+          <p:cNvPr id="3" name="Notes Placeholder 2"/>
+          <p:cNvSpPr>
+            <a:spLocks noGrp="1"/>
+          </p:cNvSpPr>
+          <p:nvPr>
+            <p:ph type="body" idx="1"/>
+          </p:nvPr>
+        </p:nvSpPr>
+        <p:spPr/>
+        <p:txBody>
+          <a:bodyPr/>
+          <a:lstStyle/>
+          <a:p>
+            <a:endParaRPr lang="en-US" dirty="0"/>
+          </a:p>
+        </p:txBody>
+      </p:sp>
+      <p:sp>
+        <p:nvSpPr>
+          <p:cNvPr id="4" name="Slide Number Placeholder 3"/>
+          <p:cNvSpPr>
+            <a:spLocks noGrp="1"/>
+          </p:cNvSpPr>
+          <p:nvPr>
+            <p:ph type="sldNum" sz="quarter" idx="5"/>
+          </p:nvPr>
+        </p:nvSpPr>
+        <p:spPr/>
+        <p:txBody>
+          <a:bodyPr/>
+          <a:lstStyle/>
+          <a:p>
+            <a:fld id="{3E4A7109-D3E0-47BA-A045-9A99591D35D8}" type="slidenum">
+              <a:rPr lang="en-US" smtClean="0"/>
+              <a:t>53</a:t>
+            </a:fld>
+            <a:endParaRPr lang="en-US"/>
+          </a:p>
+        </p:txBody>
+      </p:sp>
+    </p:spTree>
+    <p:extLst>
+      <p:ext uri="{BB962C8B-B14F-4D97-AF65-F5344CB8AC3E}">
+        <p14:creationId xmlns:p14="http://schemas.microsoft.com/office/powerpoint/2010/main" val="2998911809"/>
+      </p:ext>
+    </p:extLst>
+  </p:cSld>
+  <p:clrMapOvr>
+    <a:masterClrMapping/>
+  </p:clrMapOvr>
+</p:notes>
+</file>
+
+<file path=ppt/notesSlides/notesSlide53.xml><?xml version="1.0" encoding="utf-8"?>
+<p:notes xmlns:a="http://schemas.openxmlformats.org/drawingml/2006/main" xmlns:r="http://schemas.openxmlformats.org/officeDocument/2006/relationships" xmlns:p="http://schemas.openxmlformats.org/presentationml/2006/main">
+  <p:cSld>
+    <p:spTree>
+      <p:nvGrpSpPr>
+        <p:cNvPr id="1" name=""/>
+        <p:cNvGrpSpPr/>
+        <p:nvPr/>
+      </p:nvGrpSpPr>
+      <p:grpSpPr>
+        <a:xfrm>
+          <a:off x="0" y="0"/>
+          <a:ext cx="0" cy="0"/>
+          <a:chOff x="0" y="0"/>
+          <a:chExt cx="0" cy="0"/>
+        </a:xfrm>
+      </p:grpSpPr>
+      <p:sp>
+        <p:nvSpPr>
+          <p:cNvPr id="2" name="Slide Image Placeholder 1"/>
+          <p:cNvSpPr>
+            <a:spLocks noGrp="1" noRot="1" noChangeAspect="1"/>
+          </p:cNvSpPr>
+          <p:nvPr>
+            <p:ph type="sldImg"/>
+          </p:nvPr>
+        </p:nvSpPr>
+        <p:spPr/>
+      </p:sp>
+      <p:sp>
+        <p:nvSpPr>
+          <p:cNvPr id="3" name="Notes Placeholder 2"/>
+          <p:cNvSpPr>
+            <a:spLocks noGrp="1"/>
+          </p:cNvSpPr>
+          <p:nvPr>
+            <p:ph type="body" idx="1"/>
+          </p:nvPr>
+        </p:nvSpPr>
+        <p:spPr/>
+        <p:txBody>
+          <a:bodyPr/>
+          <a:lstStyle/>
+          <a:p>
+            <a:endParaRPr lang="en-US" dirty="0"/>
+          </a:p>
+        </p:txBody>
+      </p:sp>
+      <p:sp>
+        <p:nvSpPr>
+          <p:cNvPr id="4" name="Slide Number Placeholder 3"/>
+          <p:cNvSpPr>
+            <a:spLocks noGrp="1"/>
+          </p:cNvSpPr>
+          <p:nvPr>
+            <p:ph type="sldNum" sz="quarter" idx="5"/>
+          </p:nvPr>
+        </p:nvSpPr>
+        <p:spPr/>
+        <p:txBody>
+          <a:bodyPr/>
+          <a:lstStyle/>
+          <a:p>
+            <a:fld id="{3E4A7109-D3E0-47BA-A045-9A99591D35D8}" type="slidenum">
+              <a:rPr lang="en-US" smtClean="0"/>
+              <a:t>54</a:t>
+            </a:fld>
+            <a:endParaRPr lang="en-US"/>
+          </a:p>
+        </p:txBody>
+      </p:sp>
+    </p:spTree>
+    <p:extLst>
+      <p:ext uri="{BB962C8B-B14F-4D97-AF65-F5344CB8AC3E}">
+        <p14:creationId xmlns:p14="http://schemas.microsoft.com/office/powerpoint/2010/main" val="1731209264"/>
+      </p:ext>
+    </p:extLst>
+  </p:cSld>
+  <p:clrMapOvr>
+    <a:masterClrMapping/>
+  </p:clrMapOvr>
+</p:notes>
+</file>
+
+<file path=ppt/notesSlides/notesSlide54.xml><?xml version="1.0" encoding="utf-8"?>
+<p:notes xmlns:a="http://schemas.openxmlformats.org/drawingml/2006/main" xmlns:r="http://schemas.openxmlformats.org/officeDocument/2006/relationships" xmlns:p="http://schemas.openxmlformats.org/presentationml/2006/main">
+  <p:cSld>
+    <p:spTree>
+      <p:nvGrpSpPr>
+        <p:cNvPr id="1" name=""/>
+        <p:cNvGrpSpPr/>
+        <p:nvPr/>
+      </p:nvGrpSpPr>
+      <p:grpSpPr>
+        <a:xfrm>
+          <a:off x="0" y="0"/>
+          <a:ext cx="0" cy="0"/>
+          <a:chOff x="0" y="0"/>
+          <a:chExt cx="0" cy="0"/>
+        </a:xfrm>
+      </p:grpSpPr>
+      <p:sp>
+        <p:nvSpPr>
+          <p:cNvPr id="2" name="Slide Image Placeholder 1"/>
+          <p:cNvSpPr>
+            <a:spLocks noGrp="1" noRot="1" noChangeAspect="1"/>
+          </p:cNvSpPr>
+          <p:nvPr>
+            <p:ph type="sldImg"/>
+          </p:nvPr>
+        </p:nvSpPr>
+        <p:spPr/>
+      </p:sp>
+      <p:sp>
+        <p:nvSpPr>
+          <p:cNvPr id="3" name="Notes Placeholder 2"/>
+          <p:cNvSpPr>
+            <a:spLocks noGrp="1"/>
+          </p:cNvSpPr>
+          <p:nvPr>
+            <p:ph type="body" idx="1"/>
+          </p:nvPr>
+        </p:nvSpPr>
+        <p:spPr/>
+        <p:txBody>
+          <a:bodyPr/>
+          <a:lstStyle/>
+          <a:p>
+            <a:endParaRPr lang="en-US" dirty="0"/>
+          </a:p>
+        </p:txBody>
+      </p:sp>
+      <p:sp>
+        <p:nvSpPr>
+          <p:cNvPr id="4" name="Slide Number Placeholder 3"/>
+          <p:cNvSpPr>
+            <a:spLocks noGrp="1"/>
+          </p:cNvSpPr>
+          <p:nvPr>
+            <p:ph type="sldNum" sz="quarter" idx="5"/>
+          </p:nvPr>
+        </p:nvSpPr>
+        <p:spPr/>
+        <p:txBody>
+          <a:bodyPr/>
+          <a:lstStyle/>
+          <a:p>
+            <a:fld id="{3E4A7109-D3E0-47BA-A045-9A99591D35D8}" type="slidenum">
+              <a:rPr lang="en-US" smtClean="0"/>
+              <a:t>55</a:t>
+            </a:fld>
+            <a:endParaRPr lang="en-US"/>
+          </a:p>
+        </p:txBody>
+      </p:sp>
+    </p:spTree>
+    <p:extLst>
+      <p:ext uri="{BB962C8B-B14F-4D97-AF65-F5344CB8AC3E}">
+        <p14:creationId xmlns:p14="http://schemas.microsoft.com/office/powerpoint/2010/main" val="1216301834"/>
+      </p:ext>
+    </p:extLst>
+  </p:cSld>
+  <p:clrMapOvr>
+    <a:masterClrMapping/>
+  </p:clrMapOvr>
+</p:notes>
+</file>
+
+<file path=ppt/notesSlides/notesSlide55.xml><?xml version="1.0" encoding="utf-8"?>
+<p:notes xmlns:a="http://schemas.openxmlformats.org/drawingml/2006/main" xmlns:r="http://schemas.openxmlformats.org/officeDocument/2006/relationships" xmlns:p="http://schemas.openxmlformats.org/presentationml/2006/main">
+  <p:cSld>
+    <p:spTree>
+      <p:nvGrpSpPr>
+        <p:cNvPr id="1" name=""/>
+        <p:cNvGrpSpPr/>
+        <p:nvPr/>
+      </p:nvGrpSpPr>
+      <p:grpSpPr>
+        <a:xfrm>
+          <a:off x="0" y="0"/>
+          <a:ext cx="0" cy="0"/>
+          <a:chOff x="0" y="0"/>
+          <a:chExt cx="0" cy="0"/>
+        </a:xfrm>
+      </p:grpSpPr>
+      <p:sp>
+        <p:nvSpPr>
+          <p:cNvPr id="2" name="Slide Image Placeholder 1"/>
+          <p:cNvSpPr>
+            <a:spLocks noGrp="1" noRot="1" noChangeAspect="1"/>
+          </p:cNvSpPr>
+          <p:nvPr>
+            <p:ph type="sldImg"/>
+          </p:nvPr>
+        </p:nvSpPr>
+        <p:spPr/>
+      </p:sp>
+      <p:sp>
+        <p:nvSpPr>
+          <p:cNvPr id="3" name="Notes Placeholder 2"/>
+          <p:cNvSpPr>
+            <a:spLocks noGrp="1"/>
+          </p:cNvSpPr>
+          <p:nvPr>
+            <p:ph type="body" idx="1"/>
+          </p:nvPr>
+        </p:nvSpPr>
+        <p:spPr/>
+        <p:txBody>
+          <a:bodyPr/>
+          <a:lstStyle/>
+          <a:p>
+            <a:endParaRPr lang="en-US" dirty="0"/>
+          </a:p>
+        </p:txBody>
+      </p:sp>
+      <p:sp>
+        <p:nvSpPr>
+          <p:cNvPr id="4" name="Slide Number Placeholder 3"/>
+          <p:cNvSpPr>
+            <a:spLocks noGrp="1"/>
+          </p:cNvSpPr>
+          <p:nvPr>
+            <p:ph type="sldNum" sz="quarter" idx="5"/>
+          </p:nvPr>
+        </p:nvSpPr>
+        <p:spPr/>
+        <p:txBody>
+          <a:bodyPr/>
+          <a:lstStyle/>
+          <a:p>
+            <a:fld id="{3E4A7109-D3E0-47BA-A045-9A99591D35D8}" type="slidenum">
+              <a:rPr lang="en-US" smtClean="0"/>
+              <a:t>56</a:t>
+            </a:fld>
+            <a:endParaRPr lang="en-US"/>
+          </a:p>
+        </p:txBody>
+      </p:sp>
+    </p:spTree>
+    <p:extLst>
+      <p:ext uri="{BB962C8B-B14F-4D97-AF65-F5344CB8AC3E}">
+        <p14:creationId xmlns:p14="http://schemas.microsoft.com/office/powerpoint/2010/main" val="3470000402"/>
+      </p:ext>
+    </p:extLst>
+  </p:cSld>
+  <p:clrMapOvr>
+    <a:masterClrMapping/>
+  </p:clrMapOvr>
+</p:notes>
+</file>
+
+<file path=ppt/notesSlides/notesSlide56.xml><?xml version="1.0" encoding="utf-8"?>
+<p:notes xmlns:a="http://schemas.openxmlformats.org/drawingml/2006/main" xmlns:r="http://schemas.openxmlformats.org/officeDocument/2006/relationships" xmlns:p="http://schemas.openxmlformats.org/presentationml/2006/main">
+  <p:cSld>
+    <p:spTree>
+      <p:nvGrpSpPr>
+        <p:cNvPr id="1" name=""/>
+        <p:cNvGrpSpPr/>
+        <p:nvPr/>
+      </p:nvGrpSpPr>
+      <p:grpSpPr>
+        <a:xfrm>
+          <a:off x="0" y="0"/>
+          <a:ext cx="0" cy="0"/>
+          <a:chOff x="0" y="0"/>
+          <a:chExt cx="0" cy="0"/>
+        </a:xfrm>
+      </p:grpSpPr>
+      <p:sp>
+        <p:nvSpPr>
+          <p:cNvPr id="2" name="Slide Image Placeholder 1"/>
+          <p:cNvSpPr>
+            <a:spLocks noGrp="1" noRot="1" noChangeAspect="1"/>
+          </p:cNvSpPr>
+          <p:nvPr>
+            <p:ph type="sldImg"/>
+          </p:nvPr>
+        </p:nvSpPr>
+        <p:spPr/>
+      </p:sp>
+      <p:sp>
+        <p:nvSpPr>
+          <p:cNvPr id="3" name="Notes Placeholder 2"/>
+          <p:cNvSpPr>
+            <a:spLocks noGrp="1"/>
+          </p:cNvSpPr>
+          <p:nvPr>
+            <p:ph type="body" idx="1"/>
+          </p:nvPr>
+        </p:nvSpPr>
+        <p:spPr/>
+        <p:txBody>
+          <a:bodyPr/>
+          <a:lstStyle/>
+          <a:p>
+            <a:endParaRPr lang="en-US" dirty="0"/>
+          </a:p>
+        </p:txBody>
+      </p:sp>
+      <p:sp>
+        <p:nvSpPr>
+          <p:cNvPr id="4" name="Slide Number Placeholder 3"/>
+          <p:cNvSpPr>
+            <a:spLocks noGrp="1"/>
+          </p:cNvSpPr>
+          <p:nvPr>
+            <p:ph type="sldNum" sz="quarter" idx="5"/>
+          </p:nvPr>
+        </p:nvSpPr>
+        <p:spPr/>
+        <p:txBody>
+          <a:bodyPr/>
+          <a:lstStyle/>
+          <a:p>
+            <a:fld id="{3E4A7109-D3E0-47BA-A045-9A99591D35D8}" type="slidenum">
+              <a:rPr lang="en-US" smtClean="0"/>
+              <a:t>57</a:t>
+            </a:fld>
+            <a:endParaRPr lang="en-US"/>
+          </a:p>
+        </p:txBody>
+      </p:sp>
+    </p:spTree>
+    <p:extLst>
+      <p:ext uri="{BB962C8B-B14F-4D97-AF65-F5344CB8AC3E}">
+        <p14:creationId xmlns:p14="http://schemas.microsoft.com/office/powerpoint/2010/main" val="3007623089"/>
+      </p:ext>
+    </p:extLst>
+  </p:cSld>
+  <p:clrMapOvr>
+    <a:masterClrMapping/>
+  </p:clrMapOvr>
+</p:notes>
+</file>
+
+<file path=ppt/notesSlides/notesSlide57.xml><?xml version="1.0" encoding="utf-8"?>
+<p:notes xmlns:a="http://schemas.openxmlformats.org/drawingml/2006/main" xmlns:r="http://schemas.openxmlformats.org/officeDocument/2006/relationships" xmlns:p="http://schemas.openxmlformats.org/presentationml/2006/main">
+  <p:cSld>
+    <p:spTree>
+      <p:nvGrpSpPr>
+        <p:cNvPr id="1" name=""/>
+        <p:cNvGrpSpPr/>
+        <p:nvPr/>
+      </p:nvGrpSpPr>
+      <p:grpSpPr>
+        <a:xfrm>
+          <a:off x="0" y="0"/>
+          <a:ext cx="0" cy="0"/>
+          <a:chOff x="0" y="0"/>
+          <a:chExt cx="0" cy="0"/>
+        </a:xfrm>
+      </p:grpSpPr>
+      <p:sp>
+        <p:nvSpPr>
+          <p:cNvPr id="2" name="Slide Image Placeholder 1"/>
+          <p:cNvSpPr>
+            <a:spLocks noGrp="1" noRot="1" noChangeAspect="1"/>
+          </p:cNvSpPr>
+          <p:nvPr>
+            <p:ph type="sldImg"/>
+          </p:nvPr>
+        </p:nvSpPr>
+        <p:spPr/>
+      </p:sp>
+      <p:sp>
+        <p:nvSpPr>
+          <p:cNvPr id="3" name="Notes Placeholder 2"/>
+          <p:cNvSpPr>
+            <a:spLocks noGrp="1"/>
+          </p:cNvSpPr>
+          <p:nvPr>
+            <p:ph type="body" idx="1"/>
+          </p:nvPr>
+        </p:nvSpPr>
+        <p:spPr/>
+        <p:txBody>
+          <a:bodyPr/>
+          <a:lstStyle/>
+          <a:p>
+            <a:endParaRPr lang="en-US" dirty="0"/>
+          </a:p>
+        </p:txBody>
+      </p:sp>
+      <p:sp>
+        <p:nvSpPr>
+          <p:cNvPr id="4" name="Slide Number Placeholder 3"/>
+          <p:cNvSpPr>
+            <a:spLocks noGrp="1"/>
+          </p:cNvSpPr>
+          <p:nvPr>
+            <p:ph type="sldNum" sz="quarter" idx="5"/>
+          </p:nvPr>
+        </p:nvSpPr>
+        <p:spPr/>
+        <p:txBody>
+          <a:bodyPr/>
+          <a:lstStyle/>
+          <a:p>
+            <a:fld id="{3E4A7109-D3E0-47BA-A045-9A99591D35D8}" type="slidenum">
+              <a:rPr lang="en-US" smtClean="0"/>
+              <a:t>58</a:t>
+            </a:fld>
+            <a:endParaRPr lang="en-US"/>
+          </a:p>
+        </p:txBody>
+      </p:sp>
+    </p:spTree>
+    <p:extLst>
+      <p:ext uri="{BB962C8B-B14F-4D97-AF65-F5344CB8AC3E}">
+        <p14:creationId xmlns:p14="http://schemas.microsoft.com/office/powerpoint/2010/main" val="539234278"/>
+      </p:ext>
+    </p:extLst>
+  </p:cSld>
+  <p:clrMapOvr>
+    <a:masterClrMapping/>
+  </p:clrMapOvr>
+</p:notes>
+</file>
+
+<file path=ppt/notesSlides/notesSlide58.xml><?xml version="1.0" encoding="utf-8"?>
+<p:notes xmlns:a="http://schemas.openxmlformats.org/drawingml/2006/main" xmlns:r="http://schemas.openxmlformats.org/officeDocument/2006/relationships" xmlns:p="http://schemas.openxmlformats.org/presentationml/2006/main">
+  <p:cSld>
+    <p:spTree>
+      <p:nvGrpSpPr>
+        <p:cNvPr id="1" name=""/>
+        <p:cNvGrpSpPr/>
+        <p:nvPr/>
+      </p:nvGrpSpPr>
+      <p:grpSpPr>
+        <a:xfrm>
+          <a:off x="0" y="0"/>
+          <a:ext cx="0" cy="0"/>
+          <a:chOff x="0" y="0"/>
+          <a:chExt cx="0" cy="0"/>
+        </a:xfrm>
+      </p:grpSpPr>
+      <p:sp>
+        <p:nvSpPr>
+          <p:cNvPr id="2" name="Slide Image Placeholder 1"/>
+          <p:cNvSpPr>
+            <a:spLocks noGrp="1" noRot="1" noChangeAspect="1"/>
+          </p:cNvSpPr>
+          <p:nvPr>
+            <p:ph type="sldImg"/>
+          </p:nvPr>
+        </p:nvSpPr>
+        <p:spPr/>
+      </p:sp>
+      <p:sp>
+        <p:nvSpPr>
+          <p:cNvPr id="3" name="Notes Placeholder 2"/>
+          <p:cNvSpPr>
+            <a:spLocks noGrp="1"/>
+          </p:cNvSpPr>
+          <p:nvPr>
+            <p:ph type="body" idx="1"/>
+          </p:nvPr>
+        </p:nvSpPr>
+        <p:spPr/>
+        <p:txBody>
+          <a:bodyPr/>
+          <a:lstStyle/>
+          <a:p>
+            <a:endParaRPr lang="en-US" dirty="0"/>
+          </a:p>
+        </p:txBody>
+      </p:sp>
+      <p:sp>
+        <p:nvSpPr>
+          <p:cNvPr id="4" name="Slide Number Placeholder 3"/>
+          <p:cNvSpPr>
+            <a:spLocks noGrp="1"/>
+          </p:cNvSpPr>
+          <p:nvPr>
+            <p:ph type="sldNum" sz="quarter" idx="5"/>
+          </p:nvPr>
+        </p:nvSpPr>
+        <p:spPr/>
+        <p:txBody>
+          <a:bodyPr/>
+          <a:lstStyle/>
+          <a:p>
+            <a:fld id="{3E4A7109-D3E0-47BA-A045-9A99591D35D8}" type="slidenum">
+              <a:rPr lang="en-US" smtClean="0"/>
+              <a:t>59</a:t>
+            </a:fld>
+            <a:endParaRPr lang="en-US"/>
+          </a:p>
+        </p:txBody>
+      </p:sp>
+    </p:spTree>
+    <p:extLst>
+      <p:ext uri="{BB962C8B-B14F-4D97-AF65-F5344CB8AC3E}">
+        <p14:creationId xmlns:p14="http://schemas.microsoft.com/office/powerpoint/2010/main" val="63111367"/>
+      </p:ext>
+    </p:extLst>
+  </p:cSld>
+  <p:clrMapOvr>
+    <a:masterClrMapping/>
+  </p:clrMapOvr>
+</p:notes>
+</file>
+
+<file path=ppt/notesSlides/notesSlide59.xml><?xml version="1.0" encoding="utf-8"?>
+<p:notes xmlns:a="http://schemas.openxmlformats.org/drawingml/2006/main" xmlns:r="http://schemas.openxmlformats.org/officeDocument/2006/relationships" xmlns:p="http://schemas.openxmlformats.org/presentationml/2006/main">
+  <p:cSld>
+    <p:spTree>
+      <p:nvGrpSpPr>
+        <p:cNvPr id="1" name=""/>
+        <p:cNvGrpSpPr/>
+        <p:nvPr/>
+      </p:nvGrpSpPr>
+      <p:grpSpPr>
+        <a:xfrm>
+          <a:off x="0" y="0"/>
+          <a:ext cx="0" cy="0"/>
+          <a:chOff x="0" y="0"/>
+          <a:chExt cx="0" cy="0"/>
+        </a:xfrm>
+      </p:grpSpPr>
+      <p:sp>
+        <p:nvSpPr>
+          <p:cNvPr id="2" name="Slide Image Placeholder 1"/>
+          <p:cNvSpPr>
+            <a:spLocks noGrp="1" noRot="1" noChangeAspect="1"/>
+          </p:cNvSpPr>
+          <p:nvPr>
+            <p:ph type="sldImg"/>
+          </p:nvPr>
+        </p:nvSpPr>
+        <p:spPr/>
+      </p:sp>
+      <p:sp>
+        <p:nvSpPr>
+          <p:cNvPr id="3" name="Notes Placeholder 2"/>
+          <p:cNvSpPr>
+            <a:spLocks noGrp="1"/>
+          </p:cNvSpPr>
+          <p:nvPr>
+            <p:ph type="body" idx="1"/>
+          </p:nvPr>
+        </p:nvSpPr>
+        <p:spPr/>
+        <p:txBody>
+          <a:bodyPr/>
+          <a:lstStyle/>
+          <a:p>
+            <a:endParaRPr lang="en-US" dirty="0"/>
+          </a:p>
+        </p:txBody>
+      </p:sp>
+      <p:sp>
+        <p:nvSpPr>
+          <p:cNvPr id="4" name="Slide Number Placeholder 3"/>
+          <p:cNvSpPr>
+            <a:spLocks noGrp="1"/>
+          </p:cNvSpPr>
+          <p:nvPr>
+            <p:ph type="sldNum" sz="quarter" idx="5"/>
+          </p:nvPr>
+        </p:nvSpPr>
+        <p:spPr/>
+        <p:txBody>
+          <a:bodyPr/>
+          <a:lstStyle/>
+          <a:p>
+            <a:fld id="{3E4A7109-D3E0-47BA-A045-9A99591D35D8}" type="slidenum">
+              <a:rPr lang="en-US" smtClean="0"/>
+              <a:t>60</a:t>
+            </a:fld>
+            <a:endParaRPr lang="en-US"/>
+          </a:p>
+        </p:txBody>
+      </p:sp>
+    </p:spTree>
+    <p:extLst>
+      <p:ext uri="{BB962C8B-B14F-4D97-AF65-F5344CB8AC3E}">
+        <p14:creationId xmlns:p14="http://schemas.microsoft.com/office/powerpoint/2010/main" val="242470653"/>
       </p:ext>
     </p:extLst>
   </p:cSld>
@@ -11453,6 +14790,90 @@
     <p:extLst>
       <p:ext uri="{BB962C8B-B14F-4D97-AF65-F5344CB8AC3E}">
         <p14:creationId xmlns:p14="http://schemas.microsoft.com/office/powerpoint/2010/main" val="2555794359"/>
+      </p:ext>
+    </p:extLst>
+  </p:cSld>
+  <p:clrMapOvr>
+    <a:masterClrMapping/>
+  </p:clrMapOvr>
+</p:notes>
+</file>
+
+<file path=ppt/notesSlides/notesSlide60.xml><?xml version="1.0" encoding="utf-8"?>
+<p:notes xmlns:a="http://schemas.openxmlformats.org/drawingml/2006/main" xmlns:r="http://schemas.openxmlformats.org/officeDocument/2006/relationships" xmlns:p="http://schemas.openxmlformats.org/presentationml/2006/main">
+  <p:cSld>
+    <p:spTree>
+      <p:nvGrpSpPr>
+        <p:cNvPr id="1" name=""/>
+        <p:cNvGrpSpPr/>
+        <p:nvPr/>
+      </p:nvGrpSpPr>
+      <p:grpSpPr>
+        <a:xfrm>
+          <a:off x="0" y="0"/>
+          <a:ext cx="0" cy="0"/>
+          <a:chOff x="0" y="0"/>
+          <a:chExt cx="0" cy="0"/>
+        </a:xfrm>
+      </p:grpSpPr>
+      <p:sp>
+        <p:nvSpPr>
+          <p:cNvPr id="2" name="Slide Image Placeholder 1"/>
+          <p:cNvSpPr>
+            <a:spLocks noGrp="1" noRot="1" noChangeAspect="1"/>
+          </p:cNvSpPr>
+          <p:nvPr>
+            <p:ph type="sldImg"/>
+          </p:nvPr>
+        </p:nvSpPr>
+        <p:spPr/>
+      </p:sp>
+      <p:sp>
+        <p:nvSpPr>
+          <p:cNvPr id="3" name="Notes Placeholder 2"/>
+          <p:cNvSpPr>
+            <a:spLocks noGrp="1"/>
+          </p:cNvSpPr>
+          <p:nvPr>
+            <p:ph type="body" idx="1"/>
+          </p:nvPr>
+        </p:nvSpPr>
+        <p:spPr/>
+        <p:txBody>
+          <a:bodyPr/>
+          <a:lstStyle/>
+          <a:p>
+            <a:endParaRPr lang="en-US" dirty="0"/>
+          </a:p>
+        </p:txBody>
+      </p:sp>
+      <p:sp>
+        <p:nvSpPr>
+          <p:cNvPr id="4" name="Slide Number Placeholder 3"/>
+          <p:cNvSpPr>
+            <a:spLocks noGrp="1"/>
+          </p:cNvSpPr>
+          <p:nvPr>
+            <p:ph type="sldNum" sz="quarter" idx="5"/>
+          </p:nvPr>
+        </p:nvSpPr>
+        <p:spPr/>
+        <p:txBody>
+          <a:bodyPr/>
+          <a:lstStyle/>
+          <a:p>
+            <a:fld id="{3E4A7109-D3E0-47BA-A045-9A99591D35D8}" type="slidenum">
+              <a:rPr lang="en-US" smtClean="0"/>
+              <a:t>61</a:t>
+            </a:fld>
+            <a:endParaRPr lang="en-US"/>
+          </a:p>
+        </p:txBody>
+      </p:sp>
+    </p:spTree>
+    <p:extLst>
+      <p:ext uri="{BB962C8B-B14F-4D97-AF65-F5344CB8AC3E}">
+        <p14:creationId xmlns:p14="http://schemas.microsoft.com/office/powerpoint/2010/main" val="2731704021"/>
       </p:ext>
     </p:extLst>
   </p:cSld>
@@ -30852,7 +34273,7 @@
           <a:p>
             <a:r>
               <a:rPr lang="en-US" sz="2400" b="1" dirty="0"/>
-              <a:t>Symbol tuning Gemma-7b-it</a:t>
+              <a:t>Symbol Tuning Gemma-7b-it</a:t>
             </a:r>
           </a:p>
         </p:txBody>
@@ -30896,19 +34317,7 @@
             <a:pPr lvl="1"/>
             <a:r>
               <a:rPr lang="en-US" sz="1400" dirty="0"/>
-              <a:t>For </a:t>
-            </a:r>
-            <a:r>
-              <a:rPr lang="en-US" sz="1400"/>
-              <a:t>this reason, </a:t>
-            </a:r>
-            <a:r>
-              <a:rPr lang="en-US" sz="1400" dirty="0"/>
-              <a:t>we just extract the first number from response and save it as the </a:t>
-            </a:r>
-            <a:r>
-              <a:rPr lang="en-US" sz="1400"/>
-              <a:t>final result.</a:t>
+              <a:t>For this reason, we just extract the first number from response and save it as the final result.</a:t>
             </a:r>
           </a:p>
         </p:txBody>
@@ -30917,6 +34326,1593 @@
     <p:extLst>
       <p:ext uri="{BB962C8B-B14F-4D97-AF65-F5344CB8AC3E}">
         <p14:creationId xmlns:p14="http://schemas.microsoft.com/office/powerpoint/2010/main" val="3470536822"/>
+      </p:ext>
+    </p:extLst>
+  </p:cSld>
+  <p:clrMapOvr>
+    <a:masterClrMapping/>
+  </p:clrMapOvr>
+</p:sld>
+</file>
+
+<file path=ppt/slides/slide47.xml><?xml version="1.0" encoding="utf-8"?>
+<p:sld xmlns:a="http://schemas.openxmlformats.org/drawingml/2006/main" xmlns:r="http://schemas.openxmlformats.org/officeDocument/2006/relationships" xmlns:p="http://schemas.openxmlformats.org/presentationml/2006/main">
+  <p:cSld>
+    <p:spTree>
+      <p:nvGrpSpPr>
+        <p:cNvPr id="1" name=""/>
+        <p:cNvGrpSpPr/>
+        <p:nvPr/>
+      </p:nvGrpSpPr>
+      <p:grpSpPr>
+        <a:xfrm>
+          <a:off x="0" y="0"/>
+          <a:ext cx="0" cy="0"/>
+          <a:chOff x="0" y="0"/>
+          <a:chExt cx="0" cy="0"/>
+        </a:xfrm>
+      </p:grpSpPr>
+      <p:sp>
+        <p:nvSpPr>
+          <p:cNvPr id="2" name="Title 1">
+            <a:extLst>
+              <a:ext uri="{FF2B5EF4-FFF2-40B4-BE49-F238E27FC236}">
+                <a16:creationId xmlns:a16="http://schemas.microsoft.com/office/drawing/2014/main" id="{1F8717B5-F992-3362-0E17-84D889214116}"/>
+              </a:ext>
+            </a:extLst>
+          </p:cNvPr>
+          <p:cNvSpPr>
+            <a:spLocks noGrp="1"/>
+          </p:cNvSpPr>
+          <p:nvPr>
+            <p:ph type="title"/>
+          </p:nvPr>
+        </p:nvSpPr>
+        <p:spPr/>
+        <p:txBody>
+          <a:bodyPr>
+            <a:normAutofit/>
+          </a:bodyPr>
+          <a:lstStyle/>
+          <a:p>
+            <a:r>
+              <a:rPr lang="en-US" sz="2400" b="1" dirty="0"/>
+              <a:t>Symbol Tuning Gemma-7b-it Results</a:t>
+            </a:r>
+          </a:p>
+        </p:txBody>
+      </p:sp>
+      <p:sp>
+        <p:nvSpPr>
+          <p:cNvPr id="3" name="Content Placeholder 2">
+            <a:extLst>
+              <a:ext uri="{FF2B5EF4-FFF2-40B4-BE49-F238E27FC236}">
+                <a16:creationId xmlns:a16="http://schemas.microsoft.com/office/drawing/2014/main" id="{6A1CF6AE-4BFF-FA1F-6998-093945033E5D}"/>
+              </a:ext>
+            </a:extLst>
+          </p:cNvPr>
+          <p:cNvSpPr>
+            <a:spLocks noGrp="1"/>
+          </p:cNvSpPr>
+          <p:nvPr>
+            <p:ph idx="1"/>
+          </p:nvPr>
+        </p:nvSpPr>
+        <p:spPr/>
+        <p:txBody>
+          <a:bodyPr>
+            <a:normAutofit/>
+          </a:bodyPr>
+          <a:lstStyle/>
+          <a:p>
+            <a:r>
+              <a:rPr lang="en-US" sz="1800" dirty="0"/>
+              <a:t>The whole results can be seen here:</a:t>
+            </a:r>
+          </a:p>
+          <a:p>
+            <a:pPr lvl="1"/>
+            <a:r>
+              <a:rPr lang="en-US" sz="1400" dirty="0"/>
+              <a:t>This is the result for first 401 samples of test dataset.</a:t>
+            </a:r>
+          </a:p>
+          <a:p>
+            <a:endParaRPr lang="en-US" sz="1800" dirty="0"/>
+          </a:p>
+          <a:p>
+            <a:endParaRPr lang="en-US" sz="1800" dirty="0"/>
+          </a:p>
+          <a:p>
+            <a:endParaRPr lang="en-US" sz="1800" dirty="0"/>
+          </a:p>
+          <a:p>
+            <a:endParaRPr lang="en-US" sz="1800" dirty="0"/>
+          </a:p>
+          <a:p>
+            <a:endParaRPr lang="en-US" sz="1800" dirty="0"/>
+          </a:p>
+          <a:p>
+            <a:endParaRPr lang="en-US" sz="1800" dirty="0"/>
+          </a:p>
+          <a:p>
+            <a:endParaRPr lang="en-US" sz="1800" dirty="0"/>
+          </a:p>
+          <a:p>
+            <a:endParaRPr lang="en-US" sz="1800" dirty="0"/>
+          </a:p>
+          <a:p>
+            <a:endParaRPr lang="en-US" sz="1800" dirty="0"/>
+          </a:p>
+          <a:p>
+            <a:r>
+              <a:rPr lang="en-US" sz="1800" dirty="0"/>
+              <a:t>We can interpret a loss in accuracy compared to Aya model.</a:t>
+            </a:r>
+          </a:p>
+          <a:p>
+            <a:endParaRPr lang="en-US" sz="1800" dirty="0"/>
+          </a:p>
+          <a:p>
+            <a:endParaRPr lang="en-US" sz="1800" dirty="0"/>
+          </a:p>
+          <a:p>
+            <a:endParaRPr lang="en-US" sz="1800" dirty="0"/>
+          </a:p>
+          <a:p>
+            <a:endParaRPr lang="en-US" sz="1800" dirty="0"/>
+          </a:p>
+          <a:p>
+            <a:endParaRPr lang="en-US" sz="1800" dirty="0"/>
+          </a:p>
+          <a:p>
+            <a:endParaRPr lang="en-US" sz="1800" dirty="0"/>
+          </a:p>
+          <a:p>
+            <a:endParaRPr lang="en-US" sz="1800" dirty="0"/>
+          </a:p>
+          <a:p>
+            <a:pPr marL="0" indent="0">
+              <a:buNone/>
+            </a:pPr>
+            <a:endParaRPr lang="en-US" sz="1800" dirty="0"/>
+          </a:p>
+          <a:p>
+            <a:endParaRPr lang="en-US" sz="1800" dirty="0"/>
+          </a:p>
+          <a:p>
+            <a:endParaRPr lang="en-US" sz="1800" dirty="0"/>
+          </a:p>
+          <a:p>
+            <a:endParaRPr lang="en-US" sz="1800" dirty="0"/>
+          </a:p>
+          <a:p>
+            <a:pPr marL="0" indent="0">
+              <a:buNone/>
+            </a:pPr>
+            <a:endParaRPr lang="en-US" sz="1800" dirty="0"/>
+          </a:p>
+        </p:txBody>
+      </p:sp>
+      <p:graphicFrame>
+        <p:nvGraphicFramePr>
+          <p:cNvPr id="4" name="Table 3">
+            <a:extLst>
+              <a:ext uri="{FF2B5EF4-FFF2-40B4-BE49-F238E27FC236}">
+                <a16:creationId xmlns:a16="http://schemas.microsoft.com/office/drawing/2014/main" id="{E057B9CF-2B70-271B-DE42-F092AD9E0CC4}"/>
+              </a:ext>
+            </a:extLst>
+          </p:cNvPr>
+          <p:cNvGraphicFramePr>
+            <a:graphicFrameLocks noGrp="1"/>
+          </p:cNvGraphicFramePr>
+          <p:nvPr>
+            <p:extLst>
+              <p:ext uri="{D42A27DB-BD31-4B8C-83A1-F6EECF244321}">
+                <p14:modId xmlns:p14="http://schemas.microsoft.com/office/powerpoint/2010/main" val="1265261143"/>
+              </p:ext>
+            </p:extLst>
+          </p:nvPr>
+        </p:nvGraphicFramePr>
+        <p:xfrm>
+          <a:off x="2031999" y="2631593"/>
+          <a:ext cx="8128001" cy="2585720"/>
+        </p:xfrm>
+        <a:graphic>
+          <a:graphicData uri="http://schemas.openxmlformats.org/drawingml/2006/table">
+            <a:tbl>
+              <a:tblPr firstRow="1">
+                <a:tableStyleId>{D7AC3CCA-C797-4891-BE02-D94E43425B78}</a:tableStyleId>
+              </a:tblPr>
+              <a:tblGrid>
+                <a:gridCol w="1161143">
+                  <a:extLst>
+                    <a:ext uri="{9D8B030D-6E8A-4147-A177-3AD203B41FA5}">
+                      <a16:colId xmlns:a16="http://schemas.microsoft.com/office/drawing/2014/main" val="252588881"/>
+                    </a:ext>
+                  </a:extLst>
+                </a:gridCol>
+                <a:gridCol w="1161143">
+                  <a:extLst>
+                    <a:ext uri="{9D8B030D-6E8A-4147-A177-3AD203B41FA5}">
+                      <a16:colId xmlns:a16="http://schemas.microsoft.com/office/drawing/2014/main" val="1729950084"/>
+                    </a:ext>
+                  </a:extLst>
+                </a:gridCol>
+                <a:gridCol w="1161143">
+                  <a:extLst>
+                    <a:ext uri="{9D8B030D-6E8A-4147-A177-3AD203B41FA5}">
+                      <a16:colId xmlns:a16="http://schemas.microsoft.com/office/drawing/2014/main" val="483548369"/>
+                    </a:ext>
+                  </a:extLst>
+                </a:gridCol>
+                <a:gridCol w="1161143">
+                  <a:extLst>
+                    <a:ext uri="{9D8B030D-6E8A-4147-A177-3AD203B41FA5}">
+                      <a16:colId xmlns:a16="http://schemas.microsoft.com/office/drawing/2014/main" val="617316006"/>
+                    </a:ext>
+                  </a:extLst>
+                </a:gridCol>
+                <a:gridCol w="1161143">
+                  <a:extLst>
+                    <a:ext uri="{9D8B030D-6E8A-4147-A177-3AD203B41FA5}">
+                      <a16:colId xmlns:a16="http://schemas.microsoft.com/office/drawing/2014/main" val="3890891965"/>
+                    </a:ext>
+                  </a:extLst>
+                </a:gridCol>
+                <a:gridCol w="1161143">
+                  <a:extLst>
+                    <a:ext uri="{9D8B030D-6E8A-4147-A177-3AD203B41FA5}">
+                      <a16:colId xmlns:a16="http://schemas.microsoft.com/office/drawing/2014/main" val="464773494"/>
+                    </a:ext>
+                  </a:extLst>
+                </a:gridCol>
+                <a:gridCol w="1161143">
+                  <a:extLst>
+                    <a:ext uri="{9D8B030D-6E8A-4147-A177-3AD203B41FA5}">
+                      <a16:colId xmlns:a16="http://schemas.microsoft.com/office/drawing/2014/main" val="1231228651"/>
+                    </a:ext>
+                  </a:extLst>
+                </a:gridCol>
+              </a:tblGrid>
+              <a:tr h="370840">
+                <a:tc>
+                  <a:txBody>
+                    <a:bodyPr/>
+                    <a:lstStyle/>
+                    <a:p>
+                      <a:pPr algn="ctr"/>
+                      <a:r>
+                        <a:rPr lang="en-US" b="0" dirty="0">
+                          <a:latin typeface="Times New Roman" panose="02020603050405020304" pitchFamily="18" charset="0"/>
+                          <a:cs typeface="Times New Roman" panose="02020603050405020304" pitchFamily="18" charset="0"/>
+                        </a:rPr>
+                        <a:t>Title Only</a:t>
+                      </a:r>
+                    </a:p>
+                  </a:txBody>
+                  <a:tcPr/>
+                </a:tc>
+                <a:tc>
+                  <a:txBody>
+                    <a:bodyPr/>
+                    <a:lstStyle/>
+                    <a:p>
+                      <a:pPr algn="ctr"/>
+                      <a:r>
+                        <a:rPr lang="en-US" b="0" dirty="0">
+                          <a:latin typeface="Times New Roman" panose="02020603050405020304" pitchFamily="18" charset="0"/>
+                          <a:cs typeface="Times New Roman" panose="02020603050405020304" pitchFamily="18" charset="0"/>
+                        </a:rPr>
+                        <a:t>Accuracy</a:t>
+                      </a:r>
+                    </a:p>
+                  </a:txBody>
+                  <a:tcPr/>
+                </a:tc>
+                <a:tc>
+                  <a:txBody>
+                    <a:bodyPr/>
+                    <a:lstStyle/>
+                    <a:p>
+                      <a:pPr algn="ctr"/>
+                      <a:r>
+                        <a:rPr lang="en-US" b="0" dirty="0">
+                          <a:latin typeface="Times New Roman" panose="02020603050405020304" pitchFamily="18" charset="0"/>
+                          <a:cs typeface="Times New Roman" panose="02020603050405020304" pitchFamily="18" charset="0"/>
+                        </a:rPr>
+                        <a:t>Precision</a:t>
+                      </a:r>
+                    </a:p>
+                  </a:txBody>
+                  <a:tcPr/>
+                </a:tc>
+                <a:tc>
+                  <a:txBody>
+                    <a:bodyPr/>
+                    <a:lstStyle/>
+                    <a:p>
+                      <a:pPr algn="ctr"/>
+                      <a:r>
+                        <a:rPr lang="en-US" b="0" dirty="0">
+                          <a:latin typeface="Times New Roman" panose="02020603050405020304" pitchFamily="18" charset="0"/>
+                          <a:cs typeface="Times New Roman" panose="02020603050405020304" pitchFamily="18" charset="0"/>
+                        </a:rPr>
+                        <a:t>Recall</a:t>
+                      </a:r>
+                    </a:p>
+                  </a:txBody>
+                  <a:tcPr/>
+                </a:tc>
+                <a:tc>
+                  <a:txBody>
+                    <a:bodyPr/>
+                    <a:lstStyle/>
+                    <a:p>
+                      <a:pPr algn="ctr"/>
+                      <a:r>
+                        <a:rPr lang="en-US" b="0" dirty="0">
+                          <a:latin typeface="Times New Roman" panose="02020603050405020304" pitchFamily="18" charset="0"/>
+                          <a:cs typeface="Times New Roman" panose="02020603050405020304" pitchFamily="18" charset="0"/>
+                        </a:rPr>
+                        <a:t>F1-Score</a:t>
+                      </a:r>
+                    </a:p>
+                  </a:txBody>
+                  <a:tcPr/>
+                </a:tc>
+                <a:tc>
+                  <a:txBody>
+                    <a:bodyPr/>
+                    <a:lstStyle/>
+                    <a:p>
+                      <a:pPr marL="0" marR="0" lvl="0" indent="0" algn="ctr" defTabSz="914400" rtl="0" eaLnBrk="1" fontAlgn="auto" latinLnBrk="0" hangingPunct="1">
+                        <a:lnSpc>
+                          <a:spcPct val="100000"/>
+                        </a:lnSpc>
+                        <a:spcBef>
+                          <a:spcPts val="0"/>
+                        </a:spcBef>
+                        <a:spcAft>
+                          <a:spcPts val="0"/>
+                        </a:spcAft>
+                        <a:buClrTx/>
+                        <a:buSzTx/>
+                        <a:buFontTx/>
+                        <a:buNone/>
+                        <a:tabLst/>
+                        <a:defRPr/>
+                      </a:pPr>
+                      <a:r>
+                        <a:rPr lang="en-US" b="0" dirty="0">
+                          <a:latin typeface="Times New Roman" panose="02020603050405020304" pitchFamily="18" charset="0"/>
+                          <a:cs typeface="Times New Roman" panose="02020603050405020304" pitchFamily="18" charset="0"/>
+                        </a:rPr>
+                        <a:t># of ’58’</a:t>
+                      </a:r>
+                    </a:p>
+                  </a:txBody>
+                  <a:tcPr/>
+                </a:tc>
+                <a:tc>
+                  <a:txBody>
+                    <a:bodyPr/>
+                    <a:lstStyle/>
+                    <a:p>
+                      <a:pPr marL="0" marR="0" lvl="0" indent="0" algn="ctr" defTabSz="914400" rtl="0" eaLnBrk="1" fontAlgn="auto" latinLnBrk="0" hangingPunct="1">
+                        <a:lnSpc>
+                          <a:spcPct val="100000"/>
+                        </a:lnSpc>
+                        <a:spcBef>
+                          <a:spcPts val="0"/>
+                        </a:spcBef>
+                        <a:spcAft>
+                          <a:spcPts val="0"/>
+                        </a:spcAft>
+                        <a:buClrTx/>
+                        <a:buSzTx/>
+                        <a:buFontTx/>
+                        <a:buNone/>
+                        <a:tabLst/>
+                        <a:defRPr/>
+                      </a:pPr>
+                      <a:r>
+                        <a:rPr lang="en-US" b="0" dirty="0">
+                          <a:latin typeface="Times New Roman" panose="02020603050405020304" pitchFamily="18" charset="0"/>
+                          <a:cs typeface="Times New Roman" panose="02020603050405020304" pitchFamily="18" charset="0"/>
+                        </a:rPr>
+                        <a:t># of ’47’</a:t>
+                      </a:r>
+                    </a:p>
+                  </a:txBody>
+                  <a:tcPr/>
+                </a:tc>
+                <a:extLst>
+                  <a:ext uri="{0D108BD9-81ED-4DB2-BD59-A6C34878D82A}">
+                    <a16:rowId xmlns:a16="http://schemas.microsoft.com/office/drawing/2014/main" val="4261729995"/>
+                  </a:ext>
+                </a:extLst>
+              </a:tr>
+              <a:tr h="370840">
+                <a:tc>
+                  <a:txBody>
+                    <a:bodyPr/>
+                    <a:lstStyle/>
+                    <a:p>
+                      <a:pPr algn="ctr"/>
+                      <a:r>
+                        <a:rPr lang="en-US" b="0" dirty="0">
+                          <a:latin typeface="Times New Roman" panose="02020603050405020304" pitchFamily="18" charset="0"/>
+                          <a:cs typeface="Times New Roman" panose="02020603050405020304" pitchFamily="18" charset="0"/>
+                        </a:rPr>
+                        <a:t>k = 0</a:t>
+                      </a:r>
+                    </a:p>
+                  </a:txBody>
+                  <a:tcPr>
+                    <a:solidFill>
+                      <a:schemeClr val="bg2">
+                        <a:lumMod val="90000"/>
+                      </a:schemeClr>
+                    </a:solidFill>
+                  </a:tcPr>
+                </a:tc>
+                <a:tc>
+                  <a:txBody>
+                    <a:bodyPr/>
+                    <a:lstStyle/>
+                    <a:p>
+                      <a:pPr algn="ctr"/>
+                      <a:r>
+                        <a:rPr lang="en-US" b="0" dirty="0">
+                          <a:latin typeface="Times New Roman" panose="02020603050405020304" pitchFamily="18" charset="0"/>
+                          <a:cs typeface="Times New Roman" panose="02020603050405020304" pitchFamily="18" charset="0"/>
+                        </a:rPr>
+                        <a:t>23%</a:t>
+                      </a:r>
+                    </a:p>
+                  </a:txBody>
+                  <a:tcPr>
+                    <a:solidFill>
+                      <a:schemeClr val="bg2">
+                        <a:lumMod val="90000"/>
+                      </a:schemeClr>
+                    </a:solidFill>
+                  </a:tcPr>
+                </a:tc>
+                <a:tc>
+                  <a:txBody>
+                    <a:bodyPr/>
+                    <a:lstStyle/>
+                    <a:p>
+                      <a:pPr algn="ctr"/>
+                      <a:r>
+                        <a:rPr lang="en-US" b="0" dirty="0">
+                          <a:latin typeface="Times New Roman" panose="02020603050405020304" pitchFamily="18" charset="0"/>
+                          <a:cs typeface="Times New Roman" panose="02020603050405020304" pitchFamily="18" charset="0"/>
+                        </a:rPr>
+                        <a:t>20%</a:t>
+                      </a:r>
+                    </a:p>
+                  </a:txBody>
+                  <a:tcPr>
+                    <a:solidFill>
+                      <a:schemeClr val="bg2">
+                        <a:lumMod val="90000"/>
+                      </a:schemeClr>
+                    </a:solidFill>
+                  </a:tcPr>
+                </a:tc>
+                <a:tc>
+                  <a:txBody>
+                    <a:bodyPr/>
+                    <a:lstStyle/>
+                    <a:p>
+                      <a:pPr algn="ctr"/>
+                      <a:r>
+                        <a:rPr lang="en-US" b="0" dirty="0">
+                          <a:latin typeface="Times New Roman" panose="02020603050405020304" pitchFamily="18" charset="0"/>
+                          <a:cs typeface="Times New Roman" panose="02020603050405020304" pitchFamily="18" charset="0"/>
+                        </a:rPr>
+                        <a:t>100%</a:t>
+                      </a:r>
+                    </a:p>
+                  </a:txBody>
+                  <a:tcPr>
+                    <a:solidFill>
+                      <a:schemeClr val="bg2">
+                        <a:lumMod val="90000"/>
+                      </a:schemeClr>
+                    </a:solidFill>
+                  </a:tcPr>
+                </a:tc>
+                <a:tc>
+                  <a:txBody>
+                    <a:bodyPr/>
+                    <a:lstStyle/>
+                    <a:p>
+                      <a:pPr algn="ctr"/>
+                      <a:r>
+                        <a:rPr lang="en-US" b="0" dirty="0">
+                          <a:latin typeface="Times New Roman" panose="02020603050405020304" pitchFamily="18" charset="0"/>
+                          <a:cs typeface="Times New Roman" panose="02020603050405020304" pitchFamily="18" charset="0"/>
+                        </a:rPr>
+                        <a:t>33%</a:t>
+                      </a:r>
+                    </a:p>
+                  </a:txBody>
+                  <a:tcPr>
+                    <a:solidFill>
+                      <a:schemeClr val="bg2">
+                        <a:lumMod val="90000"/>
+                      </a:schemeClr>
+                    </a:solidFill>
+                  </a:tcPr>
+                </a:tc>
+                <a:tc>
+                  <a:txBody>
+                    <a:bodyPr/>
+                    <a:lstStyle/>
+                    <a:p>
+                      <a:pPr algn="ctr"/>
+                      <a:r>
+                        <a:rPr lang="en-US" b="0" dirty="0">
+                          <a:latin typeface="Times New Roman" panose="02020603050405020304" pitchFamily="18" charset="0"/>
+                          <a:cs typeface="Times New Roman" panose="02020603050405020304" pitchFamily="18" charset="0"/>
+                        </a:rPr>
+                        <a:t>387</a:t>
+                      </a:r>
+                    </a:p>
+                  </a:txBody>
+                  <a:tcPr>
+                    <a:solidFill>
+                      <a:schemeClr val="bg2">
+                        <a:lumMod val="90000"/>
+                      </a:schemeClr>
+                    </a:solidFill>
+                  </a:tcPr>
+                </a:tc>
+                <a:tc>
+                  <a:txBody>
+                    <a:bodyPr/>
+                    <a:lstStyle/>
+                    <a:p>
+                      <a:pPr algn="ctr"/>
+                      <a:r>
+                        <a:rPr lang="en-US" b="0" dirty="0">
+                          <a:latin typeface="Times New Roman" panose="02020603050405020304" pitchFamily="18" charset="0"/>
+                          <a:cs typeface="Times New Roman" panose="02020603050405020304" pitchFamily="18" charset="0"/>
+                        </a:rPr>
+                        <a:t>14</a:t>
+                      </a:r>
+                    </a:p>
+                  </a:txBody>
+                  <a:tcPr>
+                    <a:solidFill>
+                      <a:schemeClr val="bg2">
+                        <a:lumMod val="90000"/>
+                      </a:schemeClr>
+                    </a:solidFill>
+                  </a:tcPr>
+                </a:tc>
+                <a:extLst>
+                  <a:ext uri="{0D108BD9-81ED-4DB2-BD59-A6C34878D82A}">
+                    <a16:rowId xmlns:a16="http://schemas.microsoft.com/office/drawing/2014/main" val="1335220462"/>
+                  </a:ext>
+                </a:extLst>
+              </a:tr>
+              <a:tr h="370840">
+                <a:tc>
+                  <a:txBody>
+                    <a:bodyPr/>
+                    <a:lstStyle/>
+                    <a:p>
+                      <a:pPr algn="ctr"/>
+                      <a:r>
+                        <a:rPr lang="en-US" b="0" dirty="0">
+                          <a:latin typeface="Times New Roman" panose="02020603050405020304" pitchFamily="18" charset="0"/>
+                          <a:cs typeface="Times New Roman" panose="02020603050405020304" pitchFamily="18" charset="0"/>
+                        </a:rPr>
+                        <a:t>k = 1</a:t>
+                      </a:r>
+                    </a:p>
+                  </a:txBody>
+                  <a:tcPr>
+                    <a:solidFill>
+                      <a:schemeClr val="bg2">
+                        <a:lumMod val="90000"/>
+                      </a:schemeClr>
+                    </a:solidFill>
+                  </a:tcPr>
+                </a:tc>
+                <a:tc>
+                  <a:txBody>
+                    <a:bodyPr/>
+                    <a:lstStyle/>
+                    <a:p>
+                      <a:pPr algn="ctr"/>
+                      <a:r>
+                        <a:rPr lang="en-US" b="0" dirty="0">
+                          <a:latin typeface="Times New Roman" panose="02020603050405020304" pitchFamily="18" charset="0"/>
+                          <a:cs typeface="Times New Roman" panose="02020603050405020304" pitchFamily="18" charset="0"/>
+                        </a:rPr>
+                        <a:t>29%</a:t>
+                      </a:r>
+                    </a:p>
+                  </a:txBody>
+                  <a:tcPr>
+                    <a:solidFill>
+                      <a:schemeClr val="bg2">
+                        <a:lumMod val="90000"/>
+                      </a:schemeClr>
+                    </a:solidFill>
+                  </a:tcPr>
+                </a:tc>
+                <a:tc>
+                  <a:txBody>
+                    <a:bodyPr/>
+                    <a:lstStyle/>
+                    <a:p>
+                      <a:pPr algn="ctr"/>
+                      <a:r>
+                        <a:rPr lang="en-US" b="0" dirty="0">
+                          <a:latin typeface="Times New Roman" panose="02020603050405020304" pitchFamily="18" charset="0"/>
+                          <a:cs typeface="Times New Roman" panose="02020603050405020304" pitchFamily="18" charset="0"/>
+                        </a:rPr>
+                        <a:t>20%</a:t>
+                      </a:r>
+                    </a:p>
+                  </a:txBody>
+                  <a:tcPr>
+                    <a:solidFill>
+                      <a:schemeClr val="bg2">
+                        <a:lumMod val="90000"/>
+                      </a:schemeClr>
+                    </a:solidFill>
+                  </a:tcPr>
+                </a:tc>
+                <a:tc>
+                  <a:txBody>
+                    <a:bodyPr/>
+                    <a:lstStyle/>
+                    <a:p>
+                      <a:pPr algn="ctr"/>
+                      <a:r>
+                        <a:rPr lang="en-US" b="0" dirty="0">
+                          <a:latin typeface="Times New Roman" panose="02020603050405020304" pitchFamily="18" charset="0"/>
+                          <a:cs typeface="Times New Roman" panose="02020603050405020304" pitchFamily="18" charset="0"/>
+                        </a:rPr>
+                        <a:t>91%</a:t>
+                      </a:r>
+                    </a:p>
+                  </a:txBody>
+                  <a:tcPr>
+                    <a:solidFill>
+                      <a:schemeClr val="bg2">
+                        <a:lumMod val="90000"/>
+                      </a:schemeClr>
+                    </a:solidFill>
+                  </a:tcPr>
+                </a:tc>
+                <a:tc>
+                  <a:txBody>
+                    <a:bodyPr/>
+                    <a:lstStyle/>
+                    <a:p>
+                      <a:pPr algn="ctr"/>
+                      <a:r>
+                        <a:rPr lang="en-US" b="0" dirty="0">
+                          <a:latin typeface="Times New Roman" panose="02020603050405020304" pitchFamily="18" charset="0"/>
+                          <a:cs typeface="Times New Roman" panose="02020603050405020304" pitchFamily="18" charset="0"/>
+                        </a:rPr>
+                        <a:t>33%</a:t>
+                      </a:r>
+                    </a:p>
+                  </a:txBody>
+                  <a:tcPr>
+                    <a:solidFill>
+                      <a:schemeClr val="bg2">
+                        <a:lumMod val="90000"/>
+                      </a:schemeClr>
+                    </a:solidFill>
+                  </a:tcPr>
+                </a:tc>
+                <a:tc>
+                  <a:txBody>
+                    <a:bodyPr/>
+                    <a:lstStyle/>
+                    <a:p>
+                      <a:pPr algn="ctr"/>
+                      <a:r>
+                        <a:rPr lang="en-US" b="0" dirty="0">
+                          <a:latin typeface="Times New Roman" panose="02020603050405020304" pitchFamily="18" charset="0"/>
+                          <a:cs typeface="Times New Roman" panose="02020603050405020304" pitchFamily="18" charset="0"/>
+                        </a:rPr>
+                        <a:t>348</a:t>
+                      </a:r>
+                    </a:p>
+                  </a:txBody>
+                  <a:tcPr>
+                    <a:solidFill>
+                      <a:schemeClr val="bg2">
+                        <a:lumMod val="90000"/>
+                      </a:schemeClr>
+                    </a:solidFill>
+                  </a:tcPr>
+                </a:tc>
+                <a:tc>
+                  <a:txBody>
+                    <a:bodyPr/>
+                    <a:lstStyle/>
+                    <a:p>
+                      <a:pPr algn="ctr"/>
+                      <a:r>
+                        <a:rPr lang="en-US" b="0" dirty="0">
+                          <a:latin typeface="Times New Roman" panose="02020603050405020304" pitchFamily="18" charset="0"/>
+                          <a:cs typeface="Times New Roman" panose="02020603050405020304" pitchFamily="18" charset="0"/>
+                        </a:rPr>
+                        <a:t>53</a:t>
+                      </a:r>
+                    </a:p>
+                  </a:txBody>
+                  <a:tcPr>
+                    <a:solidFill>
+                      <a:schemeClr val="bg2">
+                        <a:lumMod val="90000"/>
+                      </a:schemeClr>
+                    </a:solidFill>
+                  </a:tcPr>
+                </a:tc>
+                <a:extLst>
+                  <a:ext uri="{0D108BD9-81ED-4DB2-BD59-A6C34878D82A}">
+                    <a16:rowId xmlns:a16="http://schemas.microsoft.com/office/drawing/2014/main" val="1812256273"/>
+                  </a:ext>
+                </a:extLst>
+              </a:tr>
+              <a:tr h="370840">
+                <a:tc>
+                  <a:txBody>
+                    <a:bodyPr/>
+                    <a:lstStyle/>
+                    <a:p>
+                      <a:pPr algn="ctr"/>
+                      <a:r>
+                        <a:rPr lang="en-US" b="0" dirty="0">
+                          <a:latin typeface="Times New Roman" panose="02020603050405020304" pitchFamily="18" charset="0"/>
+                          <a:cs typeface="Times New Roman" panose="02020603050405020304" pitchFamily="18" charset="0"/>
+                        </a:rPr>
+                        <a:t>k = 5</a:t>
+                      </a:r>
+                    </a:p>
+                  </a:txBody>
+                  <a:tcPr>
+                    <a:solidFill>
+                      <a:schemeClr val="bg2">
+                        <a:lumMod val="90000"/>
+                      </a:schemeClr>
+                    </a:solidFill>
+                  </a:tcPr>
+                </a:tc>
+                <a:tc>
+                  <a:txBody>
+                    <a:bodyPr/>
+                    <a:lstStyle/>
+                    <a:p>
+                      <a:pPr algn="ctr"/>
+                      <a:r>
+                        <a:rPr lang="en-US" b="0" dirty="0">
+                          <a:latin typeface="Times New Roman" panose="02020603050405020304" pitchFamily="18" charset="0"/>
+                          <a:cs typeface="Times New Roman" panose="02020603050405020304" pitchFamily="18" charset="0"/>
+                        </a:rPr>
+                        <a:t>29%</a:t>
+                      </a:r>
+                    </a:p>
+                  </a:txBody>
+                  <a:tcPr>
+                    <a:solidFill>
+                      <a:schemeClr val="bg2">
+                        <a:lumMod val="90000"/>
+                      </a:schemeClr>
+                    </a:solidFill>
+                  </a:tcPr>
+                </a:tc>
+                <a:tc>
+                  <a:txBody>
+                    <a:bodyPr/>
+                    <a:lstStyle/>
+                    <a:p>
+                      <a:pPr algn="ctr"/>
+                      <a:r>
+                        <a:rPr lang="en-US" b="0" dirty="0">
+                          <a:latin typeface="Times New Roman" panose="02020603050405020304" pitchFamily="18" charset="0"/>
+                          <a:cs typeface="Times New Roman" panose="02020603050405020304" pitchFamily="18" charset="0"/>
+                        </a:rPr>
+                        <a:t>21%</a:t>
+                      </a:r>
+                    </a:p>
+                  </a:txBody>
+                  <a:tcPr>
+                    <a:solidFill>
+                      <a:schemeClr val="bg2">
+                        <a:lumMod val="90000"/>
+                      </a:schemeClr>
+                    </a:solidFill>
+                  </a:tcPr>
+                </a:tc>
+                <a:tc>
+                  <a:txBody>
+                    <a:bodyPr/>
+                    <a:lstStyle/>
+                    <a:p>
+                      <a:pPr algn="ctr"/>
+                      <a:r>
+                        <a:rPr lang="en-US" b="0" dirty="0">
+                          <a:latin typeface="Times New Roman" panose="02020603050405020304" pitchFamily="18" charset="0"/>
+                          <a:cs typeface="Times New Roman" panose="02020603050405020304" pitchFamily="18" charset="0"/>
+                        </a:rPr>
+                        <a:t>95%</a:t>
+                      </a:r>
+                    </a:p>
+                  </a:txBody>
+                  <a:tcPr>
+                    <a:solidFill>
+                      <a:schemeClr val="bg2">
+                        <a:lumMod val="90000"/>
+                      </a:schemeClr>
+                    </a:solidFill>
+                  </a:tcPr>
+                </a:tc>
+                <a:tc>
+                  <a:txBody>
+                    <a:bodyPr/>
+                    <a:lstStyle/>
+                    <a:p>
+                      <a:pPr algn="ctr"/>
+                      <a:r>
+                        <a:rPr lang="en-US" b="0" dirty="0">
+                          <a:latin typeface="Times New Roman" panose="02020603050405020304" pitchFamily="18" charset="0"/>
+                          <a:cs typeface="Times New Roman" panose="02020603050405020304" pitchFamily="18" charset="0"/>
+                        </a:rPr>
+                        <a:t>34%</a:t>
+                      </a:r>
+                    </a:p>
+                  </a:txBody>
+                  <a:tcPr>
+                    <a:solidFill>
+                      <a:schemeClr val="bg2">
+                        <a:lumMod val="90000"/>
+                      </a:schemeClr>
+                    </a:solidFill>
+                  </a:tcPr>
+                </a:tc>
+                <a:tc>
+                  <a:txBody>
+                    <a:bodyPr/>
+                    <a:lstStyle/>
+                    <a:p>
+                      <a:pPr algn="ctr"/>
+                      <a:r>
+                        <a:rPr lang="en-US" b="0" dirty="0">
+                          <a:latin typeface="Times New Roman" panose="02020603050405020304" pitchFamily="18" charset="0"/>
+                          <a:cs typeface="Times New Roman" panose="02020603050405020304" pitchFamily="18" charset="0"/>
+                        </a:rPr>
+                        <a:t>354</a:t>
+                      </a:r>
+                    </a:p>
+                  </a:txBody>
+                  <a:tcPr>
+                    <a:solidFill>
+                      <a:schemeClr val="bg2">
+                        <a:lumMod val="90000"/>
+                      </a:schemeClr>
+                    </a:solidFill>
+                  </a:tcPr>
+                </a:tc>
+                <a:tc>
+                  <a:txBody>
+                    <a:bodyPr/>
+                    <a:lstStyle/>
+                    <a:p>
+                      <a:pPr algn="ctr"/>
+                      <a:r>
+                        <a:rPr lang="en-US" b="0" dirty="0">
+                          <a:latin typeface="Times New Roman" panose="02020603050405020304" pitchFamily="18" charset="0"/>
+                          <a:cs typeface="Times New Roman" panose="02020603050405020304" pitchFamily="18" charset="0"/>
+                        </a:rPr>
+                        <a:t>47</a:t>
+                      </a:r>
+                    </a:p>
+                  </a:txBody>
+                  <a:tcPr>
+                    <a:solidFill>
+                      <a:schemeClr val="bg2">
+                        <a:lumMod val="90000"/>
+                      </a:schemeClr>
+                    </a:solidFill>
+                  </a:tcPr>
+                </a:tc>
+                <a:extLst>
+                  <a:ext uri="{0D108BD9-81ED-4DB2-BD59-A6C34878D82A}">
+                    <a16:rowId xmlns:a16="http://schemas.microsoft.com/office/drawing/2014/main" val="450599201"/>
+                  </a:ext>
+                </a:extLst>
+              </a:tr>
+              <a:tr h="370840">
+                <a:tc>
+                  <a:txBody>
+                    <a:bodyPr/>
+                    <a:lstStyle/>
+                    <a:p>
+                      <a:pPr algn="ctr"/>
+                      <a:r>
+                        <a:rPr lang="en-US" b="0" dirty="0">
+                          <a:latin typeface="Times New Roman" panose="02020603050405020304" pitchFamily="18" charset="0"/>
+                          <a:cs typeface="Times New Roman" panose="02020603050405020304" pitchFamily="18" charset="0"/>
+                        </a:rPr>
+                        <a:t>k = 20</a:t>
+                      </a:r>
+                    </a:p>
+                  </a:txBody>
+                  <a:tcPr>
+                    <a:solidFill>
+                      <a:schemeClr val="bg2">
+                        <a:lumMod val="90000"/>
+                      </a:schemeClr>
+                    </a:solidFill>
+                  </a:tcPr>
+                </a:tc>
+                <a:tc>
+                  <a:txBody>
+                    <a:bodyPr/>
+                    <a:lstStyle/>
+                    <a:p>
+                      <a:pPr algn="ctr"/>
+                      <a:r>
+                        <a:rPr lang="en-US" b="0" dirty="0">
+                          <a:latin typeface="Times New Roman" panose="02020603050405020304" pitchFamily="18" charset="0"/>
+                          <a:cs typeface="Times New Roman" panose="02020603050405020304" pitchFamily="18" charset="0"/>
+                        </a:rPr>
+                        <a:t>39%</a:t>
+                      </a:r>
+                    </a:p>
+                  </a:txBody>
+                  <a:tcPr>
+                    <a:solidFill>
+                      <a:schemeClr val="bg2">
+                        <a:lumMod val="90000"/>
+                      </a:schemeClr>
+                    </a:solidFill>
+                  </a:tcPr>
+                </a:tc>
+                <a:tc>
+                  <a:txBody>
+                    <a:bodyPr/>
+                    <a:lstStyle/>
+                    <a:p>
+                      <a:pPr algn="ctr"/>
+                      <a:r>
+                        <a:rPr lang="en-US" b="0" dirty="0">
+                          <a:latin typeface="Times New Roman" panose="02020603050405020304" pitchFamily="18" charset="0"/>
+                          <a:cs typeface="Times New Roman" panose="02020603050405020304" pitchFamily="18" charset="0"/>
+                        </a:rPr>
+                        <a:t>22%</a:t>
+                      </a:r>
+                    </a:p>
+                  </a:txBody>
+                  <a:tcPr>
+                    <a:solidFill>
+                      <a:schemeClr val="bg2">
+                        <a:lumMod val="90000"/>
+                      </a:schemeClr>
+                    </a:solidFill>
+                  </a:tcPr>
+                </a:tc>
+                <a:tc>
+                  <a:txBody>
+                    <a:bodyPr/>
+                    <a:lstStyle/>
+                    <a:p>
+                      <a:pPr algn="ctr"/>
+                      <a:r>
+                        <a:rPr lang="en-US" b="0" dirty="0">
+                          <a:latin typeface="Times New Roman" panose="02020603050405020304" pitchFamily="18" charset="0"/>
+                          <a:cs typeface="Times New Roman" panose="02020603050405020304" pitchFamily="18" charset="0"/>
+                        </a:rPr>
+                        <a:t>86%</a:t>
+                      </a:r>
+                    </a:p>
+                  </a:txBody>
+                  <a:tcPr>
+                    <a:solidFill>
+                      <a:schemeClr val="bg2">
+                        <a:lumMod val="90000"/>
+                      </a:schemeClr>
+                    </a:solidFill>
+                  </a:tcPr>
+                </a:tc>
+                <a:tc>
+                  <a:txBody>
+                    <a:bodyPr/>
+                    <a:lstStyle/>
+                    <a:p>
+                      <a:pPr algn="ctr"/>
+                      <a:r>
+                        <a:rPr lang="en-US" b="0" dirty="0">
+                          <a:latin typeface="Times New Roman" panose="02020603050405020304" pitchFamily="18" charset="0"/>
+                          <a:cs typeface="Times New Roman" panose="02020603050405020304" pitchFamily="18" charset="0"/>
+                        </a:rPr>
+                        <a:t>35%</a:t>
+                      </a:r>
+                    </a:p>
+                  </a:txBody>
+                  <a:tcPr>
+                    <a:solidFill>
+                      <a:schemeClr val="bg2">
+                        <a:lumMod val="90000"/>
+                      </a:schemeClr>
+                    </a:solidFill>
+                  </a:tcPr>
+                </a:tc>
+                <a:tc>
+                  <a:txBody>
+                    <a:bodyPr/>
+                    <a:lstStyle/>
+                    <a:p>
+                      <a:pPr algn="ctr"/>
+                      <a:r>
+                        <a:rPr lang="en-US" b="0" dirty="0">
+                          <a:latin typeface="Times New Roman" panose="02020603050405020304" pitchFamily="18" charset="0"/>
+                          <a:cs typeface="Times New Roman" panose="02020603050405020304" pitchFamily="18" charset="0"/>
+                        </a:rPr>
+                        <a:t>299</a:t>
+                      </a:r>
+                    </a:p>
+                  </a:txBody>
+                  <a:tcPr>
+                    <a:solidFill>
+                      <a:schemeClr val="bg2">
+                        <a:lumMod val="90000"/>
+                      </a:schemeClr>
+                    </a:solidFill>
+                  </a:tcPr>
+                </a:tc>
+                <a:tc>
+                  <a:txBody>
+                    <a:bodyPr/>
+                    <a:lstStyle/>
+                    <a:p>
+                      <a:pPr algn="ctr"/>
+                      <a:r>
+                        <a:rPr lang="en-US" b="0" dirty="0">
+                          <a:latin typeface="Times New Roman" panose="02020603050405020304" pitchFamily="18" charset="0"/>
+                          <a:cs typeface="Times New Roman" panose="02020603050405020304" pitchFamily="18" charset="0"/>
+                        </a:rPr>
+                        <a:t>102</a:t>
+                      </a:r>
+                    </a:p>
+                  </a:txBody>
+                  <a:tcPr>
+                    <a:solidFill>
+                      <a:schemeClr val="bg2">
+                        <a:lumMod val="90000"/>
+                      </a:schemeClr>
+                    </a:solidFill>
+                  </a:tcPr>
+                </a:tc>
+                <a:extLst>
+                  <a:ext uri="{0D108BD9-81ED-4DB2-BD59-A6C34878D82A}">
+                    <a16:rowId xmlns:a16="http://schemas.microsoft.com/office/drawing/2014/main" val="257525509"/>
+                  </a:ext>
+                </a:extLst>
+              </a:tr>
+              <a:tr h="0">
+                <a:tc>
+                  <a:txBody>
+                    <a:bodyPr/>
+                    <a:lstStyle/>
+                    <a:p>
+                      <a:pPr algn="ctr"/>
+                      <a:r>
+                        <a:rPr lang="en-US" b="0" dirty="0">
+                          <a:latin typeface="Times New Roman" panose="02020603050405020304" pitchFamily="18" charset="0"/>
+                          <a:cs typeface="Times New Roman" panose="02020603050405020304" pitchFamily="18" charset="0"/>
+                        </a:rPr>
+                        <a:t>k = 50</a:t>
+                      </a:r>
+                    </a:p>
+                  </a:txBody>
+                  <a:tcPr>
+                    <a:solidFill>
+                      <a:schemeClr val="bg2">
+                        <a:lumMod val="90000"/>
+                      </a:schemeClr>
+                    </a:solidFill>
+                  </a:tcPr>
+                </a:tc>
+                <a:tc>
+                  <a:txBody>
+                    <a:bodyPr/>
+                    <a:lstStyle/>
+                    <a:p>
+                      <a:pPr algn="ctr"/>
+                      <a:r>
+                        <a:rPr lang="en-US" b="0" dirty="0">
+                          <a:latin typeface="Times New Roman" panose="02020603050405020304" pitchFamily="18" charset="0"/>
+                          <a:cs typeface="Times New Roman" panose="02020603050405020304" pitchFamily="18" charset="0"/>
+                        </a:rPr>
+                        <a:t>40%</a:t>
+                      </a:r>
+                    </a:p>
+                  </a:txBody>
+                  <a:tcPr>
+                    <a:solidFill>
+                      <a:schemeClr val="bg2">
+                        <a:lumMod val="90000"/>
+                      </a:schemeClr>
+                    </a:solidFill>
+                  </a:tcPr>
+                </a:tc>
+                <a:tc>
+                  <a:txBody>
+                    <a:bodyPr/>
+                    <a:lstStyle/>
+                    <a:p>
+                      <a:pPr algn="ctr"/>
+                      <a:r>
+                        <a:rPr lang="en-US" b="0" dirty="0">
+                          <a:latin typeface="Times New Roman" panose="02020603050405020304" pitchFamily="18" charset="0"/>
+                          <a:cs typeface="Times New Roman" panose="02020603050405020304" pitchFamily="18" charset="0"/>
+                        </a:rPr>
+                        <a:t>22%</a:t>
+                      </a:r>
+                    </a:p>
+                  </a:txBody>
+                  <a:tcPr>
+                    <a:solidFill>
+                      <a:schemeClr val="bg2">
+                        <a:lumMod val="90000"/>
+                      </a:schemeClr>
+                    </a:solidFill>
+                  </a:tcPr>
+                </a:tc>
+                <a:tc>
+                  <a:txBody>
+                    <a:bodyPr/>
+                    <a:lstStyle/>
+                    <a:p>
+                      <a:pPr algn="ctr"/>
+                      <a:r>
+                        <a:rPr lang="en-US" b="0" dirty="0">
+                          <a:latin typeface="Times New Roman" panose="02020603050405020304" pitchFamily="18" charset="0"/>
+                          <a:cs typeface="Times New Roman" panose="02020603050405020304" pitchFamily="18" charset="0"/>
+                        </a:rPr>
+                        <a:t>81%</a:t>
+                      </a:r>
+                    </a:p>
+                  </a:txBody>
+                  <a:tcPr>
+                    <a:solidFill>
+                      <a:schemeClr val="bg2">
+                        <a:lumMod val="90000"/>
+                      </a:schemeClr>
+                    </a:solidFill>
+                  </a:tcPr>
+                </a:tc>
+                <a:tc>
+                  <a:txBody>
+                    <a:bodyPr/>
+                    <a:lstStyle/>
+                    <a:p>
+                      <a:pPr algn="ctr"/>
+                      <a:r>
+                        <a:rPr lang="en-US" b="0" dirty="0">
+                          <a:latin typeface="Times New Roman" panose="02020603050405020304" pitchFamily="18" charset="0"/>
+                          <a:cs typeface="Times New Roman" panose="02020603050405020304" pitchFamily="18" charset="0"/>
+                        </a:rPr>
+                        <a:t>34%</a:t>
+                      </a:r>
+                    </a:p>
+                  </a:txBody>
+                  <a:tcPr>
+                    <a:solidFill>
+                      <a:schemeClr val="bg2">
+                        <a:lumMod val="90000"/>
+                      </a:schemeClr>
+                    </a:solidFill>
+                  </a:tcPr>
+                </a:tc>
+                <a:tc>
+                  <a:txBody>
+                    <a:bodyPr/>
+                    <a:lstStyle/>
+                    <a:p>
+                      <a:pPr algn="ctr"/>
+                      <a:r>
+                        <a:rPr lang="en-US" b="0" dirty="0">
+                          <a:latin typeface="Times New Roman" panose="02020603050405020304" pitchFamily="18" charset="0"/>
+                          <a:cs typeface="Times New Roman" panose="02020603050405020304" pitchFamily="18" charset="0"/>
+                        </a:rPr>
+                        <a:t>288</a:t>
+                      </a:r>
+                    </a:p>
+                  </a:txBody>
+                  <a:tcPr>
+                    <a:solidFill>
+                      <a:schemeClr val="bg2">
+                        <a:lumMod val="90000"/>
+                      </a:schemeClr>
+                    </a:solidFill>
+                  </a:tcPr>
+                </a:tc>
+                <a:tc>
+                  <a:txBody>
+                    <a:bodyPr/>
+                    <a:lstStyle/>
+                    <a:p>
+                      <a:pPr algn="ctr"/>
+                      <a:r>
+                        <a:rPr lang="en-US" b="0" dirty="0">
+                          <a:latin typeface="Times New Roman" panose="02020603050405020304" pitchFamily="18" charset="0"/>
+                          <a:cs typeface="Times New Roman" panose="02020603050405020304" pitchFamily="18" charset="0"/>
+                        </a:rPr>
+                        <a:t>133</a:t>
+                      </a:r>
+                    </a:p>
+                  </a:txBody>
+                  <a:tcPr>
+                    <a:solidFill>
+                      <a:schemeClr val="bg2">
+                        <a:lumMod val="90000"/>
+                      </a:schemeClr>
+                    </a:solidFill>
+                  </a:tcPr>
+                </a:tc>
+                <a:extLst>
+                  <a:ext uri="{0D108BD9-81ED-4DB2-BD59-A6C34878D82A}">
+                    <a16:rowId xmlns:a16="http://schemas.microsoft.com/office/drawing/2014/main" val="3654193099"/>
+                  </a:ext>
+                </a:extLst>
+              </a:tr>
+              <a:tr h="0">
+                <a:tc>
+                  <a:txBody>
+                    <a:bodyPr/>
+                    <a:lstStyle/>
+                    <a:p>
+                      <a:pPr algn="ctr"/>
+                      <a:r>
+                        <a:rPr lang="en-US" b="0" dirty="0">
+                          <a:latin typeface="Times New Roman" panose="02020603050405020304" pitchFamily="18" charset="0"/>
+                          <a:cs typeface="Times New Roman" panose="02020603050405020304" pitchFamily="18" charset="0"/>
+                        </a:rPr>
+                        <a:t>Tr Labels</a:t>
+                      </a:r>
+                    </a:p>
+                  </a:txBody>
+                  <a:tcPr>
+                    <a:solidFill>
+                      <a:schemeClr val="bg2">
+                        <a:lumMod val="90000"/>
+                      </a:schemeClr>
+                    </a:solidFill>
+                  </a:tcPr>
+                </a:tc>
+                <a:tc>
+                  <a:txBody>
+                    <a:bodyPr/>
+                    <a:lstStyle/>
+                    <a:p>
+                      <a:pPr algn="ctr"/>
+                      <a:endParaRPr lang="en-US" b="0" dirty="0">
+                        <a:latin typeface="Times New Roman" panose="02020603050405020304" pitchFamily="18" charset="0"/>
+                        <a:cs typeface="Times New Roman" panose="02020603050405020304" pitchFamily="18" charset="0"/>
+                      </a:endParaRPr>
+                    </a:p>
+                  </a:txBody>
+                  <a:tcPr>
+                    <a:solidFill>
+                      <a:schemeClr val="bg2">
+                        <a:lumMod val="90000"/>
+                      </a:schemeClr>
+                    </a:solidFill>
+                  </a:tcPr>
+                </a:tc>
+                <a:tc>
+                  <a:txBody>
+                    <a:bodyPr/>
+                    <a:lstStyle/>
+                    <a:p>
+                      <a:pPr algn="ctr"/>
+                      <a:endParaRPr lang="en-US" b="0" dirty="0">
+                        <a:latin typeface="Times New Roman" panose="02020603050405020304" pitchFamily="18" charset="0"/>
+                        <a:cs typeface="Times New Roman" panose="02020603050405020304" pitchFamily="18" charset="0"/>
+                      </a:endParaRPr>
+                    </a:p>
+                  </a:txBody>
+                  <a:tcPr>
+                    <a:solidFill>
+                      <a:schemeClr val="bg2">
+                        <a:lumMod val="90000"/>
+                      </a:schemeClr>
+                    </a:solidFill>
+                  </a:tcPr>
+                </a:tc>
+                <a:tc>
+                  <a:txBody>
+                    <a:bodyPr/>
+                    <a:lstStyle/>
+                    <a:p>
+                      <a:pPr algn="ctr"/>
+                      <a:endParaRPr lang="en-US" b="0" dirty="0">
+                        <a:latin typeface="Times New Roman" panose="02020603050405020304" pitchFamily="18" charset="0"/>
+                        <a:cs typeface="Times New Roman" panose="02020603050405020304" pitchFamily="18" charset="0"/>
+                      </a:endParaRPr>
+                    </a:p>
+                  </a:txBody>
+                  <a:tcPr>
+                    <a:solidFill>
+                      <a:schemeClr val="bg2">
+                        <a:lumMod val="90000"/>
+                      </a:schemeClr>
+                    </a:solidFill>
+                  </a:tcPr>
+                </a:tc>
+                <a:tc>
+                  <a:txBody>
+                    <a:bodyPr/>
+                    <a:lstStyle/>
+                    <a:p>
+                      <a:pPr algn="ctr"/>
+                      <a:endParaRPr lang="en-US" b="0" dirty="0">
+                        <a:latin typeface="Times New Roman" panose="02020603050405020304" pitchFamily="18" charset="0"/>
+                        <a:cs typeface="Times New Roman" panose="02020603050405020304" pitchFamily="18" charset="0"/>
+                      </a:endParaRPr>
+                    </a:p>
+                  </a:txBody>
+                  <a:tcPr>
+                    <a:solidFill>
+                      <a:schemeClr val="bg2">
+                        <a:lumMod val="90000"/>
+                      </a:schemeClr>
+                    </a:solidFill>
+                  </a:tcPr>
+                </a:tc>
+                <a:tc>
+                  <a:txBody>
+                    <a:bodyPr/>
+                    <a:lstStyle/>
+                    <a:p>
+                      <a:pPr algn="ctr"/>
+                      <a:r>
+                        <a:rPr lang="en-US" b="0" dirty="0">
+                          <a:latin typeface="Times New Roman" panose="02020603050405020304" pitchFamily="18" charset="0"/>
+                          <a:cs typeface="Times New Roman" panose="02020603050405020304" pitchFamily="18" charset="0"/>
+                        </a:rPr>
+                        <a:t>77</a:t>
+                      </a:r>
+                    </a:p>
+                  </a:txBody>
+                  <a:tcPr>
+                    <a:solidFill>
+                      <a:schemeClr val="bg2">
+                        <a:lumMod val="90000"/>
+                      </a:schemeClr>
+                    </a:solidFill>
+                  </a:tcPr>
+                </a:tc>
+                <a:tc>
+                  <a:txBody>
+                    <a:bodyPr/>
+                    <a:lstStyle/>
+                    <a:p>
+                      <a:pPr algn="ctr"/>
+                      <a:r>
+                        <a:rPr lang="en-US" b="0" dirty="0">
+                          <a:latin typeface="Times New Roman" panose="02020603050405020304" pitchFamily="18" charset="0"/>
+                          <a:cs typeface="Times New Roman" panose="02020603050405020304" pitchFamily="18" charset="0"/>
+                        </a:rPr>
+                        <a:t>323</a:t>
+                      </a:r>
+                    </a:p>
+                  </a:txBody>
+                  <a:tcPr>
+                    <a:solidFill>
+                      <a:schemeClr val="bg2">
+                        <a:lumMod val="90000"/>
+                      </a:schemeClr>
+                    </a:solidFill>
+                  </a:tcPr>
+                </a:tc>
+                <a:extLst>
+                  <a:ext uri="{0D108BD9-81ED-4DB2-BD59-A6C34878D82A}">
+                    <a16:rowId xmlns:a16="http://schemas.microsoft.com/office/drawing/2014/main" val="2216362569"/>
+                  </a:ext>
+                </a:extLst>
+              </a:tr>
+            </a:tbl>
+          </a:graphicData>
+        </a:graphic>
+      </p:graphicFrame>
+    </p:spTree>
+    <p:extLst>
+      <p:ext uri="{BB962C8B-B14F-4D97-AF65-F5344CB8AC3E}">
+        <p14:creationId xmlns:p14="http://schemas.microsoft.com/office/powerpoint/2010/main" val="1491317468"/>
+      </p:ext>
+    </p:extLst>
+  </p:cSld>
+  <p:clrMapOvr>
+    <a:masterClrMapping/>
+  </p:clrMapOvr>
+</p:sld>
+</file>
+
+<file path=ppt/slides/slide48.xml><?xml version="1.0" encoding="utf-8"?>
+<p:sld xmlns:a="http://schemas.openxmlformats.org/drawingml/2006/main" xmlns:r="http://schemas.openxmlformats.org/officeDocument/2006/relationships" xmlns:p="http://schemas.openxmlformats.org/presentationml/2006/main">
+  <p:cSld>
+    <p:spTree>
+      <p:nvGrpSpPr>
+        <p:cNvPr id="1" name=""/>
+        <p:cNvGrpSpPr/>
+        <p:nvPr/>
+      </p:nvGrpSpPr>
+      <p:grpSpPr>
+        <a:xfrm>
+          <a:off x="0" y="0"/>
+          <a:ext cx="0" cy="0"/>
+          <a:chOff x="0" y="0"/>
+          <a:chExt cx="0" cy="0"/>
+        </a:xfrm>
+      </p:grpSpPr>
+      <p:sp>
+        <p:nvSpPr>
+          <p:cNvPr id="2" name="Title 1">
+            <a:extLst>
+              <a:ext uri="{FF2B5EF4-FFF2-40B4-BE49-F238E27FC236}">
+                <a16:creationId xmlns:a16="http://schemas.microsoft.com/office/drawing/2014/main" id="{1F8717B5-F992-3362-0E17-84D889214116}"/>
+              </a:ext>
+            </a:extLst>
+          </p:cNvPr>
+          <p:cNvSpPr>
+            <a:spLocks noGrp="1"/>
+          </p:cNvSpPr>
+          <p:nvPr>
+            <p:ph type="title"/>
+          </p:nvPr>
+        </p:nvSpPr>
+        <p:spPr/>
+        <p:txBody>
+          <a:bodyPr>
+            <a:normAutofit/>
+          </a:bodyPr>
+          <a:lstStyle/>
+          <a:p>
+            <a:r>
+              <a:rPr lang="en-US" sz="2400" b="1" dirty="0"/>
+              <a:t>Symbol Tuning Gemma-7b-it Results</a:t>
+            </a:r>
+          </a:p>
+        </p:txBody>
+      </p:sp>
+      <p:graphicFrame>
+        <p:nvGraphicFramePr>
+          <p:cNvPr id="9" name="Chart 8">
+            <a:extLst>
+              <a:ext uri="{FF2B5EF4-FFF2-40B4-BE49-F238E27FC236}">
+                <a16:creationId xmlns:a16="http://schemas.microsoft.com/office/drawing/2014/main" id="{F697932A-5F67-F134-D770-F61FC221AFDC}"/>
+              </a:ext>
+            </a:extLst>
+          </p:cNvPr>
+          <p:cNvGraphicFramePr/>
+          <p:nvPr>
+            <p:extLst>
+              <p:ext uri="{D42A27DB-BD31-4B8C-83A1-F6EECF244321}">
+                <p14:modId xmlns:p14="http://schemas.microsoft.com/office/powerpoint/2010/main" val="33477185"/>
+              </p:ext>
+            </p:extLst>
+          </p:nvPr>
+        </p:nvGraphicFramePr>
+        <p:xfrm>
+          <a:off x="2586216" y="1478165"/>
+          <a:ext cx="7019567" cy="5170182"/>
+        </p:xfrm>
+        <a:graphic>
+          <a:graphicData uri="http://schemas.openxmlformats.org/drawingml/2006/chart">
+            <c:chart xmlns:c="http://schemas.openxmlformats.org/drawingml/2006/chart" xmlns:r="http://schemas.openxmlformats.org/officeDocument/2006/relationships" r:id="rId3"/>
+          </a:graphicData>
+        </a:graphic>
+      </p:graphicFrame>
+    </p:spTree>
+    <p:extLst>
+      <p:ext uri="{BB962C8B-B14F-4D97-AF65-F5344CB8AC3E}">
+        <p14:creationId xmlns:p14="http://schemas.microsoft.com/office/powerpoint/2010/main" val="2433766379"/>
+      </p:ext>
+    </p:extLst>
+  </p:cSld>
+  <p:clrMapOvr>
+    <a:masterClrMapping/>
+  </p:clrMapOvr>
+</p:sld>
+</file>
+
+<file path=ppt/slides/slide49.xml><?xml version="1.0" encoding="utf-8"?>
+<p:sld xmlns:a="http://schemas.openxmlformats.org/drawingml/2006/main" xmlns:r="http://schemas.openxmlformats.org/officeDocument/2006/relationships" xmlns:p="http://schemas.openxmlformats.org/presentationml/2006/main">
+  <p:cSld>
+    <p:spTree>
+      <p:nvGrpSpPr>
+        <p:cNvPr id="1" name=""/>
+        <p:cNvGrpSpPr/>
+        <p:nvPr/>
+      </p:nvGrpSpPr>
+      <p:grpSpPr>
+        <a:xfrm>
+          <a:off x="0" y="0"/>
+          <a:ext cx="0" cy="0"/>
+          <a:chOff x="0" y="0"/>
+          <a:chExt cx="0" cy="0"/>
+        </a:xfrm>
+      </p:grpSpPr>
+      <p:sp>
+        <p:nvSpPr>
+          <p:cNvPr id="2" name="Title 1">
+            <a:extLst>
+              <a:ext uri="{FF2B5EF4-FFF2-40B4-BE49-F238E27FC236}">
+                <a16:creationId xmlns:a16="http://schemas.microsoft.com/office/drawing/2014/main" id="{1F8717B5-F992-3362-0E17-84D889214116}"/>
+              </a:ext>
+            </a:extLst>
+          </p:cNvPr>
+          <p:cNvSpPr>
+            <a:spLocks noGrp="1"/>
+          </p:cNvSpPr>
+          <p:nvPr>
+            <p:ph type="title"/>
+          </p:nvPr>
+        </p:nvSpPr>
+        <p:spPr/>
+        <p:txBody>
+          <a:bodyPr>
+            <a:normAutofit/>
+          </a:bodyPr>
+          <a:lstStyle/>
+          <a:p>
+            <a:r>
+              <a:rPr lang="en-US" sz="2400" b="1" dirty="0"/>
+              <a:t>Symbol Tuning Gemma-7b-it Results</a:t>
+            </a:r>
+          </a:p>
+        </p:txBody>
+      </p:sp>
+      <p:graphicFrame>
+        <p:nvGraphicFramePr>
+          <p:cNvPr id="9" name="Chart 8">
+            <a:extLst>
+              <a:ext uri="{FF2B5EF4-FFF2-40B4-BE49-F238E27FC236}">
+                <a16:creationId xmlns:a16="http://schemas.microsoft.com/office/drawing/2014/main" id="{F697932A-5F67-F134-D770-F61FC221AFDC}"/>
+              </a:ext>
+            </a:extLst>
+          </p:cNvPr>
+          <p:cNvGraphicFramePr/>
+          <p:nvPr>
+            <p:extLst>
+              <p:ext uri="{D42A27DB-BD31-4B8C-83A1-F6EECF244321}">
+                <p14:modId xmlns:p14="http://schemas.microsoft.com/office/powerpoint/2010/main" val="4236970026"/>
+              </p:ext>
+            </p:extLst>
+          </p:nvPr>
+        </p:nvGraphicFramePr>
+        <p:xfrm>
+          <a:off x="2586216" y="1478165"/>
+          <a:ext cx="7019567" cy="5170182"/>
+        </p:xfrm>
+        <a:graphic>
+          <a:graphicData uri="http://schemas.openxmlformats.org/drawingml/2006/chart">
+            <c:chart xmlns:c="http://schemas.openxmlformats.org/drawingml/2006/chart" xmlns:r="http://schemas.openxmlformats.org/officeDocument/2006/relationships" r:id="rId3"/>
+          </a:graphicData>
+        </a:graphic>
+      </p:graphicFrame>
+    </p:spTree>
+    <p:extLst>
+      <p:ext uri="{BB962C8B-B14F-4D97-AF65-F5344CB8AC3E}">
+        <p14:creationId xmlns:p14="http://schemas.microsoft.com/office/powerpoint/2010/main" val="327788976"/>
       </p:ext>
     </p:extLst>
   </p:cSld>
@@ -31084,6 +36080,1546 @@
 </p:sld>
 </file>
 
+<file path=ppt/slides/slide50.xml><?xml version="1.0" encoding="utf-8"?>
+<p:sld xmlns:a="http://schemas.openxmlformats.org/drawingml/2006/main" xmlns:r="http://schemas.openxmlformats.org/officeDocument/2006/relationships" xmlns:p="http://schemas.openxmlformats.org/presentationml/2006/main">
+  <p:cSld>
+    <p:spTree>
+      <p:nvGrpSpPr>
+        <p:cNvPr id="1" name=""/>
+        <p:cNvGrpSpPr/>
+        <p:nvPr/>
+      </p:nvGrpSpPr>
+      <p:grpSpPr>
+        <a:xfrm>
+          <a:off x="0" y="0"/>
+          <a:ext cx="0" cy="0"/>
+          <a:chOff x="0" y="0"/>
+          <a:chExt cx="0" cy="0"/>
+        </a:xfrm>
+      </p:grpSpPr>
+      <p:sp>
+        <p:nvSpPr>
+          <p:cNvPr id="2" name="Title 1">
+            <a:extLst>
+              <a:ext uri="{FF2B5EF4-FFF2-40B4-BE49-F238E27FC236}">
+                <a16:creationId xmlns:a16="http://schemas.microsoft.com/office/drawing/2014/main" id="{1F8717B5-F992-3362-0E17-84D889214116}"/>
+              </a:ext>
+            </a:extLst>
+          </p:cNvPr>
+          <p:cNvSpPr>
+            <a:spLocks noGrp="1"/>
+          </p:cNvSpPr>
+          <p:nvPr>
+            <p:ph type="title"/>
+          </p:nvPr>
+        </p:nvSpPr>
+        <p:spPr/>
+        <p:txBody>
+          <a:bodyPr>
+            <a:normAutofit/>
+          </a:bodyPr>
+          <a:lstStyle/>
+          <a:p>
+            <a:r>
+              <a:rPr lang="en-US" sz="2400" b="1" dirty="0"/>
+              <a:t>Symbol Tuning Gemma-7b-it</a:t>
+            </a:r>
+          </a:p>
+        </p:txBody>
+      </p:sp>
+      <p:sp>
+        <p:nvSpPr>
+          <p:cNvPr id="3" name="Content Placeholder 2">
+            <a:extLst>
+              <a:ext uri="{FF2B5EF4-FFF2-40B4-BE49-F238E27FC236}">
+                <a16:creationId xmlns:a16="http://schemas.microsoft.com/office/drawing/2014/main" id="{6A1CF6AE-4BFF-FA1F-6998-093945033E5D}"/>
+              </a:ext>
+            </a:extLst>
+          </p:cNvPr>
+          <p:cNvSpPr>
+            <a:spLocks noGrp="1"/>
+          </p:cNvSpPr>
+          <p:nvPr>
+            <p:ph idx="1"/>
+          </p:nvPr>
+        </p:nvSpPr>
+        <p:spPr/>
+        <p:txBody>
+          <a:bodyPr>
+            <a:normAutofit/>
+          </a:bodyPr>
+          <a:lstStyle/>
+          <a:p>
+            <a:r>
+              <a:rPr lang="en-US" sz="1800" dirty="0"/>
+              <a:t>As it can be seen there is a direct correlation between the numbers of labels generate to the classification metrics.</a:t>
+            </a:r>
+            <a:endParaRPr lang="en-US" sz="1000" dirty="0"/>
+          </a:p>
+          <a:p>
+            <a:pPr lvl="1"/>
+            <a:r>
+              <a:rPr lang="en-US" sz="1400" dirty="0"/>
+              <a:t>Therefore, it is becoming an important agenda to design the prompt in a way for having more ’47’ or ‘not important’ labels in response.</a:t>
+            </a:r>
+          </a:p>
+          <a:p>
+            <a:r>
+              <a:rPr lang="en-US" sz="1800" dirty="0"/>
+              <a:t>One of the reasons that in k = 50 we observe the increase in ‘not important’ labels generated is the concept of ‘forgetting’. When the model receive too much information in prompt it forgets the main points and that ought to returning ‘47’ as the response.</a:t>
+            </a:r>
+          </a:p>
+        </p:txBody>
+      </p:sp>
+    </p:spTree>
+    <p:extLst>
+      <p:ext uri="{BB962C8B-B14F-4D97-AF65-F5344CB8AC3E}">
+        <p14:creationId xmlns:p14="http://schemas.microsoft.com/office/powerpoint/2010/main" val="2032718653"/>
+      </p:ext>
+    </p:extLst>
+  </p:cSld>
+  <p:clrMapOvr>
+    <a:masterClrMapping/>
+  </p:clrMapOvr>
+</p:sld>
+</file>
+
+<file path=ppt/slides/slide51.xml><?xml version="1.0" encoding="utf-8"?>
+<p:sld xmlns:a="http://schemas.openxmlformats.org/drawingml/2006/main" xmlns:r="http://schemas.openxmlformats.org/officeDocument/2006/relationships" xmlns:p="http://schemas.openxmlformats.org/presentationml/2006/main">
+  <p:cSld>
+    <p:spTree>
+      <p:nvGrpSpPr>
+        <p:cNvPr id="1" name=""/>
+        <p:cNvGrpSpPr/>
+        <p:nvPr/>
+      </p:nvGrpSpPr>
+      <p:grpSpPr>
+        <a:xfrm>
+          <a:off x="0" y="0"/>
+          <a:ext cx="0" cy="0"/>
+          <a:chOff x="0" y="0"/>
+          <a:chExt cx="0" cy="0"/>
+        </a:xfrm>
+      </p:grpSpPr>
+      <p:sp>
+        <p:nvSpPr>
+          <p:cNvPr id="2" name="Title 1">
+            <a:extLst>
+              <a:ext uri="{FF2B5EF4-FFF2-40B4-BE49-F238E27FC236}">
+                <a16:creationId xmlns:a16="http://schemas.microsoft.com/office/drawing/2014/main" id="{1F8717B5-F992-3362-0E17-84D889214116}"/>
+              </a:ext>
+            </a:extLst>
+          </p:cNvPr>
+          <p:cNvSpPr>
+            <a:spLocks noGrp="1"/>
+          </p:cNvSpPr>
+          <p:nvPr>
+            <p:ph type="title"/>
+          </p:nvPr>
+        </p:nvSpPr>
+        <p:spPr/>
+        <p:txBody>
+          <a:bodyPr>
+            <a:normAutofit/>
+          </a:bodyPr>
+          <a:lstStyle/>
+          <a:p>
+            <a:r>
+              <a:rPr lang="en-US" sz="2400" b="1" dirty="0"/>
+              <a:t>Symbol Tuning Gemma-7b-it</a:t>
+            </a:r>
+          </a:p>
+        </p:txBody>
+      </p:sp>
+      <p:sp>
+        <p:nvSpPr>
+          <p:cNvPr id="3" name="Content Placeholder 2">
+            <a:extLst>
+              <a:ext uri="{FF2B5EF4-FFF2-40B4-BE49-F238E27FC236}">
+                <a16:creationId xmlns:a16="http://schemas.microsoft.com/office/drawing/2014/main" id="{6A1CF6AE-4BFF-FA1F-6998-093945033E5D}"/>
+              </a:ext>
+            </a:extLst>
+          </p:cNvPr>
+          <p:cNvSpPr>
+            <a:spLocks noGrp="1"/>
+          </p:cNvSpPr>
+          <p:nvPr>
+            <p:ph idx="1"/>
+          </p:nvPr>
+        </p:nvSpPr>
+        <p:spPr/>
+        <p:txBody>
+          <a:bodyPr>
+            <a:normAutofit/>
+          </a:bodyPr>
+          <a:lstStyle/>
+          <a:p>
+            <a:r>
+              <a:rPr lang="en-US" sz="1800" dirty="0"/>
+              <a:t>Result 321, k = 1:</a:t>
+            </a:r>
+          </a:p>
+          <a:p>
+            <a:endParaRPr lang="en-US" sz="1800" dirty="0"/>
+          </a:p>
+          <a:p>
+            <a:endParaRPr lang="en-US" sz="1800" dirty="0"/>
+          </a:p>
+          <a:p>
+            <a:endParaRPr lang="en-US" sz="1800" dirty="0"/>
+          </a:p>
+          <a:p>
+            <a:endParaRPr lang="en-US" sz="1800" dirty="0"/>
+          </a:p>
+          <a:p>
+            <a:r>
+              <a:rPr lang="en-US" sz="1800" dirty="0"/>
+              <a:t>Result 321, k = 5:</a:t>
+            </a:r>
+          </a:p>
+          <a:p>
+            <a:endParaRPr lang="en-US" sz="1800" dirty="0"/>
+          </a:p>
+          <a:p>
+            <a:endParaRPr lang="en-US" sz="1800" dirty="0"/>
+          </a:p>
+        </p:txBody>
+      </p:sp>
+      <p:pic>
+        <p:nvPicPr>
+          <p:cNvPr id="5" name="Picture 4">
+            <a:extLst>
+              <a:ext uri="{FF2B5EF4-FFF2-40B4-BE49-F238E27FC236}">
+                <a16:creationId xmlns:a16="http://schemas.microsoft.com/office/drawing/2014/main" id="{F8F12ED1-1A60-A0B5-EBDA-4F28E7A76A26}"/>
+              </a:ext>
+            </a:extLst>
+          </p:cNvPr>
+          <p:cNvPicPr>
+            <a:picLocks noChangeAspect="1"/>
+          </p:cNvPicPr>
+          <p:nvPr/>
+        </p:nvPicPr>
+        <p:blipFill>
+          <a:blip r:embed="rId3"/>
+          <a:stretch>
+            <a:fillRect/>
+          </a:stretch>
+        </p:blipFill>
+        <p:spPr>
+          <a:xfrm>
+            <a:off x="1775808" y="2323949"/>
+            <a:ext cx="8640381" cy="1076475"/>
+          </a:xfrm>
+          <a:prstGeom prst="rect">
+            <a:avLst/>
+          </a:prstGeom>
+        </p:spPr>
+      </p:pic>
+      <p:pic>
+        <p:nvPicPr>
+          <p:cNvPr id="7" name="Picture 6">
+            <a:extLst>
+              <a:ext uri="{FF2B5EF4-FFF2-40B4-BE49-F238E27FC236}">
+                <a16:creationId xmlns:a16="http://schemas.microsoft.com/office/drawing/2014/main" id="{2946FE80-3927-BF2B-6E81-DE093502AFC2}"/>
+              </a:ext>
+            </a:extLst>
+          </p:cNvPr>
+          <p:cNvPicPr>
+            <a:picLocks noChangeAspect="1"/>
+          </p:cNvPicPr>
+          <p:nvPr/>
+        </p:nvPicPr>
+        <p:blipFill>
+          <a:blip r:embed="rId4"/>
+          <a:stretch>
+            <a:fillRect/>
+          </a:stretch>
+        </p:blipFill>
+        <p:spPr>
+          <a:xfrm>
+            <a:off x="1347124" y="4300459"/>
+            <a:ext cx="9497750" cy="1114581"/>
+          </a:xfrm>
+          <a:prstGeom prst="rect">
+            <a:avLst/>
+          </a:prstGeom>
+        </p:spPr>
+      </p:pic>
+    </p:spTree>
+    <p:extLst>
+      <p:ext uri="{BB962C8B-B14F-4D97-AF65-F5344CB8AC3E}">
+        <p14:creationId xmlns:p14="http://schemas.microsoft.com/office/powerpoint/2010/main" val="2268504515"/>
+      </p:ext>
+    </p:extLst>
+  </p:cSld>
+  <p:clrMapOvr>
+    <a:masterClrMapping/>
+  </p:clrMapOvr>
+</p:sld>
+</file>
+
+<file path=ppt/slides/slide52.xml><?xml version="1.0" encoding="utf-8"?>
+<p:sld xmlns:a="http://schemas.openxmlformats.org/drawingml/2006/main" xmlns:r="http://schemas.openxmlformats.org/officeDocument/2006/relationships" xmlns:p="http://schemas.openxmlformats.org/presentationml/2006/main">
+  <p:cSld>
+    <p:spTree>
+      <p:nvGrpSpPr>
+        <p:cNvPr id="1" name=""/>
+        <p:cNvGrpSpPr/>
+        <p:nvPr/>
+      </p:nvGrpSpPr>
+      <p:grpSpPr>
+        <a:xfrm>
+          <a:off x="0" y="0"/>
+          <a:ext cx="0" cy="0"/>
+          <a:chOff x="0" y="0"/>
+          <a:chExt cx="0" cy="0"/>
+        </a:xfrm>
+      </p:grpSpPr>
+      <p:sp>
+        <p:nvSpPr>
+          <p:cNvPr id="2" name="Title 1">
+            <a:extLst>
+              <a:ext uri="{FF2B5EF4-FFF2-40B4-BE49-F238E27FC236}">
+                <a16:creationId xmlns:a16="http://schemas.microsoft.com/office/drawing/2014/main" id="{1F8717B5-F992-3362-0E17-84D889214116}"/>
+              </a:ext>
+            </a:extLst>
+          </p:cNvPr>
+          <p:cNvSpPr>
+            <a:spLocks noGrp="1"/>
+          </p:cNvSpPr>
+          <p:nvPr>
+            <p:ph type="title"/>
+          </p:nvPr>
+        </p:nvSpPr>
+        <p:spPr/>
+        <p:txBody>
+          <a:bodyPr>
+            <a:normAutofit/>
+          </a:bodyPr>
+          <a:lstStyle/>
+          <a:p>
+            <a:r>
+              <a:rPr lang="en-US" sz="2400" b="1" dirty="0"/>
+              <a:t>Symbol Tuning Gemma-7b-it</a:t>
+            </a:r>
+          </a:p>
+        </p:txBody>
+      </p:sp>
+      <p:sp>
+        <p:nvSpPr>
+          <p:cNvPr id="3" name="Content Placeholder 2">
+            <a:extLst>
+              <a:ext uri="{FF2B5EF4-FFF2-40B4-BE49-F238E27FC236}">
+                <a16:creationId xmlns:a16="http://schemas.microsoft.com/office/drawing/2014/main" id="{6A1CF6AE-4BFF-FA1F-6998-093945033E5D}"/>
+              </a:ext>
+            </a:extLst>
+          </p:cNvPr>
+          <p:cNvSpPr>
+            <a:spLocks noGrp="1"/>
+          </p:cNvSpPr>
+          <p:nvPr>
+            <p:ph idx="1"/>
+          </p:nvPr>
+        </p:nvSpPr>
+        <p:spPr/>
+        <p:txBody>
+          <a:bodyPr>
+            <a:normAutofit/>
+          </a:bodyPr>
+          <a:lstStyle/>
+          <a:p>
+            <a:r>
+              <a:rPr lang="en-US" sz="1800" dirty="0"/>
+              <a:t>Result 321, k = 20:</a:t>
+            </a:r>
+          </a:p>
+          <a:p>
+            <a:endParaRPr lang="en-US" sz="1800" dirty="0"/>
+          </a:p>
+          <a:p>
+            <a:endParaRPr lang="en-US" sz="1800" dirty="0"/>
+          </a:p>
+          <a:p>
+            <a:endParaRPr lang="en-US" sz="1800" dirty="0"/>
+          </a:p>
+          <a:p>
+            <a:endParaRPr lang="en-US" sz="1800" dirty="0"/>
+          </a:p>
+          <a:p>
+            <a:r>
+              <a:rPr lang="en-US" sz="1800" dirty="0"/>
+              <a:t>Result 321, k = 50:</a:t>
+            </a:r>
+          </a:p>
+          <a:p>
+            <a:endParaRPr lang="en-US" sz="1800" dirty="0"/>
+          </a:p>
+          <a:p>
+            <a:endParaRPr lang="en-US" sz="1800" dirty="0"/>
+          </a:p>
+        </p:txBody>
+      </p:sp>
+      <p:pic>
+        <p:nvPicPr>
+          <p:cNvPr id="6" name="Picture 5">
+            <a:extLst>
+              <a:ext uri="{FF2B5EF4-FFF2-40B4-BE49-F238E27FC236}">
+                <a16:creationId xmlns:a16="http://schemas.microsoft.com/office/drawing/2014/main" id="{00F4C1B8-BB0A-6768-9593-19892C4F04B1}"/>
+              </a:ext>
+            </a:extLst>
+          </p:cNvPr>
+          <p:cNvPicPr>
+            <a:picLocks noChangeAspect="1"/>
+          </p:cNvPicPr>
+          <p:nvPr/>
+        </p:nvPicPr>
+        <p:blipFill>
+          <a:blip r:embed="rId3"/>
+          <a:stretch>
+            <a:fillRect/>
+          </a:stretch>
+        </p:blipFill>
+        <p:spPr>
+          <a:xfrm>
+            <a:off x="2642704" y="2266877"/>
+            <a:ext cx="6906589" cy="1047896"/>
+          </a:xfrm>
+          <a:prstGeom prst="rect">
+            <a:avLst/>
+          </a:prstGeom>
+        </p:spPr>
+      </p:pic>
+      <p:pic>
+        <p:nvPicPr>
+          <p:cNvPr id="9" name="Picture 8">
+            <a:extLst>
+              <a:ext uri="{FF2B5EF4-FFF2-40B4-BE49-F238E27FC236}">
+                <a16:creationId xmlns:a16="http://schemas.microsoft.com/office/drawing/2014/main" id="{0B8C83DD-9174-74CA-BAB0-DE1D2511C090}"/>
+              </a:ext>
+            </a:extLst>
+          </p:cNvPr>
+          <p:cNvPicPr>
+            <a:picLocks noChangeAspect="1"/>
+          </p:cNvPicPr>
+          <p:nvPr/>
+        </p:nvPicPr>
+        <p:blipFill>
+          <a:blip r:embed="rId4"/>
+          <a:stretch>
+            <a:fillRect/>
+          </a:stretch>
+        </p:blipFill>
+        <p:spPr>
+          <a:xfrm>
+            <a:off x="2714151" y="4462394"/>
+            <a:ext cx="6763694" cy="981212"/>
+          </a:xfrm>
+          <a:prstGeom prst="rect">
+            <a:avLst/>
+          </a:prstGeom>
+        </p:spPr>
+      </p:pic>
+    </p:spTree>
+    <p:extLst>
+      <p:ext uri="{BB962C8B-B14F-4D97-AF65-F5344CB8AC3E}">
+        <p14:creationId xmlns:p14="http://schemas.microsoft.com/office/powerpoint/2010/main" val="3101109186"/>
+      </p:ext>
+    </p:extLst>
+  </p:cSld>
+  <p:clrMapOvr>
+    <a:masterClrMapping/>
+  </p:clrMapOvr>
+</p:sld>
+</file>
+
+<file path=ppt/slides/slide53.xml><?xml version="1.0" encoding="utf-8"?>
+<p:sld xmlns:a="http://schemas.openxmlformats.org/drawingml/2006/main" xmlns:r="http://schemas.openxmlformats.org/officeDocument/2006/relationships" xmlns:p="http://schemas.openxmlformats.org/presentationml/2006/main">
+  <p:cSld>
+    <p:spTree>
+      <p:nvGrpSpPr>
+        <p:cNvPr id="1" name=""/>
+        <p:cNvGrpSpPr/>
+        <p:nvPr/>
+      </p:nvGrpSpPr>
+      <p:grpSpPr>
+        <a:xfrm>
+          <a:off x="0" y="0"/>
+          <a:ext cx="0" cy="0"/>
+          <a:chOff x="0" y="0"/>
+          <a:chExt cx="0" cy="0"/>
+        </a:xfrm>
+      </p:grpSpPr>
+      <p:sp>
+        <p:nvSpPr>
+          <p:cNvPr id="2" name="Title 1">
+            <a:extLst>
+              <a:ext uri="{FF2B5EF4-FFF2-40B4-BE49-F238E27FC236}">
+                <a16:creationId xmlns:a16="http://schemas.microsoft.com/office/drawing/2014/main" id="{1F8717B5-F992-3362-0E17-84D889214116}"/>
+              </a:ext>
+            </a:extLst>
+          </p:cNvPr>
+          <p:cNvSpPr>
+            <a:spLocks noGrp="1"/>
+          </p:cNvSpPr>
+          <p:nvPr>
+            <p:ph type="title"/>
+          </p:nvPr>
+        </p:nvSpPr>
+        <p:spPr/>
+        <p:txBody>
+          <a:bodyPr>
+            <a:normAutofit/>
+          </a:bodyPr>
+          <a:lstStyle/>
+          <a:p>
+            <a:r>
+              <a:rPr lang="en-US" sz="2400" b="1" dirty="0"/>
+              <a:t>Symbol Tuning Gemma-7b-it</a:t>
+            </a:r>
+          </a:p>
+        </p:txBody>
+      </p:sp>
+      <p:sp>
+        <p:nvSpPr>
+          <p:cNvPr id="3" name="Content Placeholder 2">
+            <a:extLst>
+              <a:ext uri="{FF2B5EF4-FFF2-40B4-BE49-F238E27FC236}">
+                <a16:creationId xmlns:a16="http://schemas.microsoft.com/office/drawing/2014/main" id="{6A1CF6AE-4BFF-FA1F-6998-093945033E5D}"/>
+              </a:ext>
+            </a:extLst>
+          </p:cNvPr>
+          <p:cNvSpPr>
+            <a:spLocks noGrp="1"/>
+          </p:cNvSpPr>
+          <p:nvPr>
+            <p:ph idx="1"/>
+          </p:nvPr>
+        </p:nvSpPr>
+        <p:spPr/>
+        <p:txBody>
+          <a:bodyPr>
+            <a:normAutofit/>
+          </a:bodyPr>
+          <a:lstStyle/>
+          <a:p>
+            <a:r>
+              <a:rPr lang="en-US" sz="1800" dirty="0"/>
+              <a:t>Result 381, k = 1:</a:t>
+            </a:r>
+          </a:p>
+          <a:p>
+            <a:endParaRPr lang="en-US" sz="1800" dirty="0"/>
+          </a:p>
+          <a:p>
+            <a:endParaRPr lang="en-US" sz="1800" dirty="0"/>
+          </a:p>
+          <a:p>
+            <a:endParaRPr lang="en-US" sz="1800" dirty="0"/>
+          </a:p>
+          <a:p>
+            <a:endParaRPr lang="en-US" sz="1800" dirty="0"/>
+          </a:p>
+          <a:p>
+            <a:r>
+              <a:rPr lang="en-US" sz="1800" dirty="0"/>
+              <a:t>Result 381, k = 5:</a:t>
+            </a:r>
+          </a:p>
+          <a:p>
+            <a:endParaRPr lang="en-US" sz="1800" dirty="0"/>
+          </a:p>
+          <a:p>
+            <a:endParaRPr lang="en-US" sz="1800" dirty="0"/>
+          </a:p>
+        </p:txBody>
+      </p:sp>
+      <p:pic>
+        <p:nvPicPr>
+          <p:cNvPr id="6" name="Picture 5">
+            <a:extLst>
+              <a:ext uri="{FF2B5EF4-FFF2-40B4-BE49-F238E27FC236}">
+                <a16:creationId xmlns:a16="http://schemas.microsoft.com/office/drawing/2014/main" id="{57601BF2-B21C-4F6C-012B-81BBE8D4A5D9}"/>
+              </a:ext>
+            </a:extLst>
+          </p:cNvPr>
+          <p:cNvPicPr>
+            <a:picLocks noChangeAspect="1"/>
+          </p:cNvPicPr>
+          <p:nvPr/>
+        </p:nvPicPr>
+        <p:blipFill>
+          <a:blip r:embed="rId3"/>
+          <a:stretch>
+            <a:fillRect/>
+          </a:stretch>
+        </p:blipFill>
+        <p:spPr>
+          <a:xfrm>
+            <a:off x="2433126" y="2247825"/>
+            <a:ext cx="7325747" cy="1066949"/>
+          </a:xfrm>
+          <a:prstGeom prst="rect">
+            <a:avLst/>
+          </a:prstGeom>
+        </p:spPr>
+      </p:pic>
+      <p:pic>
+        <p:nvPicPr>
+          <p:cNvPr id="9" name="Picture 8">
+            <a:extLst>
+              <a:ext uri="{FF2B5EF4-FFF2-40B4-BE49-F238E27FC236}">
+                <a16:creationId xmlns:a16="http://schemas.microsoft.com/office/drawing/2014/main" id="{77876C77-BDFF-552F-4A57-3CDA6BA86FEB}"/>
+              </a:ext>
+            </a:extLst>
+          </p:cNvPr>
+          <p:cNvPicPr>
+            <a:picLocks noChangeAspect="1"/>
+          </p:cNvPicPr>
+          <p:nvPr/>
+        </p:nvPicPr>
+        <p:blipFill>
+          <a:blip r:embed="rId4"/>
+          <a:stretch>
+            <a:fillRect/>
+          </a:stretch>
+        </p:blipFill>
+        <p:spPr>
+          <a:xfrm>
+            <a:off x="2214020" y="4510012"/>
+            <a:ext cx="7763958" cy="1076475"/>
+          </a:xfrm>
+          <a:prstGeom prst="rect">
+            <a:avLst/>
+          </a:prstGeom>
+        </p:spPr>
+      </p:pic>
+    </p:spTree>
+    <p:extLst>
+      <p:ext uri="{BB962C8B-B14F-4D97-AF65-F5344CB8AC3E}">
+        <p14:creationId xmlns:p14="http://schemas.microsoft.com/office/powerpoint/2010/main" val="3729418602"/>
+      </p:ext>
+    </p:extLst>
+  </p:cSld>
+  <p:clrMapOvr>
+    <a:masterClrMapping/>
+  </p:clrMapOvr>
+</p:sld>
+</file>
+
+<file path=ppt/slides/slide54.xml><?xml version="1.0" encoding="utf-8"?>
+<p:sld xmlns:a="http://schemas.openxmlformats.org/drawingml/2006/main" xmlns:r="http://schemas.openxmlformats.org/officeDocument/2006/relationships" xmlns:p="http://schemas.openxmlformats.org/presentationml/2006/main">
+  <p:cSld>
+    <p:spTree>
+      <p:nvGrpSpPr>
+        <p:cNvPr id="1" name=""/>
+        <p:cNvGrpSpPr/>
+        <p:nvPr/>
+      </p:nvGrpSpPr>
+      <p:grpSpPr>
+        <a:xfrm>
+          <a:off x="0" y="0"/>
+          <a:ext cx="0" cy="0"/>
+          <a:chOff x="0" y="0"/>
+          <a:chExt cx="0" cy="0"/>
+        </a:xfrm>
+      </p:grpSpPr>
+      <p:sp>
+        <p:nvSpPr>
+          <p:cNvPr id="2" name="Title 1">
+            <a:extLst>
+              <a:ext uri="{FF2B5EF4-FFF2-40B4-BE49-F238E27FC236}">
+                <a16:creationId xmlns:a16="http://schemas.microsoft.com/office/drawing/2014/main" id="{1F8717B5-F992-3362-0E17-84D889214116}"/>
+              </a:ext>
+            </a:extLst>
+          </p:cNvPr>
+          <p:cNvSpPr>
+            <a:spLocks noGrp="1"/>
+          </p:cNvSpPr>
+          <p:nvPr>
+            <p:ph type="title"/>
+          </p:nvPr>
+        </p:nvSpPr>
+        <p:spPr/>
+        <p:txBody>
+          <a:bodyPr>
+            <a:normAutofit/>
+          </a:bodyPr>
+          <a:lstStyle/>
+          <a:p>
+            <a:r>
+              <a:rPr lang="en-US" sz="2400" b="1" dirty="0"/>
+              <a:t>Symbol Tuning Gemma-7b-it</a:t>
+            </a:r>
+          </a:p>
+        </p:txBody>
+      </p:sp>
+      <p:sp>
+        <p:nvSpPr>
+          <p:cNvPr id="3" name="Content Placeholder 2">
+            <a:extLst>
+              <a:ext uri="{FF2B5EF4-FFF2-40B4-BE49-F238E27FC236}">
+                <a16:creationId xmlns:a16="http://schemas.microsoft.com/office/drawing/2014/main" id="{6A1CF6AE-4BFF-FA1F-6998-093945033E5D}"/>
+              </a:ext>
+            </a:extLst>
+          </p:cNvPr>
+          <p:cNvSpPr>
+            <a:spLocks noGrp="1"/>
+          </p:cNvSpPr>
+          <p:nvPr>
+            <p:ph idx="1"/>
+          </p:nvPr>
+        </p:nvSpPr>
+        <p:spPr/>
+        <p:txBody>
+          <a:bodyPr>
+            <a:normAutofit/>
+          </a:bodyPr>
+          <a:lstStyle/>
+          <a:p>
+            <a:r>
+              <a:rPr lang="en-US" sz="1800" dirty="0"/>
+              <a:t>Result 381, k = 20:</a:t>
+            </a:r>
+          </a:p>
+          <a:p>
+            <a:endParaRPr lang="en-US" sz="1800" dirty="0"/>
+          </a:p>
+          <a:p>
+            <a:endParaRPr lang="en-US" sz="1800" dirty="0"/>
+          </a:p>
+          <a:p>
+            <a:endParaRPr lang="en-US" sz="1800" dirty="0"/>
+          </a:p>
+          <a:p>
+            <a:endParaRPr lang="en-US" sz="1800" dirty="0"/>
+          </a:p>
+          <a:p>
+            <a:r>
+              <a:rPr lang="en-US" sz="1800" dirty="0"/>
+              <a:t>Result 381, k = 50:</a:t>
+            </a:r>
+          </a:p>
+          <a:p>
+            <a:endParaRPr lang="en-US" sz="1800" dirty="0"/>
+          </a:p>
+          <a:p>
+            <a:endParaRPr lang="en-US" sz="1800" dirty="0"/>
+          </a:p>
+        </p:txBody>
+      </p:sp>
+      <p:pic>
+        <p:nvPicPr>
+          <p:cNvPr id="5" name="Picture 4">
+            <a:extLst>
+              <a:ext uri="{FF2B5EF4-FFF2-40B4-BE49-F238E27FC236}">
+                <a16:creationId xmlns:a16="http://schemas.microsoft.com/office/drawing/2014/main" id="{095C8F72-97F1-AE64-4F53-892C2A89B32D}"/>
+              </a:ext>
+            </a:extLst>
+          </p:cNvPr>
+          <p:cNvPicPr>
+            <a:picLocks noChangeAspect="1"/>
+          </p:cNvPicPr>
+          <p:nvPr/>
+        </p:nvPicPr>
+        <p:blipFill>
+          <a:blip r:embed="rId3"/>
+          <a:stretch>
+            <a:fillRect/>
+          </a:stretch>
+        </p:blipFill>
+        <p:spPr>
+          <a:xfrm>
+            <a:off x="381000" y="2442575"/>
+            <a:ext cx="11430000" cy="986425"/>
+          </a:xfrm>
+          <a:prstGeom prst="rect">
+            <a:avLst/>
+          </a:prstGeom>
+        </p:spPr>
+      </p:pic>
+      <p:pic>
+        <p:nvPicPr>
+          <p:cNvPr id="8" name="Picture 7">
+            <a:extLst>
+              <a:ext uri="{FF2B5EF4-FFF2-40B4-BE49-F238E27FC236}">
+                <a16:creationId xmlns:a16="http://schemas.microsoft.com/office/drawing/2014/main" id="{91FE611E-9EC3-E24B-BAAE-5C3F13B2BBFE}"/>
+              </a:ext>
+            </a:extLst>
+          </p:cNvPr>
+          <p:cNvPicPr>
+            <a:picLocks noChangeAspect="1"/>
+          </p:cNvPicPr>
+          <p:nvPr/>
+        </p:nvPicPr>
+        <p:blipFill>
+          <a:blip r:embed="rId4"/>
+          <a:stretch>
+            <a:fillRect/>
+          </a:stretch>
+        </p:blipFill>
+        <p:spPr>
+          <a:xfrm>
+            <a:off x="3995444" y="4605274"/>
+            <a:ext cx="4201111" cy="905001"/>
+          </a:xfrm>
+          <a:prstGeom prst="rect">
+            <a:avLst/>
+          </a:prstGeom>
+        </p:spPr>
+      </p:pic>
+    </p:spTree>
+    <p:extLst>
+      <p:ext uri="{BB962C8B-B14F-4D97-AF65-F5344CB8AC3E}">
+        <p14:creationId xmlns:p14="http://schemas.microsoft.com/office/powerpoint/2010/main" val="4150663427"/>
+      </p:ext>
+    </p:extLst>
+  </p:cSld>
+  <p:clrMapOvr>
+    <a:masterClrMapping/>
+  </p:clrMapOvr>
+</p:sld>
+</file>
+
+<file path=ppt/slides/slide55.xml><?xml version="1.0" encoding="utf-8"?>
+<p:sld xmlns:a="http://schemas.openxmlformats.org/drawingml/2006/main" xmlns:r="http://schemas.openxmlformats.org/officeDocument/2006/relationships" xmlns:p="http://schemas.openxmlformats.org/presentationml/2006/main">
+  <p:cSld>
+    <p:spTree>
+      <p:nvGrpSpPr>
+        <p:cNvPr id="1" name=""/>
+        <p:cNvGrpSpPr/>
+        <p:nvPr/>
+      </p:nvGrpSpPr>
+      <p:grpSpPr>
+        <a:xfrm>
+          <a:off x="0" y="0"/>
+          <a:ext cx="0" cy="0"/>
+          <a:chOff x="0" y="0"/>
+          <a:chExt cx="0" cy="0"/>
+        </a:xfrm>
+      </p:grpSpPr>
+      <p:sp>
+        <p:nvSpPr>
+          <p:cNvPr id="2" name="Title 1">
+            <a:extLst>
+              <a:ext uri="{FF2B5EF4-FFF2-40B4-BE49-F238E27FC236}">
+                <a16:creationId xmlns:a16="http://schemas.microsoft.com/office/drawing/2014/main" id="{1F8717B5-F992-3362-0E17-84D889214116}"/>
+              </a:ext>
+            </a:extLst>
+          </p:cNvPr>
+          <p:cNvSpPr>
+            <a:spLocks noGrp="1"/>
+          </p:cNvSpPr>
+          <p:nvPr>
+            <p:ph type="title"/>
+          </p:nvPr>
+        </p:nvSpPr>
+        <p:spPr/>
+        <p:txBody>
+          <a:bodyPr>
+            <a:normAutofit/>
+          </a:bodyPr>
+          <a:lstStyle/>
+          <a:p>
+            <a:r>
+              <a:rPr lang="en-US" sz="2400" b="1" dirty="0"/>
+              <a:t>Symbol Tuning Gemma-7b-it Prompt</a:t>
+            </a:r>
+          </a:p>
+        </p:txBody>
+      </p:sp>
+      <p:sp>
+        <p:nvSpPr>
+          <p:cNvPr id="3" name="Content Placeholder 2">
+            <a:extLst>
+              <a:ext uri="{FF2B5EF4-FFF2-40B4-BE49-F238E27FC236}">
+                <a16:creationId xmlns:a16="http://schemas.microsoft.com/office/drawing/2014/main" id="{6A1CF6AE-4BFF-FA1F-6998-093945033E5D}"/>
+              </a:ext>
+            </a:extLst>
+          </p:cNvPr>
+          <p:cNvSpPr>
+            <a:spLocks noGrp="1"/>
+          </p:cNvSpPr>
+          <p:nvPr>
+            <p:ph idx="1"/>
+          </p:nvPr>
+        </p:nvSpPr>
+        <p:spPr/>
+        <p:txBody>
+          <a:bodyPr>
+            <a:normAutofit/>
+          </a:bodyPr>
+          <a:lstStyle/>
+          <a:p>
+            <a:r>
+              <a:rPr lang="en-US" sz="1800" dirty="0"/>
+              <a:t>Result 261, k = 1:</a:t>
+            </a:r>
+          </a:p>
+          <a:p>
+            <a:endParaRPr lang="en-US" sz="1800" dirty="0"/>
+          </a:p>
+          <a:p>
+            <a:endParaRPr lang="en-US" sz="1800" dirty="0"/>
+          </a:p>
+          <a:p>
+            <a:endParaRPr lang="en-US" sz="1800" dirty="0"/>
+          </a:p>
+          <a:p>
+            <a:endParaRPr lang="en-US" sz="1800" dirty="0"/>
+          </a:p>
+          <a:p>
+            <a:endParaRPr lang="en-US" sz="1800" dirty="0"/>
+          </a:p>
+          <a:p>
+            <a:endParaRPr lang="en-US" sz="1800" dirty="0"/>
+          </a:p>
+        </p:txBody>
+      </p:sp>
+      <p:pic>
+        <p:nvPicPr>
+          <p:cNvPr id="5" name="Picture 4">
+            <a:extLst>
+              <a:ext uri="{FF2B5EF4-FFF2-40B4-BE49-F238E27FC236}">
+                <a16:creationId xmlns:a16="http://schemas.microsoft.com/office/drawing/2014/main" id="{5C8BDE88-423E-EB87-01B9-680F22242476}"/>
+              </a:ext>
+            </a:extLst>
+          </p:cNvPr>
+          <p:cNvPicPr>
+            <a:picLocks noChangeAspect="1"/>
+          </p:cNvPicPr>
+          <p:nvPr/>
+        </p:nvPicPr>
+        <p:blipFill>
+          <a:blip r:embed="rId3"/>
+          <a:stretch>
+            <a:fillRect/>
+          </a:stretch>
+        </p:blipFill>
+        <p:spPr>
+          <a:xfrm>
+            <a:off x="1166124" y="2714468"/>
+            <a:ext cx="9859751" cy="2248214"/>
+          </a:xfrm>
+          <a:prstGeom prst="rect">
+            <a:avLst/>
+          </a:prstGeom>
+        </p:spPr>
+      </p:pic>
+    </p:spTree>
+    <p:extLst>
+      <p:ext uri="{BB962C8B-B14F-4D97-AF65-F5344CB8AC3E}">
+        <p14:creationId xmlns:p14="http://schemas.microsoft.com/office/powerpoint/2010/main" val="4005221972"/>
+      </p:ext>
+    </p:extLst>
+  </p:cSld>
+  <p:clrMapOvr>
+    <a:masterClrMapping/>
+  </p:clrMapOvr>
+</p:sld>
+</file>
+
+<file path=ppt/slides/slide56.xml><?xml version="1.0" encoding="utf-8"?>
+<p:sld xmlns:a="http://schemas.openxmlformats.org/drawingml/2006/main" xmlns:r="http://schemas.openxmlformats.org/officeDocument/2006/relationships" xmlns:p="http://schemas.openxmlformats.org/presentationml/2006/main">
+  <p:cSld>
+    <p:spTree>
+      <p:nvGrpSpPr>
+        <p:cNvPr id="1" name=""/>
+        <p:cNvGrpSpPr/>
+        <p:nvPr/>
+      </p:nvGrpSpPr>
+      <p:grpSpPr>
+        <a:xfrm>
+          <a:off x="0" y="0"/>
+          <a:ext cx="0" cy="0"/>
+          <a:chOff x="0" y="0"/>
+          <a:chExt cx="0" cy="0"/>
+        </a:xfrm>
+      </p:grpSpPr>
+      <p:sp>
+        <p:nvSpPr>
+          <p:cNvPr id="2" name="Title 1">
+            <a:extLst>
+              <a:ext uri="{FF2B5EF4-FFF2-40B4-BE49-F238E27FC236}">
+                <a16:creationId xmlns:a16="http://schemas.microsoft.com/office/drawing/2014/main" id="{1F8717B5-F992-3362-0E17-84D889214116}"/>
+              </a:ext>
+            </a:extLst>
+          </p:cNvPr>
+          <p:cNvSpPr>
+            <a:spLocks noGrp="1"/>
+          </p:cNvSpPr>
+          <p:nvPr>
+            <p:ph type="title"/>
+          </p:nvPr>
+        </p:nvSpPr>
+        <p:spPr/>
+        <p:txBody>
+          <a:bodyPr>
+            <a:normAutofit/>
+          </a:bodyPr>
+          <a:lstStyle/>
+          <a:p>
+            <a:r>
+              <a:rPr lang="en-US" sz="2400" b="1" dirty="0"/>
+              <a:t>Symbol Tuning Gemma-7b-it Prompt</a:t>
+            </a:r>
+          </a:p>
+        </p:txBody>
+      </p:sp>
+      <p:sp>
+        <p:nvSpPr>
+          <p:cNvPr id="3" name="Content Placeholder 2">
+            <a:extLst>
+              <a:ext uri="{FF2B5EF4-FFF2-40B4-BE49-F238E27FC236}">
+                <a16:creationId xmlns:a16="http://schemas.microsoft.com/office/drawing/2014/main" id="{6A1CF6AE-4BFF-FA1F-6998-093945033E5D}"/>
+              </a:ext>
+            </a:extLst>
+          </p:cNvPr>
+          <p:cNvSpPr>
+            <a:spLocks noGrp="1"/>
+          </p:cNvSpPr>
+          <p:nvPr>
+            <p:ph idx="1"/>
+          </p:nvPr>
+        </p:nvSpPr>
+        <p:spPr/>
+        <p:txBody>
+          <a:bodyPr>
+            <a:normAutofit/>
+          </a:bodyPr>
+          <a:lstStyle/>
+          <a:p>
+            <a:r>
+              <a:rPr lang="en-US" sz="1800" dirty="0"/>
+              <a:t>Result 261, k = 5:</a:t>
+            </a:r>
+          </a:p>
+          <a:p>
+            <a:endParaRPr lang="en-US" sz="1800" dirty="0"/>
+          </a:p>
+          <a:p>
+            <a:endParaRPr lang="en-US" sz="1800" dirty="0"/>
+          </a:p>
+          <a:p>
+            <a:endParaRPr lang="en-US" sz="1800" dirty="0"/>
+          </a:p>
+          <a:p>
+            <a:endParaRPr lang="en-US" sz="1800" dirty="0"/>
+          </a:p>
+          <a:p>
+            <a:endParaRPr lang="en-US" sz="1800" dirty="0"/>
+          </a:p>
+          <a:p>
+            <a:endParaRPr lang="en-US" sz="1800" dirty="0"/>
+          </a:p>
+        </p:txBody>
+      </p:sp>
+      <p:pic>
+        <p:nvPicPr>
+          <p:cNvPr id="6" name="Picture 5">
+            <a:extLst>
+              <a:ext uri="{FF2B5EF4-FFF2-40B4-BE49-F238E27FC236}">
+                <a16:creationId xmlns:a16="http://schemas.microsoft.com/office/drawing/2014/main" id="{501DAC22-DAD3-4E2E-2874-1572F399E116}"/>
+              </a:ext>
+            </a:extLst>
+          </p:cNvPr>
+          <p:cNvPicPr>
+            <a:picLocks noChangeAspect="1"/>
+          </p:cNvPicPr>
+          <p:nvPr/>
+        </p:nvPicPr>
+        <p:blipFill>
+          <a:blip r:embed="rId3"/>
+          <a:stretch>
+            <a:fillRect/>
+          </a:stretch>
+        </p:blipFill>
+        <p:spPr>
+          <a:xfrm>
+            <a:off x="3147601" y="2758108"/>
+            <a:ext cx="5896798" cy="2486372"/>
+          </a:xfrm>
+          <a:prstGeom prst="rect">
+            <a:avLst/>
+          </a:prstGeom>
+        </p:spPr>
+      </p:pic>
+    </p:spTree>
+    <p:extLst>
+      <p:ext uri="{BB962C8B-B14F-4D97-AF65-F5344CB8AC3E}">
+        <p14:creationId xmlns:p14="http://schemas.microsoft.com/office/powerpoint/2010/main" val="3399451954"/>
+      </p:ext>
+    </p:extLst>
+  </p:cSld>
+  <p:clrMapOvr>
+    <a:masterClrMapping/>
+  </p:clrMapOvr>
+</p:sld>
+</file>
+
+<file path=ppt/slides/slide57.xml><?xml version="1.0" encoding="utf-8"?>
+<p:sld xmlns:a="http://schemas.openxmlformats.org/drawingml/2006/main" xmlns:r="http://schemas.openxmlformats.org/officeDocument/2006/relationships" xmlns:p="http://schemas.openxmlformats.org/presentationml/2006/main">
+  <p:cSld>
+    <p:spTree>
+      <p:nvGrpSpPr>
+        <p:cNvPr id="1" name=""/>
+        <p:cNvGrpSpPr/>
+        <p:nvPr/>
+      </p:nvGrpSpPr>
+      <p:grpSpPr>
+        <a:xfrm>
+          <a:off x="0" y="0"/>
+          <a:ext cx="0" cy="0"/>
+          <a:chOff x="0" y="0"/>
+          <a:chExt cx="0" cy="0"/>
+        </a:xfrm>
+      </p:grpSpPr>
+      <p:sp>
+        <p:nvSpPr>
+          <p:cNvPr id="2" name="Title 1">
+            <a:extLst>
+              <a:ext uri="{FF2B5EF4-FFF2-40B4-BE49-F238E27FC236}">
+                <a16:creationId xmlns:a16="http://schemas.microsoft.com/office/drawing/2014/main" id="{1F8717B5-F992-3362-0E17-84D889214116}"/>
+              </a:ext>
+            </a:extLst>
+          </p:cNvPr>
+          <p:cNvSpPr>
+            <a:spLocks noGrp="1"/>
+          </p:cNvSpPr>
+          <p:nvPr>
+            <p:ph type="title"/>
+          </p:nvPr>
+        </p:nvSpPr>
+        <p:spPr/>
+        <p:txBody>
+          <a:bodyPr>
+            <a:normAutofit/>
+          </a:bodyPr>
+          <a:lstStyle/>
+          <a:p>
+            <a:r>
+              <a:rPr lang="en-US" sz="2400" b="1" dirty="0"/>
+              <a:t>Symbol Tuning Gemma-7b-it Prompt</a:t>
+            </a:r>
+          </a:p>
+        </p:txBody>
+      </p:sp>
+      <p:sp>
+        <p:nvSpPr>
+          <p:cNvPr id="3" name="Content Placeholder 2">
+            <a:extLst>
+              <a:ext uri="{FF2B5EF4-FFF2-40B4-BE49-F238E27FC236}">
+                <a16:creationId xmlns:a16="http://schemas.microsoft.com/office/drawing/2014/main" id="{6A1CF6AE-4BFF-FA1F-6998-093945033E5D}"/>
+              </a:ext>
+            </a:extLst>
+          </p:cNvPr>
+          <p:cNvSpPr>
+            <a:spLocks noGrp="1"/>
+          </p:cNvSpPr>
+          <p:nvPr>
+            <p:ph idx="1"/>
+          </p:nvPr>
+        </p:nvSpPr>
+        <p:spPr/>
+        <p:txBody>
+          <a:bodyPr>
+            <a:normAutofit/>
+          </a:bodyPr>
+          <a:lstStyle/>
+          <a:p>
+            <a:r>
+              <a:rPr lang="en-US" sz="1800" dirty="0"/>
+              <a:t>Result 261,</a:t>
+            </a:r>
+            <a:br>
+              <a:rPr lang="en-US" sz="1800" dirty="0"/>
+            </a:br>
+            <a:r>
+              <a:rPr lang="en-US" sz="1800" dirty="0"/>
+              <a:t> k = 20:</a:t>
+            </a:r>
+          </a:p>
+          <a:p>
+            <a:endParaRPr lang="en-US" sz="1800" dirty="0"/>
+          </a:p>
+          <a:p>
+            <a:endParaRPr lang="en-US" sz="1800" dirty="0"/>
+          </a:p>
+          <a:p>
+            <a:endParaRPr lang="en-US" sz="1800" dirty="0"/>
+          </a:p>
+          <a:p>
+            <a:endParaRPr lang="en-US" sz="1800" dirty="0"/>
+          </a:p>
+          <a:p>
+            <a:endParaRPr lang="en-US" sz="1800" dirty="0"/>
+          </a:p>
+          <a:p>
+            <a:endParaRPr lang="en-US" sz="1800" dirty="0"/>
+          </a:p>
+        </p:txBody>
+      </p:sp>
+      <p:pic>
+        <p:nvPicPr>
+          <p:cNvPr id="8" name="Picture 7">
+            <a:extLst>
+              <a:ext uri="{FF2B5EF4-FFF2-40B4-BE49-F238E27FC236}">
+                <a16:creationId xmlns:a16="http://schemas.microsoft.com/office/drawing/2014/main" id="{0D11827D-8CC2-F02A-6139-6D7214B5C393}"/>
+              </a:ext>
+            </a:extLst>
+          </p:cNvPr>
+          <p:cNvPicPr>
+            <a:picLocks noChangeAspect="1"/>
+          </p:cNvPicPr>
+          <p:nvPr/>
+        </p:nvPicPr>
+        <p:blipFill>
+          <a:blip r:embed="rId3"/>
+          <a:stretch>
+            <a:fillRect/>
+          </a:stretch>
+        </p:blipFill>
+        <p:spPr>
+          <a:xfrm>
+            <a:off x="2637942" y="2061836"/>
+            <a:ext cx="6916115" cy="4677428"/>
+          </a:xfrm>
+          <a:prstGeom prst="rect">
+            <a:avLst/>
+          </a:prstGeom>
+        </p:spPr>
+      </p:pic>
+    </p:spTree>
+    <p:extLst>
+      <p:ext uri="{BB962C8B-B14F-4D97-AF65-F5344CB8AC3E}">
+        <p14:creationId xmlns:p14="http://schemas.microsoft.com/office/powerpoint/2010/main" val="316470933"/>
+      </p:ext>
+    </p:extLst>
+  </p:cSld>
+  <p:clrMapOvr>
+    <a:masterClrMapping/>
+  </p:clrMapOvr>
+</p:sld>
+</file>
+
+<file path=ppt/slides/slide58.xml><?xml version="1.0" encoding="utf-8"?>
+<p:sld xmlns:a="http://schemas.openxmlformats.org/drawingml/2006/main" xmlns:r="http://schemas.openxmlformats.org/officeDocument/2006/relationships" xmlns:p="http://schemas.openxmlformats.org/presentationml/2006/main">
+  <p:cSld>
+    <p:spTree>
+      <p:nvGrpSpPr>
+        <p:cNvPr id="1" name=""/>
+        <p:cNvGrpSpPr/>
+        <p:nvPr/>
+      </p:nvGrpSpPr>
+      <p:grpSpPr>
+        <a:xfrm>
+          <a:off x="0" y="0"/>
+          <a:ext cx="0" cy="0"/>
+          <a:chOff x="0" y="0"/>
+          <a:chExt cx="0" cy="0"/>
+        </a:xfrm>
+      </p:grpSpPr>
+      <p:sp>
+        <p:nvSpPr>
+          <p:cNvPr id="2" name="Title 1">
+            <a:extLst>
+              <a:ext uri="{FF2B5EF4-FFF2-40B4-BE49-F238E27FC236}">
+                <a16:creationId xmlns:a16="http://schemas.microsoft.com/office/drawing/2014/main" id="{1F8717B5-F992-3362-0E17-84D889214116}"/>
+              </a:ext>
+            </a:extLst>
+          </p:cNvPr>
+          <p:cNvSpPr>
+            <a:spLocks noGrp="1"/>
+          </p:cNvSpPr>
+          <p:nvPr>
+            <p:ph type="title"/>
+          </p:nvPr>
+        </p:nvSpPr>
+        <p:spPr/>
+        <p:txBody>
+          <a:bodyPr>
+            <a:normAutofit/>
+          </a:bodyPr>
+          <a:lstStyle/>
+          <a:p>
+            <a:r>
+              <a:rPr lang="en-US" sz="2400" b="1" dirty="0"/>
+              <a:t>Symbol Tuning Gemma-7b-it Prompt</a:t>
+            </a:r>
+          </a:p>
+        </p:txBody>
+      </p:sp>
+      <p:sp>
+        <p:nvSpPr>
+          <p:cNvPr id="3" name="Content Placeholder 2">
+            <a:extLst>
+              <a:ext uri="{FF2B5EF4-FFF2-40B4-BE49-F238E27FC236}">
+                <a16:creationId xmlns:a16="http://schemas.microsoft.com/office/drawing/2014/main" id="{6A1CF6AE-4BFF-FA1F-6998-093945033E5D}"/>
+              </a:ext>
+            </a:extLst>
+          </p:cNvPr>
+          <p:cNvSpPr>
+            <a:spLocks noGrp="1"/>
+          </p:cNvSpPr>
+          <p:nvPr>
+            <p:ph idx="1"/>
+          </p:nvPr>
+        </p:nvSpPr>
+        <p:spPr/>
+        <p:txBody>
+          <a:bodyPr>
+            <a:normAutofit/>
+          </a:bodyPr>
+          <a:lstStyle/>
+          <a:p>
+            <a:r>
+              <a:rPr lang="en-US" sz="1800" dirty="0"/>
+              <a:t>Result 261,</a:t>
+            </a:r>
+            <a:br>
+              <a:rPr lang="en-US" sz="1800" dirty="0"/>
+            </a:br>
+            <a:r>
+              <a:rPr lang="en-US" sz="1800" dirty="0"/>
+              <a:t> k = 20:</a:t>
+            </a:r>
+          </a:p>
+          <a:p>
+            <a:endParaRPr lang="en-US" sz="1800" dirty="0"/>
+          </a:p>
+          <a:p>
+            <a:endParaRPr lang="en-US" sz="1800" dirty="0"/>
+          </a:p>
+          <a:p>
+            <a:endParaRPr lang="en-US" sz="1800" dirty="0"/>
+          </a:p>
+          <a:p>
+            <a:endParaRPr lang="en-US" sz="1800" dirty="0"/>
+          </a:p>
+          <a:p>
+            <a:endParaRPr lang="en-US" sz="1800" dirty="0"/>
+          </a:p>
+          <a:p>
+            <a:endParaRPr lang="en-US" sz="1800" dirty="0"/>
+          </a:p>
+        </p:txBody>
+      </p:sp>
+      <p:pic>
+        <p:nvPicPr>
+          <p:cNvPr id="5" name="Picture 4">
+            <a:extLst>
+              <a:ext uri="{FF2B5EF4-FFF2-40B4-BE49-F238E27FC236}">
+                <a16:creationId xmlns:a16="http://schemas.microsoft.com/office/drawing/2014/main" id="{8C31C8D8-BAF4-CB3A-E423-C411532BBD02}"/>
+              </a:ext>
+            </a:extLst>
+          </p:cNvPr>
+          <p:cNvPicPr>
+            <a:picLocks noChangeAspect="1"/>
+          </p:cNvPicPr>
+          <p:nvPr/>
+        </p:nvPicPr>
+        <p:blipFill>
+          <a:blip r:embed="rId3"/>
+          <a:stretch>
+            <a:fillRect/>
+          </a:stretch>
+        </p:blipFill>
+        <p:spPr>
+          <a:xfrm>
+            <a:off x="2323573" y="2280971"/>
+            <a:ext cx="7544853" cy="3820058"/>
+          </a:xfrm>
+          <a:prstGeom prst="rect">
+            <a:avLst/>
+          </a:prstGeom>
+        </p:spPr>
+      </p:pic>
+    </p:spTree>
+    <p:extLst>
+      <p:ext uri="{BB962C8B-B14F-4D97-AF65-F5344CB8AC3E}">
+        <p14:creationId xmlns:p14="http://schemas.microsoft.com/office/powerpoint/2010/main" val="1169722773"/>
+      </p:ext>
+    </p:extLst>
+  </p:cSld>
+  <p:clrMapOvr>
+    <a:masterClrMapping/>
+  </p:clrMapOvr>
+</p:sld>
+</file>
+
+<file path=ppt/slides/slide59.xml><?xml version="1.0" encoding="utf-8"?>
+<p:sld xmlns:a="http://schemas.openxmlformats.org/drawingml/2006/main" xmlns:r="http://schemas.openxmlformats.org/officeDocument/2006/relationships" xmlns:p="http://schemas.openxmlformats.org/presentationml/2006/main">
+  <p:cSld>
+    <p:spTree>
+      <p:nvGrpSpPr>
+        <p:cNvPr id="1" name=""/>
+        <p:cNvGrpSpPr/>
+        <p:nvPr/>
+      </p:nvGrpSpPr>
+      <p:grpSpPr>
+        <a:xfrm>
+          <a:off x="0" y="0"/>
+          <a:ext cx="0" cy="0"/>
+          <a:chOff x="0" y="0"/>
+          <a:chExt cx="0" cy="0"/>
+        </a:xfrm>
+      </p:grpSpPr>
+      <p:sp>
+        <p:nvSpPr>
+          <p:cNvPr id="2" name="Title 1">
+            <a:extLst>
+              <a:ext uri="{FF2B5EF4-FFF2-40B4-BE49-F238E27FC236}">
+                <a16:creationId xmlns:a16="http://schemas.microsoft.com/office/drawing/2014/main" id="{1F8717B5-F992-3362-0E17-84D889214116}"/>
+              </a:ext>
+            </a:extLst>
+          </p:cNvPr>
+          <p:cNvSpPr>
+            <a:spLocks noGrp="1"/>
+          </p:cNvSpPr>
+          <p:nvPr>
+            <p:ph type="title"/>
+          </p:nvPr>
+        </p:nvSpPr>
+        <p:spPr/>
+        <p:txBody>
+          <a:bodyPr>
+            <a:normAutofit/>
+          </a:bodyPr>
+          <a:lstStyle/>
+          <a:p>
+            <a:r>
+              <a:rPr lang="en-US" sz="2400" b="1" dirty="0"/>
+              <a:t>Symbol Tuning Gemma-7b-it</a:t>
+            </a:r>
+          </a:p>
+        </p:txBody>
+      </p:sp>
+      <p:sp>
+        <p:nvSpPr>
+          <p:cNvPr id="3" name="Content Placeholder 2">
+            <a:extLst>
+              <a:ext uri="{FF2B5EF4-FFF2-40B4-BE49-F238E27FC236}">
+                <a16:creationId xmlns:a16="http://schemas.microsoft.com/office/drawing/2014/main" id="{6A1CF6AE-4BFF-FA1F-6998-093945033E5D}"/>
+              </a:ext>
+            </a:extLst>
+          </p:cNvPr>
+          <p:cNvSpPr>
+            <a:spLocks noGrp="1"/>
+          </p:cNvSpPr>
+          <p:nvPr>
+            <p:ph idx="1"/>
+          </p:nvPr>
+        </p:nvSpPr>
+        <p:spPr/>
+        <p:txBody>
+          <a:bodyPr>
+            <a:normAutofit/>
+          </a:bodyPr>
+          <a:lstStyle/>
+          <a:p>
+            <a:r>
+              <a:rPr lang="en-US" sz="1800" dirty="0"/>
+              <a:t>Result 261, k = 1:</a:t>
+            </a:r>
+          </a:p>
+          <a:p>
+            <a:endParaRPr lang="en-US" sz="1800" dirty="0"/>
+          </a:p>
+          <a:p>
+            <a:endParaRPr lang="en-US" sz="1800" dirty="0"/>
+          </a:p>
+          <a:p>
+            <a:endParaRPr lang="en-US" sz="1800" dirty="0"/>
+          </a:p>
+          <a:p>
+            <a:endParaRPr lang="en-US" sz="1800" dirty="0"/>
+          </a:p>
+          <a:p>
+            <a:r>
+              <a:rPr lang="en-US" sz="1800" dirty="0"/>
+              <a:t>Result 261, k = 5:</a:t>
+            </a:r>
+          </a:p>
+          <a:p>
+            <a:endParaRPr lang="en-US" sz="1800" dirty="0"/>
+          </a:p>
+          <a:p>
+            <a:endParaRPr lang="en-US" sz="1800" dirty="0"/>
+          </a:p>
+        </p:txBody>
+      </p:sp>
+      <p:pic>
+        <p:nvPicPr>
+          <p:cNvPr id="8" name="Picture 7">
+            <a:extLst>
+              <a:ext uri="{FF2B5EF4-FFF2-40B4-BE49-F238E27FC236}">
+                <a16:creationId xmlns:a16="http://schemas.microsoft.com/office/drawing/2014/main" id="{BC8F444E-36F5-FA29-7151-BDBA2380D3D3}"/>
+              </a:ext>
+            </a:extLst>
+          </p:cNvPr>
+          <p:cNvPicPr>
+            <a:picLocks noChangeAspect="1"/>
+          </p:cNvPicPr>
+          <p:nvPr/>
+        </p:nvPicPr>
+        <p:blipFill>
+          <a:blip r:embed="rId3"/>
+          <a:stretch>
+            <a:fillRect/>
+          </a:stretch>
+        </p:blipFill>
+        <p:spPr>
+          <a:xfrm>
+            <a:off x="3338127" y="2366899"/>
+            <a:ext cx="5515745" cy="905001"/>
+          </a:xfrm>
+          <a:prstGeom prst="rect">
+            <a:avLst/>
+          </a:prstGeom>
+        </p:spPr>
+      </p:pic>
+      <p:pic>
+        <p:nvPicPr>
+          <p:cNvPr id="11" name="Picture 10">
+            <a:extLst>
+              <a:ext uri="{FF2B5EF4-FFF2-40B4-BE49-F238E27FC236}">
+                <a16:creationId xmlns:a16="http://schemas.microsoft.com/office/drawing/2014/main" id="{CF8569B3-AA22-ACBC-6CFA-94104A88DFC5}"/>
+              </a:ext>
+            </a:extLst>
+          </p:cNvPr>
+          <p:cNvPicPr>
+            <a:picLocks noChangeAspect="1"/>
+          </p:cNvPicPr>
+          <p:nvPr/>
+        </p:nvPicPr>
+        <p:blipFill>
+          <a:blip r:embed="rId4"/>
+          <a:stretch>
+            <a:fillRect/>
+          </a:stretch>
+        </p:blipFill>
+        <p:spPr>
+          <a:xfrm>
+            <a:off x="1104202" y="4429060"/>
+            <a:ext cx="9983593" cy="933580"/>
+          </a:xfrm>
+          <a:prstGeom prst="rect">
+            <a:avLst/>
+          </a:prstGeom>
+        </p:spPr>
+      </p:pic>
+    </p:spTree>
+    <p:extLst>
+      <p:ext uri="{BB962C8B-B14F-4D97-AF65-F5344CB8AC3E}">
+        <p14:creationId xmlns:p14="http://schemas.microsoft.com/office/powerpoint/2010/main" val="15303474"/>
+      </p:ext>
+    </p:extLst>
+  </p:cSld>
+  <p:clrMapOvr>
+    <a:masterClrMapping/>
+  </p:clrMapOvr>
+</p:sld>
+</file>
+
 <file path=ppt/slides/slide6.xml><?xml version="1.0" encoding="utf-8"?>
 <p:sld xmlns:a="http://schemas.openxmlformats.org/drawingml/2006/main" xmlns:r="http://schemas.openxmlformats.org/officeDocument/2006/relationships" xmlns:p="http://schemas.openxmlformats.org/presentationml/2006/main">
   <p:cSld>
@@ -31249,6 +37785,303 @@
     <p:extLst>
       <p:ext uri="{BB962C8B-B14F-4D97-AF65-F5344CB8AC3E}">
         <p14:creationId xmlns:p14="http://schemas.microsoft.com/office/powerpoint/2010/main" val="1828791109"/>
+      </p:ext>
+    </p:extLst>
+  </p:cSld>
+  <p:clrMapOvr>
+    <a:masterClrMapping/>
+  </p:clrMapOvr>
+</p:sld>
+</file>
+
+<file path=ppt/slides/slide60.xml><?xml version="1.0" encoding="utf-8"?>
+<p:sld xmlns:a="http://schemas.openxmlformats.org/drawingml/2006/main" xmlns:r="http://schemas.openxmlformats.org/officeDocument/2006/relationships" xmlns:p="http://schemas.openxmlformats.org/presentationml/2006/main">
+  <p:cSld>
+    <p:spTree>
+      <p:nvGrpSpPr>
+        <p:cNvPr id="1" name=""/>
+        <p:cNvGrpSpPr/>
+        <p:nvPr/>
+      </p:nvGrpSpPr>
+      <p:grpSpPr>
+        <a:xfrm>
+          <a:off x="0" y="0"/>
+          <a:ext cx="0" cy="0"/>
+          <a:chOff x="0" y="0"/>
+          <a:chExt cx="0" cy="0"/>
+        </a:xfrm>
+      </p:grpSpPr>
+      <p:sp>
+        <p:nvSpPr>
+          <p:cNvPr id="2" name="Title 1">
+            <a:extLst>
+              <a:ext uri="{FF2B5EF4-FFF2-40B4-BE49-F238E27FC236}">
+                <a16:creationId xmlns:a16="http://schemas.microsoft.com/office/drawing/2014/main" id="{1F8717B5-F992-3362-0E17-84D889214116}"/>
+              </a:ext>
+            </a:extLst>
+          </p:cNvPr>
+          <p:cNvSpPr>
+            <a:spLocks noGrp="1"/>
+          </p:cNvSpPr>
+          <p:nvPr>
+            <p:ph type="title"/>
+          </p:nvPr>
+        </p:nvSpPr>
+        <p:spPr/>
+        <p:txBody>
+          <a:bodyPr>
+            <a:normAutofit/>
+          </a:bodyPr>
+          <a:lstStyle/>
+          <a:p>
+            <a:r>
+              <a:rPr lang="en-US" sz="2400" b="1" dirty="0"/>
+              <a:t>Symbol Tuning Gemma-7b-it</a:t>
+            </a:r>
+          </a:p>
+        </p:txBody>
+      </p:sp>
+      <p:sp>
+        <p:nvSpPr>
+          <p:cNvPr id="3" name="Content Placeholder 2">
+            <a:extLst>
+              <a:ext uri="{FF2B5EF4-FFF2-40B4-BE49-F238E27FC236}">
+                <a16:creationId xmlns:a16="http://schemas.microsoft.com/office/drawing/2014/main" id="{6A1CF6AE-4BFF-FA1F-6998-093945033E5D}"/>
+              </a:ext>
+            </a:extLst>
+          </p:cNvPr>
+          <p:cNvSpPr>
+            <a:spLocks noGrp="1"/>
+          </p:cNvSpPr>
+          <p:nvPr>
+            <p:ph idx="1"/>
+          </p:nvPr>
+        </p:nvSpPr>
+        <p:spPr/>
+        <p:txBody>
+          <a:bodyPr>
+            <a:normAutofit/>
+          </a:bodyPr>
+          <a:lstStyle/>
+          <a:p>
+            <a:r>
+              <a:rPr lang="en-US" sz="1800" dirty="0"/>
+              <a:t>Result 261, k = 20:</a:t>
+            </a:r>
+          </a:p>
+          <a:p>
+            <a:endParaRPr lang="en-US" sz="1800" dirty="0"/>
+          </a:p>
+          <a:p>
+            <a:endParaRPr lang="en-US" sz="1800" dirty="0"/>
+          </a:p>
+          <a:p>
+            <a:endParaRPr lang="en-US" sz="1800" dirty="0"/>
+          </a:p>
+          <a:p>
+            <a:endParaRPr lang="en-US" sz="1800" dirty="0"/>
+          </a:p>
+          <a:p>
+            <a:r>
+              <a:rPr lang="en-US" sz="1800" dirty="0"/>
+              <a:t>Result 261, k = 50:</a:t>
+            </a:r>
+          </a:p>
+          <a:p>
+            <a:endParaRPr lang="en-US" sz="1800" dirty="0"/>
+          </a:p>
+          <a:p>
+            <a:endParaRPr lang="en-US" sz="1800" dirty="0"/>
+          </a:p>
+        </p:txBody>
+      </p:sp>
+      <p:pic>
+        <p:nvPicPr>
+          <p:cNvPr id="5" name="Picture 4">
+            <a:extLst>
+              <a:ext uri="{FF2B5EF4-FFF2-40B4-BE49-F238E27FC236}">
+                <a16:creationId xmlns:a16="http://schemas.microsoft.com/office/drawing/2014/main" id="{00ACD8B9-E121-F807-9FCF-5C0682246C03}"/>
+              </a:ext>
+            </a:extLst>
+          </p:cNvPr>
+          <p:cNvPicPr>
+            <a:picLocks noChangeAspect="1"/>
+          </p:cNvPicPr>
+          <p:nvPr/>
+        </p:nvPicPr>
+        <p:blipFill>
+          <a:blip r:embed="rId3"/>
+          <a:stretch>
+            <a:fillRect/>
+          </a:stretch>
+        </p:blipFill>
+        <p:spPr>
+          <a:xfrm>
+            <a:off x="2966601" y="2219249"/>
+            <a:ext cx="6258798" cy="1086002"/>
+          </a:xfrm>
+          <a:prstGeom prst="rect">
+            <a:avLst/>
+          </a:prstGeom>
+        </p:spPr>
+      </p:pic>
+      <p:pic>
+        <p:nvPicPr>
+          <p:cNvPr id="7" name="Picture 6">
+            <a:extLst>
+              <a:ext uri="{FF2B5EF4-FFF2-40B4-BE49-F238E27FC236}">
+                <a16:creationId xmlns:a16="http://schemas.microsoft.com/office/drawing/2014/main" id="{9D6A7D96-9803-5CD8-FD51-00BD287AB47C}"/>
+              </a:ext>
+            </a:extLst>
+          </p:cNvPr>
+          <p:cNvPicPr>
+            <a:picLocks noChangeAspect="1"/>
+          </p:cNvPicPr>
+          <p:nvPr/>
+        </p:nvPicPr>
+        <p:blipFill>
+          <a:blip r:embed="rId4"/>
+          <a:stretch>
+            <a:fillRect/>
+          </a:stretch>
+        </p:blipFill>
+        <p:spPr>
+          <a:xfrm>
+            <a:off x="4019260" y="4471923"/>
+            <a:ext cx="4153480" cy="924054"/>
+          </a:xfrm>
+          <a:prstGeom prst="rect">
+            <a:avLst/>
+          </a:prstGeom>
+        </p:spPr>
+      </p:pic>
+    </p:spTree>
+    <p:extLst>
+      <p:ext uri="{BB962C8B-B14F-4D97-AF65-F5344CB8AC3E}">
+        <p14:creationId xmlns:p14="http://schemas.microsoft.com/office/powerpoint/2010/main" val="756626207"/>
+      </p:ext>
+    </p:extLst>
+  </p:cSld>
+  <p:clrMapOvr>
+    <a:masterClrMapping/>
+  </p:clrMapOvr>
+</p:sld>
+</file>
+
+<file path=ppt/slides/slide61.xml><?xml version="1.0" encoding="utf-8"?>
+<p:sld xmlns:a="http://schemas.openxmlformats.org/drawingml/2006/main" xmlns:r="http://schemas.openxmlformats.org/officeDocument/2006/relationships" xmlns:p="http://schemas.openxmlformats.org/presentationml/2006/main">
+  <p:cSld>
+    <p:spTree>
+      <p:nvGrpSpPr>
+        <p:cNvPr id="1" name=""/>
+        <p:cNvGrpSpPr/>
+        <p:nvPr/>
+      </p:nvGrpSpPr>
+      <p:grpSpPr>
+        <a:xfrm>
+          <a:off x="0" y="0"/>
+          <a:ext cx="0" cy="0"/>
+          <a:chOff x="0" y="0"/>
+          <a:chExt cx="0" cy="0"/>
+        </a:xfrm>
+      </p:grpSpPr>
+      <p:sp>
+        <p:nvSpPr>
+          <p:cNvPr id="2" name="Title 1">
+            <a:extLst>
+              <a:ext uri="{FF2B5EF4-FFF2-40B4-BE49-F238E27FC236}">
+                <a16:creationId xmlns:a16="http://schemas.microsoft.com/office/drawing/2014/main" id="{1F8717B5-F992-3362-0E17-84D889214116}"/>
+              </a:ext>
+            </a:extLst>
+          </p:cNvPr>
+          <p:cNvSpPr>
+            <a:spLocks noGrp="1"/>
+          </p:cNvSpPr>
+          <p:nvPr>
+            <p:ph type="title"/>
+          </p:nvPr>
+        </p:nvSpPr>
+        <p:spPr/>
+        <p:txBody>
+          <a:bodyPr>
+            <a:normAutofit/>
+          </a:bodyPr>
+          <a:lstStyle/>
+          <a:p>
+            <a:r>
+              <a:rPr lang="en-US" sz="2400" b="1" dirty="0"/>
+              <a:t>Symbol Tuning Gemma-7b-it</a:t>
+            </a:r>
+          </a:p>
+        </p:txBody>
+      </p:sp>
+      <p:sp>
+        <p:nvSpPr>
+          <p:cNvPr id="3" name="Content Placeholder 2">
+            <a:extLst>
+              <a:ext uri="{FF2B5EF4-FFF2-40B4-BE49-F238E27FC236}">
+                <a16:creationId xmlns:a16="http://schemas.microsoft.com/office/drawing/2014/main" id="{6A1CF6AE-4BFF-FA1F-6998-093945033E5D}"/>
+              </a:ext>
+            </a:extLst>
+          </p:cNvPr>
+          <p:cNvSpPr>
+            <a:spLocks noGrp="1"/>
+          </p:cNvSpPr>
+          <p:nvPr>
+            <p:ph idx="1"/>
+          </p:nvPr>
+        </p:nvSpPr>
+        <p:spPr/>
+        <p:txBody>
+          <a:bodyPr>
+            <a:normAutofit/>
+          </a:bodyPr>
+          <a:lstStyle/>
+          <a:p>
+            <a:r>
+              <a:rPr lang="en-US" sz="1800" dirty="0"/>
+              <a:t>It seems that the reasoning is inconsistent across different k shot learning prompts.</a:t>
+            </a:r>
+          </a:p>
+          <a:p>
+            <a:pPr lvl="1"/>
+            <a:r>
+              <a:rPr lang="en-US" sz="1400" dirty="0"/>
+              <a:t>The model is very sensitive to the example provided, especially in k=1 situation.</a:t>
+            </a:r>
+          </a:p>
+          <a:p>
+            <a:r>
+              <a:rPr lang="en-US" sz="1800" dirty="0"/>
+              <a:t>We see that a mix of English and Persian words is generated in response.</a:t>
+            </a:r>
+          </a:p>
+          <a:p>
+            <a:r>
+              <a:rPr lang="en-US" sz="1800" dirty="0"/>
+              <a:t>There is a theory that these small LLM models (parameters &lt; 9b) are having better performance in reasoning task in English compared to Persian.</a:t>
+            </a:r>
+            <a:endParaRPr lang="en-US" sz="1400" dirty="0"/>
+          </a:p>
+          <a:p>
+            <a:pPr lvl="1"/>
+            <a:r>
+              <a:rPr lang="en-US" sz="1400" dirty="0"/>
+              <a:t>As it seen in one of results, the model tried to provide reason in English langue, while the whole prompt is in Persian.</a:t>
+            </a:r>
+          </a:p>
+          <a:p>
+            <a:r>
+              <a:rPr lang="en-US" sz="1800" dirty="0"/>
+              <a:t>It is worth experiencing with having instructions in English language and the examples and target text in Persian.</a:t>
+            </a:r>
+          </a:p>
+        </p:txBody>
+      </p:sp>
+    </p:spTree>
+    <p:extLst>
+      <p:ext uri="{BB962C8B-B14F-4D97-AF65-F5344CB8AC3E}">
+        <p14:creationId xmlns:p14="http://schemas.microsoft.com/office/powerpoint/2010/main" val="954865611"/>
       </p:ext>
     </p:extLst>
   </p:cSld>

--- a/Slides/Symbol Tuning.pptx
+++ b/Slides/Symbol Tuning.pptx
@@ -5,7 +5,7 @@
     <p:sldMasterId id="2147483648" r:id="rId1"/>
   </p:sldMasterIdLst>
   <p:notesMasterIdLst>
-    <p:notesMasterId r:id="rId63"/>
+    <p:notesMasterId r:id="rId69"/>
   </p:notesMasterIdLst>
   <p:sldIdLst>
     <p:sldId id="276" r:id="rId2"/>
@@ -69,6 +69,12 @@
     <p:sldId id="330" r:id="rId60"/>
     <p:sldId id="331" r:id="rId61"/>
     <p:sldId id="336" r:id="rId62"/>
+    <p:sldId id="337" r:id="rId63"/>
+    <p:sldId id="338" r:id="rId64"/>
+    <p:sldId id="339" r:id="rId65"/>
+    <p:sldId id="340" r:id="rId66"/>
+    <p:sldId id="341" r:id="rId67"/>
+    <p:sldId id="342" r:id="rId68"/>
   </p:sldIdLst>
   <p:sldSz cx="12192000" cy="6858000"/>
   <p:notesSz cx="6858000" cy="9144000"/>
@@ -9828,7 +9834,7 @@
           <a:p>
             <a:fld id="{90EA4D55-0F48-48F2-8B8B-CD81BA2373CB}" type="datetimeFigureOut">
               <a:rPr lang="en-US" smtClean="0"/>
-              <a:t>12-Aug-24</a:t>
+              <a:t>15-Aug-24</a:t>
             </a:fld>
             <a:endParaRPr lang="en-US"/>
           </a:p>
@@ -14883,6 +14889,510 @@
 </p:notes>
 </file>
 
+<file path=ppt/notesSlides/notesSlide61.xml><?xml version="1.0" encoding="utf-8"?>
+<p:notes xmlns:a="http://schemas.openxmlformats.org/drawingml/2006/main" xmlns:r="http://schemas.openxmlformats.org/officeDocument/2006/relationships" xmlns:p="http://schemas.openxmlformats.org/presentationml/2006/main">
+  <p:cSld>
+    <p:spTree>
+      <p:nvGrpSpPr>
+        <p:cNvPr id="1" name=""/>
+        <p:cNvGrpSpPr/>
+        <p:nvPr/>
+      </p:nvGrpSpPr>
+      <p:grpSpPr>
+        <a:xfrm>
+          <a:off x="0" y="0"/>
+          <a:ext cx="0" cy="0"/>
+          <a:chOff x="0" y="0"/>
+          <a:chExt cx="0" cy="0"/>
+        </a:xfrm>
+      </p:grpSpPr>
+      <p:sp>
+        <p:nvSpPr>
+          <p:cNvPr id="2" name="Slide Image Placeholder 1"/>
+          <p:cNvSpPr>
+            <a:spLocks noGrp="1" noRot="1" noChangeAspect="1"/>
+          </p:cNvSpPr>
+          <p:nvPr>
+            <p:ph type="sldImg"/>
+          </p:nvPr>
+        </p:nvSpPr>
+        <p:spPr/>
+      </p:sp>
+      <p:sp>
+        <p:nvSpPr>
+          <p:cNvPr id="3" name="Notes Placeholder 2"/>
+          <p:cNvSpPr>
+            <a:spLocks noGrp="1"/>
+          </p:cNvSpPr>
+          <p:nvPr>
+            <p:ph type="body" idx="1"/>
+          </p:nvPr>
+        </p:nvSpPr>
+        <p:spPr/>
+        <p:txBody>
+          <a:bodyPr/>
+          <a:lstStyle/>
+          <a:p>
+            <a:endParaRPr lang="en-US" dirty="0"/>
+          </a:p>
+        </p:txBody>
+      </p:sp>
+      <p:sp>
+        <p:nvSpPr>
+          <p:cNvPr id="4" name="Slide Number Placeholder 3"/>
+          <p:cNvSpPr>
+            <a:spLocks noGrp="1"/>
+          </p:cNvSpPr>
+          <p:nvPr>
+            <p:ph type="sldNum" sz="quarter" idx="5"/>
+          </p:nvPr>
+        </p:nvSpPr>
+        <p:spPr/>
+        <p:txBody>
+          <a:bodyPr/>
+          <a:lstStyle/>
+          <a:p>
+            <a:fld id="{3E4A7109-D3E0-47BA-A045-9A99591D35D8}" type="slidenum">
+              <a:rPr lang="en-US" smtClean="0"/>
+              <a:t>62</a:t>
+            </a:fld>
+            <a:endParaRPr lang="en-US"/>
+          </a:p>
+        </p:txBody>
+      </p:sp>
+    </p:spTree>
+    <p:extLst>
+      <p:ext uri="{BB962C8B-B14F-4D97-AF65-F5344CB8AC3E}">
+        <p14:creationId xmlns:p14="http://schemas.microsoft.com/office/powerpoint/2010/main" val="2445237643"/>
+      </p:ext>
+    </p:extLst>
+  </p:cSld>
+  <p:clrMapOvr>
+    <a:masterClrMapping/>
+  </p:clrMapOvr>
+</p:notes>
+</file>
+
+<file path=ppt/notesSlides/notesSlide62.xml><?xml version="1.0" encoding="utf-8"?>
+<p:notes xmlns:a="http://schemas.openxmlformats.org/drawingml/2006/main" xmlns:r="http://schemas.openxmlformats.org/officeDocument/2006/relationships" xmlns:p="http://schemas.openxmlformats.org/presentationml/2006/main">
+  <p:cSld>
+    <p:spTree>
+      <p:nvGrpSpPr>
+        <p:cNvPr id="1" name=""/>
+        <p:cNvGrpSpPr/>
+        <p:nvPr/>
+      </p:nvGrpSpPr>
+      <p:grpSpPr>
+        <a:xfrm>
+          <a:off x="0" y="0"/>
+          <a:ext cx="0" cy="0"/>
+          <a:chOff x="0" y="0"/>
+          <a:chExt cx="0" cy="0"/>
+        </a:xfrm>
+      </p:grpSpPr>
+      <p:sp>
+        <p:nvSpPr>
+          <p:cNvPr id="2" name="Slide Image Placeholder 1"/>
+          <p:cNvSpPr>
+            <a:spLocks noGrp="1" noRot="1" noChangeAspect="1"/>
+          </p:cNvSpPr>
+          <p:nvPr>
+            <p:ph type="sldImg"/>
+          </p:nvPr>
+        </p:nvSpPr>
+        <p:spPr/>
+      </p:sp>
+      <p:sp>
+        <p:nvSpPr>
+          <p:cNvPr id="3" name="Notes Placeholder 2"/>
+          <p:cNvSpPr>
+            <a:spLocks noGrp="1"/>
+          </p:cNvSpPr>
+          <p:nvPr>
+            <p:ph type="body" idx="1"/>
+          </p:nvPr>
+        </p:nvSpPr>
+        <p:spPr/>
+        <p:txBody>
+          <a:bodyPr/>
+          <a:lstStyle/>
+          <a:p>
+            <a:endParaRPr lang="en-US" dirty="0"/>
+          </a:p>
+        </p:txBody>
+      </p:sp>
+      <p:sp>
+        <p:nvSpPr>
+          <p:cNvPr id="4" name="Slide Number Placeholder 3"/>
+          <p:cNvSpPr>
+            <a:spLocks noGrp="1"/>
+          </p:cNvSpPr>
+          <p:nvPr>
+            <p:ph type="sldNum" sz="quarter" idx="5"/>
+          </p:nvPr>
+        </p:nvSpPr>
+        <p:spPr/>
+        <p:txBody>
+          <a:bodyPr/>
+          <a:lstStyle/>
+          <a:p>
+            <a:fld id="{3E4A7109-D3E0-47BA-A045-9A99591D35D8}" type="slidenum">
+              <a:rPr lang="en-US" smtClean="0"/>
+              <a:t>63</a:t>
+            </a:fld>
+            <a:endParaRPr lang="en-US"/>
+          </a:p>
+        </p:txBody>
+      </p:sp>
+    </p:spTree>
+    <p:extLst>
+      <p:ext uri="{BB962C8B-B14F-4D97-AF65-F5344CB8AC3E}">
+        <p14:creationId xmlns:p14="http://schemas.microsoft.com/office/powerpoint/2010/main" val="1991853003"/>
+      </p:ext>
+    </p:extLst>
+  </p:cSld>
+  <p:clrMapOvr>
+    <a:masterClrMapping/>
+  </p:clrMapOvr>
+</p:notes>
+</file>
+
+<file path=ppt/notesSlides/notesSlide63.xml><?xml version="1.0" encoding="utf-8"?>
+<p:notes xmlns:a="http://schemas.openxmlformats.org/drawingml/2006/main" xmlns:r="http://schemas.openxmlformats.org/officeDocument/2006/relationships" xmlns:p="http://schemas.openxmlformats.org/presentationml/2006/main">
+  <p:cSld>
+    <p:spTree>
+      <p:nvGrpSpPr>
+        <p:cNvPr id="1" name=""/>
+        <p:cNvGrpSpPr/>
+        <p:nvPr/>
+      </p:nvGrpSpPr>
+      <p:grpSpPr>
+        <a:xfrm>
+          <a:off x="0" y="0"/>
+          <a:ext cx="0" cy="0"/>
+          <a:chOff x="0" y="0"/>
+          <a:chExt cx="0" cy="0"/>
+        </a:xfrm>
+      </p:grpSpPr>
+      <p:sp>
+        <p:nvSpPr>
+          <p:cNvPr id="2" name="Slide Image Placeholder 1"/>
+          <p:cNvSpPr>
+            <a:spLocks noGrp="1" noRot="1" noChangeAspect="1"/>
+          </p:cNvSpPr>
+          <p:nvPr>
+            <p:ph type="sldImg"/>
+          </p:nvPr>
+        </p:nvSpPr>
+        <p:spPr/>
+      </p:sp>
+      <p:sp>
+        <p:nvSpPr>
+          <p:cNvPr id="3" name="Notes Placeholder 2"/>
+          <p:cNvSpPr>
+            <a:spLocks noGrp="1"/>
+          </p:cNvSpPr>
+          <p:nvPr>
+            <p:ph type="body" idx="1"/>
+          </p:nvPr>
+        </p:nvSpPr>
+        <p:spPr/>
+        <p:txBody>
+          <a:bodyPr/>
+          <a:lstStyle/>
+          <a:p>
+            <a:endParaRPr lang="en-US" dirty="0"/>
+          </a:p>
+        </p:txBody>
+      </p:sp>
+      <p:sp>
+        <p:nvSpPr>
+          <p:cNvPr id="4" name="Slide Number Placeholder 3"/>
+          <p:cNvSpPr>
+            <a:spLocks noGrp="1"/>
+          </p:cNvSpPr>
+          <p:nvPr>
+            <p:ph type="sldNum" sz="quarter" idx="5"/>
+          </p:nvPr>
+        </p:nvSpPr>
+        <p:spPr/>
+        <p:txBody>
+          <a:bodyPr/>
+          <a:lstStyle/>
+          <a:p>
+            <a:fld id="{3E4A7109-D3E0-47BA-A045-9A99591D35D8}" type="slidenum">
+              <a:rPr lang="en-US" smtClean="0"/>
+              <a:t>64</a:t>
+            </a:fld>
+            <a:endParaRPr lang="en-US"/>
+          </a:p>
+        </p:txBody>
+      </p:sp>
+    </p:spTree>
+    <p:extLst>
+      <p:ext uri="{BB962C8B-B14F-4D97-AF65-F5344CB8AC3E}">
+        <p14:creationId xmlns:p14="http://schemas.microsoft.com/office/powerpoint/2010/main" val="3698642653"/>
+      </p:ext>
+    </p:extLst>
+  </p:cSld>
+  <p:clrMapOvr>
+    <a:masterClrMapping/>
+  </p:clrMapOvr>
+</p:notes>
+</file>
+
+<file path=ppt/notesSlides/notesSlide64.xml><?xml version="1.0" encoding="utf-8"?>
+<p:notes xmlns:a="http://schemas.openxmlformats.org/drawingml/2006/main" xmlns:r="http://schemas.openxmlformats.org/officeDocument/2006/relationships" xmlns:p="http://schemas.openxmlformats.org/presentationml/2006/main">
+  <p:cSld>
+    <p:spTree>
+      <p:nvGrpSpPr>
+        <p:cNvPr id="1" name=""/>
+        <p:cNvGrpSpPr/>
+        <p:nvPr/>
+      </p:nvGrpSpPr>
+      <p:grpSpPr>
+        <a:xfrm>
+          <a:off x="0" y="0"/>
+          <a:ext cx="0" cy="0"/>
+          <a:chOff x="0" y="0"/>
+          <a:chExt cx="0" cy="0"/>
+        </a:xfrm>
+      </p:grpSpPr>
+      <p:sp>
+        <p:nvSpPr>
+          <p:cNvPr id="2" name="Slide Image Placeholder 1"/>
+          <p:cNvSpPr>
+            <a:spLocks noGrp="1" noRot="1" noChangeAspect="1"/>
+          </p:cNvSpPr>
+          <p:nvPr>
+            <p:ph type="sldImg"/>
+          </p:nvPr>
+        </p:nvSpPr>
+        <p:spPr/>
+      </p:sp>
+      <p:sp>
+        <p:nvSpPr>
+          <p:cNvPr id="3" name="Notes Placeholder 2"/>
+          <p:cNvSpPr>
+            <a:spLocks noGrp="1"/>
+          </p:cNvSpPr>
+          <p:nvPr>
+            <p:ph type="body" idx="1"/>
+          </p:nvPr>
+        </p:nvSpPr>
+        <p:spPr/>
+        <p:txBody>
+          <a:bodyPr/>
+          <a:lstStyle/>
+          <a:p>
+            <a:endParaRPr lang="en-US" dirty="0"/>
+          </a:p>
+        </p:txBody>
+      </p:sp>
+      <p:sp>
+        <p:nvSpPr>
+          <p:cNvPr id="4" name="Slide Number Placeholder 3"/>
+          <p:cNvSpPr>
+            <a:spLocks noGrp="1"/>
+          </p:cNvSpPr>
+          <p:nvPr>
+            <p:ph type="sldNum" sz="quarter" idx="5"/>
+          </p:nvPr>
+        </p:nvSpPr>
+        <p:spPr/>
+        <p:txBody>
+          <a:bodyPr/>
+          <a:lstStyle/>
+          <a:p>
+            <a:fld id="{3E4A7109-D3E0-47BA-A045-9A99591D35D8}" type="slidenum">
+              <a:rPr lang="en-US" smtClean="0"/>
+              <a:t>65</a:t>
+            </a:fld>
+            <a:endParaRPr lang="en-US"/>
+          </a:p>
+        </p:txBody>
+      </p:sp>
+    </p:spTree>
+    <p:extLst>
+      <p:ext uri="{BB962C8B-B14F-4D97-AF65-F5344CB8AC3E}">
+        <p14:creationId xmlns:p14="http://schemas.microsoft.com/office/powerpoint/2010/main" val="2390143825"/>
+      </p:ext>
+    </p:extLst>
+  </p:cSld>
+  <p:clrMapOvr>
+    <a:masterClrMapping/>
+  </p:clrMapOvr>
+</p:notes>
+</file>
+
+<file path=ppt/notesSlides/notesSlide65.xml><?xml version="1.0" encoding="utf-8"?>
+<p:notes xmlns:a="http://schemas.openxmlformats.org/drawingml/2006/main" xmlns:r="http://schemas.openxmlformats.org/officeDocument/2006/relationships" xmlns:p="http://schemas.openxmlformats.org/presentationml/2006/main">
+  <p:cSld>
+    <p:spTree>
+      <p:nvGrpSpPr>
+        <p:cNvPr id="1" name=""/>
+        <p:cNvGrpSpPr/>
+        <p:nvPr/>
+      </p:nvGrpSpPr>
+      <p:grpSpPr>
+        <a:xfrm>
+          <a:off x="0" y="0"/>
+          <a:ext cx="0" cy="0"/>
+          <a:chOff x="0" y="0"/>
+          <a:chExt cx="0" cy="0"/>
+        </a:xfrm>
+      </p:grpSpPr>
+      <p:sp>
+        <p:nvSpPr>
+          <p:cNvPr id="2" name="Slide Image Placeholder 1"/>
+          <p:cNvSpPr>
+            <a:spLocks noGrp="1" noRot="1" noChangeAspect="1"/>
+          </p:cNvSpPr>
+          <p:nvPr>
+            <p:ph type="sldImg"/>
+          </p:nvPr>
+        </p:nvSpPr>
+        <p:spPr/>
+      </p:sp>
+      <p:sp>
+        <p:nvSpPr>
+          <p:cNvPr id="3" name="Notes Placeholder 2"/>
+          <p:cNvSpPr>
+            <a:spLocks noGrp="1"/>
+          </p:cNvSpPr>
+          <p:nvPr>
+            <p:ph type="body" idx="1"/>
+          </p:nvPr>
+        </p:nvSpPr>
+        <p:spPr/>
+        <p:txBody>
+          <a:bodyPr/>
+          <a:lstStyle/>
+          <a:p>
+            <a:endParaRPr lang="en-US" dirty="0"/>
+          </a:p>
+        </p:txBody>
+      </p:sp>
+      <p:sp>
+        <p:nvSpPr>
+          <p:cNvPr id="4" name="Slide Number Placeholder 3"/>
+          <p:cNvSpPr>
+            <a:spLocks noGrp="1"/>
+          </p:cNvSpPr>
+          <p:nvPr>
+            <p:ph type="sldNum" sz="quarter" idx="5"/>
+          </p:nvPr>
+        </p:nvSpPr>
+        <p:spPr/>
+        <p:txBody>
+          <a:bodyPr/>
+          <a:lstStyle/>
+          <a:p>
+            <a:fld id="{3E4A7109-D3E0-47BA-A045-9A99591D35D8}" type="slidenum">
+              <a:rPr lang="en-US" smtClean="0"/>
+              <a:t>66</a:t>
+            </a:fld>
+            <a:endParaRPr lang="en-US"/>
+          </a:p>
+        </p:txBody>
+      </p:sp>
+    </p:spTree>
+    <p:extLst>
+      <p:ext uri="{BB962C8B-B14F-4D97-AF65-F5344CB8AC3E}">
+        <p14:creationId xmlns:p14="http://schemas.microsoft.com/office/powerpoint/2010/main" val="3703510525"/>
+      </p:ext>
+    </p:extLst>
+  </p:cSld>
+  <p:clrMapOvr>
+    <a:masterClrMapping/>
+  </p:clrMapOvr>
+</p:notes>
+</file>
+
+<file path=ppt/notesSlides/notesSlide66.xml><?xml version="1.0" encoding="utf-8"?>
+<p:notes xmlns:a="http://schemas.openxmlformats.org/drawingml/2006/main" xmlns:r="http://schemas.openxmlformats.org/officeDocument/2006/relationships" xmlns:p="http://schemas.openxmlformats.org/presentationml/2006/main">
+  <p:cSld>
+    <p:spTree>
+      <p:nvGrpSpPr>
+        <p:cNvPr id="1" name=""/>
+        <p:cNvGrpSpPr/>
+        <p:nvPr/>
+      </p:nvGrpSpPr>
+      <p:grpSpPr>
+        <a:xfrm>
+          <a:off x="0" y="0"/>
+          <a:ext cx="0" cy="0"/>
+          <a:chOff x="0" y="0"/>
+          <a:chExt cx="0" cy="0"/>
+        </a:xfrm>
+      </p:grpSpPr>
+      <p:sp>
+        <p:nvSpPr>
+          <p:cNvPr id="2" name="Slide Image Placeholder 1"/>
+          <p:cNvSpPr>
+            <a:spLocks noGrp="1" noRot="1" noChangeAspect="1"/>
+          </p:cNvSpPr>
+          <p:nvPr>
+            <p:ph type="sldImg"/>
+          </p:nvPr>
+        </p:nvSpPr>
+        <p:spPr/>
+      </p:sp>
+      <p:sp>
+        <p:nvSpPr>
+          <p:cNvPr id="3" name="Notes Placeholder 2"/>
+          <p:cNvSpPr>
+            <a:spLocks noGrp="1"/>
+          </p:cNvSpPr>
+          <p:nvPr>
+            <p:ph type="body" idx="1"/>
+          </p:nvPr>
+        </p:nvSpPr>
+        <p:spPr/>
+        <p:txBody>
+          <a:bodyPr/>
+          <a:lstStyle/>
+          <a:p>
+            <a:endParaRPr lang="en-US" dirty="0"/>
+          </a:p>
+        </p:txBody>
+      </p:sp>
+      <p:sp>
+        <p:nvSpPr>
+          <p:cNvPr id="4" name="Slide Number Placeholder 3"/>
+          <p:cNvSpPr>
+            <a:spLocks noGrp="1"/>
+          </p:cNvSpPr>
+          <p:nvPr>
+            <p:ph type="sldNum" sz="quarter" idx="5"/>
+          </p:nvPr>
+        </p:nvSpPr>
+        <p:spPr/>
+        <p:txBody>
+          <a:bodyPr/>
+          <a:lstStyle/>
+          <a:p>
+            <a:fld id="{3E4A7109-D3E0-47BA-A045-9A99591D35D8}" type="slidenum">
+              <a:rPr lang="en-US" smtClean="0"/>
+              <a:t>67</a:t>
+            </a:fld>
+            <a:endParaRPr lang="en-US"/>
+          </a:p>
+        </p:txBody>
+      </p:sp>
+    </p:spTree>
+    <p:extLst>
+      <p:ext uri="{BB962C8B-B14F-4D97-AF65-F5344CB8AC3E}">
+        <p14:creationId xmlns:p14="http://schemas.microsoft.com/office/powerpoint/2010/main" val="2795005600"/>
+      </p:ext>
+    </p:extLst>
+  </p:cSld>
+  <p:clrMapOvr>
+    <a:masterClrMapping/>
+  </p:clrMapOvr>
+</p:notes>
+</file>
+
 <file path=ppt/notesSlides/notesSlide7.xml><?xml version="1.0" encoding="utf-8"?>
 <p:notes xmlns:a="http://schemas.openxmlformats.org/drawingml/2006/main" xmlns:r="http://schemas.openxmlformats.org/officeDocument/2006/relationships" xmlns:p="http://schemas.openxmlformats.org/presentationml/2006/main">
   <p:cSld>
@@ -15282,7 +15792,7 @@
           <a:p>
             <a:fld id="{B8959F3C-9879-4806-ADC7-BA321CD3F53D}" type="datetimeFigureOut">
               <a:rPr lang="en-US" smtClean="0"/>
-              <a:t>12-Aug-24</a:t>
+              <a:t>15-Aug-24</a:t>
             </a:fld>
             <a:endParaRPr lang="en-US"/>
           </a:p>
@@ -15480,7 +15990,7 @@
           <a:p>
             <a:fld id="{B8959F3C-9879-4806-ADC7-BA321CD3F53D}" type="datetimeFigureOut">
               <a:rPr lang="en-US" smtClean="0"/>
-              <a:t>12-Aug-24</a:t>
+              <a:t>15-Aug-24</a:t>
             </a:fld>
             <a:endParaRPr lang="en-US"/>
           </a:p>
@@ -15688,7 +16198,7 @@
           <a:p>
             <a:fld id="{B8959F3C-9879-4806-ADC7-BA321CD3F53D}" type="datetimeFigureOut">
               <a:rPr lang="en-US" smtClean="0"/>
-              <a:t>12-Aug-24</a:t>
+              <a:t>15-Aug-24</a:t>
             </a:fld>
             <a:endParaRPr lang="en-US"/>
           </a:p>
@@ -15886,7 +16396,7 @@
           <a:p>
             <a:fld id="{B8959F3C-9879-4806-ADC7-BA321CD3F53D}" type="datetimeFigureOut">
               <a:rPr lang="en-US" smtClean="0"/>
-              <a:t>12-Aug-24</a:t>
+              <a:t>15-Aug-24</a:t>
             </a:fld>
             <a:endParaRPr lang="en-US"/>
           </a:p>
@@ -16161,7 +16671,7 @@
           <a:p>
             <a:fld id="{B8959F3C-9879-4806-ADC7-BA321CD3F53D}" type="datetimeFigureOut">
               <a:rPr lang="en-US" smtClean="0"/>
-              <a:t>12-Aug-24</a:t>
+              <a:t>15-Aug-24</a:t>
             </a:fld>
             <a:endParaRPr lang="en-US"/>
           </a:p>
@@ -16426,7 +16936,7 @@
           <a:p>
             <a:fld id="{B8959F3C-9879-4806-ADC7-BA321CD3F53D}" type="datetimeFigureOut">
               <a:rPr lang="en-US" smtClean="0"/>
-              <a:t>12-Aug-24</a:t>
+              <a:t>15-Aug-24</a:t>
             </a:fld>
             <a:endParaRPr lang="en-US"/>
           </a:p>
@@ -16838,7 +17348,7 @@
           <a:p>
             <a:fld id="{B8959F3C-9879-4806-ADC7-BA321CD3F53D}" type="datetimeFigureOut">
               <a:rPr lang="en-US" smtClean="0"/>
-              <a:t>12-Aug-24</a:t>
+              <a:t>15-Aug-24</a:t>
             </a:fld>
             <a:endParaRPr lang="en-US"/>
           </a:p>
@@ -16979,7 +17489,7 @@
           <a:p>
             <a:fld id="{B8959F3C-9879-4806-ADC7-BA321CD3F53D}" type="datetimeFigureOut">
               <a:rPr lang="en-US" smtClean="0"/>
-              <a:t>12-Aug-24</a:t>
+              <a:t>15-Aug-24</a:t>
             </a:fld>
             <a:endParaRPr lang="en-US"/>
           </a:p>
@@ -17092,7 +17602,7 @@
           <a:p>
             <a:fld id="{B8959F3C-9879-4806-ADC7-BA321CD3F53D}" type="datetimeFigureOut">
               <a:rPr lang="en-US" smtClean="0"/>
-              <a:t>12-Aug-24</a:t>
+              <a:t>15-Aug-24</a:t>
             </a:fld>
             <a:endParaRPr lang="en-US"/>
           </a:p>
@@ -17403,7 +17913,7 @@
           <a:p>
             <a:fld id="{B8959F3C-9879-4806-ADC7-BA321CD3F53D}" type="datetimeFigureOut">
               <a:rPr lang="en-US" smtClean="0"/>
-              <a:t>12-Aug-24</a:t>
+              <a:t>15-Aug-24</a:t>
             </a:fld>
             <a:endParaRPr lang="en-US"/>
           </a:p>
@@ -17691,7 +18201,7 @@
           <a:p>
             <a:fld id="{B8959F3C-9879-4806-ADC7-BA321CD3F53D}" type="datetimeFigureOut">
               <a:rPr lang="en-US" smtClean="0"/>
-              <a:t>12-Aug-24</a:t>
+              <a:t>15-Aug-24</a:t>
             </a:fld>
             <a:endParaRPr lang="en-US"/>
           </a:p>
@@ -17932,7 +18442,7 @@
           <a:p>
             <a:fld id="{B8959F3C-9879-4806-ADC7-BA321CD3F53D}" type="datetimeFigureOut">
               <a:rPr lang="en-US" smtClean="0"/>
-              <a:t>12-Aug-24</a:t>
+              <a:t>15-Aug-24</a:t>
             </a:fld>
             <a:endParaRPr lang="en-US"/>
           </a:p>
@@ -38082,6 +38592,834 @@
     <p:extLst>
       <p:ext uri="{BB962C8B-B14F-4D97-AF65-F5344CB8AC3E}">
         <p14:creationId xmlns:p14="http://schemas.microsoft.com/office/powerpoint/2010/main" val="954865611"/>
+      </p:ext>
+    </p:extLst>
+  </p:cSld>
+  <p:clrMapOvr>
+    <a:masterClrMapping/>
+  </p:clrMapOvr>
+</p:sld>
+</file>
+
+<file path=ppt/slides/slide62.xml><?xml version="1.0" encoding="utf-8"?>
+<p:sld xmlns:a="http://schemas.openxmlformats.org/drawingml/2006/main" xmlns:r="http://schemas.openxmlformats.org/officeDocument/2006/relationships" xmlns:p="http://schemas.openxmlformats.org/presentationml/2006/main">
+  <p:cSld>
+    <p:spTree>
+      <p:nvGrpSpPr>
+        <p:cNvPr id="1" name=""/>
+        <p:cNvGrpSpPr/>
+        <p:nvPr/>
+      </p:nvGrpSpPr>
+      <p:grpSpPr>
+        <a:xfrm>
+          <a:off x="0" y="0"/>
+          <a:ext cx="0" cy="0"/>
+          <a:chOff x="0" y="0"/>
+          <a:chExt cx="0" cy="0"/>
+        </a:xfrm>
+      </p:grpSpPr>
+      <p:sp>
+        <p:nvSpPr>
+          <p:cNvPr id="2" name="Title 1">
+            <a:extLst>
+              <a:ext uri="{FF2B5EF4-FFF2-40B4-BE49-F238E27FC236}">
+                <a16:creationId xmlns:a16="http://schemas.microsoft.com/office/drawing/2014/main" id="{1F8717B5-F992-3362-0E17-84D889214116}"/>
+              </a:ext>
+            </a:extLst>
+          </p:cNvPr>
+          <p:cNvSpPr>
+            <a:spLocks noGrp="1"/>
+          </p:cNvSpPr>
+          <p:nvPr>
+            <p:ph type="title"/>
+          </p:nvPr>
+        </p:nvSpPr>
+        <p:spPr/>
+        <p:txBody>
+          <a:bodyPr>
+            <a:normAutofit/>
+          </a:bodyPr>
+          <a:lstStyle/>
+          <a:p>
+            <a:r>
+              <a:rPr lang="en-US" sz="2400" b="1" dirty="0"/>
+              <a:t>System-User Prompt Design</a:t>
+            </a:r>
+          </a:p>
+        </p:txBody>
+      </p:sp>
+      <p:sp>
+        <p:nvSpPr>
+          <p:cNvPr id="3" name="Content Placeholder 2">
+            <a:extLst>
+              <a:ext uri="{FF2B5EF4-FFF2-40B4-BE49-F238E27FC236}">
+                <a16:creationId xmlns:a16="http://schemas.microsoft.com/office/drawing/2014/main" id="{6A1CF6AE-4BFF-FA1F-6998-093945033E5D}"/>
+              </a:ext>
+            </a:extLst>
+          </p:cNvPr>
+          <p:cNvSpPr>
+            <a:spLocks noGrp="1"/>
+          </p:cNvSpPr>
+          <p:nvPr>
+            <p:ph idx="1"/>
+          </p:nvPr>
+        </p:nvSpPr>
+        <p:spPr/>
+        <p:txBody>
+          <a:bodyPr>
+            <a:normAutofit/>
+          </a:bodyPr>
+          <a:lstStyle/>
+          <a:p>
+            <a:r>
+              <a:rPr lang="en-US" sz="1800" dirty="0"/>
+              <a:t>One way to increase the performance of the model is to use System-User Prompt structure.</a:t>
+            </a:r>
+          </a:p>
+          <a:p>
+            <a:r>
+              <a:rPr lang="en-US" sz="1800" dirty="0"/>
+              <a:t>In this way, the system prompt is constructed around defining the task and what model should generate.</a:t>
+            </a:r>
+          </a:p>
+          <a:p>
+            <a:r>
+              <a:rPr lang="en-US" sz="1800" dirty="0"/>
+              <a:t>The user prompt is considered as the prompt given by the user.</a:t>
+            </a:r>
+          </a:p>
+          <a:p>
+            <a:r>
+              <a:rPr lang="en-US" sz="1800" dirty="0"/>
+              <a:t>The system prompt is mostly unchanged throughout the iterations and user prompt is always dynamic.</a:t>
+            </a:r>
+          </a:p>
+        </p:txBody>
+      </p:sp>
+    </p:spTree>
+    <p:extLst>
+      <p:ext uri="{BB962C8B-B14F-4D97-AF65-F5344CB8AC3E}">
+        <p14:creationId xmlns:p14="http://schemas.microsoft.com/office/powerpoint/2010/main" val="1815777174"/>
+      </p:ext>
+    </p:extLst>
+  </p:cSld>
+  <p:clrMapOvr>
+    <a:masterClrMapping/>
+  </p:clrMapOvr>
+</p:sld>
+</file>
+
+<file path=ppt/slides/slide63.xml><?xml version="1.0" encoding="utf-8"?>
+<p:sld xmlns:a="http://schemas.openxmlformats.org/drawingml/2006/main" xmlns:r="http://schemas.openxmlformats.org/officeDocument/2006/relationships" xmlns:p="http://schemas.openxmlformats.org/presentationml/2006/main">
+  <p:cSld>
+    <p:spTree>
+      <p:nvGrpSpPr>
+        <p:cNvPr id="1" name=""/>
+        <p:cNvGrpSpPr/>
+        <p:nvPr/>
+      </p:nvGrpSpPr>
+      <p:grpSpPr>
+        <a:xfrm>
+          <a:off x="0" y="0"/>
+          <a:ext cx="0" cy="0"/>
+          <a:chOff x="0" y="0"/>
+          <a:chExt cx="0" cy="0"/>
+        </a:xfrm>
+      </p:grpSpPr>
+      <p:sp>
+        <p:nvSpPr>
+          <p:cNvPr id="2" name="Title 1">
+            <a:extLst>
+              <a:ext uri="{FF2B5EF4-FFF2-40B4-BE49-F238E27FC236}">
+                <a16:creationId xmlns:a16="http://schemas.microsoft.com/office/drawing/2014/main" id="{1F8717B5-F992-3362-0E17-84D889214116}"/>
+              </a:ext>
+            </a:extLst>
+          </p:cNvPr>
+          <p:cNvSpPr>
+            <a:spLocks noGrp="1"/>
+          </p:cNvSpPr>
+          <p:nvPr>
+            <p:ph type="title"/>
+          </p:nvPr>
+        </p:nvSpPr>
+        <p:spPr/>
+        <p:txBody>
+          <a:bodyPr>
+            <a:normAutofit/>
+          </a:bodyPr>
+          <a:lstStyle/>
+          <a:p>
+            <a:r>
+              <a:rPr lang="en-US" sz="2400" b="1" dirty="0"/>
+              <a:t>System-User Prompt Design</a:t>
+            </a:r>
+          </a:p>
+        </p:txBody>
+      </p:sp>
+      <p:sp>
+        <p:nvSpPr>
+          <p:cNvPr id="3" name="Content Placeholder 2">
+            <a:extLst>
+              <a:ext uri="{FF2B5EF4-FFF2-40B4-BE49-F238E27FC236}">
+                <a16:creationId xmlns:a16="http://schemas.microsoft.com/office/drawing/2014/main" id="{6A1CF6AE-4BFF-FA1F-6998-093945033E5D}"/>
+              </a:ext>
+            </a:extLst>
+          </p:cNvPr>
+          <p:cNvSpPr>
+            <a:spLocks noGrp="1"/>
+          </p:cNvSpPr>
+          <p:nvPr>
+            <p:ph idx="1"/>
+          </p:nvPr>
+        </p:nvSpPr>
+        <p:spPr/>
+        <p:txBody>
+          <a:bodyPr>
+            <a:normAutofit/>
+          </a:bodyPr>
+          <a:lstStyle/>
+          <a:p>
+            <a:r>
+              <a:rPr lang="en-US" sz="1800" dirty="0"/>
+              <a:t>The input prompt which is only in Persian language:</a:t>
+            </a:r>
+          </a:p>
+          <a:p>
+            <a:endParaRPr lang="en-US" sz="1800" dirty="0"/>
+          </a:p>
+          <a:p>
+            <a:endParaRPr lang="en-US" sz="1800" dirty="0"/>
+          </a:p>
+          <a:p>
+            <a:endParaRPr lang="en-US" sz="1800" dirty="0"/>
+          </a:p>
+          <a:p>
+            <a:endParaRPr lang="en-US" sz="1800" dirty="0"/>
+          </a:p>
+          <a:p>
+            <a:endParaRPr lang="en-US" sz="1800" dirty="0"/>
+          </a:p>
+          <a:p>
+            <a:endParaRPr lang="en-US" sz="1800" dirty="0"/>
+          </a:p>
+          <a:p>
+            <a:endParaRPr lang="en-US" sz="1800" dirty="0"/>
+          </a:p>
+          <a:p>
+            <a:endParaRPr lang="en-US" sz="1800" dirty="0"/>
+          </a:p>
+          <a:p>
+            <a:r>
+              <a:rPr lang="en-US" sz="1800" dirty="0"/>
+              <a:t>Without the use of any system-user prompt instruction.</a:t>
+            </a:r>
+          </a:p>
+        </p:txBody>
+      </p:sp>
+      <p:pic>
+        <p:nvPicPr>
+          <p:cNvPr id="5" name="Picture 4">
+            <a:extLst>
+              <a:ext uri="{FF2B5EF4-FFF2-40B4-BE49-F238E27FC236}">
+                <a16:creationId xmlns:a16="http://schemas.microsoft.com/office/drawing/2014/main" id="{47FA13F9-CC3A-08A8-9461-44001C838562}"/>
+              </a:ext>
+            </a:extLst>
+          </p:cNvPr>
+          <p:cNvPicPr>
+            <a:picLocks noChangeAspect="1"/>
+          </p:cNvPicPr>
+          <p:nvPr/>
+        </p:nvPicPr>
+        <p:blipFill>
+          <a:blip r:embed="rId3"/>
+          <a:stretch>
+            <a:fillRect/>
+          </a:stretch>
+        </p:blipFill>
+        <p:spPr>
+          <a:xfrm>
+            <a:off x="1574144" y="2353475"/>
+            <a:ext cx="9043711" cy="2249990"/>
+          </a:xfrm>
+          <a:prstGeom prst="rect">
+            <a:avLst/>
+          </a:prstGeom>
+        </p:spPr>
+      </p:pic>
+    </p:spTree>
+    <p:extLst>
+      <p:ext uri="{BB962C8B-B14F-4D97-AF65-F5344CB8AC3E}">
+        <p14:creationId xmlns:p14="http://schemas.microsoft.com/office/powerpoint/2010/main" val="1249877832"/>
+      </p:ext>
+    </p:extLst>
+  </p:cSld>
+  <p:clrMapOvr>
+    <a:masterClrMapping/>
+  </p:clrMapOvr>
+</p:sld>
+</file>
+
+<file path=ppt/slides/slide64.xml><?xml version="1.0" encoding="utf-8"?>
+<p:sld xmlns:a="http://schemas.openxmlformats.org/drawingml/2006/main" xmlns:r="http://schemas.openxmlformats.org/officeDocument/2006/relationships" xmlns:p="http://schemas.openxmlformats.org/presentationml/2006/main">
+  <p:cSld>
+    <p:spTree>
+      <p:nvGrpSpPr>
+        <p:cNvPr id="1" name=""/>
+        <p:cNvGrpSpPr/>
+        <p:nvPr/>
+      </p:nvGrpSpPr>
+      <p:grpSpPr>
+        <a:xfrm>
+          <a:off x="0" y="0"/>
+          <a:ext cx="0" cy="0"/>
+          <a:chOff x="0" y="0"/>
+          <a:chExt cx="0" cy="0"/>
+        </a:xfrm>
+      </p:grpSpPr>
+      <p:sp>
+        <p:nvSpPr>
+          <p:cNvPr id="2" name="Title 1">
+            <a:extLst>
+              <a:ext uri="{FF2B5EF4-FFF2-40B4-BE49-F238E27FC236}">
+                <a16:creationId xmlns:a16="http://schemas.microsoft.com/office/drawing/2014/main" id="{1F8717B5-F992-3362-0E17-84D889214116}"/>
+              </a:ext>
+            </a:extLst>
+          </p:cNvPr>
+          <p:cNvSpPr>
+            <a:spLocks noGrp="1"/>
+          </p:cNvSpPr>
+          <p:nvPr>
+            <p:ph type="title"/>
+          </p:nvPr>
+        </p:nvSpPr>
+        <p:spPr/>
+        <p:txBody>
+          <a:bodyPr>
+            <a:normAutofit/>
+          </a:bodyPr>
+          <a:lstStyle/>
+          <a:p>
+            <a:r>
+              <a:rPr lang="en-US" sz="2400" b="1" dirty="0"/>
+              <a:t>System-User Prompt Design</a:t>
+            </a:r>
+          </a:p>
+        </p:txBody>
+      </p:sp>
+      <p:sp>
+        <p:nvSpPr>
+          <p:cNvPr id="3" name="Content Placeholder 2">
+            <a:extLst>
+              <a:ext uri="{FF2B5EF4-FFF2-40B4-BE49-F238E27FC236}">
+                <a16:creationId xmlns:a16="http://schemas.microsoft.com/office/drawing/2014/main" id="{6A1CF6AE-4BFF-FA1F-6998-093945033E5D}"/>
+              </a:ext>
+            </a:extLst>
+          </p:cNvPr>
+          <p:cNvSpPr>
+            <a:spLocks noGrp="1"/>
+          </p:cNvSpPr>
+          <p:nvPr>
+            <p:ph idx="1"/>
+          </p:nvPr>
+        </p:nvSpPr>
+        <p:spPr/>
+        <p:txBody>
+          <a:bodyPr>
+            <a:normAutofit lnSpcReduction="10000"/>
+          </a:bodyPr>
+          <a:lstStyle/>
+          <a:p>
+            <a:r>
+              <a:rPr lang="en-US" sz="1800" dirty="0"/>
+              <a:t>And this is the result form Gemma2 9b it:</a:t>
+            </a:r>
+          </a:p>
+          <a:p>
+            <a:endParaRPr lang="en-US" sz="1800" dirty="0"/>
+          </a:p>
+          <a:p>
+            <a:endParaRPr lang="en-US" sz="1800" dirty="0"/>
+          </a:p>
+          <a:p>
+            <a:endParaRPr lang="en-US" sz="1800" dirty="0"/>
+          </a:p>
+          <a:p>
+            <a:endParaRPr lang="en-US" sz="1800" dirty="0"/>
+          </a:p>
+          <a:p>
+            <a:endParaRPr lang="en-US" sz="1800" dirty="0"/>
+          </a:p>
+          <a:p>
+            <a:endParaRPr lang="en-US" sz="1800" dirty="0"/>
+          </a:p>
+          <a:p>
+            <a:endParaRPr lang="en-US" sz="1800" dirty="0"/>
+          </a:p>
+          <a:p>
+            <a:endParaRPr lang="en-US" sz="1800" dirty="0"/>
+          </a:p>
+          <a:p>
+            <a:endParaRPr lang="en-US" sz="1800" dirty="0"/>
+          </a:p>
+          <a:p>
+            <a:endParaRPr lang="en-US" sz="1800" dirty="0"/>
+          </a:p>
+          <a:p>
+            <a:r>
+              <a:rPr lang="en-US" sz="1800" dirty="0"/>
+              <a:t>Which is quite acceptable</a:t>
+            </a:r>
+          </a:p>
+        </p:txBody>
+      </p:sp>
+      <p:pic>
+        <p:nvPicPr>
+          <p:cNvPr id="6" name="Picture 5">
+            <a:extLst>
+              <a:ext uri="{FF2B5EF4-FFF2-40B4-BE49-F238E27FC236}">
+                <a16:creationId xmlns:a16="http://schemas.microsoft.com/office/drawing/2014/main" id="{E834A0BD-B8F5-7529-CF9D-F88B163F543F}"/>
+              </a:ext>
+            </a:extLst>
+          </p:cNvPr>
+          <p:cNvPicPr>
+            <a:picLocks noChangeAspect="1"/>
+          </p:cNvPicPr>
+          <p:nvPr/>
+        </p:nvPicPr>
+        <p:blipFill>
+          <a:blip r:embed="rId3"/>
+          <a:stretch>
+            <a:fillRect/>
+          </a:stretch>
+        </p:blipFill>
+        <p:spPr>
+          <a:xfrm>
+            <a:off x="934064" y="2178021"/>
+            <a:ext cx="10323871" cy="3357229"/>
+          </a:xfrm>
+          <a:prstGeom prst="rect">
+            <a:avLst/>
+          </a:prstGeom>
+        </p:spPr>
+      </p:pic>
+    </p:spTree>
+    <p:extLst>
+      <p:ext uri="{BB962C8B-B14F-4D97-AF65-F5344CB8AC3E}">
+        <p14:creationId xmlns:p14="http://schemas.microsoft.com/office/powerpoint/2010/main" val="4193803888"/>
+      </p:ext>
+    </p:extLst>
+  </p:cSld>
+  <p:clrMapOvr>
+    <a:masterClrMapping/>
+  </p:clrMapOvr>
+</p:sld>
+</file>
+
+<file path=ppt/slides/slide65.xml><?xml version="1.0" encoding="utf-8"?>
+<p:sld xmlns:a="http://schemas.openxmlformats.org/drawingml/2006/main" xmlns:r="http://schemas.openxmlformats.org/officeDocument/2006/relationships" xmlns:p="http://schemas.openxmlformats.org/presentationml/2006/main">
+  <p:cSld>
+    <p:spTree>
+      <p:nvGrpSpPr>
+        <p:cNvPr id="1" name=""/>
+        <p:cNvGrpSpPr/>
+        <p:nvPr/>
+      </p:nvGrpSpPr>
+      <p:grpSpPr>
+        <a:xfrm>
+          <a:off x="0" y="0"/>
+          <a:ext cx="0" cy="0"/>
+          <a:chOff x="0" y="0"/>
+          <a:chExt cx="0" cy="0"/>
+        </a:xfrm>
+      </p:grpSpPr>
+      <p:sp>
+        <p:nvSpPr>
+          <p:cNvPr id="2" name="Title 1">
+            <a:extLst>
+              <a:ext uri="{FF2B5EF4-FFF2-40B4-BE49-F238E27FC236}">
+                <a16:creationId xmlns:a16="http://schemas.microsoft.com/office/drawing/2014/main" id="{1F8717B5-F992-3362-0E17-84D889214116}"/>
+              </a:ext>
+            </a:extLst>
+          </p:cNvPr>
+          <p:cNvSpPr>
+            <a:spLocks noGrp="1"/>
+          </p:cNvSpPr>
+          <p:nvPr>
+            <p:ph type="title"/>
+          </p:nvPr>
+        </p:nvSpPr>
+        <p:spPr/>
+        <p:txBody>
+          <a:bodyPr>
+            <a:normAutofit/>
+          </a:bodyPr>
+          <a:lstStyle/>
+          <a:p>
+            <a:r>
+              <a:rPr lang="en-US" sz="2400" b="1" dirty="0"/>
+              <a:t>System-User Prompt Design</a:t>
+            </a:r>
+          </a:p>
+        </p:txBody>
+      </p:sp>
+      <p:sp>
+        <p:nvSpPr>
+          <p:cNvPr id="3" name="Content Placeholder 2">
+            <a:extLst>
+              <a:ext uri="{FF2B5EF4-FFF2-40B4-BE49-F238E27FC236}">
+                <a16:creationId xmlns:a16="http://schemas.microsoft.com/office/drawing/2014/main" id="{6A1CF6AE-4BFF-FA1F-6998-093945033E5D}"/>
+              </a:ext>
+            </a:extLst>
+          </p:cNvPr>
+          <p:cNvSpPr>
+            <a:spLocks noGrp="1"/>
+          </p:cNvSpPr>
+          <p:nvPr>
+            <p:ph idx="1"/>
+          </p:nvPr>
+        </p:nvSpPr>
+        <p:spPr/>
+        <p:txBody>
+          <a:bodyPr>
+            <a:normAutofit/>
+          </a:bodyPr>
+          <a:lstStyle/>
+          <a:p>
+            <a:r>
+              <a:rPr lang="en-US" sz="1800" dirty="0"/>
+              <a:t>Now we changed the input prompt to have system-user instruction.</a:t>
+            </a:r>
+          </a:p>
+          <a:p>
+            <a:endParaRPr lang="en-US" sz="1800" dirty="0"/>
+          </a:p>
+          <a:p>
+            <a:endParaRPr lang="en-US" sz="1800" dirty="0"/>
+          </a:p>
+          <a:p>
+            <a:endParaRPr lang="en-US" sz="1800" dirty="0"/>
+          </a:p>
+          <a:p>
+            <a:endParaRPr lang="en-US" sz="1800" dirty="0"/>
+          </a:p>
+          <a:p>
+            <a:endParaRPr lang="en-US" sz="1800" dirty="0"/>
+          </a:p>
+          <a:p>
+            <a:r>
+              <a:rPr lang="en-US" sz="1800" dirty="0"/>
+              <a:t>In a way that System prompt being in English language and the user prompt being in Persian language.</a:t>
+            </a:r>
+          </a:p>
+          <a:p>
+            <a:pPr lvl="1"/>
+            <a:r>
+              <a:rPr lang="en-US" sz="1400" dirty="0"/>
+              <a:t>This is due to the reason that the model can understand instructions better in English language and have a better reasoning in that situation.</a:t>
+            </a:r>
+          </a:p>
+        </p:txBody>
+      </p:sp>
+      <p:pic>
+        <p:nvPicPr>
+          <p:cNvPr id="6" name="Picture 5">
+            <a:extLst>
+              <a:ext uri="{FF2B5EF4-FFF2-40B4-BE49-F238E27FC236}">
+                <a16:creationId xmlns:a16="http://schemas.microsoft.com/office/drawing/2014/main" id="{A8049A73-01B7-E850-3721-97C30BC6E0AA}"/>
+              </a:ext>
+            </a:extLst>
+          </p:cNvPr>
+          <p:cNvPicPr>
+            <a:picLocks noChangeAspect="1"/>
+          </p:cNvPicPr>
+          <p:nvPr/>
+        </p:nvPicPr>
+        <p:blipFill>
+          <a:blip r:embed="rId3"/>
+          <a:stretch>
+            <a:fillRect/>
+          </a:stretch>
+        </p:blipFill>
+        <p:spPr>
+          <a:xfrm>
+            <a:off x="1616423" y="2633419"/>
+            <a:ext cx="8959154" cy="920381"/>
+          </a:xfrm>
+          <a:prstGeom prst="rect">
+            <a:avLst/>
+          </a:prstGeom>
+        </p:spPr>
+      </p:pic>
+    </p:spTree>
+    <p:extLst>
+      <p:ext uri="{BB962C8B-B14F-4D97-AF65-F5344CB8AC3E}">
+        <p14:creationId xmlns:p14="http://schemas.microsoft.com/office/powerpoint/2010/main" val="4145746751"/>
+      </p:ext>
+    </p:extLst>
+  </p:cSld>
+  <p:clrMapOvr>
+    <a:masterClrMapping/>
+  </p:clrMapOvr>
+</p:sld>
+</file>
+
+<file path=ppt/slides/slide66.xml><?xml version="1.0" encoding="utf-8"?>
+<p:sld xmlns:a="http://schemas.openxmlformats.org/drawingml/2006/main" xmlns:r="http://schemas.openxmlformats.org/officeDocument/2006/relationships" xmlns:p="http://schemas.openxmlformats.org/presentationml/2006/main">
+  <p:cSld>
+    <p:spTree>
+      <p:nvGrpSpPr>
+        <p:cNvPr id="1" name=""/>
+        <p:cNvGrpSpPr/>
+        <p:nvPr/>
+      </p:nvGrpSpPr>
+      <p:grpSpPr>
+        <a:xfrm>
+          <a:off x="0" y="0"/>
+          <a:ext cx="0" cy="0"/>
+          <a:chOff x="0" y="0"/>
+          <a:chExt cx="0" cy="0"/>
+        </a:xfrm>
+      </p:grpSpPr>
+      <p:sp>
+        <p:nvSpPr>
+          <p:cNvPr id="2" name="Title 1">
+            <a:extLst>
+              <a:ext uri="{FF2B5EF4-FFF2-40B4-BE49-F238E27FC236}">
+                <a16:creationId xmlns:a16="http://schemas.microsoft.com/office/drawing/2014/main" id="{1F8717B5-F992-3362-0E17-84D889214116}"/>
+              </a:ext>
+            </a:extLst>
+          </p:cNvPr>
+          <p:cNvSpPr>
+            <a:spLocks noGrp="1"/>
+          </p:cNvSpPr>
+          <p:nvPr>
+            <p:ph type="title"/>
+          </p:nvPr>
+        </p:nvSpPr>
+        <p:spPr/>
+        <p:txBody>
+          <a:bodyPr>
+            <a:normAutofit/>
+          </a:bodyPr>
+          <a:lstStyle/>
+          <a:p>
+            <a:r>
+              <a:rPr lang="en-US" sz="2400" b="1" dirty="0"/>
+              <a:t>System-User Prompt Design</a:t>
+            </a:r>
+          </a:p>
+        </p:txBody>
+      </p:sp>
+      <p:sp>
+        <p:nvSpPr>
+          <p:cNvPr id="3" name="Content Placeholder 2">
+            <a:extLst>
+              <a:ext uri="{FF2B5EF4-FFF2-40B4-BE49-F238E27FC236}">
+                <a16:creationId xmlns:a16="http://schemas.microsoft.com/office/drawing/2014/main" id="{6A1CF6AE-4BFF-FA1F-6998-093945033E5D}"/>
+              </a:ext>
+            </a:extLst>
+          </p:cNvPr>
+          <p:cNvSpPr>
+            <a:spLocks noGrp="1"/>
+          </p:cNvSpPr>
+          <p:nvPr>
+            <p:ph idx="1"/>
+          </p:nvPr>
+        </p:nvSpPr>
+        <p:spPr>
+          <a:xfrm>
+            <a:off x="838200" y="1825625"/>
+            <a:ext cx="10515600" cy="4667250"/>
+          </a:xfrm>
+        </p:spPr>
+        <p:txBody>
+          <a:bodyPr>
+            <a:normAutofit fontScale="92500" lnSpcReduction="10000"/>
+          </a:bodyPr>
+          <a:lstStyle/>
+          <a:p>
+            <a:r>
+              <a:rPr lang="en-US" sz="1800" dirty="0"/>
+              <a:t>This the result form Gemma2 9b it for changed prompt:</a:t>
+            </a:r>
+          </a:p>
+          <a:p>
+            <a:endParaRPr lang="en-US" sz="1800" dirty="0"/>
+          </a:p>
+          <a:p>
+            <a:endParaRPr lang="en-US" sz="1800" dirty="0"/>
+          </a:p>
+          <a:p>
+            <a:endParaRPr lang="en-US" sz="1800" dirty="0"/>
+          </a:p>
+          <a:p>
+            <a:endParaRPr lang="en-US" sz="1800" dirty="0"/>
+          </a:p>
+          <a:p>
+            <a:endParaRPr lang="en-US" sz="1800" dirty="0"/>
+          </a:p>
+          <a:p>
+            <a:endParaRPr lang="en-US" sz="1800" dirty="0"/>
+          </a:p>
+          <a:p>
+            <a:endParaRPr lang="en-US" sz="1800" dirty="0"/>
+          </a:p>
+          <a:p>
+            <a:endParaRPr lang="en-US" sz="1800" dirty="0"/>
+          </a:p>
+          <a:p>
+            <a:endParaRPr lang="en-US" sz="1800" dirty="0"/>
+          </a:p>
+          <a:p>
+            <a:pPr marL="0" indent="0">
+              <a:buNone/>
+            </a:pPr>
+            <a:endParaRPr lang="en-US" sz="1800" dirty="0"/>
+          </a:p>
+          <a:p>
+            <a:endParaRPr lang="en-US" sz="1800" dirty="0"/>
+          </a:p>
+          <a:p>
+            <a:endParaRPr lang="en-US" sz="1800" dirty="0"/>
+          </a:p>
+          <a:p>
+            <a:r>
+              <a:rPr lang="en-US" sz="1800" dirty="0"/>
+              <a:t>Not only the reference time was 2x faster, but also the results became more natural and enhanced.</a:t>
+            </a:r>
+          </a:p>
+        </p:txBody>
+      </p:sp>
+      <p:pic>
+        <p:nvPicPr>
+          <p:cNvPr id="8" name="Picture 7">
+            <a:extLst>
+              <a:ext uri="{FF2B5EF4-FFF2-40B4-BE49-F238E27FC236}">
+                <a16:creationId xmlns:a16="http://schemas.microsoft.com/office/drawing/2014/main" id="{0A80AAC9-56F0-645B-610F-2916F64CB78C}"/>
+              </a:ext>
+            </a:extLst>
+          </p:cNvPr>
+          <p:cNvPicPr>
+            <a:picLocks noChangeAspect="1"/>
+          </p:cNvPicPr>
+          <p:nvPr/>
+        </p:nvPicPr>
+        <p:blipFill>
+          <a:blip r:embed="rId3"/>
+          <a:stretch>
+            <a:fillRect/>
+          </a:stretch>
+        </p:blipFill>
+        <p:spPr>
+          <a:xfrm>
+            <a:off x="1333254" y="2373684"/>
+            <a:ext cx="9173497" cy="3532588"/>
+          </a:xfrm>
+          <a:prstGeom prst="rect">
+            <a:avLst/>
+          </a:prstGeom>
+        </p:spPr>
+      </p:pic>
+    </p:spTree>
+    <p:extLst>
+      <p:ext uri="{BB962C8B-B14F-4D97-AF65-F5344CB8AC3E}">
+        <p14:creationId xmlns:p14="http://schemas.microsoft.com/office/powerpoint/2010/main" val="4207476130"/>
+      </p:ext>
+    </p:extLst>
+  </p:cSld>
+  <p:clrMapOvr>
+    <a:masterClrMapping/>
+  </p:clrMapOvr>
+</p:sld>
+</file>
+
+<file path=ppt/slides/slide67.xml><?xml version="1.0" encoding="utf-8"?>
+<p:sld xmlns:a="http://schemas.openxmlformats.org/drawingml/2006/main" xmlns:r="http://schemas.openxmlformats.org/officeDocument/2006/relationships" xmlns:p="http://schemas.openxmlformats.org/presentationml/2006/main">
+  <p:cSld>
+    <p:spTree>
+      <p:nvGrpSpPr>
+        <p:cNvPr id="1" name=""/>
+        <p:cNvGrpSpPr/>
+        <p:nvPr/>
+      </p:nvGrpSpPr>
+      <p:grpSpPr>
+        <a:xfrm>
+          <a:off x="0" y="0"/>
+          <a:ext cx="0" cy="0"/>
+          <a:chOff x="0" y="0"/>
+          <a:chExt cx="0" cy="0"/>
+        </a:xfrm>
+      </p:grpSpPr>
+      <p:sp>
+        <p:nvSpPr>
+          <p:cNvPr id="2" name="Title 1">
+            <a:extLst>
+              <a:ext uri="{FF2B5EF4-FFF2-40B4-BE49-F238E27FC236}">
+                <a16:creationId xmlns:a16="http://schemas.microsoft.com/office/drawing/2014/main" id="{1F8717B5-F992-3362-0E17-84D889214116}"/>
+              </a:ext>
+            </a:extLst>
+          </p:cNvPr>
+          <p:cNvSpPr>
+            <a:spLocks noGrp="1"/>
+          </p:cNvSpPr>
+          <p:nvPr>
+            <p:ph type="title"/>
+          </p:nvPr>
+        </p:nvSpPr>
+        <p:spPr/>
+        <p:txBody>
+          <a:bodyPr>
+            <a:normAutofit/>
+          </a:bodyPr>
+          <a:lstStyle/>
+          <a:p>
+            <a:r>
+              <a:rPr lang="en-US" sz="2400" b="1" dirty="0"/>
+              <a:t>System-User Prompt Design</a:t>
+            </a:r>
+          </a:p>
+        </p:txBody>
+      </p:sp>
+      <p:sp>
+        <p:nvSpPr>
+          <p:cNvPr id="3" name="Content Placeholder 2">
+            <a:extLst>
+              <a:ext uri="{FF2B5EF4-FFF2-40B4-BE49-F238E27FC236}">
+                <a16:creationId xmlns:a16="http://schemas.microsoft.com/office/drawing/2014/main" id="{6A1CF6AE-4BFF-FA1F-6998-093945033E5D}"/>
+              </a:ext>
+            </a:extLst>
+          </p:cNvPr>
+          <p:cNvSpPr>
+            <a:spLocks noGrp="1"/>
+          </p:cNvSpPr>
+          <p:nvPr>
+            <p:ph idx="1"/>
+          </p:nvPr>
+        </p:nvSpPr>
+        <p:spPr/>
+        <p:txBody>
+          <a:bodyPr>
+            <a:normAutofit/>
+          </a:bodyPr>
+          <a:lstStyle/>
+          <a:p>
+            <a:r>
+              <a:rPr lang="en-US" sz="1800" dirty="0"/>
+              <a:t>As the result of the little experience conducted, it is worthwhile to test the system-user prompt design with system prompt being in English (including the k-shot examples in Farsi) and the user prompt being the same.</a:t>
+            </a:r>
+          </a:p>
+          <a:p>
+            <a:r>
+              <a:rPr lang="en-US" sz="1800" dirty="0"/>
+              <a:t>In that case it is feasible to not repeat the instructions due to the better understanding of the model.</a:t>
+            </a:r>
+          </a:p>
+        </p:txBody>
+      </p:sp>
+    </p:spTree>
+    <p:extLst>
+      <p:ext uri="{BB962C8B-B14F-4D97-AF65-F5344CB8AC3E}">
+        <p14:creationId xmlns:p14="http://schemas.microsoft.com/office/powerpoint/2010/main" val="736721920"/>
       </p:ext>
     </p:extLst>
   </p:cSld>

--- a/Slides/Symbol Tuning.pptx
+++ b/Slides/Symbol Tuning.pptx
@@ -5,7 +5,7 @@
     <p:sldMasterId id="2147483648" r:id="rId1"/>
   </p:sldMasterIdLst>
   <p:notesMasterIdLst>
-    <p:notesMasterId r:id="rId69"/>
+    <p:notesMasterId r:id="rId74"/>
   </p:notesMasterIdLst>
   <p:sldIdLst>
     <p:sldId id="276" r:id="rId2"/>
@@ -75,6 +75,11 @@
     <p:sldId id="340" r:id="rId66"/>
     <p:sldId id="341" r:id="rId67"/>
     <p:sldId id="342" r:id="rId68"/>
+    <p:sldId id="343" r:id="rId69"/>
+    <p:sldId id="344" r:id="rId70"/>
+    <p:sldId id="345" r:id="rId71"/>
+    <p:sldId id="347" r:id="rId72"/>
+    <p:sldId id="348" r:id="rId73"/>
   </p:sldIdLst>
   <p:sldSz cx="12192000" cy="6858000"/>
   <p:notesSz cx="6858000" cy="9144000"/>
@@ -9834,7 +9839,7 @@
           <a:p>
             <a:fld id="{90EA4D55-0F48-48F2-8B8B-CD81BA2373CB}" type="datetimeFigureOut">
               <a:rPr lang="en-US" smtClean="0"/>
-              <a:t>15-Aug-24</a:t>
+              <a:t>24-Aug-24</a:t>
             </a:fld>
             <a:endParaRPr lang="en-US"/>
           </a:p>
@@ -15393,6 +15398,258 @@
 </p:notes>
 </file>
 
+<file path=ppt/notesSlides/notesSlide67.xml><?xml version="1.0" encoding="utf-8"?>
+<p:notes xmlns:a="http://schemas.openxmlformats.org/drawingml/2006/main" xmlns:r="http://schemas.openxmlformats.org/officeDocument/2006/relationships" xmlns:p="http://schemas.openxmlformats.org/presentationml/2006/main">
+  <p:cSld>
+    <p:spTree>
+      <p:nvGrpSpPr>
+        <p:cNvPr id="1" name=""/>
+        <p:cNvGrpSpPr/>
+        <p:nvPr/>
+      </p:nvGrpSpPr>
+      <p:grpSpPr>
+        <a:xfrm>
+          <a:off x="0" y="0"/>
+          <a:ext cx="0" cy="0"/>
+          <a:chOff x="0" y="0"/>
+          <a:chExt cx="0" cy="0"/>
+        </a:xfrm>
+      </p:grpSpPr>
+      <p:sp>
+        <p:nvSpPr>
+          <p:cNvPr id="2" name="Slide Image Placeholder 1"/>
+          <p:cNvSpPr>
+            <a:spLocks noGrp="1" noRot="1" noChangeAspect="1"/>
+          </p:cNvSpPr>
+          <p:nvPr>
+            <p:ph type="sldImg"/>
+          </p:nvPr>
+        </p:nvSpPr>
+        <p:spPr/>
+      </p:sp>
+      <p:sp>
+        <p:nvSpPr>
+          <p:cNvPr id="3" name="Notes Placeholder 2"/>
+          <p:cNvSpPr>
+            <a:spLocks noGrp="1"/>
+          </p:cNvSpPr>
+          <p:nvPr>
+            <p:ph type="body" idx="1"/>
+          </p:nvPr>
+        </p:nvSpPr>
+        <p:spPr/>
+        <p:txBody>
+          <a:bodyPr/>
+          <a:lstStyle/>
+          <a:p>
+            <a:endParaRPr lang="en-US" dirty="0"/>
+          </a:p>
+        </p:txBody>
+      </p:sp>
+      <p:sp>
+        <p:nvSpPr>
+          <p:cNvPr id="4" name="Slide Number Placeholder 3"/>
+          <p:cNvSpPr>
+            <a:spLocks noGrp="1"/>
+          </p:cNvSpPr>
+          <p:nvPr>
+            <p:ph type="sldNum" sz="quarter" idx="5"/>
+          </p:nvPr>
+        </p:nvSpPr>
+        <p:spPr/>
+        <p:txBody>
+          <a:bodyPr/>
+          <a:lstStyle/>
+          <a:p>
+            <a:fld id="{3E4A7109-D3E0-47BA-A045-9A99591D35D8}" type="slidenum">
+              <a:rPr lang="en-US" smtClean="0"/>
+              <a:t>68</a:t>
+            </a:fld>
+            <a:endParaRPr lang="en-US"/>
+          </a:p>
+        </p:txBody>
+      </p:sp>
+    </p:spTree>
+    <p:extLst>
+      <p:ext uri="{BB962C8B-B14F-4D97-AF65-F5344CB8AC3E}">
+        <p14:creationId xmlns:p14="http://schemas.microsoft.com/office/powerpoint/2010/main" val="433435492"/>
+      </p:ext>
+    </p:extLst>
+  </p:cSld>
+  <p:clrMapOvr>
+    <a:masterClrMapping/>
+  </p:clrMapOvr>
+</p:notes>
+</file>
+
+<file path=ppt/notesSlides/notesSlide68.xml><?xml version="1.0" encoding="utf-8"?>
+<p:notes xmlns:a="http://schemas.openxmlformats.org/drawingml/2006/main" xmlns:r="http://schemas.openxmlformats.org/officeDocument/2006/relationships" xmlns:p="http://schemas.openxmlformats.org/presentationml/2006/main">
+  <p:cSld>
+    <p:spTree>
+      <p:nvGrpSpPr>
+        <p:cNvPr id="1" name=""/>
+        <p:cNvGrpSpPr/>
+        <p:nvPr/>
+      </p:nvGrpSpPr>
+      <p:grpSpPr>
+        <a:xfrm>
+          <a:off x="0" y="0"/>
+          <a:ext cx="0" cy="0"/>
+          <a:chOff x="0" y="0"/>
+          <a:chExt cx="0" cy="0"/>
+        </a:xfrm>
+      </p:grpSpPr>
+      <p:sp>
+        <p:nvSpPr>
+          <p:cNvPr id="2" name="Slide Image Placeholder 1"/>
+          <p:cNvSpPr>
+            <a:spLocks noGrp="1" noRot="1" noChangeAspect="1"/>
+          </p:cNvSpPr>
+          <p:nvPr>
+            <p:ph type="sldImg"/>
+          </p:nvPr>
+        </p:nvSpPr>
+        <p:spPr/>
+      </p:sp>
+      <p:sp>
+        <p:nvSpPr>
+          <p:cNvPr id="3" name="Notes Placeholder 2"/>
+          <p:cNvSpPr>
+            <a:spLocks noGrp="1"/>
+          </p:cNvSpPr>
+          <p:nvPr>
+            <p:ph type="body" idx="1"/>
+          </p:nvPr>
+        </p:nvSpPr>
+        <p:spPr/>
+        <p:txBody>
+          <a:bodyPr/>
+          <a:lstStyle/>
+          <a:p>
+            <a:endParaRPr lang="en-US" dirty="0"/>
+          </a:p>
+        </p:txBody>
+      </p:sp>
+      <p:sp>
+        <p:nvSpPr>
+          <p:cNvPr id="4" name="Slide Number Placeholder 3"/>
+          <p:cNvSpPr>
+            <a:spLocks noGrp="1"/>
+          </p:cNvSpPr>
+          <p:nvPr>
+            <p:ph type="sldNum" sz="quarter" idx="5"/>
+          </p:nvPr>
+        </p:nvSpPr>
+        <p:spPr/>
+        <p:txBody>
+          <a:bodyPr/>
+          <a:lstStyle/>
+          <a:p>
+            <a:fld id="{3E4A7109-D3E0-47BA-A045-9A99591D35D8}" type="slidenum">
+              <a:rPr lang="en-US" smtClean="0"/>
+              <a:t>69</a:t>
+            </a:fld>
+            <a:endParaRPr lang="en-US"/>
+          </a:p>
+        </p:txBody>
+      </p:sp>
+    </p:spTree>
+    <p:extLst>
+      <p:ext uri="{BB962C8B-B14F-4D97-AF65-F5344CB8AC3E}">
+        <p14:creationId xmlns:p14="http://schemas.microsoft.com/office/powerpoint/2010/main" val="4290350863"/>
+      </p:ext>
+    </p:extLst>
+  </p:cSld>
+  <p:clrMapOvr>
+    <a:masterClrMapping/>
+  </p:clrMapOvr>
+</p:notes>
+</file>
+
+<file path=ppt/notesSlides/notesSlide69.xml><?xml version="1.0" encoding="utf-8"?>
+<p:notes xmlns:a="http://schemas.openxmlformats.org/drawingml/2006/main" xmlns:r="http://schemas.openxmlformats.org/officeDocument/2006/relationships" xmlns:p="http://schemas.openxmlformats.org/presentationml/2006/main">
+  <p:cSld>
+    <p:spTree>
+      <p:nvGrpSpPr>
+        <p:cNvPr id="1" name=""/>
+        <p:cNvGrpSpPr/>
+        <p:nvPr/>
+      </p:nvGrpSpPr>
+      <p:grpSpPr>
+        <a:xfrm>
+          <a:off x="0" y="0"/>
+          <a:ext cx="0" cy="0"/>
+          <a:chOff x="0" y="0"/>
+          <a:chExt cx="0" cy="0"/>
+        </a:xfrm>
+      </p:grpSpPr>
+      <p:sp>
+        <p:nvSpPr>
+          <p:cNvPr id="2" name="Slide Image Placeholder 1"/>
+          <p:cNvSpPr>
+            <a:spLocks noGrp="1" noRot="1" noChangeAspect="1"/>
+          </p:cNvSpPr>
+          <p:nvPr>
+            <p:ph type="sldImg"/>
+          </p:nvPr>
+        </p:nvSpPr>
+        <p:spPr/>
+      </p:sp>
+      <p:sp>
+        <p:nvSpPr>
+          <p:cNvPr id="3" name="Notes Placeholder 2"/>
+          <p:cNvSpPr>
+            <a:spLocks noGrp="1"/>
+          </p:cNvSpPr>
+          <p:nvPr>
+            <p:ph type="body" idx="1"/>
+          </p:nvPr>
+        </p:nvSpPr>
+        <p:spPr/>
+        <p:txBody>
+          <a:bodyPr/>
+          <a:lstStyle/>
+          <a:p>
+            <a:endParaRPr lang="en-US" dirty="0"/>
+          </a:p>
+        </p:txBody>
+      </p:sp>
+      <p:sp>
+        <p:nvSpPr>
+          <p:cNvPr id="4" name="Slide Number Placeholder 3"/>
+          <p:cNvSpPr>
+            <a:spLocks noGrp="1"/>
+          </p:cNvSpPr>
+          <p:nvPr>
+            <p:ph type="sldNum" sz="quarter" idx="5"/>
+          </p:nvPr>
+        </p:nvSpPr>
+        <p:spPr/>
+        <p:txBody>
+          <a:bodyPr/>
+          <a:lstStyle/>
+          <a:p>
+            <a:fld id="{3E4A7109-D3E0-47BA-A045-9A99591D35D8}" type="slidenum">
+              <a:rPr lang="en-US" smtClean="0"/>
+              <a:t>70</a:t>
+            </a:fld>
+            <a:endParaRPr lang="en-US"/>
+          </a:p>
+        </p:txBody>
+      </p:sp>
+    </p:spTree>
+    <p:extLst>
+      <p:ext uri="{BB962C8B-B14F-4D97-AF65-F5344CB8AC3E}">
+        <p14:creationId xmlns:p14="http://schemas.microsoft.com/office/powerpoint/2010/main" val="3690188965"/>
+      </p:ext>
+    </p:extLst>
+  </p:cSld>
+  <p:clrMapOvr>
+    <a:masterClrMapping/>
+  </p:clrMapOvr>
+</p:notes>
+</file>
+
 <file path=ppt/notesSlides/notesSlide7.xml><?xml version="1.0" encoding="utf-8"?>
 <p:notes xmlns:a="http://schemas.openxmlformats.org/drawingml/2006/main" xmlns:r="http://schemas.openxmlformats.org/officeDocument/2006/relationships" xmlns:p="http://schemas.openxmlformats.org/presentationml/2006/main">
   <p:cSld>
@@ -15468,6 +15725,174 @@
     <p:extLst>
       <p:ext uri="{BB962C8B-B14F-4D97-AF65-F5344CB8AC3E}">
         <p14:creationId xmlns:p14="http://schemas.microsoft.com/office/powerpoint/2010/main" val="3537313280"/>
+      </p:ext>
+    </p:extLst>
+  </p:cSld>
+  <p:clrMapOvr>
+    <a:masterClrMapping/>
+  </p:clrMapOvr>
+</p:notes>
+</file>
+
+<file path=ppt/notesSlides/notesSlide70.xml><?xml version="1.0" encoding="utf-8"?>
+<p:notes xmlns:a="http://schemas.openxmlformats.org/drawingml/2006/main" xmlns:r="http://schemas.openxmlformats.org/officeDocument/2006/relationships" xmlns:p="http://schemas.openxmlformats.org/presentationml/2006/main">
+  <p:cSld>
+    <p:spTree>
+      <p:nvGrpSpPr>
+        <p:cNvPr id="1" name=""/>
+        <p:cNvGrpSpPr/>
+        <p:nvPr/>
+      </p:nvGrpSpPr>
+      <p:grpSpPr>
+        <a:xfrm>
+          <a:off x="0" y="0"/>
+          <a:ext cx="0" cy="0"/>
+          <a:chOff x="0" y="0"/>
+          <a:chExt cx="0" cy="0"/>
+        </a:xfrm>
+      </p:grpSpPr>
+      <p:sp>
+        <p:nvSpPr>
+          <p:cNvPr id="2" name="Slide Image Placeholder 1"/>
+          <p:cNvSpPr>
+            <a:spLocks noGrp="1" noRot="1" noChangeAspect="1"/>
+          </p:cNvSpPr>
+          <p:nvPr>
+            <p:ph type="sldImg"/>
+          </p:nvPr>
+        </p:nvSpPr>
+        <p:spPr/>
+      </p:sp>
+      <p:sp>
+        <p:nvSpPr>
+          <p:cNvPr id="3" name="Notes Placeholder 2"/>
+          <p:cNvSpPr>
+            <a:spLocks noGrp="1"/>
+          </p:cNvSpPr>
+          <p:nvPr>
+            <p:ph type="body" idx="1"/>
+          </p:nvPr>
+        </p:nvSpPr>
+        <p:spPr/>
+        <p:txBody>
+          <a:bodyPr/>
+          <a:lstStyle/>
+          <a:p>
+            <a:endParaRPr lang="en-US" dirty="0"/>
+          </a:p>
+        </p:txBody>
+      </p:sp>
+      <p:sp>
+        <p:nvSpPr>
+          <p:cNvPr id="4" name="Slide Number Placeholder 3"/>
+          <p:cNvSpPr>
+            <a:spLocks noGrp="1"/>
+          </p:cNvSpPr>
+          <p:nvPr>
+            <p:ph type="sldNum" sz="quarter" idx="5"/>
+          </p:nvPr>
+        </p:nvSpPr>
+        <p:spPr/>
+        <p:txBody>
+          <a:bodyPr/>
+          <a:lstStyle/>
+          <a:p>
+            <a:fld id="{3E4A7109-D3E0-47BA-A045-9A99591D35D8}" type="slidenum">
+              <a:rPr lang="en-US" smtClean="0"/>
+              <a:t>71</a:t>
+            </a:fld>
+            <a:endParaRPr lang="en-US"/>
+          </a:p>
+        </p:txBody>
+      </p:sp>
+    </p:spTree>
+    <p:extLst>
+      <p:ext uri="{BB962C8B-B14F-4D97-AF65-F5344CB8AC3E}">
+        <p14:creationId xmlns:p14="http://schemas.microsoft.com/office/powerpoint/2010/main" val="559522082"/>
+      </p:ext>
+    </p:extLst>
+  </p:cSld>
+  <p:clrMapOvr>
+    <a:masterClrMapping/>
+  </p:clrMapOvr>
+</p:notes>
+</file>
+
+<file path=ppt/notesSlides/notesSlide71.xml><?xml version="1.0" encoding="utf-8"?>
+<p:notes xmlns:a="http://schemas.openxmlformats.org/drawingml/2006/main" xmlns:r="http://schemas.openxmlformats.org/officeDocument/2006/relationships" xmlns:p="http://schemas.openxmlformats.org/presentationml/2006/main">
+  <p:cSld>
+    <p:spTree>
+      <p:nvGrpSpPr>
+        <p:cNvPr id="1" name=""/>
+        <p:cNvGrpSpPr/>
+        <p:nvPr/>
+      </p:nvGrpSpPr>
+      <p:grpSpPr>
+        <a:xfrm>
+          <a:off x="0" y="0"/>
+          <a:ext cx="0" cy="0"/>
+          <a:chOff x="0" y="0"/>
+          <a:chExt cx="0" cy="0"/>
+        </a:xfrm>
+      </p:grpSpPr>
+      <p:sp>
+        <p:nvSpPr>
+          <p:cNvPr id="2" name="Slide Image Placeholder 1"/>
+          <p:cNvSpPr>
+            <a:spLocks noGrp="1" noRot="1" noChangeAspect="1"/>
+          </p:cNvSpPr>
+          <p:nvPr>
+            <p:ph type="sldImg"/>
+          </p:nvPr>
+        </p:nvSpPr>
+        <p:spPr/>
+      </p:sp>
+      <p:sp>
+        <p:nvSpPr>
+          <p:cNvPr id="3" name="Notes Placeholder 2"/>
+          <p:cNvSpPr>
+            <a:spLocks noGrp="1"/>
+          </p:cNvSpPr>
+          <p:nvPr>
+            <p:ph type="body" idx="1"/>
+          </p:nvPr>
+        </p:nvSpPr>
+        <p:spPr/>
+        <p:txBody>
+          <a:bodyPr/>
+          <a:lstStyle/>
+          <a:p>
+            <a:endParaRPr lang="en-US" dirty="0"/>
+          </a:p>
+        </p:txBody>
+      </p:sp>
+      <p:sp>
+        <p:nvSpPr>
+          <p:cNvPr id="4" name="Slide Number Placeholder 3"/>
+          <p:cNvSpPr>
+            <a:spLocks noGrp="1"/>
+          </p:cNvSpPr>
+          <p:nvPr>
+            <p:ph type="sldNum" sz="quarter" idx="5"/>
+          </p:nvPr>
+        </p:nvSpPr>
+        <p:spPr/>
+        <p:txBody>
+          <a:bodyPr/>
+          <a:lstStyle/>
+          <a:p>
+            <a:fld id="{3E4A7109-D3E0-47BA-A045-9A99591D35D8}" type="slidenum">
+              <a:rPr lang="en-US" smtClean="0"/>
+              <a:t>72</a:t>
+            </a:fld>
+            <a:endParaRPr lang="en-US"/>
+          </a:p>
+        </p:txBody>
+      </p:sp>
+    </p:spTree>
+    <p:extLst>
+      <p:ext uri="{BB962C8B-B14F-4D97-AF65-F5344CB8AC3E}">
+        <p14:creationId xmlns:p14="http://schemas.microsoft.com/office/powerpoint/2010/main" val="3199794039"/>
       </p:ext>
     </p:extLst>
   </p:cSld>
@@ -15792,7 +16217,7 @@
           <a:p>
             <a:fld id="{B8959F3C-9879-4806-ADC7-BA321CD3F53D}" type="datetimeFigureOut">
               <a:rPr lang="en-US" smtClean="0"/>
-              <a:t>15-Aug-24</a:t>
+              <a:t>24-Aug-24</a:t>
             </a:fld>
             <a:endParaRPr lang="en-US"/>
           </a:p>
@@ -15990,7 +16415,7 @@
           <a:p>
             <a:fld id="{B8959F3C-9879-4806-ADC7-BA321CD3F53D}" type="datetimeFigureOut">
               <a:rPr lang="en-US" smtClean="0"/>
-              <a:t>15-Aug-24</a:t>
+              <a:t>24-Aug-24</a:t>
             </a:fld>
             <a:endParaRPr lang="en-US"/>
           </a:p>
@@ -16198,7 +16623,7 @@
           <a:p>
             <a:fld id="{B8959F3C-9879-4806-ADC7-BA321CD3F53D}" type="datetimeFigureOut">
               <a:rPr lang="en-US" smtClean="0"/>
-              <a:t>15-Aug-24</a:t>
+              <a:t>24-Aug-24</a:t>
             </a:fld>
             <a:endParaRPr lang="en-US"/>
           </a:p>
@@ -16396,7 +16821,7 @@
           <a:p>
             <a:fld id="{B8959F3C-9879-4806-ADC7-BA321CD3F53D}" type="datetimeFigureOut">
               <a:rPr lang="en-US" smtClean="0"/>
-              <a:t>15-Aug-24</a:t>
+              <a:t>24-Aug-24</a:t>
             </a:fld>
             <a:endParaRPr lang="en-US"/>
           </a:p>
@@ -16671,7 +17096,7 @@
           <a:p>
             <a:fld id="{B8959F3C-9879-4806-ADC7-BA321CD3F53D}" type="datetimeFigureOut">
               <a:rPr lang="en-US" smtClean="0"/>
-              <a:t>15-Aug-24</a:t>
+              <a:t>24-Aug-24</a:t>
             </a:fld>
             <a:endParaRPr lang="en-US"/>
           </a:p>
@@ -16936,7 +17361,7 @@
           <a:p>
             <a:fld id="{B8959F3C-9879-4806-ADC7-BA321CD3F53D}" type="datetimeFigureOut">
               <a:rPr lang="en-US" smtClean="0"/>
-              <a:t>15-Aug-24</a:t>
+              <a:t>24-Aug-24</a:t>
             </a:fld>
             <a:endParaRPr lang="en-US"/>
           </a:p>
@@ -17348,7 +17773,7 @@
           <a:p>
             <a:fld id="{B8959F3C-9879-4806-ADC7-BA321CD3F53D}" type="datetimeFigureOut">
               <a:rPr lang="en-US" smtClean="0"/>
-              <a:t>15-Aug-24</a:t>
+              <a:t>24-Aug-24</a:t>
             </a:fld>
             <a:endParaRPr lang="en-US"/>
           </a:p>
@@ -17489,7 +17914,7 @@
           <a:p>
             <a:fld id="{B8959F3C-9879-4806-ADC7-BA321CD3F53D}" type="datetimeFigureOut">
               <a:rPr lang="en-US" smtClean="0"/>
-              <a:t>15-Aug-24</a:t>
+              <a:t>24-Aug-24</a:t>
             </a:fld>
             <a:endParaRPr lang="en-US"/>
           </a:p>
@@ -17602,7 +18027,7 @@
           <a:p>
             <a:fld id="{B8959F3C-9879-4806-ADC7-BA321CD3F53D}" type="datetimeFigureOut">
               <a:rPr lang="en-US" smtClean="0"/>
-              <a:t>15-Aug-24</a:t>
+              <a:t>24-Aug-24</a:t>
             </a:fld>
             <a:endParaRPr lang="en-US"/>
           </a:p>
@@ -17913,7 +18338,7 @@
           <a:p>
             <a:fld id="{B8959F3C-9879-4806-ADC7-BA321CD3F53D}" type="datetimeFigureOut">
               <a:rPr lang="en-US" smtClean="0"/>
-              <a:t>15-Aug-24</a:t>
+              <a:t>24-Aug-24</a:t>
             </a:fld>
             <a:endParaRPr lang="en-US"/>
           </a:p>
@@ -18201,7 +18626,7 @@
           <a:p>
             <a:fld id="{B8959F3C-9879-4806-ADC7-BA321CD3F53D}" type="datetimeFigureOut">
               <a:rPr lang="en-US" smtClean="0"/>
-              <a:t>15-Aug-24</a:t>
+              <a:t>24-Aug-24</a:t>
             </a:fld>
             <a:endParaRPr lang="en-US"/>
           </a:p>
@@ -18442,7 +18867,7 @@
           <a:p>
             <a:fld id="{B8959F3C-9879-4806-ADC7-BA321CD3F53D}" type="datetimeFigureOut">
               <a:rPr lang="en-US" smtClean="0"/>
-              <a:t>15-Aug-24</a:t>
+              <a:t>24-Aug-24</a:t>
             </a:fld>
             <a:endParaRPr lang="en-US"/>
           </a:p>
@@ -39429,6 +39854,306 @@
 </p:sld>
 </file>
 
+<file path=ppt/slides/slide68.xml><?xml version="1.0" encoding="utf-8"?>
+<p:sld xmlns:a="http://schemas.openxmlformats.org/drawingml/2006/main" xmlns:r="http://schemas.openxmlformats.org/officeDocument/2006/relationships" xmlns:p="http://schemas.openxmlformats.org/presentationml/2006/main">
+  <p:cSld>
+    <p:spTree>
+      <p:nvGrpSpPr>
+        <p:cNvPr id="1" name=""/>
+        <p:cNvGrpSpPr/>
+        <p:nvPr/>
+      </p:nvGrpSpPr>
+      <p:grpSpPr>
+        <a:xfrm>
+          <a:off x="0" y="0"/>
+          <a:ext cx="0" cy="0"/>
+          <a:chOff x="0" y="0"/>
+          <a:chExt cx="0" cy="0"/>
+        </a:xfrm>
+      </p:grpSpPr>
+      <p:sp>
+        <p:nvSpPr>
+          <p:cNvPr id="2" name="Title 1">
+            <a:extLst>
+              <a:ext uri="{FF2B5EF4-FFF2-40B4-BE49-F238E27FC236}">
+                <a16:creationId xmlns:a16="http://schemas.microsoft.com/office/drawing/2014/main" id="{1F8717B5-F992-3362-0E17-84D889214116}"/>
+              </a:ext>
+            </a:extLst>
+          </p:cNvPr>
+          <p:cNvSpPr>
+            <a:spLocks noGrp="1"/>
+          </p:cNvSpPr>
+          <p:nvPr>
+            <p:ph type="title"/>
+          </p:nvPr>
+        </p:nvSpPr>
+        <p:spPr/>
+        <p:txBody>
+          <a:bodyPr>
+            <a:normAutofit/>
+          </a:bodyPr>
+          <a:lstStyle/>
+          <a:p>
+            <a:r>
+              <a:rPr lang="en-US" sz="2400" b="1" dirty="0"/>
+              <a:t>System-User Prompt Results</a:t>
+            </a:r>
+          </a:p>
+        </p:txBody>
+      </p:sp>
+      <p:sp>
+        <p:nvSpPr>
+          <p:cNvPr id="3" name="Content Placeholder 2">
+            <a:extLst>
+              <a:ext uri="{FF2B5EF4-FFF2-40B4-BE49-F238E27FC236}">
+                <a16:creationId xmlns:a16="http://schemas.microsoft.com/office/drawing/2014/main" id="{6A1CF6AE-4BFF-FA1F-6998-093945033E5D}"/>
+              </a:ext>
+            </a:extLst>
+          </p:cNvPr>
+          <p:cNvSpPr>
+            <a:spLocks noGrp="1"/>
+          </p:cNvSpPr>
+          <p:nvPr>
+            <p:ph idx="1"/>
+          </p:nvPr>
+        </p:nvSpPr>
+        <p:spPr/>
+        <p:txBody>
+          <a:bodyPr>
+            <a:normAutofit/>
+          </a:bodyPr>
+          <a:lstStyle/>
+          <a:p>
+            <a:r>
+              <a:rPr lang="en-US" sz="1800" dirty="0"/>
+              <a:t>Now for this part, we changed the code in  a way that accepts both roles of ‘user’ and ‘system’.</a:t>
+            </a:r>
+          </a:p>
+          <a:p>
+            <a:endParaRPr lang="en-US" sz="1800" dirty="0"/>
+          </a:p>
+          <a:p>
+            <a:endParaRPr lang="en-US" sz="1800" dirty="0"/>
+          </a:p>
+          <a:p>
+            <a:endParaRPr lang="en-US" sz="1800" dirty="0"/>
+          </a:p>
+          <a:p>
+            <a:endParaRPr lang="en-US" sz="1800" dirty="0"/>
+          </a:p>
+          <a:p>
+            <a:endParaRPr lang="en-US" sz="1800" dirty="0"/>
+          </a:p>
+          <a:p>
+            <a:endParaRPr lang="en-US" sz="1800" dirty="0"/>
+          </a:p>
+          <a:p>
+            <a:endParaRPr lang="en-US" sz="1800" dirty="0"/>
+          </a:p>
+          <a:p>
+            <a:endParaRPr lang="en-US" sz="1800" dirty="0"/>
+          </a:p>
+          <a:p>
+            <a:endParaRPr lang="en-US" sz="1800" dirty="0"/>
+          </a:p>
+          <a:p>
+            <a:r>
+              <a:rPr lang="en-US" sz="1800" dirty="0"/>
+              <a:t>It should be mentioned that gemma2 doesn’t support any other role than ‘user’.</a:t>
+            </a:r>
+          </a:p>
+        </p:txBody>
+      </p:sp>
+      <p:pic>
+        <p:nvPicPr>
+          <p:cNvPr id="5" name="Picture 4">
+            <a:extLst>
+              <a:ext uri="{FF2B5EF4-FFF2-40B4-BE49-F238E27FC236}">
+                <a16:creationId xmlns:a16="http://schemas.microsoft.com/office/drawing/2014/main" id="{DD144E5C-C559-74C2-7F01-FB156F495AF7}"/>
+              </a:ext>
+            </a:extLst>
+          </p:cNvPr>
+          <p:cNvPicPr>
+            <a:picLocks noChangeAspect="1"/>
+          </p:cNvPicPr>
+          <p:nvPr/>
+        </p:nvPicPr>
+        <p:blipFill>
+          <a:blip r:embed="rId3"/>
+          <a:stretch>
+            <a:fillRect/>
+          </a:stretch>
+        </p:blipFill>
+        <p:spPr>
+          <a:xfrm>
+            <a:off x="3040931" y="2479174"/>
+            <a:ext cx="6110137" cy="2090310"/>
+          </a:xfrm>
+          <a:prstGeom prst="rect">
+            <a:avLst/>
+          </a:prstGeom>
+        </p:spPr>
+      </p:pic>
+    </p:spTree>
+    <p:extLst>
+      <p:ext uri="{BB962C8B-B14F-4D97-AF65-F5344CB8AC3E}">
+        <p14:creationId xmlns:p14="http://schemas.microsoft.com/office/powerpoint/2010/main" val="2844519372"/>
+      </p:ext>
+    </p:extLst>
+  </p:cSld>
+  <p:clrMapOvr>
+    <a:masterClrMapping/>
+  </p:clrMapOvr>
+</p:sld>
+</file>
+
+<file path=ppt/slides/slide69.xml><?xml version="1.0" encoding="utf-8"?>
+<p:sld xmlns:a="http://schemas.openxmlformats.org/drawingml/2006/main" xmlns:r="http://schemas.openxmlformats.org/officeDocument/2006/relationships" xmlns:p="http://schemas.openxmlformats.org/presentationml/2006/main">
+  <p:cSld>
+    <p:spTree>
+      <p:nvGrpSpPr>
+        <p:cNvPr id="1" name=""/>
+        <p:cNvGrpSpPr/>
+        <p:nvPr/>
+      </p:nvGrpSpPr>
+      <p:grpSpPr>
+        <a:xfrm>
+          <a:off x="0" y="0"/>
+          <a:ext cx="0" cy="0"/>
+          <a:chOff x="0" y="0"/>
+          <a:chExt cx="0" cy="0"/>
+        </a:xfrm>
+      </p:grpSpPr>
+      <p:sp>
+        <p:nvSpPr>
+          <p:cNvPr id="2" name="Title 1">
+            <a:extLst>
+              <a:ext uri="{FF2B5EF4-FFF2-40B4-BE49-F238E27FC236}">
+                <a16:creationId xmlns:a16="http://schemas.microsoft.com/office/drawing/2014/main" id="{1F8717B5-F992-3362-0E17-84D889214116}"/>
+              </a:ext>
+            </a:extLst>
+          </p:cNvPr>
+          <p:cNvSpPr>
+            <a:spLocks noGrp="1"/>
+          </p:cNvSpPr>
+          <p:nvPr>
+            <p:ph type="title"/>
+          </p:nvPr>
+        </p:nvSpPr>
+        <p:spPr/>
+        <p:txBody>
+          <a:bodyPr>
+            <a:normAutofit/>
+          </a:bodyPr>
+          <a:lstStyle/>
+          <a:p>
+            <a:r>
+              <a:rPr lang="en-US" sz="2400" b="1" dirty="0"/>
+              <a:t>System-User Prompt Results</a:t>
+            </a:r>
+          </a:p>
+        </p:txBody>
+      </p:sp>
+      <p:sp>
+        <p:nvSpPr>
+          <p:cNvPr id="3" name="Content Placeholder 2">
+            <a:extLst>
+              <a:ext uri="{FF2B5EF4-FFF2-40B4-BE49-F238E27FC236}">
+                <a16:creationId xmlns:a16="http://schemas.microsoft.com/office/drawing/2014/main" id="{6A1CF6AE-4BFF-FA1F-6998-093945033E5D}"/>
+              </a:ext>
+            </a:extLst>
+          </p:cNvPr>
+          <p:cNvSpPr>
+            <a:spLocks noGrp="1"/>
+          </p:cNvSpPr>
+          <p:nvPr>
+            <p:ph idx="1"/>
+          </p:nvPr>
+        </p:nvSpPr>
+        <p:spPr/>
+        <p:txBody>
+          <a:bodyPr>
+            <a:normAutofit/>
+          </a:bodyPr>
+          <a:lstStyle/>
+          <a:p>
+            <a:r>
+              <a:rPr lang="en-US" sz="1800" dirty="0"/>
+              <a:t>Moreover, we changed the system prompt to English and maintained the input and samples in Persian.</a:t>
+            </a:r>
+          </a:p>
+          <a:p>
+            <a:endParaRPr lang="en-US" sz="1800" dirty="0"/>
+          </a:p>
+          <a:p>
+            <a:endParaRPr lang="en-US" sz="1800" dirty="0"/>
+          </a:p>
+          <a:p>
+            <a:endParaRPr lang="en-US" sz="1800" dirty="0"/>
+          </a:p>
+          <a:p>
+            <a:endParaRPr lang="en-US" sz="1800" dirty="0"/>
+          </a:p>
+          <a:p>
+            <a:endParaRPr lang="en-US" sz="1800" dirty="0"/>
+          </a:p>
+          <a:p>
+            <a:endParaRPr lang="en-US" sz="1800" dirty="0"/>
+          </a:p>
+          <a:p>
+            <a:endParaRPr lang="en-US" sz="1800" dirty="0"/>
+          </a:p>
+          <a:p>
+            <a:endParaRPr lang="en-US" sz="1800" dirty="0"/>
+          </a:p>
+          <a:p>
+            <a:endParaRPr lang="en-US" sz="1800" dirty="0"/>
+          </a:p>
+        </p:txBody>
+      </p:sp>
+      <p:pic>
+        <p:nvPicPr>
+          <p:cNvPr id="6" name="Picture 5">
+            <a:extLst>
+              <a:ext uri="{FF2B5EF4-FFF2-40B4-BE49-F238E27FC236}">
+                <a16:creationId xmlns:a16="http://schemas.microsoft.com/office/drawing/2014/main" id="{FDD82058-4F6F-FFE3-B171-1D06335A1947}"/>
+              </a:ext>
+            </a:extLst>
+          </p:cNvPr>
+          <p:cNvPicPr>
+            <a:picLocks noChangeAspect="1"/>
+          </p:cNvPicPr>
+          <p:nvPr/>
+        </p:nvPicPr>
+        <p:blipFill>
+          <a:blip r:embed="rId3"/>
+          <a:stretch>
+            <a:fillRect/>
+          </a:stretch>
+        </p:blipFill>
+        <p:spPr>
+          <a:xfrm>
+            <a:off x="2061633" y="2256285"/>
+            <a:ext cx="8068733" cy="4236590"/>
+          </a:xfrm>
+          <a:prstGeom prst="rect">
+            <a:avLst/>
+          </a:prstGeom>
+        </p:spPr>
+      </p:pic>
+    </p:spTree>
+    <p:extLst>
+      <p:ext uri="{BB962C8B-B14F-4D97-AF65-F5344CB8AC3E}">
+        <p14:creationId xmlns:p14="http://schemas.microsoft.com/office/powerpoint/2010/main" val="4275123974"/>
+      </p:ext>
+    </p:extLst>
+  </p:cSld>
+  <p:clrMapOvr>
+    <a:masterClrMapping/>
+  </p:clrMapOvr>
+</p:sld>
+</file>
+
 <file path=ppt/slides/slide7.xml><?xml version="1.0" encoding="utf-8"?>
 <p:sld xmlns:a="http://schemas.openxmlformats.org/drawingml/2006/main" xmlns:r="http://schemas.openxmlformats.org/officeDocument/2006/relationships" xmlns:p="http://schemas.openxmlformats.org/presentationml/2006/main">
   <p:cSld>
@@ -39579,6 +40304,615 @@
     <p:extLst>
       <p:ext uri="{BB962C8B-B14F-4D97-AF65-F5344CB8AC3E}">
         <p14:creationId xmlns:p14="http://schemas.microsoft.com/office/powerpoint/2010/main" val="839679835"/>
+      </p:ext>
+    </p:extLst>
+  </p:cSld>
+  <p:clrMapOvr>
+    <a:masterClrMapping/>
+  </p:clrMapOvr>
+</p:sld>
+</file>
+
+<file path=ppt/slides/slide70.xml><?xml version="1.0" encoding="utf-8"?>
+<p:sld xmlns:a="http://schemas.openxmlformats.org/drawingml/2006/main" xmlns:r="http://schemas.openxmlformats.org/officeDocument/2006/relationships" xmlns:p="http://schemas.openxmlformats.org/presentationml/2006/main">
+  <p:cSld>
+    <p:spTree>
+      <p:nvGrpSpPr>
+        <p:cNvPr id="1" name=""/>
+        <p:cNvGrpSpPr/>
+        <p:nvPr/>
+      </p:nvGrpSpPr>
+      <p:grpSpPr>
+        <a:xfrm>
+          <a:off x="0" y="0"/>
+          <a:ext cx="0" cy="0"/>
+          <a:chOff x="0" y="0"/>
+          <a:chExt cx="0" cy="0"/>
+        </a:xfrm>
+      </p:grpSpPr>
+      <p:sp>
+        <p:nvSpPr>
+          <p:cNvPr id="2" name="Title 1">
+            <a:extLst>
+              <a:ext uri="{FF2B5EF4-FFF2-40B4-BE49-F238E27FC236}">
+                <a16:creationId xmlns:a16="http://schemas.microsoft.com/office/drawing/2014/main" id="{1F8717B5-F992-3362-0E17-84D889214116}"/>
+              </a:ext>
+            </a:extLst>
+          </p:cNvPr>
+          <p:cNvSpPr>
+            <a:spLocks noGrp="1"/>
+          </p:cNvSpPr>
+          <p:nvPr>
+            <p:ph type="title"/>
+          </p:nvPr>
+        </p:nvSpPr>
+        <p:spPr/>
+        <p:txBody>
+          <a:bodyPr>
+            <a:normAutofit/>
+          </a:bodyPr>
+          <a:lstStyle/>
+          <a:p>
+            <a:r>
+              <a:rPr lang="en-US" sz="2400" b="1" dirty="0"/>
+              <a:t>System-User Prompt Results</a:t>
+            </a:r>
+          </a:p>
+        </p:txBody>
+      </p:sp>
+      <p:sp>
+        <p:nvSpPr>
+          <p:cNvPr id="3" name="Content Placeholder 2">
+            <a:extLst>
+              <a:ext uri="{FF2B5EF4-FFF2-40B4-BE49-F238E27FC236}">
+                <a16:creationId xmlns:a16="http://schemas.microsoft.com/office/drawing/2014/main" id="{6A1CF6AE-4BFF-FA1F-6998-093945033E5D}"/>
+              </a:ext>
+            </a:extLst>
+          </p:cNvPr>
+          <p:cNvSpPr>
+            <a:spLocks noGrp="1"/>
+          </p:cNvSpPr>
+          <p:nvPr>
+            <p:ph idx="1"/>
+          </p:nvPr>
+        </p:nvSpPr>
+        <p:spPr/>
+        <p:txBody>
+          <a:bodyPr>
+            <a:normAutofit/>
+          </a:bodyPr>
+          <a:lstStyle/>
+          <a:p>
+            <a:r>
+              <a:rPr lang="en-US" sz="1800" dirty="0"/>
+              <a:t>The shown figure illustrates the result for the first 400 samples with k=20 shot learning and in only title mode. </a:t>
+            </a:r>
+            <a:endParaRPr lang="fa-IR" sz="1800" dirty="0"/>
+          </a:p>
+          <a:p>
+            <a:endParaRPr lang="fa-IR" sz="1800" dirty="0"/>
+          </a:p>
+          <a:p>
+            <a:endParaRPr lang="fa-IR" sz="1800" dirty="0"/>
+          </a:p>
+          <a:p>
+            <a:endParaRPr lang="fa-IR" sz="1800" dirty="0"/>
+          </a:p>
+          <a:p>
+            <a:endParaRPr lang="fa-IR" sz="1800" dirty="0"/>
+          </a:p>
+          <a:p>
+            <a:endParaRPr lang="fa-IR" sz="1800" dirty="0"/>
+          </a:p>
+          <a:p>
+            <a:endParaRPr lang="fa-IR" sz="1800" dirty="0"/>
+          </a:p>
+          <a:p>
+            <a:endParaRPr lang="fa-IR" sz="1800" dirty="0"/>
+          </a:p>
+          <a:p>
+            <a:endParaRPr lang="fa-IR" sz="1800" dirty="0"/>
+          </a:p>
+          <a:p>
+            <a:endParaRPr lang="fa-IR" sz="1800" dirty="0"/>
+          </a:p>
+          <a:p>
+            <a:r>
+              <a:rPr lang="en-US" sz="1800" dirty="0"/>
+              <a:t>Here the ‘important’ and ‘not important’ labels are used.</a:t>
+            </a:r>
+          </a:p>
+          <a:p>
+            <a:endParaRPr lang="fa-IR" sz="1800" dirty="0"/>
+          </a:p>
+          <a:p>
+            <a:endParaRPr lang="fa-IR" sz="1800" dirty="0"/>
+          </a:p>
+          <a:p>
+            <a:endParaRPr lang="fa-IR" sz="1800" dirty="0"/>
+          </a:p>
+          <a:p>
+            <a:endParaRPr lang="fa-IR" sz="1800" dirty="0"/>
+          </a:p>
+          <a:p>
+            <a:endParaRPr lang="fa-IR" sz="1800" dirty="0"/>
+          </a:p>
+          <a:p>
+            <a:endParaRPr lang="fa-IR" sz="1800" dirty="0"/>
+          </a:p>
+          <a:p>
+            <a:pPr marL="0" indent="0">
+              <a:buNone/>
+            </a:pPr>
+            <a:endParaRPr lang="fa-IR" sz="1800" dirty="0"/>
+          </a:p>
+          <a:p>
+            <a:pPr marL="0" indent="0">
+              <a:buNone/>
+            </a:pPr>
+            <a:endParaRPr lang="en-US" sz="1800" dirty="0"/>
+          </a:p>
+          <a:p>
+            <a:endParaRPr lang="en-US" sz="1800" dirty="0"/>
+          </a:p>
+          <a:p>
+            <a:endParaRPr lang="en-US" sz="1800" dirty="0"/>
+          </a:p>
+          <a:p>
+            <a:endParaRPr lang="en-US" sz="1800" dirty="0"/>
+          </a:p>
+          <a:p>
+            <a:endParaRPr lang="en-US" sz="1800" dirty="0"/>
+          </a:p>
+          <a:p>
+            <a:endParaRPr lang="en-US" sz="1800" dirty="0"/>
+          </a:p>
+          <a:p>
+            <a:endParaRPr lang="en-US" sz="1800" dirty="0"/>
+          </a:p>
+          <a:p>
+            <a:endParaRPr lang="en-US" sz="1800" dirty="0"/>
+          </a:p>
+        </p:txBody>
+      </p:sp>
+      <p:pic>
+        <p:nvPicPr>
+          <p:cNvPr id="5" name="Picture 4">
+            <a:extLst>
+              <a:ext uri="{FF2B5EF4-FFF2-40B4-BE49-F238E27FC236}">
+                <a16:creationId xmlns:a16="http://schemas.microsoft.com/office/drawing/2014/main" id="{0A491E78-F363-BFC6-9806-107BA14804DC}"/>
+              </a:ext>
+            </a:extLst>
+          </p:cNvPr>
+          <p:cNvPicPr>
+            <a:picLocks noChangeAspect="1"/>
+          </p:cNvPicPr>
+          <p:nvPr/>
+        </p:nvPicPr>
+        <p:blipFill>
+          <a:blip r:embed="rId3"/>
+          <a:stretch>
+            <a:fillRect/>
+          </a:stretch>
+        </p:blipFill>
+        <p:spPr>
+          <a:xfrm>
+            <a:off x="3561996" y="2586634"/>
+            <a:ext cx="5068007" cy="2829320"/>
+          </a:xfrm>
+          <a:prstGeom prst="rect">
+            <a:avLst/>
+          </a:prstGeom>
+        </p:spPr>
+      </p:pic>
+    </p:spTree>
+    <p:extLst>
+      <p:ext uri="{BB962C8B-B14F-4D97-AF65-F5344CB8AC3E}">
+        <p14:creationId xmlns:p14="http://schemas.microsoft.com/office/powerpoint/2010/main" val="3084591752"/>
+      </p:ext>
+    </p:extLst>
+  </p:cSld>
+  <p:clrMapOvr>
+    <a:masterClrMapping/>
+  </p:clrMapOvr>
+</p:sld>
+</file>
+
+<file path=ppt/slides/slide71.xml><?xml version="1.0" encoding="utf-8"?>
+<p:sld xmlns:a="http://schemas.openxmlformats.org/drawingml/2006/main" xmlns:r="http://schemas.openxmlformats.org/officeDocument/2006/relationships" xmlns:p="http://schemas.openxmlformats.org/presentationml/2006/main">
+  <p:cSld>
+    <p:spTree>
+      <p:nvGrpSpPr>
+        <p:cNvPr id="1" name=""/>
+        <p:cNvGrpSpPr/>
+        <p:nvPr/>
+      </p:nvGrpSpPr>
+      <p:grpSpPr>
+        <a:xfrm>
+          <a:off x="0" y="0"/>
+          <a:ext cx="0" cy="0"/>
+          <a:chOff x="0" y="0"/>
+          <a:chExt cx="0" cy="0"/>
+        </a:xfrm>
+      </p:grpSpPr>
+      <p:sp>
+        <p:nvSpPr>
+          <p:cNvPr id="2" name="Title 1">
+            <a:extLst>
+              <a:ext uri="{FF2B5EF4-FFF2-40B4-BE49-F238E27FC236}">
+                <a16:creationId xmlns:a16="http://schemas.microsoft.com/office/drawing/2014/main" id="{1F8717B5-F992-3362-0E17-84D889214116}"/>
+              </a:ext>
+            </a:extLst>
+          </p:cNvPr>
+          <p:cNvSpPr>
+            <a:spLocks noGrp="1"/>
+          </p:cNvSpPr>
+          <p:nvPr>
+            <p:ph type="title"/>
+          </p:nvPr>
+        </p:nvSpPr>
+        <p:spPr/>
+        <p:txBody>
+          <a:bodyPr>
+            <a:normAutofit/>
+          </a:bodyPr>
+          <a:lstStyle/>
+          <a:p>
+            <a:r>
+              <a:rPr lang="en-US" sz="2400" b="1" dirty="0"/>
+              <a:t>System-User Prompt Results</a:t>
+            </a:r>
+          </a:p>
+        </p:txBody>
+      </p:sp>
+      <p:sp>
+        <p:nvSpPr>
+          <p:cNvPr id="3" name="Content Placeholder 2">
+            <a:extLst>
+              <a:ext uri="{FF2B5EF4-FFF2-40B4-BE49-F238E27FC236}">
+                <a16:creationId xmlns:a16="http://schemas.microsoft.com/office/drawing/2014/main" id="{6A1CF6AE-4BFF-FA1F-6998-093945033E5D}"/>
+              </a:ext>
+            </a:extLst>
+          </p:cNvPr>
+          <p:cNvSpPr>
+            <a:spLocks noGrp="1"/>
+          </p:cNvSpPr>
+          <p:nvPr>
+            <p:ph idx="1"/>
+          </p:nvPr>
+        </p:nvSpPr>
+        <p:spPr/>
+        <p:txBody>
+          <a:bodyPr>
+            <a:normAutofit/>
+          </a:bodyPr>
+          <a:lstStyle/>
+          <a:p>
+            <a:r>
+              <a:rPr lang="en-US" sz="1800" dirty="0"/>
+              <a:t>In conclusion, it seems that both ‘system-user’ prompt design and using English system prompt result in better performance.</a:t>
+            </a:r>
+          </a:p>
+          <a:p>
+            <a:pPr lvl="1"/>
+            <a:r>
+              <a:rPr lang="en-US" sz="1400" dirty="0"/>
+              <a:t>It is highly possible that the model has better reasoning power in English rather than Persian.</a:t>
+            </a:r>
+          </a:p>
+          <a:p>
+            <a:endParaRPr lang="en-US" sz="1800" dirty="0"/>
+          </a:p>
+          <a:p>
+            <a:endParaRPr lang="en-US" sz="1800" dirty="0"/>
+          </a:p>
+          <a:p>
+            <a:endParaRPr lang="en-US" sz="1800" dirty="0"/>
+          </a:p>
+          <a:p>
+            <a:endParaRPr lang="en-US" sz="1800" dirty="0"/>
+          </a:p>
+          <a:p>
+            <a:endParaRPr lang="en-US" sz="1800" dirty="0"/>
+          </a:p>
+          <a:p>
+            <a:endParaRPr lang="en-US" sz="1800" dirty="0"/>
+          </a:p>
+          <a:p>
+            <a:endParaRPr lang="en-US" sz="1800" dirty="0"/>
+          </a:p>
+          <a:p>
+            <a:endParaRPr lang="en-US" sz="1800" dirty="0"/>
+          </a:p>
+          <a:p>
+            <a:endParaRPr lang="en-US" sz="1800" dirty="0"/>
+          </a:p>
+          <a:p>
+            <a:endParaRPr lang="fa-IR" sz="1800" dirty="0"/>
+          </a:p>
+          <a:p>
+            <a:endParaRPr lang="fa-IR" sz="1800" dirty="0"/>
+          </a:p>
+          <a:p>
+            <a:endParaRPr lang="fa-IR" sz="1800" dirty="0"/>
+          </a:p>
+          <a:p>
+            <a:endParaRPr lang="fa-IR" sz="1800" dirty="0"/>
+          </a:p>
+          <a:p>
+            <a:endParaRPr lang="fa-IR" sz="1800" dirty="0"/>
+          </a:p>
+          <a:p>
+            <a:endParaRPr lang="fa-IR" sz="1800" dirty="0"/>
+          </a:p>
+          <a:p>
+            <a:endParaRPr lang="fa-IR" sz="1800" dirty="0"/>
+          </a:p>
+          <a:p>
+            <a:endParaRPr lang="fa-IR" sz="1800" dirty="0"/>
+          </a:p>
+          <a:p>
+            <a:endParaRPr lang="fa-IR" sz="1800" dirty="0"/>
+          </a:p>
+          <a:p>
+            <a:endParaRPr lang="fa-IR" sz="1800" dirty="0"/>
+          </a:p>
+          <a:p>
+            <a:endParaRPr lang="fa-IR" sz="1800" dirty="0"/>
+          </a:p>
+          <a:p>
+            <a:endParaRPr lang="fa-IR" sz="1800" dirty="0"/>
+          </a:p>
+          <a:p>
+            <a:endParaRPr lang="fa-IR" sz="1800" dirty="0"/>
+          </a:p>
+          <a:p>
+            <a:endParaRPr lang="fa-IR" sz="1800" dirty="0"/>
+          </a:p>
+          <a:p>
+            <a:endParaRPr lang="fa-IR" sz="1800" dirty="0"/>
+          </a:p>
+          <a:p>
+            <a:pPr marL="0" indent="0">
+              <a:buNone/>
+            </a:pPr>
+            <a:endParaRPr lang="fa-IR" sz="1800" dirty="0"/>
+          </a:p>
+          <a:p>
+            <a:pPr marL="0" indent="0">
+              <a:buNone/>
+            </a:pPr>
+            <a:endParaRPr lang="en-US" sz="1800" dirty="0"/>
+          </a:p>
+          <a:p>
+            <a:endParaRPr lang="en-US" sz="1800" dirty="0"/>
+          </a:p>
+          <a:p>
+            <a:endParaRPr lang="en-US" sz="1800" dirty="0"/>
+          </a:p>
+          <a:p>
+            <a:endParaRPr lang="en-US" sz="1800" dirty="0"/>
+          </a:p>
+          <a:p>
+            <a:endParaRPr lang="en-US" sz="1800" dirty="0"/>
+          </a:p>
+          <a:p>
+            <a:endParaRPr lang="en-US" sz="1800" dirty="0"/>
+          </a:p>
+          <a:p>
+            <a:endParaRPr lang="en-US" sz="1800" dirty="0"/>
+          </a:p>
+          <a:p>
+            <a:endParaRPr lang="en-US" sz="1800" dirty="0"/>
+          </a:p>
+        </p:txBody>
+      </p:sp>
+    </p:spTree>
+    <p:extLst>
+      <p:ext uri="{BB962C8B-B14F-4D97-AF65-F5344CB8AC3E}">
+        <p14:creationId xmlns:p14="http://schemas.microsoft.com/office/powerpoint/2010/main" val="904095047"/>
+      </p:ext>
+    </p:extLst>
+  </p:cSld>
+  <p:clrMapOvr>
+    <a:masterClrMapping/>
+  </p:clrMapOvr>
+</p:sld>
+</file>
+
+<file path=ppt/slides/slide72.xml><?xml version="1.0" encoding="utf-8"?>
+<p:sld xmlns:a="http://schemas.openxmlformats.org/drawingml/2006/main" xmlns:r="http://schemas.openxmlformats.org/officeDocument/2006/relationships" xmlns:p="http://schemas.openxmlformats.org/presentationml/2006/main">
+  <p:cSld>
+    <p:spTree>
+      <p:nvGrpSpPr>
+        <p:cNvPr id="1" name=""/>
+        <p:cNvGrpSpPr/>
+        <p:nvPr/>
+      </p:nvGrpSpPr>
+      <p:grpSpPr>
+        <a:xfrm>
+          <a:off x="0" y="0"/>
+          <a:ext cx="0" cy="0"/>
+          <a:chOff x="0" y="0"/>
+          <a:chExt cx="0" cy="0"/>
+        </a:xfrm>
+      </p:grpSpPr>
+      <p:sp>
+        <p:nvSpPr>
+          <p:cNvPr id="2" name="Title 1">
+            <a:extLst>
+              <a:ext uri="{FF2B5EF4-FFF2-40B4-BE49-F238E27FC236}">
+                <a16:creationId xmlns:a16="http://schemas.microsoft.com/office/drawing/2014/main" id="{1F8717B5-F992-3362-0E17-84D889214116}"/>
+              </a:ext>
+            </a:extLst>
+          </p:cNvPr>
+          <p:cNvSpPr>
+            <a:spLocks noGrp="1"/>
+          </p:cNvSpPr>
+          <p:nvPr>
+            <p:ph type="title"/>
+          </p:nvPr>
+        </p:nvSpPr>
+        <p:spPr/>
+        <p:txBody>
+          <a:bodyPr>
+            <a:normAutofit/>
+          </a:bodyPr>
+          <a:lstStyle/>
+          <a:p>
+            <a:r>
+              <a:rPr lang="en-US" sz="2400" b="1" dirty="0"/>
+              <a:t>System-User Prompt Results</a:t>
+            </a:r>
+          </a:p>
+        </p:txBody>
+      </p:sp>
+      <p:sp>
+        <p:nvSpPr>
+          <p:cNvPr id="3" name="Content Placeholder 2">
+            <a:extLst>
+              <a:ext uri="{FF2B5EF4-FFF2-40B4-BE49-F238E27FC236}">
+                <a16:creationId xmlns:a16="http://schemas.microsoft.com/office/drawing/2014/main" id="{6A1CF6AE-4BFF-FA1F-6998-093945033E5D}"/>
+              </a:ext>
+            </a:extLst>
+          </p:cNvPr>
+          <p:cNvSpPr>
+            <a:spLocks noGrp="1"/>
+          </p:cNvSpPr>
+          <p:nvPr>
+            <p:ph idx="1"/>
+          </p:nvPr>
+        </p:nvSpPr>
+        <p:spPr/>
+        <p:txBody>
+          <a:bodyPr>
+            <a:normAutofit/>
+          </a:bodyPr>
+          <a:lstStyle/>
+          <a:p>
+            <a:r>
+              <a:rPr lang="en-US" sz="1800" dirty="0"/>
+              <a:t>In further step, we changed the labels to ‘0’ and ‘1’s and here is the results.</a:t>
+            </a:r>
+          </a:p>
+          <a:p>
+            <a:endParaRPr lang="en-US" sz="1800" dirty="0"/>
+          </a:p>
+          <a:p>
+            <a:endParaRPr lang="en-US" sz="1800" dirty="0"/>
+          </a:p>
+          <a:p>
+            <a:endParaRPr lang="en-US" sz="1800" dirty="0"/>
+          </a:p>
+          <a:p>
+            <a:endParaRPr lang="en-US" sz="1800" dirty="0"/>
+          </a:p>
+          <a:p>
+            <a:endParaRPr lang="en-US" sz="1800" dirty="0"/>
+          </a:p>
+          <a:p>
+            <a:endParaRPr lang="en-US" sz="1800" dirty="0"/>
+          </a:p>
+          <a:p>
+            <a:endParaRPr lang="en-US" sz="1800" dirty="0"/>
+          </a:p>
+          <a:p>
+            <a:endParaRPr lang="en-US" sz="1800" dirty="0"/>
+          </a:p>
+          <a:p>
+            <a:endParaRPr lang="en-US" sz="1800" dirty="0"/>
+          </a:p>
+          <a:p>
+            <a:r>
+              <a:rPr lang="en-US" sz="1800" dirty="0"/>
+              <a:t>As we can see there are fewer ‘1’ label predicted hence the overall f1-score saw a increase.</a:t>
+            </a:r>
+            <a:endParaRPr lang="fa-IR" sz="1800" dirty="0"/>
+          </a:p>
+          <a:p>
+            <a:endParaRPr lang="fa-IR" sz="1800" dirty="0"/>
+          </a:p>
+          <a:p>
+            <a:endParaRPr lang="fa-IR" sz="1800" dirty="0"/>
+          </a:p>
+          <a:p>
+            <a:endParaRPr lang="fa-IR" sz="1800" dirty="0"/>
+          </a:p>
+          <a:p>
+            <a:endParaRPr lang="fa-IR" sz="1800" dirty="0"/>
+          </a:p>
+          <a:p>
+            <a:endParaRPr lang="fa-IR" sz="1800" dirty="0"/>
+          </a:p>
+          <a:p>
+            <a:endParaRPr lang="fa-IR" sz="1800" dirty="0"/>
+          </a:p>
+          <a:p>
+            <a:endParaRPr lang="fa-IR" sz="1800" dirty="0"/>
+          </a:p>
+          <a:p>
+            <a:endParaRPr lang="fa-IR" sz="1800" dirty="0"/>
+          </a:p>
+          <a:p>
+            <a:endParaRPr lang="fa-IR" sz="1800" dirty="0"/>
+          </a:p>
+          <a:p>
+            <a:endParaRPr lang="fa-IR" sz="1800" dirty="0"/>
+          </a:p>
+          <a:p>
+            <a:endParaRPr lang="fa-IR" sz="1800" dirty="0"/>
+          </a:p>
+          <a:p>
+            <a:endParaRPr lang="fa-IR" sz="1800" dirty="0"/>
+          </a:p>
+          <a:p>
+            <a:endParaRPr lang="fa-IR" sz="1800" dirty="0"/>
+          </a:p>
+          <a:p>
+            <a:endParaRPr lang="fa-IR" sz="1800" dirty="0"/>
+          </a:p>
+          <a:p>
+            <a:endParaRPr lang="fa-IR" sz="1800" dirty="0"/>
+          </a:p>
+          <a:p>
+            <a:pPr marL="0" indent="0">
+              <a:buNone/>
+            </a:pPr>
+            <a:endParaRPr lang="fa-IR" sz="1800" dirty="0"/>
+          </a:p>
+          <a:p>
+            <a:pPr marL="0" indent="0">
+              <a:buNone/>
+            </a:pPr>
+            <a:endParaRPr lang="en-US" sz="1800" dirty="0"/>
+          </a:p>
+          <a:p>
+            <a:endParaRPr lang="en-US" sz="1800" dirty="0"/>
+          </a:p>
+          <a:p>
+            <a:endParaRPr lang="en-US" sz="1800" dirty="0"/>
+          </a:p>
+          <a:p>
+            <a:endParaRPr lang="en-US" sz="1800" dirty="0"/>
+          </a:p>
+          <a:p>
+            <a:endParaRPr lang="en-US" sz="1800" dirty="0"/>
+          </a:p>
+          <a:p>
+            <a:endParaRPr lang="en-US" sz="1800" dirty="0"/>
+          </a:p>
+          <a:p>
+            <a:endParaRPr lang="en-US" sz="1800" dirty="0"/>
+          </a:p>
+          <a:p>
+            <a:endParaRPr lang="en-US" sz="1800" dirty="0"/>
+          </a:p>
+        </p:txBody>
+      </p:sp>
+    </p:spTree>
+    <p:extLst>
+      <p:ext uri="{BB962C8B-B14F-4D97-AF65-F5344CB8AC3E}">
+        <p14:creationId xmlns:p14="http://schemas.microsoft.com/office/powerpoint/2010/main" val="3388934467"/>
       </p:ext>
     </p:extLst>
   </p:cSld>
